--- a/Final Project/Group_3_FinalProject.pptx
+++ b/Final Project/Group_3_FinalProject.pptx
@@ -8,7 +8,9 @@
     <p:sldId id="256" r:id="rId2"/>
     <p:sldId id="257" r:id="rId3"/>
     <p:sldId id="259" r:id="rId4"/>
-    <p:sldId id="258" r:id="rId5"/>
+    <p:sldId id="260" r:id="rId5"/>
+    <p:sldId id="261" r:id="rId6"/>
+    <p:sldId id="258" r:id="rId7"/>
   </p:sldIdLst>
   <p:sldSz cx="12192000" cy="6858000"/>
   <p:notesSz cx="6858000" cy="9144000"/>
@@ -107,7 +109,38 @@
       </a:defRPr>
     </a:lvl9pPr>
   </p:defaultTextStyle>
+  <p:extLst>
+    <p:ext uri="{EFAFB233-063F-42B5-8137-9DF3F51BA10A}">
+      <p15:sldGuideLst xmlns:p15="http://schemas.microsoft.com/office/powerpoint/2012/main"/>
+    </p:ext>
+  </p:extLst>
 </p:presentation>
+</file>
+
+<file path=ppt/commentAuthors.xml><?xml version="1.0" encoding="utf-8"?>
+<p:cmAuthorLst xmlns:a="http://schemas.openxmlformats.org/drawingml/2006/main" xmlns:r="http://schemas.openxmlformats.org/officeDocument/2006/relationships" xmlns:p="http://schemas.openxmlformats.org/presentationml/2006/main">
+  <p:cmAuthor id="1" name="Neil Shah" initials="NS" lastIdx="1" clrIdx="0">
+    <p:extLst>
+      <p:ext uri="{19B8F6BF-5375-455C-9EA6-DF929625EA0E}">
+        <p15:presenceInfo xmlns:p15="http://schemas.microsoft.com/office/powerpoint/2012/main" userId="1d37be75da74ae71" providerId="Windows Live"/>
+      </p:ext>
+    </p:extLst>
+  </p:cmAuthor>
+</p:cmAuthorLst>
+</file>
+
+<file path=ppt/comments/comment1.xml><?xml version="1.0" encoding="utf-8"?>
+<p:cmLst xmlns:a="http://schemas.openxmlformats.org/drawingml/2006/main" xmlns:r="http://schemas.openxmlformats.org/officeDocument/2006/relationships" xmlns:p="http://schemas.openxmlformats.org/presentationml/2006/main">
+  <p:cm authorId="1" dt="2020-12-16T18:02:38.699" idx="1">
+    <p:pos x="2963" y="2886"/>
+    <p:text/>
+    <p:extLst>
+      <p:ext uri="{C676402C-5697-4E1C-873F-D02D1690AC5C}">
+        <p15:threadingInfo xmlns:p15="http://schemas.microsoft.com/office/powerpoint/2012/main" timeZoneBias="300"/>
+      </p:ext>
+    </p:extLst>
+  </p:cm>
+</p:cmLst>
 </file>
 
 <file path=ppt/slideLayouts/slideLayout1.xml><?xml version="1.0" encoding="utf-8"?>
@@ -257,7 +290,7 @@
           <a:p>
             <a:fld id="{0B0F0A04-CDF7-4D76-BC6D-0B3E0AA8FBCD}" type="datetimeFigureOut">
               <a:rPr lang="en-US" smtClean="0"/>
-              <a:t>12/5/2020</a:t>
+              <a:t>12/16/2020</a:t>
             </a:fld>
             <a:endParaRPr lang="en-US"/>
           </a:p>
@@ -455,7 +488,7 @@
           <a:p>
             <a:fld id="{0B0F0A04-CDF7-4D76-BC6D-0B3E0AA8FBCD}" type="datetimeFigureOut">
               <a:rPr lang="en-US" smtClean="0"/>
-              <a:t>12/5/2020</a:t>
+              <a:t>12/16/2020</a:t>
             </a:fld>
             <a:endParaRPr lang="en-US"/>
           </a:p>
@@ -663,7 +696,7 @@
           <a:p>
             <a:fld id="{0B0F0A04-CDF7-4D76-BC6D-0B3E0AA8FBCD}" type="datetimeFigureOut">
               <a:rPr lang="en-US" smtClean="0"/>
-              <a:t>12/5/2020</a:t>
+              <a:t>12/16/2020</a:t>
             </a:fld>
             <a:endParaRPr lang="en-US"/>
           </a:p>
@@ -861,7 +894,7 @@
           <a:p>
             <a:fld id="{0B0F0A04-CDF7-4D76-BC6D-0B3E0AA8FBCD}" type="datetimeFigureOut">
               <a:rPr lang="en-US" smtClean="0"/>
-              <a:t>12/5/2020</a:t>
+              <a:t>12/16/2020</a:t>
             </a:fld>
             <a:endParaRPr lang="en-US"/>
           </a:p>
@@ -1136,7 +1169,7 @@
           <a:p>
             <a:fld id="{0B0F0A04-CDF7-4D76-BC6D-0B3E0AA8FBCD}" type="datetimeFigureOut">
               <a:rPr lang="en-US" smtClean="0"/>
-              <a:t>12/5/2020</a:t>
+              <a:t>12/16/2020</a:t>
             </a:fld>
             <a:endParaRPr lang="en-US"/>
           </a:p>
@@ -1401,7 +1434,7 @@
           <a:p>
             <a:fld id="{0B0F0A04-CDF7-4D76-BC6D-0B3E0AA8FBCD}" type="datetimeFigureOut">
               <a:rPr lang="en-US" smtClean="0"/>
-              <a:t>12/5/2020</a:t>
+              <a:t>12/16/2020</a:t>
             </a:fld>
             <a:endParaRPr lang="en-US"/>
           </a:p>
@@ -1813,7 +1846,7 @@
           <a:p>
             <a:fld id="{0B0F0A04-CDF7-4D76-BC6D-0B3E0AA8FBCD}" type="datetimeFigureOut">
               <a:rPr lang="en-US" smtClean="0"/>
-              <a:t>12/5/2020</a:t>
+              <a:t>12/16/2020</a:t>
             </a:fld>
             <a:endParaRPr lang="en-US"/>
           </a:p>
@@ -1954,7 +1987,7 @@
           <a:p>
             <a:fld id="{0B0F0A04-CDF7-4D76-BC6D-0B3E0AA8FBCD}" type="datetimeFigureOut">
               <a:rPr lang="en-US" smtClean="0"/>
-              <a:t>12/5/2020</a:t>
+              <a:t>12/16/2020</a:t>
             </a:fld>
             <a:endParaRPr lang="en-US"/>
           </a:p>
@@ -2067,7 +2100,7 @@
           <a:p>
             <a:fld id="{0B0F0A04-CDF7-4D76-BC6D-0B3E0AA8FBCD}" type="datetimeFigureOut">
               <a:rPr lang="en-US" smtClean="0"/>
-              <a:t>12/5/2020</a:t>
+              <a:t>12/16/2020</a:t>
             </a:fld>
             <a:endParaRPr lang="en-US"/>
           </a:p>
@@ -2378,7 +2411,7 @@
           <a:p>
             <a:fld id="{0B0F0A04-CDF7-4D76-BC6D-0B3E0AA8FBCD}" type="datetimeFigureOut">
               <a:rPr lang="en-US" smtClean="0"/>
-              <a:t>12/5/2020</a:t>
+              <a:t>12/16/2020</a:t>
             </a:fld>
             <a:endParaRPr lang="en-US"/>
           </a:p>
@@ -2666,7 +2699,7 @@
           <a:p>
             <a:fld id="{0B0F0A04-CDF7-4D76-BC6D-0B3E0AA8FBCD}" type="datetimeFigureOut">
               <a:rPr lang="en-US" smtClean="0"/>
-              <a:t>12/5/2020</a:t>
+              <a:t>12/16/2020</a:t>
             </a:fld>
             <a:endParaRPr lang="en-US"/>
           </a:p>
@@ -2907,7 +2940,7 @@
           <a:p>
             <a:fld id="{0B0F0A04-CDF7-4D76-BC6D-0B3E0AA8FBCD}" type="datetimeFigureOut">
               <a:rPr lang="en-US" smtClean="0"/>
-              <a:t>12/5/2020</a:t>
+              <a:t>12/16/2020</a:t>
             </a:fld>
             <a:endParaRPr lang="en-US"/>
           </a:p>
@@ -3310,6 +3343,14 @@
 <file path=ppt/slides/slide1.xml><?xml version="1.0" encoding="utf-8"?>
 <p:sld xmlns:a="http://schemas.openxmlformats.org/drawingml/2006/main" xmlns:r="http://schemas.openxmlformats.org/officeDocument/2006/relationships" xmlns:p="http://schemas.openxmlformats.org/presentationml/2006/main">
   <p:cSld>
+    <p:bg>
+      <p:bgPr>
+        <a:solidFill>
+          <a:schemeClr val="bg1"/>
+        </a:solidFill>
+        <a:effectLst/>
+      </p:bgPr>
+    </p:bg>
     <p:spTree>
       <p:nvGrpSpPr>
         <p:cNvPr id="1" name=""/>
@@ -3326,6 +3367,504 @@
       </p:grpSpPr>
       <p:sp>
         <p:nvSpPr>
+          <p:cNvPr id="8" name="Rectangle 7">
+            <a:extLst>
+              <a:ext uri="{FF2B5EF4-FFF2-40B4-BE49-F238E27FC236}">
+                <a16:creationId xmlns:a16="http://schemas.microsoft.com/office/drawing/2014/main" id="{179F7551-E956-43CB-8F36-268A5DA443BE}"/>
+              </a:ext>
+              <a:ext uri="{C183D7F6-B498-43B3-948B-1728B52AA6E4}">
+                <adec:decorative xmlns:adec="http://schemas.microsoft.com/office/drawing/2017/decorative" val="1"/>
+              </a:ext>
+            </a:extLst>
+          </p:cNvPr>
+          <p:cNvSpPr>
+            <a:spLocks noGrp="1" noRot="1" noChangeAspect="1" noMove="1" noResize="1" noEditPoints="1" noAdjustHandles="1" noChangeArrowheads="1" noChangeShapeType="1" noTextEdit="1"/>
+          </p:cNvSpPr>
+          <p:nvPr>
+            <p:extLst>
+              <p:ext uri="{386F3935-93C4-4BCD-93E2-E3B085C9AB24}">
+                <p16:designElem xmlns:p16="http://schemas.microsoft.com/office/powerpoint/2015/main" val="1"/>
+              </p:ext>
+            </p:extLst>
+          </p:nvPr>
+        </p:nvSpPr>
+        <p:spPr>
+          <a:xfrm>
+            <a:off x="1524" y="0"/>
+            <a:ext cx="12188952" cy="6858000"/>
+          </a:xfrm>
+          <a:prstGeom prst="rect">
+            <a:avLst/>
+          </a:prstGeom>
+          <a:solidFill>
+            <a:schemeClr val="tx1"/>
+          </a:solidFill>
+          <a:ln>
+            <a:noFill/>
+          </a:ln>
+        </p:spPr>
+        <p:style>
+          <a:lnRef idx="2">
+            <a:schemeClr val="accent1">
+              <a:shade val="50000"/>
+            </a:schemeClr>
+          </a:lnRef>
+          <a:fillRef idx="1">
+            <a:schemeClr val="accent1"/>
+          </a:fillRef>
+          <a:effectRef idx="0">
+            <a:schemeClr val="accent1"/>
+          </a:effectRef>
+          <a:fontRef idx="minor">
+            <a:schemeClr val="lt1"/>
+          </a:fontRef>
+        </p:style>
+        <p:txBody>
+          <a:bodyPr rtlCol="0" anchor="ctr"/>
+          <a:lstStyle/>
+          <a:p>
+            <a:pPr marL="0" marR="0" lvl="0" indent="0" algn="ctr" defTabSz="914400" rtl="0" eaLnBrk="1" fontAlgn="auto" latinLnBrk="0" hangingPunct="1">
+              <a:lnSpc>
+                <a:spcPct val="100000"/>
+              </a:lnSpc>
+              <a:spcBef>
+                <a:spcPts val="0"/>
+              </a:spcBef>
+              <a:spcAft>
+                <a:spcPts val="0"/>
+              </a:spcAft>
+              <a:buClrTx/>
+              <a:buSzTx/>
+              <a:buFontTx/>
+              <a:buNone/>
+              <a:tabLst/>
+              <a:defRPr/>
+            </a:pPr>
+            <a:endParaRPr kumimoji="0" lang="en-US" sz="1800" b="0" i="0" u="none" strike="noStrike" kern="1200" cap="none" spc="0" normalizeH="0" baseline="0" noProof="0">
+              <a:ln>
+                <a:noFill/>
+              </a:ln>
+              <a:solidFill>
+                <a:prstClr val="white"/>
+              </a:solidFill>
+              <a:effectLst/>
+              <a:uLnTx/>
+              <a:uFillTx/>
+              <a:latin typeface="Calibri" panose="020F0502020204030204"/>
+              <a:ea typeface="+mn-ea"/>
+              <a:cs typeface="+mn-cs"/>
+            </a:endParaRPr>
+          </a:p>
+        </p:txBody>
+      </p:sp>
+      <p:sp>
+        <p:nvSpPr>
+          <p:cNvPr id="10" name="Freeform: Shape 9">
+            <a:extLst>
+              <a:ext uri="{FF2B5EF4-FFF2-40B4-BE49-F238E27FC236}">
+                <a16:creationId xmlns:a16="http://schemas.microsoft.com/office/drawing/2014/main" id="{80677D43-DB57-4254-BD60-C0C10917DBC4}"/>
+              </a:ext>
+              <a:ext uri="{C183D7F6-B498-43B3-948B-1728B52AA6E4}">
+                <adec:decorative xmlns:adec="http://schemas.microsoft.com/office/drawing/2017/decorative" val="1"/>
+              </a:ext>
+            </a:extLst>
+          </p:cNvPr>
+          <p:cNvSpPr>
+            <a:spLocks noGrp="1" noRot="1" noChangeAspect="1" noMove="1" noResize="1" noEditPoints="1" noAdjustHandles="1" noChangeArrowheads="1" noChangeShapeType="1" noTextEdit="1"/>
+          </p:cNvSpPr>
+          <p:nvPr>
+            <p:extLst>
+              <p:ext uri="{386F3935-93C4-4BCD-93E2-E3B085C9AB24}">
+                <p16:designElem xmlns:p16="http://schemas.microsoft.com/office/powerpoint/2015/main" val="1"/>
+              </p:ext>
+            </p:extLst>
+          </p:nvPr>
+        </p:nvSpPr>
+        <p:spPr>
+          <a:xfrm>
+            <a:off x="4293155" y="457200"/>
+            <a:ext cx="7898845" cy="5909113"/>
+          </a:xfrm>
+          <a:custGeom>
+            <a:avLst/>
+            <a:gdLst>
+              <a:gd name="connsiteX0" fmla="*/ 3848214 w 7898845"/>
+              <a:gd name="connsiteY0" fmla="*/ 0 h 5909113"/>
+              <a:gd name="connsiteX1" fmla="*/ 7898845 w 7898845"/>
+              <a:gd name="connsiteY1" fmla="*/ 0 h 5909113"/>
+              <a:gd name="connsiteX2" fmla="*/ 7898845 w 7898845"/>
+              <a:gd name="connsiteY2" fmla="*/ 5907437 h 5909113"/>
+              <a:gd name="connsiteX3" fmla="*/ 7778213 w 7898845"/>
+              <a:gd name="connsiteY3" fmla="*/ 5907437 h 5909113"/>
+              <a:gd name="connsiteX4" fmla="*/ 7778213 w 7898845"/>
+              <a:gd name="connsiteY4" fmla="*/ 5909093 h 5909113"/>
+              <a:gd name="connsiteX5" fmla="*/ 7485321 w 7898845"/>
+              <a:gd name="connsiteY5" fmla="*/ 5909093 h 5909113"/>
+              <a:gd name="connsiteX6" fmla="*/ 7485321 w 7898845"/>
+              <a:gd name="connsiteY6" fmla="*/ 5909094 h 5909113"/>
+              <a:gd name="connsiteX7" fmla="*/ 4228895 w 7898845"/>
+              <a:gd name="connsiteY7" fmla="*/ 5909094 h 5909113"/>
+              <a:gd name="connsiteX8" fmla="*/ 4228895 w 7898845"/>
+              <a:gd name="connsiteY8" fmla="*/ 5909112 h 5909113"/>
+              <a:gd name="connsiteX9" fmla="*/ 3936003 w 7898845"/>
+              <a:gd name="connsiteY9" fmla="*/ 5909112 h 5909113"/>
+              <a:gd name="connsiteX10" fmla="*/ 3936003 w 7898845"/>
+              <a:gd name="connsiteY10" fmla="*/ 5909113 h 5909113"/>
+              <a:gd name="connsiteX11" fmla="*/ 0 w 7898845"/>
+              <a:gd name="connsiteY11" fmla="*/ 5909113 h 5909113"/>
+              <a:gd name="connsiteX12" fmla="*/ 2796838 w 7898845"/>
+              <a:gd name="connsiteY12" fmla="*/ 1676 h 5909113"/>
+              <a:gd name="connsiteX13" fmla="*/ 2916686 w 7898845"/>
+              <a:gd name="connsiteY13" fmla="*/ 1676 h 5909113"/>
+              <a:gd name="connsiteX14" fmla="*/ 2917470 w 7898845"/>
+              <a:gd name="connsiteY14" fmla="*/ 20 h 5909113"/>
+              <a:gd name="connsiteX15" fmla="*/ 3210362 w 7898845"/>
+              <a:gd name="connsiteY15" fmla="*/ 20 h 5909113"/>
+              <a:gd name="connsiteX16" fmla="*/ 3210362 w 7898845"/>
+              <a:gd name="connsiteY16" fmla="*/ 19 h 5909113"/>
+              <a:gd name="connsiteX17" fmla="*/ 3555322 w 7898845"/>
+              <a:gd name="connsiteY17" fmla="*/ 19 h 5909113"/>
+              <a:gd name="connsiteX18" fmla="*/ 3555322 w 7898845"/>
+              <a:gd name="connsiteY18" fmla="*/ 1 h 5909113"/>
+              <a:gd name="connsiteX19" fmla="*/ 3848214 w 7898845"/>
+              <a:gd name="connsiteY19" fmla="*/ 1 h 5909113"/>
+            </a:gdLst>
+            <a:ahLst/>
+            <a:cxnLst>
+              <a:cxn ang="0">
+                <a:pos x="connsiteX0" y="connsiteY0"/>
+              </a:cxn>
+              <a:cxn ang="0">
+                <a:pos x="connsiteX1" y="connsiteY1"/>
+              </a:cxn>
+              <a:cxn ang="0">
+                <a:pos x="connsiteX2" y="connsiteY2"/>
+              </a:cxn>
+              <a:cxn ang="0">
+                <a:pos x="connsiteX3" y="connsiteY3"/>
+              </a:cxn>
+              <a:cxn ang="0">
+                <a:pos x="connsiteX4" y="connsiteY4"/>
+              </a:cxn>
+              <a:cxn ang="0">
+                <a:pos x="connsiteX5" y="connsiteY5"/>
+              </a:cxn>
+              <a:cxn ang="0">
+                <a:pos x="connsiteX6" y="connsiteY6"/>
+              </a:cxn>
+              <a:cxn ang="0">
+                <a:pos x="connsiteX7" y="connsiteY7"/>
+              </a:cxn>
+              <a:cxn ang="0">
+                <a:pos x="connsiteX8" y="connsiteY8"/>
+              </a:cxn>
+              <a:cxn ang="0">
+                <a:pos x="connsiteX9" y="connsiteY9"/>
+              </a:cxn>
+              <a:cxn ang="0">
+                <a:pos x="connsiteX10" y="connsiteY10"/>
+              </a:cxn>
+              <a:cxn ang="0">
+                <a:pos x="connsiteX11" y="connsiteY11"/>
+              </a:cxn>
+              <a:cxn ang="0">
+                <a:pos x="connsiteX12" y="connsiteY12"/>
+              </a:cxn>
+              <a:cxn ang="0">
+                <a:pos x="connsiteX13" y="connsiteY13"/>
+              </a:cxn>
+              <a:cxn ang="0">
+                <a:pos x="connsiteX14" y="connsiteY14"/>
+              </a:cxn>
+              <a:cxn ang="0">
+                <a:pos x="connsiteX15" y="connsiteY15"/>
+              </a:cxn>
+              <a:cxn ang="0">
+                <a:pos x="connsiteX16" y="connsiteY16"/>
+              </a:cxn>
+              <a:cxn ang="0">
+                <a:pos x="connsiteX17" y="connsiteY17"/>
+              </a:cxn>
+              <a:cxn ang="0">
+                <a:pos x="connsiteX18" y="connsiteY18"/>
+              </a:cxn>
+              <a:cxn ang="0">
+                <a:pos x="connsiteX19" y="connsiteY19"/>
+              </a:cxn>
+            </a:cxnLst>
+            <a:rect l="l" t="t" r="r" b="b"/>
+            <a:pathLst>
+              <a:path w="7898845" h="5909113">
+                <a:moveTo>
+                  <a:pt x="3848214" y="0"/>
+                </a:moveTo>
+                <a:lnTo>
+                  <a:pt x="7898845" y="0"/>
+                </a:lnTo>
+                <a:lnTo>
+                  <a:pt x="7898845" y="5907437"/>
+                </a:lnTo>
+                <a:lnTo>
+                  <a:pt x="7778213" y="5907437"/>
+                </a:lnTo>
+                <a:lnTo>
+                  <a:pt x="7778213" y="5909093"/>
+                </a:lnTo>
+                <a:lnTo>
+                  <a:pt x="7485321" y="5909093"/>
+                </a:lnTo>
+                <a:lnTo>
+                  <a:pt x="7485321" y="5909094"/>
+                </a:lnTo>
+                <a:lnTo>
+                  <a:pt x="4228895" y="5909094"/>
+                </a:lnTo>
+                <a:lnTo>
+                  <a:pt x="4228895" y="5909112"/>
+                </a:lnTo>
+                <a:lnTo>
+                  <a:pt x="3936003" y="5909112"/>
+                </a:lnTo>
+                <a:lnTo>
+                  <a:pt x="3936003" y="5909113"/>
+                </a:lnTo>
+                <a:lnTo>
+                  <a:pt x="0" y="5909113"/>
+                </a:lnTo>
+                <a:lnTo>
+                  <a:pt x="2796838" y="1676"/>
+                </a:lnTo>
+                <a:lnTo>
+                  <a:pt x="2916686" y="1676"/>
+                </a:lnTo>
+                <a:lnTo>
+                  <a:pt x="2917470" y="20"/>
+                </a:lnTo>
+                <a:lnTo>
+                  <a:pt x="3210362" y="20"/>
+                </a:lnTo>
+                <a:lnTo>
+                  <a:pt x="3210362" y="19"/>
+                </a:lnTo>
+                <a:lnTo>
+                  <a:pt x="3555322" y="19"/>
+                </a:lnTo>
+                <a:lnTo>
+                  <a:pt x="3555322" y="1"/>
+                </a:lnTo>
+                <a:lnTo>
+                  <a:pt x="3848214" y="1"/>
+                </a:lnTo>
+                <a:close/>
+              </a:path>
+            </a:pathLst>
+          </a:custGeom>
+          <a:solidFill>
+            <a:srgbClr val="B4B4B4">
+              <a:alpha val="50000"/>
+            </a:srgbClr>
+          </a:solidFill>
+          <a:ln>
+            <a:noFill/>
+          </a:ln>
+        </p:spPr>
+        <p:style>
+          <a:lnRef idx="2">
+            <a:schemeClr val="accent1">
+              <a:shade val="50000"/>
+            </a:schemeClr>
+          </a:lnRef>
+          <a:fillRef idx="1">
+            <a:schemeClr val="accent1"/>
+          </a:fillRef>
+          <a:effectRef idx="0">
+            <a:schemeClr val="accent1"/>
+          </a:effectRef>
+          <a:fontRef idx="minor">
+            <a:schemeClr val="lt1"/>
+          </a:fontRef>
+        </p:style>
+        <p:txBody>
+          <a:bodyPr wrap="square" rtlCol="0" anchor="ctr">
+            <a:noAutofit/>
+          </a:bodyPr>
+          <a:lstStyle/>
+          <a:p>
+            <a:pPr marL="0" marR="0" lvl="0" indent="0" algn="ctr" defTabSz="914400" rtl="0" eaLnBrk="1" fontAlgn="auto" latinLnBrk="0" hangingPunct="1">
+              <a:lnSpc>
+                <a:spcPct val="100000"/>
+              </a:lnSpc>
+              <a:spcBef>
+                <a:spcPts val="0"/>
+              </a:spcBef>
+              <a:spcAft>
+                <a:spcPts val="0"/>
+              </a:spcAft>
+              <a:buClrTx/>
+              <a:buSzTx/>
+              <a:buFontTx/>
+              <a:buNone/>
+              <a:tabLst/>
+              <a:defRPr/>
+            </a:pPr>
+            <a:endParaRPr kumimoji="0" lang="en-US" sz="1800" b="0" i="0" u="none" strike="noStrike" kern="1200" cap="none" spc="0" normalizeH="0" baseline="0" noProof="0">
+              <a:ln>
+                <a:noFill/>
+              </a:ln>
+              <a:solidFill>
+                <a:prstClr val="white"/>
+              </a:solidFill>
+              <a:effectLst/>
+              <a:uLnTx/>
+              <a:uFillTx/>
+              <a:latin typeface="Calibri" panose="020F0502020204030204"/>
+              <a:ea typeface="+mn-ea"/>
+              <a:cs typeface="+mn-cs"/>
+            </a:endParaRPr>
+          </a:p>
+        </p:txBody>
+      </p:sp>
+      <p:sp>
+        <p:nvSpPr>
+          <p:cNvPr id="12" name="Freeform: Shape 11">
+            <a:extLst>
+              <a:ext uri="{FF2B5EF4-FFF2-40B4-BE49-F238E27FC236}">
+                <a16:creationId xmlns:a16="http://schemas.microsoft.com/office/drawing/2014/main" id="{DF0924E5-8F0D-47CB-B59E-155AFCF8C3CB}"/>
+              </a:ext>
+              <a:ext uri="{C183D7F6-B498-43B3-948B-1728B52AA6E4}">
+                <adec:decorative xmlns:adec="http://schemas.microsoft.com/office/drawing/2017/decorative" val="1"/>
+              </a:ext>
+            </a:extLst>
+          </p:cNvPr>
+          <p:cNvSpPr>
+            <a:spLocks noGrp="1" noRot="1" noChangeAspect="1" noMove="1" noResize="1" noEditPoints="1" noAdjustHandles="1" noChangeArrowheads="1" noChangeShapeType="1" noTextEdit="1"/>
+          </p:cNvSpPr>
+          <p:nvPr>
+            <p:extLst>
+              <p:ext uri="{386F3935-93C4-4BCD-93E2-E3B085C9AB24}">
+                <p16:designElem xmlns:p16="http://schemas.microsoft.com/office/powerpoint/2015/main" val="1"/>
+              </p:ext>
+            </p:extLst>
+          </p:nvPr>
+        </p:nvSpPr>
+        <p:spPr>
+          <a:xfrm>
+            <a:off x="0" y="458858"/>
+            <a:ext cx="6769978" cy="5907437"/>
+          </a:xfrm>
+          <a:custGeom>
+            <a:avLst/>
+            <a:gdLst>
+              <a:gd name="connsiteX0" fmla="*/ 0 w 6769978"/>
+              <a:gd name="connsiteY0" fmla="*/ 0 h 5905761"/>
+              <a:gd name="connsiteX1" fmla="*/ 6769978 w 6769978"/>
+              <a:gd name="connsiteY1" fmla="*/ 0 h 5905761"/>
+              <a:gd name="connsiteX2" fmla="*/ 3973138 w 6769978"/>
+              <a:gd name="connsiteY2" fmla="*/ 5905761 h 5905761"/>
+              <a:gd name="connsiteX3" fmla="*/ 0 w 6769978"/>
+              <a:gd name="connsiteY3" fmla="*/ 5905761 h 5905761"/>
+            </a:gdLst>
+            <a:ahLst/>
+            <a:cxnLst>
+              <a:cxn ang="0">
+                <a:pos x="connsiteX0" y="connsiteY0"/>
+              </a:cxn>
+              <a:cxn ang="0">
+                <a:pos x="connsiteX1" y="connsiteY1"/>
+              </a:cxn>
+              <a:cxn ang="0">
+                <a:pos x="connsiteX2" y="connsiteY2"/>
+              </a:cxn>
+              <a:cxn ang="0">
+                <a:pos x="connsiteX3" y="connsiteY3"/>
+              </a:cxn>
+            </a:cxnLst>
+            <a:rect l="l" t="t" r="r" b="b"/>
+            <a:pathLst>
+              <a:path w="6769978" h="5905761">
+                <a:moveTo>
+                  <a:pt x="0" y="0"/>
+                </a:moveTo>
+                <a:lnTo>
+                  <a:pt x="6769978" y="0"/>
+                </a:lnTo>
+                <a:lnTo>
+                  <a:pt x="3973138" y="5905761"/>
+                </a:lnTo>
+                <a:lnTo>
+                  <a:pt x="0" y="5905761"/>
+                </a:lnTo>
+                <a:close/>
+              </a:path>
+            </a:pathLst>
+          </a:custGeom>
+          <a:solidFill>
+            <a:srgbClr val="303030"/>
+          </a:solidFill>
+          <a:ln>
+            <a:noFill/>
+          </a:ln>
+        </p:spPr>
+        <p:style>
+          <a:lnRef idx="2">
+            <a:schemeClr val="accent1">
+              <a:shade val="50000"/>
+            </a:schemeClr>
+          </a:lnRef>
+          <a:fillRef idx="1">
+            <a:schemeClr val="accent1"/>
+          </a:fillRef>
+          <a:effectRef idx="0">
+            <a:schemeClr val="accent1"/>
+          </a:effectRef>
+          <a:fontRef idx="minor">
+            <a:schemeClr val="lt1"/>
+          </a:fontRef>
+        </p:style>
+        <p:txBody>
+          <a:bodyPr wrap="square" rtlCol="0" anchor="ctr">
+            <a:noAutofit/>
+          </a:bodyPr>
+          <a:lstStyle/>
+          <a:p>
+            <a:pPr marL="0" marR="0" lvl="0" indent="0" algn="ctr" defTabSz="914400" rtl="0" eaLnBrk="1" fontAlgn="auto" latinLnBrk="0" hangingPunct="1">
+              <a:lnSpc>
+                <a:spcPct val="100000"/>
+              </a:lnSpc>
+              <a:spcBef>
+                <a:spcPts val="0"/>
+              </a:spcBef>
+              <a:spcAft>
+                <a:spcPts val="0"/>
+              </a:spcAft>
+              <a:buClrTx/>
+              <a:buSzTx/>
+              <a:buFontTx/>
+              <a:buNone/>
+              <a:tabLst/>
+              <a:defRPr/>
+            </a:pPr>
+            <a:endParaRPr kumimoji="0" lang="en-US" sz="1800" b="0" i="0" u="none" strike="noStrike" kern="1200" cap="none" spc="0" normalizeH="0" baseline="0" noProof="0">
+              <a:ln>
+                <a:noFill/>
+              </a:ln>
+              <a:solidFill>
+                <a:prstClr val="black">
+                  <a:lumMod val="95000"/>
+                </a:prstClr>
+              </a:solidFill>
+              <a:effectLst/>
+              <a:uLnTx/>
+              <a:uFillTx/>
+              <a:latin typeface="Calibri" panose="020F0502020204030204"/>
+              <a:ea typeface="+mn-ea"/>
+              <a:cs typeface="+mn-cs"/>
+            </a:endParaRPr>
+          </a:p>
+        </p:txBody>
+      </p:sp>
+      <p:sp>
+        <p:nvSpPr>
           <p:cNvPr id="2" name="Title 1">
             <a:extLst>
               <a:ext uri="{FF2B5EF4-FFF2-40B4-BE49-F238E27FC236}">
@@ -3340,29 +3879,50 @@
             <p:ph type="ctrTitle"/>
           </p:nvPr>
         </p:nvSpPr>
-        <p:spPr/>
+        <p:spPr>
+          <a:xfrm>
+            <a:off x="838200" y="992088"/>
+            <a:ext cx="4277264" cy="2862729"/>
+          </a:xfrm>
+        </p:spPr>
         <p:txBody>
-          <a:bodyPr/>
+          <a:bodyPr vert="horz" lIns="91440" tIns="45720" rIns="91440" bIns="45720" rtlCol="0" anchor="b">
+            <a:normAutofit/>
+          </a:bodyPr>
           <a:lstStyle/>
           <a:p>
-            <a:r>
-              <a:rPr lang="en-US" sz="3200" b="1" dirty="0">
+            <a:pPr algn="l"/>
+            <a:r>
+              <a:rPr lang="en-US" sz="3000" b="1" kern="1200">
+                <a:solidFill>
+                  <a:srgbClr val="FFFFFF"/>
+                </a:solidFill>
                 <a:effectLst/>
-                <a:latin typeface="Calibri" panose="020F0502020204030204" pitchFamily="34" charset="0"/>
-                <a:ea typeface="Calibri" panose="020F0502020204030204" pitchFamily="34" charset="0"/>
-                <a:cs typeface="Times New Roman" panose="02020603050405020304" pitchFamily="18" charset="0"/>
+                <a:latin typeface="+mj-lt"/>
+                <a:ea typeface="+mj-ea"/>
+                <a:cs typeface="+mj-cs"/>
               </a:rPr>
               <a:t>Assessing the Impact of Banning Internal Combustible Engines (ICE) on California Emissions </a:t>
             </a:r>
             <a:br>
-              <a:rPr lang="en-US" sz="1800" dirty="0">
+              <a:rPr lang="en-US" sz="3000" kern="1200">
+                <a:solidFill>
+                  <a:srgbClr val="FFFFFF"/>
+                </a:solidFill>
                 <a:effectLst/>
-                <a:latin typeface="Calibri" panose="020F0502020204030204" pitchFamily="34" charset="0"/>
-                <a:ea typeface="Calibri" panose="020F0502020204030204" pitchFamily="34" charset="0"/>
-                <a:cs typeface="Times New Roman" panose="02020603050405020304" pitchFamily="18" charset="0"/>
+                <a:latin typeface="+mj-lt"/>
+                <a:ea typeface="+mj-ea"/>
+                <a:cs typeface="+mj-cs"/>
               </a:rPr>
             </a:br>
-            <a:endParaRPr lang="en-US" dirty="0"/>
+            <a:endParaRPr lang="en-US" sz="3000" kern="1200">
+              <a:solidFill>
+                <a:srgbClr val="FFFFFF"/>
+              </a:solidFill>
+              <a:latin typeface="+mj-lt"/>
+              <a:ea typeface="+mj-ea"/>
+              <a:cs typeface="+mj-cs"/>
+            </a:endParaRPr>
           </a:p>
         </p:txBody>
       </p:sp>
@@ -3384,130 +3944,101 @@
         </p:nvSpPr>
         <p:spPr>
           <a:xfrm>
-            <a:off x="1524000" y="4907756"/>
-            <a:ext cx="9144000" cy="1655762"/>
+            <a:off x="6769978" y="1338724"/>
+            <a:ext cx="4583821" cy="4415146"/>
           </a:xfrm>
         </p:spPr>
         <p:txBody>
-          <a:bodyPr>
-            <a:normAutofit lnSpcReduction="10000"/>
+          <a:bodyPr vert="horz" lIns="91440" tIns="45720" rIns="91440" bIns="45720" rtlCol="0" anchor="ctr">
+            <a:normAutofit/>
           </a:bodyPr>
           <a:lstStyle/>
           <a:p>
-            <a:r>
-              <a:rPr lang="en-US" dirty="0"/>
+            <a:pPr indent="-228600" algn="l">
+              <a:buFont typeface="Arial" panose="020B0604020202020204" pitchFamily="34" charset="0"/>
+              <a:buChar char="•"/>
+            </a:pPr>
+            <a:r>
+              <a:rPr lang="en-US" sz="2000">
+                <a:solidFill>
+                  <a:schemeClr val="bg1"/>
+                </a:solidFill>
+              </a:rPr>
               <a:t>DATA 621: Fall 2020</a:t>
             </a:r>
           </a:p>
           <a:p>
-            <a:r>
-              <a:rPr lang="en-US" dirty="0"/>
+            <a:pPr indent="-228600" algn="l">
+              <a:buFont typeface="Arial" panose="020B0604020202020204" pitchFamily="34" charset="0"/>
+              <a:buChar char="•"/>
+            </a:pPr>
+            <a:r>
+              <a:rPr lang="en-US" sz="2000">
+                <a:solidFill>
+                  <a:schemeClr val="bg1"/>
+                </a:solidFill>
+              </a:rPr>
               <a:t>Group 3</a:t>
             </a:r>
           </a:p>
           <a:p>
-            <a:pPr marL="0" marR="0">
-              <a:lnSpc>
-                <a:spcPct val="107000"/>
-              </a:lnSpc>
+            <a:pPr marL="0" marR="0" indent="-228600" algn="l">
               <a:spcBef>
                 <a:spcPts val="0"/>
               </a:spcBef>
               <a:spcAft>
                 <a:spcPts val="800"/>
               </a:spcAft>
+              <a:buFont typeface="Arial" panose="020B0604020202020204" pitchFamily="34" charset="0"/>
+              <a:buChar char="•"/>
               <a:tabLst>
                 <a:tab pos="2971800" algn="ctr"/>
               </a:tabLst>
             </a:pPr>
             <a:r>
-              <a:rPr lang="en-US" sz="1800" dirty="0">
+              <a:rPr lang="en-US" sz="2000">
+                <a:solidFill>
+                  <a:schemeClr val="bg1"/>
+                </a:solidFill>
                 <a:effectLst/>
-                <a:latin typeface="Calibri" panose="020F0502020204030204" pitchFamily="34" charset="0"/>
-                <a:ea typeface="Calibri" panose="020F0502020204030204" pitchFamily="34" charset="0"/>
-                <a:cs typeface="Times New Roman" panose="02020603050405020304" pitchFamily="18" charset="0"/>
               </a:rPr>
               <a:t> </a:t>
             </a:r>
           </a:p>
           <a:p>
-            <a:pPr marL="0" marR="0" algn="ctr">
-              <a:lnSpc>
-                <a:spcPct val="107000"/>
-              </a:lnSpc>
+            <a:pPr marL="0" marR="0" indent="-228600" algn="l">
               <a:spcBef>
                 <a:spcPts val="0"/>
               </a:spcBef>
               <a:spcAft>
                 <a:spcPts val="800"/>
               </a:spcAft>
+              <a:buFont typeface="Arial" panose="020B0604020202020204" pitchFamily="34" charset="0"/>
+              <a:buChar char="•"/>
               <a:tabLst>
                 <a:tab pos="2971800" algn="ctr"/>
               </a:tabLst>
             </a:pPr>
             <a:r>
-              <a:rPr lang="en-US" sz="1800" dirty="0">
+              <a:rPr lang="en-US" sz="2000">
+                <a:solidFill>
+                  <a:schemeClr val="bg1"/>
+                </a:solidFill>
                 <a:effectLst/>
-                <a:latin typeface="Calibri" panose="020F0502020204030204" pitchFamily="34" charset="0"/>
-                <a:ea typeface="Calibri" panose="020F0502020204030204" pitchFamily="34" charset="0"/>
-                <a:cs typeface="Times New Roman" panose="02020603050405020304" pitchFamily="18" charset="0"/>
               </a:rPr>
-              <a:t>Zach Alexander, Sam Bellows, Donny </a:t>
-            </a:r>
-            <a:r>
-              <a:rPr lang="en-US" sz="1800" dirty="0" err="1">
-                <a:effectLst/>
-                <a:latin typeface="Calibri" panose="020F0502020204030204" pitchFamily="34" charset="0"/>
-                <a:ea typeface="Calibri" panose="020F0502020204030204" pitchFamily="34" charset="0"/>
-                <a:cs typeface="Times New Roman" panose="02020603050405020304" pitchFamily="18" charset="0"/>
-              </a:rPr>
-              <a:t>Lofland</a:t>
-            </a:r>
-            <a:r>
-              <a:rPr lang="en-US" sz="1800" dirty="0">
-                <a:effectLst/>
-                <a:latin typeface="Calibri" panose="020F0502020204030204" pitchFamily="34" charset="0"/>
-                <a:ea typeface="Calibri" panose="020F0502020204030204" pitchFamily="34" charset="0"/>
-                <a:cs typeface="Times New Roman" panose="02020603050405020304" pitchFamily="18" charset="0"/>
-              </a:rPr>
-              <a:t>, Joshua </a:t>
-            </a:r>
-            <a:r>
-              <a:rPr lang="en-US" sz="1800" dirty="0" err="1">
-                <a:effectLst/>
-                <a:latin typeface="Calibri" panose="020F0502020204030204" pitchFamily="34" charset="0"/>
-                <a:ea typeface="Calibri" panose="020F0502020204030204" pitchFamily="34" charset="0"/>
-                <a:cs typeface="Times New Roman" panose="02020603050405020304" pitchFamily="18" charset="0"/>
-              </a:rPr>
-              <a:t>Registe</a:t>
-            </a:r>
-            <a:r>
-              <a:rPr lang="en-US" sz="1800" dirty="0">
-                <a:effectLst/>
-                <a:latin typeface="Calibri" panose="020F0502020204030204" pitchFamily="34" charset="0"/>
-                <a:ea typeface="Calibri" panose="020F0502020204030204" pitchFamily="34" charset="0"/>
-                <a:cs typeface="Times New Roman" panose="02020603050405020304" pitchFamily="18" charset="0"/>
-              </a:rPr>
-              <a:t>, Neil Shah, Aaron </a:t>
-            </a:r>
-            <a:r>
-              <a:rPr lang="en-US" sz="1800" dirty="0" err="1">
-                <a:effectLst/>
-                <a:latin typeface="Calibri" panose="020F0502020204030204" pitchFamily="34" charset="0"/>
-                <a:ea typeface="Calibri" panose="020F0502020204030204" pitchFamily="34" charset="0"/>
-                <a:cs typeface="Times New Roman" panose="02020603050405020304" pitchFamily="18" charset="0"/>
-              </a:rPr>
-              <a:t>Zalki</a:t>
-            </a:r>
-            <a:endParaRPr lang="en-US" sz="1800" dirty="0">
-              <a:effectLst/>
-              <a:latin typeface="Calibri" panose="020F0502020204030204" pitchFamily="34" charset="0"/>
-              <a:ea typeface="Calibri" panose="020F0502020204030204" pitchFamily="34" charset="0"/>
-              <a:cs typeface="Times New Roman" panose="02020603050405020304" pitchFamily="18" charset="0"/>
+              <a:t>Zach Alexander, Sam Bellows, Donny Lofland, Joshua Registe, Neil Shah, Aaron Zalki</a:t>
+            </a:r>
+          </a:p>
+          <a:p>
+            <a:pPr indent="-228600" algn="l">
+              <a:buFont typeface="Arial" panose="020B0604020202020204" pitchFamily="34" charset="0"/>
+              <a:buChar char="•"/>
+            </a:pPr>
+            <a:endParaRPr lang="en-US" sz="2000">
+              <a:solidFill>
+                <a:schemeClr val="bg1"/>
+              </a:solidFill>
             </a:endParaRPr>
-          </a:p>
-          <a:p>
-            <a:endParaRPr lang="en-US" dirty="0"/>
           </a:p>
         </p:txBody>
       </p:sp>
@@ -3519,7 +4050,7 @@
     </p:extLst>
   </p:cSld>
   <p:clrMapOvr>
-    <a:masterClrMapping/>
+    <a:overrideClrMapping bg1="dk1" tx1="lt1" bg2="dk2" tx2="lt2" accent1="accent1" accent2="accent2" accent3="accent3" accent4="accent4" accent5="accent5" accent6="accent6" hlink="hlink" folHlink="folHlink"/>
   </p:clrMapOvr>
 </p:sld>
 </file>
@@ -3551,10 +4082,10 @@
       </p:grpSpPr>
       <p:sp useBgFill="1">
         <p:nvSpPr>
-          <p:cNvPr id="9" name="Rectangle 8">
-            <a:extLst>
-              <a:ext uri="{FF2B5EF4-FFF2-40B4-BE49-F238E27FC236}">
-                <a16:creationId xmlns:a16="http://schemas.microsoft.com/office/drawing/2014/main" id="{9427AF5F-9A0E-42B7-A252-FD64C9885F9C}"/>
+          <p:cNvPr id="14" name="Rectangle 13">
+            <a:extLst>
+              <a:ext uri="{FF2B5EF4-FFF2-40B4-BE49-F238E27FC236}">
+                <a16:creationId xmlns:a16="http://schemas.microsoft.com/office/drawing/2014/main" id="{F4C0B10B-D2C4-4A54-AFAD-3D27DF88BB37}"/>
               </a:ext>
               <a:ext uri="{C183D7F6-B498-43B3-948B-1728B52AA6E4}">
                 <adec:decorative xmlns:adec="http://schemas.microsoft.com/office/drawing/2017/decorative" val="1"/>
@@ -3574,7 +4105,7 @@
         </p:nvSpPr>
         <p:spPr>
           <a:xfrm>
-            <a:off x="-1" y="0"/>
+            <a:off x="0" y="0"/>
             <a:ext cx="12188952" cy="6858000"/>
           </a:xfrm>
           <a:prstGeom prst="rect">
@@ -3609,6 +4140,500 @@
           </a:p>
         </p:txBody>
       </p:sp>
+      <p:grpSp>
+        <p:nvGrpSpPr>
+          <p:cNvPr id="16" name="Group 15">
+            <a:extLst>
+              <a:ext uri="{FF2B5EF4-FFF2-40B4-BE49-F238E27FC236}">
+                <a16:creationId xmlns:a16="http://schemas.microsoft.com/office/drawing/2014/main" id="{B6BADB90-C74B-40D6-86DC-503F65FCE8DC}"/>
+              </a:ext>
+              <a:ext uri="{C183D7F6-B498-43B3-948B-1728B52AA6E4}">
+                <adec:decorative xmlns:adec="http://schemas.microsoft.com/office/drawing/2017/decorative" val="1"/>
+              </a:ext>
+            </a:extLst>
+          </p:cNvPr>
+          <p:cNvGrpSpPr>
+            <a:grpSpLocks noGrp="1" noUngrp="1" noRot="1" noChangeAspect="1" noMove="1" noResize="1"/>
+          </p:cNvGrpSpPr>
+          <p:nvPr>
+            <p:extLst>
+              <p:ext uri="{386F3935-93C4-4BCD-93E2-E3B085C9AB24}">
+                <p16:designElem xmlns:p16="http://schemas.microsoft.com/office/powerpoint/2015/main" val="1"/>
+              </p:ext>
+            </p:extLst>
+          </p:nvPr>
+        </p:nvGrpSpPr>
+        <p:grpSpPr>
+          <a:xfrm>
+            <a:off x="409710" y="635715"/>
+            <a:ext cx="11142208" cy="2482136"/>
+            <a:chOff x="409710" y="635715"/>
+            <a:chExt cx="11142208" cy="2482136"/>
+          </a:xfrm>
+        </p:grpSpPr>
+        <p:sp>
+          <p:nvSpPr>
+            <p:cNvPr id="17" name="Freeform 44">
+              <a:extLst>
+                <a:ext uri="{FF2B5EF4-FFF2-40B4-BE49-F238E27FC236}">
+                  <a16:creationId xmlns:a16="http://schemas.microsoft.com/office/drawing/2014/main" id="{6559431D-1886-4AE0-9B87-9AD2ECAB8439}"/>
+                </a:ext>
+                <a:ext uri="{C183D7F6-B498-43B3-948B-1728B52AA6E4}">
+                  <adec:decorative xmlns:adec="http://schemas.microsoft.com/office/drawing/2017/decorative" val="1"/>
+                </a:ext>
+              </a:extLst>
+            </p:cNvPr>
+            <p:cNvSpPr>
+              <a:spLocks/>
+            </p:cNvSpPr>
+            <p:nvPr>
+              <p:extLst>
+                <p:ext uri="{386F3935-93C4-4BCD-93E2-E3B085C9AB24}">
+                  <p16:designElem xmlns:p16="http://schemas.microsoft.com/office/powerpoint/2015/main" val="1"/>
+                </p:ext>
+              </p:extLst>
+            </p:nvPr>
+          </p:nvSpPr>
+          <p:spPr bwMode="auto">
+            <a:xfrm>
+              <a:off x="11223203" y="635716"/>
+              <a:ext cx="328612" cy="1742360"/>
+            </a:xfrm>
+            <a:custGeom>
+              <a:avLst/>
+              <a:gdLst>
+                <a:gd name="T0" fmla="*/ 207 w 207"/>
+                <a:gd name="T1" fmla="*/ 987 h 1114"/>
+                <a:gd name="T2" fmla="*/ 0 w 207"/>
+                <a:gd name="T3" fmla="*/ 1114 h 1114"/>
+                <a:gd name="T4" fmla="*/ 0 w 207"/>
+                <a:gd name="T5" fmla="*/ 127 h 1114"/>
+                <a:gd name="T6" fmla="*/ 207 w 207"/>
+                <a:gd name="T7" fmla="*/ 0 h 1114"/>
+                <a:gd name="T8" fmla="*/ 207 w 207"/>
+                <a:gd name="T9" fmla="*/ 987 h 1114"/>
+              </a:gdLst>
+              <a:ahLst/>
+              <a:cxnLst>
+                <a:cxn ang="0">
+                  <a:pos x="T0" y="T1"/>
+                </a:cxn>
+                <a:cxn ang="0">
+                  <a:pos x="T2" y="T3"/>
+                </a:cxn>
+                <a:cxn ang="0">
+                  <a:pos x="T4" y="T5"/>
+                </a:cxn>
+                <a:cxn ang="0">
+                  <a:pos x="T6" y="T7"/>
+                </a:cxn>
+                <a:cxn ang="0">
+                  <a:pos x="T8" y="T9"/>
+                </a:cxn>
+              </a:cxnLst>
+              <a:rect l="0" t="0" r="r" b="b"/>
+              <a:pathLst>
+                <a:path w="207" h="1114">
+                  <a:moveTo>
+                    <a:pt x="207" y="987"/>
+                  </a:moveTo>
+                  <a:lnTo>
+                    <a:pt x="0" y="1114"/>
+                  </a:lnTo>
+                  <a:lnTo>
+                    <a:pt x="0" y="127"/>
+                  </a:lnTo>
+                  <a:lnTo>
+                    <a:pt x="207" y="0"/>
+                  </a:lnTo>
+                  <a:lnTo>
+                    <a:pt x="207" y="987"/>
+                  </a:lnTo>
+                  <a:close/>
+                </a:path>
+              </a:pathLst>
+            </a:custGeom>
+            <a:solidFill>
+              <a:schemeClr val="accent1">
+                <a:lumMod val="50000"/>
+              </a:schemeClr>
+            </a:solidFill>
+            <a:ln>
+              <a:noFill/>
+            </a:ln>
+          </p:spPr>
+          <p:txBody>
+            <a:bodyPr vert="horz" wrap="square" lIns="91440" tIns="45720" rIns="91440" bIns="45720" numCol="1" anchor="t" anchorCtr="0" compatLnSpc="1">
+              <a:prstTxWarp prst="textNoShape">
+                <a:avLst/>
+              </a:prstTxWarp>
+            </a:bodyPr>
+            <a:lstStyle/>
+            <a:p>
+              <a:endParaRPr lang="en-US"/>
+            </a:p>
+          </p:txBody>
+        </p:sp>
+        <p:sp>
+          <p:nvSpPr>
+            <p:cNvPr id="18" name="Freeform 45">
+              <a:extLst>
+                <a:ext uri="{FF2B5EF4-FFF2-40B4-BE49-F238E27FC236}">
+                  <a16:creationId xmlns:a16="http://schemas.microsoft.com/office/drawing/2014/main" id="{373850A5-B04A-4FCD-9E73-EE322167FB31}"/>
+                </a:ext>
+                <a:ext uri="{C183D7F6-B498-43B3-948B-1728B52AA6E4}">
+                  <adec:decorative xmlns:adec="http://schemas.microsoft.com/office/drawing/2017/decorative" val="1"/>
+                </a:ext>
+              </a:extLst>
+            </p:cNvPr>
+            <p:cNvSpPr>
+              <a:spLocks/>
+            </p:cNvSpPr>
+            <p:nvPr>
+              <p:extLst>
+                <p:ext uri="{386F3935-93C4-4BCD-93E2-E3B085C9AB24}">
+                  <p16:designElem xmlns:p16="http://schemas.microsoft.com/office/powerpoint/2015/main" val="1"/>
+                </p:ext>
+              </p:extLst>
+            </p:nvPr>
+          </p:nvSpPr>
+          <p:spPr bwMode="auto">
+            <a:xfrm>
+              <a:off x="409710" y="1022350"/>
+              <a:ext cx="709612" cy="2095501"/>
+            </a:xfrm>
+            <a:custGeom>
+              <a:avLst/>
+              <a:gdLst>
+                <a:gd name="T0" fmla="*/ 447 w 447"/>
+                <a:gd name="T1" fmla="*/ 1363 h 1363"/>
+                <a:gd name="T2" fmla="*/ 0 w 447"/>
+                <a:gd name="T3" fmla="*/ 987 h 1363"/>
+                <a:gd name="T4" fmla="*/ 0 w 447"/>
+                <a:gd name="T5" fmla="*/ 0 h 1363"/>
+                <a:gd name="T6" fmla="*/ 447 w 447"/>
+                <a:gd name="T7" fmla="*/ 376 h 1363"/>
+                <a:gd name="T8" fmla="*/ 447 w 447"/>
+                <a:gd name="T9" fmla="*/ 1363 h 1363"/>
+              </a:gdLst>
+              <a:ahLst/>
+              <a:cxnLst>
+                <a:cxn ang="0">
+                  <a:pos x="T0" y="T1"/>
+                </a:cxn>
+                <a:cxn ang="0">
+                  <a:pos x="T2" y="T3"/>
+                </a:cxn>
+                <a:cxn ang="0">
+                  <a:pos x="T4" y="T5"/>
+                </a:cxn>
+                <a:cxn ang="0">
+                  <a:pos x="T6" y="T7"/>
+                </a:cxn>
+                <a:cxn ang="0">
+                  <a:pos x="T8" y="T9"/>
+                </a:cxn>
+              </a:cxnLst>
+              <a:rect l="0" t="0" r="r" b="b"/>
+              <a:pathLst>
+                <a:path w="447" h="1363">
+                  <a:moveTo>
+                    <a:pt x="447" y="1363"/>
+                  </a:moveTo>
+                  <a:lnTo>
+                    <a:pt x="0" y="987"/>
+                  </a:lnTo>
+                  <a:lnTo>
+                    <a:pt x="0" y="0"/>
+                  </a:lnTo>
+                  <a:lnTo>
+                    <a:pt x="447" y="376"/>
+                  </a:lnTo>
+                  <a:lnTo>
+                    <a:pt x="447" y="1363"/>
+                  </a:lnTo>
+                  <a:close/>
+                </a:path>
+              </a:pathLst>
+            </a:custGeom>
+            <a:solidFill>
+              <a:schemeClr val="accent1">
+                <a:lumMod val="50000"/>
+              </a:schemeClr>
+            </a:solidFill>
+            <a:ln>
+              <a:noFill/>
+            </a:ln>
+          </p:spPr>
+          <p:txBody>
+            <a:bodyPr vert="horz" wrap="square" lIns="91440" tIns="45720" rIns="91440" bIns="45720" numCol="1" anchor="t" anchorCtr="0" compatLnSpc="1">
+              <a:prstTxWarp prst="textNoShape">
+                <a:avLst/>
+              </a:prstTxWarp>
+            </a:bodyPr>
+            <a:lstStyle/>
+            <a:p>
+              <a:endParaRPr lang="en-US"/>
+            </a:p>
+          </p:txBody>
+        </p:sp>
+        <p:sp>
+          <p:nvSpPr>
+            <p:cNvPr id="19" name="Freeform 46">
+              <a:extLst>
+                <a:ext uri="{FF2B5EF4-FFF2-40B4-BE49-F238E27FC236}">
+                  <a16:creationId xmlns:a16="http://schemas.microsoft.com/office/drawing/2014/main" id="{82C18C67-80FA-4738-AA53-0AF2419F98E0}"/>
+                </a:ext>
+                <a:ext uri="{C183D7F6-B498-43B3-948B-1728B52AA6E4}">
+                  <adec:decorative xmlns:adec="http://schemas.microsoft.com/office/drawing/2017/decorative" val="1"/>
+                </a:ext>
+              </a:extLst>
+            </p:cNvPr>
+            <p:cNvSpPr>
+              <a:spLocks/>
+            </p:cNvSpPr>
+            <p:nvPr>
+              <p:extLst>
+                <p:ext uri="{386F3935-93C4-4BCD-93E2-E3B085C9AB24}">
+                  <p16:designElem xmlns:p16="http://schemas.microsoft.com/office/powerpoint/2015/main" val="1"/>
+                </p:ext>
+              </p:extLst>
+            </p:nvPr>
+          </p:nvSpPr>
+          <p:spPr bwMode="auto">
+            <a:xfrm>
+              <a:off x="409710" y="837744"/>
+              <a:ext cx="403225" cy="1705431"/>
+            </a:xfrm>
+            <a:custGeom>
+              <a:avLst/>
+              <a:gdLst>
+                <a:gd name="T0" fmla="*/ 254 w 254"/>
+                <a:gd name="T1" fmla="*/ 987 h 1109"/>
+                <a:gd name="T2" fmla="*/ 0 w 254"/>
+                <a:gd name="T3" fmla="*/ 1109 h 1109"/>
+                <a:gd name="T4" fmla="*/ 0 w 254"/>
+                <a:gd name="T5" fmla="*/ 119 h 1109"/>
+                <a:gd name="T6" fmla="*/ 254 w 254"/>
+                <a:gd name="T7" fmla="*/ 0 h 1109"/>
+                <a:gd name="T8" fmla="*/ 254 w 254"/>
+                <a:gd name="T9" fmla="*/ 987 h 1109"/>
+              </a:gdLst>
+              <a:ahLst/>
+              <a:cxnLst>
+                <a:cxn ang="0">
+                  <a:pos x="T0" y="T1"/>
+                </a:cxn>
+                <a:cxn ang="0">
+                  <a:pos x="T2" y="T3"/>
+                </a:cxn>
+                <a:cxn ang="0">
+                  <a:pos x="T4" y="T5"/>
+                </a:cxn>
+                <a:cxn ang="0">
+                  <a:pos x="T6" y="T7"/>
+                </a:cxn>
+                <a:cxn ang="0">
+                  <a:pos x="T8" y="T9"/>
+                </a:cxn>
+              </a:cxnLst>
+              <a:rect l="0" t="0" r="r" b="b"/>
+              <a:pathLst>
+                <a:path w="254" h="1109">
+                  <a:moveTo>
+                    <a:pt x="254" y="987"/>
+                  </a:moveTo>
+                  <a:lnTo>
+                    <a:pt x="0" y="1109"/>
+                  </a:lnTo>
+                  <a:lnTo>
+                    <a:pt x="0" y="119"/>
+                  </a:lnTo>
+                  <a:lnTo>
+                    <a:pt x="254" y="0"/>
+                  </a:lnTo>
+                  <a:lnTo>
+                    <a:pt x="254" y="987"/>
+                  </a:lnTo>
+                  <a:close/>
+                </a:path>
+              </a:pathLst>
+            </a:custGeom>
+            <a:solidFill>
+              <a:schemeClr val="accent1">
+                <a:lumMod val="75000"/>
+              </a:schemeClr>
+            </a:solidFill>
+            <a:ln>
+              <a:noFill/>
+            </a:ln>
+          </p:spPr>
+          <p:txBody>
+            <a:bodyPr vert="horz" wrap="square" lIns="91440" tIns="45720" rIns="91440" bIns="45720" numCol="1" anchor="t" anchorCtr="0" compatLnSpc="1">
+              <a:prstTxWarp prst="textNoShape">
+                <a:avLst/>
+              </a:prstTxWarp>
+            </a:bodyPr>
+            <a:lstStyle/>
+            <a:p>
+              <a:endParaRPr lang="en-US"/>
+            </a:p>
+          </p:txBody>
+        </p:sp>
+        <p:sp>
+          <p:nvSpPr>
+            <p:cNvPr id="20" name="Freeform 47">
+              <a:extLst>
+                <a:ext uri="{FF2B5EF4-FFF2-40B4-BE49-F238E27FC236}">
+                  <a16:creationId xmlns:a16="http://schemas.microsoft.com/office/drawing/2014/main" id="{48543B1A-8BF5-4C63-8404-41B2EA70B33E}"/>
+                </a:ext>
+                <a:ext uri="{C183D7F6-B498-43B3-948B-1728B52AA6E4}">
+                  <adec:decorative xmlns:adec="http://schemas.microsoft.com/office/drawing/2017/decorative" val="1"/>
+                </a:ext>
+              </a:extLst>
+            </p:cNvPr>
+            <p:cNvSpPr>
+              <a:spLocks/>
+            </p:cNvSpPr>
+            <p:nvPr>
+              <p:extLst>
+                <p:ext uri="{386F3935-93C4-4BCD-93E2-E3B085C9AB24}">
+                  <p16:designElem xmlns:p16="http://schemas.microsoft.com/office/powerpoint/2015/main" val="1"/>
+                </p:ext>
+              </p:extLst>
+            </p:nvPr>
+          </p:nvSpPr>
+          <p:spPr bwMode="auto">
+            <a:xfrm>
+              <a:off x="644660" y="640894"/>
+              <a:ext cx="168275" cy="1713195"/>
+            </a:xfrm>
+            <a:custGeom>
+              <a:avLst/>
+              <a:gdLst>
+                <a:gd name="T0" fmla="*/ 106 w 106"/>
+                <a:gd name="T1" fmla="*/ 1114 h 1114"/>
+                <a:gd name="T2" fmla="*/ 0 w 106"/>
+                <a:gd name="T3" fmla="*/ 1005 h 1114"/>
+                <a:gd name="T4" fmla="*/ 0 w 106"/>
+                <a:gd name="T5" fmla="*/ 0 h 1114"/>
+                <a:gd name="T6" fmla="*/ 106 w 106"/>
+                <a:gd name="T7" fmla="*/ 110 h 1114"/>
+                <a:gd name="T8" fmla="*/ 106 w 106"/>
+                <a:gd name="T9" fmla="*/ 1114 h 1114"/>
+              </a:gdLst>
+              <a:ahLst/>
+              <a:cxnLst>
+                <a:cxn ang="0">
+                  <a:pos x="T0" y="T1"/>
+                </a:cxn>
+                <a:cxn ang="0">
+                  <a:pos x="T2" y="T3"/>
+                </a:cxn>
+                <a:cxn ang="0">
+                  <a:pos x="T4" y="T5"/>
+                </a:cxn>
+                <a:cxn ang="0">
+                  <a:pos x="T6" y="T7"/>
+                </a:cxn>
+                <a:cxn ang="0">
+                  <a:pos x="T8" y="T9"/>
+                </a:cxn>
+              </a:cxnLst>
+              <a:rect l="0" t="0" r="r" b="b"/>
+              <a:pathLst>
+                <a:path w="106" h="1114">
+                  <a:moveTo>
+                    <a:pt x="106" y="1114"/>
+                  </a:moveTo>
+                  <a:lnTo>
+                    <a:pt x="0" y="1005"/>
+                  </a:lnTo>
+                  <a:lnTo>
+                    <a:pt x="0" y="0"/>
+                  </a:lnTo>
+                  <a:lnTo>
+                    <a:pt x="106" y="110"/>
+                  </a:lnTo>
+                  <a:lnTo>
+                    <a:pt x="106" y="1114"/>
+                  </a:lnTo>
+                  <a:close/>
+                </a:path>
+              </a:pathLst>
+            </a:custGeom>
+            <a:solidFill>
+              <a:schemeClr val="accent1">
+                <a:lumMod val="50000"/>
+              </a:schemeClr>
+            </a:solidFill>
+            <a:ln>
+              <a:noFill/>
+            </a:ln>
+          </p:spPr>
+          <p:txBody>
+            <a:bodyPr vert="horz" wrap="square" lIns="91440" tIns="45720" rIns="91440" bIns="45720" numCol="1" anchor="t" anchorCtr="0" compatLnSpc="1">
+              <a:prstTxWarp prst="textNoShape">
+                <a:avLst/>
+              </a:prstTxWarp>
+            </a:bodyPr>
+            <a:lstStyle/>
+            <a:p>
+              <a:endParaRPr lang="en-US"/>
+            </a:p>
+          </p:txBody>
+        </p:sp>
+        <p:sp>
+          <p:nvSpPr>
+            <p:cNvPr id="21" name="Rectangle 20">
+              <a:extLst>
+                <a:ext uri="{FF2B5EF4-FFF2-40B4-BE49-F238E27FC236}">
+                  <a16:creationId xmlns:a16="http://schemas.microsoft.com/office/drawing/2014/main" id="{92DF5096-E051-498C-A3ED-CBA77A813AAC}"/>
+                </a:ext>
+                <a:ext uri="{C183D7F6-B498-43B3-948B-1728B52AA6E4}">
+                  <adec:decorative xmlns:adec="http://schemas.microsoft.com/office/drawing/2017/decorative" val="1"/>
+                </a:ext>
+              </a:extLst>
+            </p:cNvPr>
+            <p:cNvSpPr>
+              <a:spLocks noChangeArrowheads="1"/>
+            </p:cNvSpPr>
+            <p:nvPr>
+              <p:extLst>
+                <p:ext uri="{386F3935-93C4-4BCD-93E2-E3B085C9AB24}">
+                  <p16:designElem xmlns:p16="http://schemas.microsoft.com/office/powerpoint/2015/main" val="1"/>
+                </p:ext>
+              </p:extLst>
+            </p:nvPr>
+          </p:nvSpPr>
+          <p:spPr bwMode="auto">
+            <a:xfrm>
+              <a:off x="644055" y="635715"/>
+              <a:ext cx="10907863" cy="1541457"/>
+            </a:xfrm>
+            <a:prstGeom prst="rect">
+              <a:avLst/>
+            </a:prstGeom>
+            <a:solidFill>
+              <a:schemeClr val="accent1"/>
+            </a:solidFill>
+            <a:ln>
+              <a:noFill/>
+            </a:ln>
+          </p:spPr>
+          <p:txBody>
+            <a:bodyPr vert="horz" wrap="square" lIns="91440" tIns="45720" rIns="91440" bIns="45720" numCol="1" anchor="t" anchorCtr="0" compatLnSpc="1">
+              <a:prstTxWarp prst="textNoShape">
+                <a:avLst/>
+              </a:prstTxWarp>
+            </a:bodyPr>
+            <a:lstStyle/>
+            <a:p>
+              <a:endParaRPr lang="en-US"/>
+            </a:p>
+          </p:txBody>
+        </p:sp>
+      </p:grpSp>
       <p:sp>
         <p:nvSpPr>
           <p:cNvPr id="2" name="Title 1">
@@ -3627,8 +4652,8 @@
         </p:nvSpPr>
         <p:spPr>
           <a:xfrm>
-            <a:off x="838200" y="365125"/>
-            <a:ext cx="10515600" cy="1306443"/>
+            <a:off x="1047280" y="759805"/>
+            <a:ext cx="10306520" cy="1325563"/>
           </a:xfrm>
         </p:spPr>
         <p:txBody>
@@ -3638,7 +4663,11 @@
           <a:lstStyle/>
           <a:p>
             <a:r>
-              <a:rPr lang="en-US" sz="4000" dirty="0"/>
+              <a:rPr lang="en-US" sz="4000">
+                <a:solidFill>
+                  <a:srgbClr val="FFFFFF"/>
+                </a:solidFill>
+              </a:rPr>
               <a:t>Introduction &amp; Motivation</a:t>
             </a:r>
           </a:p>
@@ -3662,8 +4691,8 @@
         </p:nvSpPr>
         <p:spPr>
           <a:xfrm>
-            <a:off x="838200" y="1825625"/>
-            <a:ext cx="4152774" cy="4303464"/>
+            <a:off x="1424904" y="2494450"/>
+            <a:ext cx="4053545" cy="3563159"/>
           </a:xfrm>
         </p:spPr>
         <p:txBody>
@@ -3673,65 +4702,65 @@
           <a:lstStyle/>
           <a:p>
             <a:r>
-              <a:rPr lang="en-US" sz="2000" dirty="0"/>
+              <a:rPr lang="en-US" sz="1700"/>
               <a:t>Climate Change is a top priority in 2020</a:t>
             </a:r>
           </a:p>
           <a:p>
             <a:pPr lvl="1"/>
             <a:r>
-              <a:rPr lang="en-US" sz="2000" dirty="0"/>
+              <a:rPr lang="en-US" sz="1700"/>
               <a:t>Economic damage projected trillions per year by 2100</a:t>
             </a:r>
           </a:p>
           <a:p>
             <a:pPr lvl="1"/>
             <a:r>
-              <a:rPr lang="en-US" sz="2000" dirty="0"/>
+              <a:rPr lang="en-US" sz="1700"/>
               <a:t>Supported by majority of Americans</a:t>
             </a:r>
           </a:p>
           <a:p>
-            <a:endParaRPr lang="en-US" sz="2000" dirty="0"/>
-          </a:p>
-          <a:p>
-            <a:r>
-              <a:rPr lang="en-US" sz="2000" dirty="0"/>
+            <a:endParaRPr lang="en-US" sz="1700"/>
+          </a:p>
+          <a:p>
+            <a:r>
+              <a:rPr lang="en-US" sz="1700"/>
               <a:t>California epicenter of climate change </a:t>
             </a:r>
           </a:p>
           <a:p>
             <a:pPr lvl="1"/>
             <a:r>
-              <a:rPr lang="en-US" sz="2000" dirty="0"/>
+              <a:rPr lang="en-US" sz="1700"/>
               <a:t>Most populous state </a:t>
             </a:r>
           </a:p>
           <a:p>
             <a:pPr lvl="1"/>
             <a:r>
-              <a:rPr lang="en-US" sz="2000" dirty="0"/>
+              <a:rPr lang="en-US" sz="1700"/>
               <a:t>Extreme temperature rises</a:t>
             </a:r>
           </a:p>
           <a:p>
             <a:pPr lvl="1"/>
             <a:r>
-              <a:rPr lang="en-US" sz="2000" dirty="0"/>
+              <a:rPr lang="en-US" sz="1700"/>
               <a:t>Propensity for wild-fires </a:t>
             </a:r>
           </a:p>
           <a:p>
             <a:pPr lvl="1"/>
-            <a:endParaRPr lang="en-US" sz="2000" dirty="0"/>
+            <a:endParaRPr lang="en-US" sz="1700"/>
           </a:p>
           <a:p>
             <a:pPr lvl="1"/>
-            <a:endParaRPr lang="en-US" sz="2000" dirty="0"/>
+            <a:endParaRPr lang="en-US" sz="1700"/>
           </a:p>
           <a:p>
             <a:pPr lvl="1"/>
-            <a:endParaRPr lang="en-US" sz="2000" dirty="0"/>
+            <a:endParaRPr lang="en-US" sz="1700"/>
           </a:p>
         </p:txBody>
       </p:sp>
@@ -3755,13 +4784,13 @@
               </a:ext>
             </a:extLst>
           </a:blip>
-          <a:srcRect r="2" b="20385"/>
+          <a:srcRect b="13721"/>
           <a:stretch/>
         </p:blipFill>
         <p:spPr bwMode="auto">
           <a:xfrm>
-            <a:off x="5829175" y="1671568"/>
-            <a:ext cx="6170299" cy="4224808"/>
+            <a:off x="6098892" y="2492376"/>
+            <a:ext cx="4802404" cy="3563372"/>
           </a:xfrm>
           <a:prstGeom prst="rect">
             <a:avLst/>
@@ -3785,6 +4814,14 @@
 <file path=ppt/slides/slide3.xml><?xml version="1.0" encoding="utf-8"?>
 <p:sld xmlns:a="http://schemas.openxmlformats.org/drawingml/2006/main" xmlns:r="http://schemas.openxmlformats.org/officeDocument/2006/relationships" xmlns:p="http://schemas.openxmlformats.org/presentationml/2006/main">
   <p:cSld>
+    <p:bg>
+      <p:bgPr>
+        <a:solidFill>
+          <a:schemeClr val="bg1"/>
+        </a:solidFill>
+        <a:effectLst/>
+      </p:bgPr>
+    </p:bg>
     <p:spTree>
       <p:nvGrpSpPr>
         <p:cNvPr id="1" name=""/>
@@ -3799,6 +4836,599 @@
           <a:chExt cx="0" cy="0"/>
         </a:xfrm>
       </p:grpSpPr>
+      <p:sp useBgFill="1">
+        <p:nvSpPr>
+          <p:cNvPr id="71" name="Rectangle 70">
+            <a:extLst>
+              <a:ext uri="{FF2B5EF4-FFF2-40B4-BE49-F238E27FC236}">
+                <a16:creationId xmlns:a16="http://schemas.microsoft.com/office/drawing/2014/main" id="{F4C0B10B-D2C4-4A54-AFAD-3D27DF88BB37}"/>
+              </a:ext>
+              <a:ext uri="{C183D7F6-B498-43B3-948B-1728B52AA6E4}">
+                <adec:decorative xmlns:adec="http://schemas.microsoft.com/office/drawing/2017/decorative" val="1"/>
+              </a:ext>
+            </a:extLst>
+          </p:cNvPr>
+          <p:cNvSpPr>
+            <a:spLocks noGrp="1" noRot="1" noChangeAspect="1" noMove="1" noResize="1" noEditPoints="1" noAdjustHandles="1" noChangeArrowheads="1" noChangeShapeType="1" noTextEdit="1"/>
+          </p:cNvSpPr>
+          <p:nvPr>
+            <p:extLst>
+              <p:ext uri="{386F3935-93C4-4BCD-93E2-E3B085C9AB24}">
+                <p16:designElem xmlns:p16="http://schemas.microsoft.com/office/powerpoint/2015/main" val="1"/>
+              </p:ext>
+            </p:extLst>
+          </p:nvPr>
+        </p:nvSpPr>
+        <p:spPr>
+          <a:xfrm>
+            <a:off x="0" y="0"/>
+            <a:ext cx="12188952" cy="6858000"/>
+          </a:xfrm>
+          <a:prstGeom prst="rect">
+            <a:avLst/>
+          </a:prstGeom>
+          <a:ln>
+            <a:noFill/>
+          </a:ln>
+        </p:spPr>
+        <p:style>
+          <a:lnRef idx="2">
+            <a:schemeClr val="accent1">
+              <a:shade val="50000"/>
+            </a:schemeClr>
+          </a:lnRef>
+          <a:fillRef idx="1">
+            <a:schemeClr val="accent1"/>
+          </a:fillRef>
+          <a:effectRef idx="0">
+            <a:schemeClr val="accent1"/>
+          </a:effectRef>
+          <a:fontRef idx="minor">
+            <a:schemeClr val="lt1"/>
+          </a:fontRef>
+        </p:style>
+        <p:txBody>
+          <a:bodyPr rtlCol="0" anchor="ctr"/>
+          <a:lstStyle/>
+          <a:p>
+            <a:pPr algn="ctr"/>
+            <a:endParaRPr lang="en-US"/>
+          </a:p>
+        </p:txBody>
+      </p:sp>
+      <p:grpSp>
+        <p:nvGrpSpPr>
+          <p:cNvPr id="73" name="Group 72">
+            <a:extLst>
+              <a:ext uri="{FF2B5EF4-FFF2-40B4-BE49-F238E27FC236}">
+                <a16:creationId xmlns:a16="http://schemas.microsoft.com/office/drawing/2014/main" id="{B6BADB90-C74B-40D6-86DC-503F65FCE8DC}"/>
+              </a:ext>
+              <a:ext uri="{C183D7F6-B498-43B3-948B-1728B52AA6E4}">
+                <adec:decorative xmlns:adec="http://schemas.microsoft.com/office/drawing/2017/decorative" val="1"/>
+              </a:ext>
+            </a:extLst>
+          </p:cNvPr>
+          <p:cNvGrpSpPr>
+            <a:grpSpLocks noGrp="1" noUngrp="1" noRot="1" noChangeAspect="1" noMove="1" noResize="1"/>
+          </p:cNvGrpSpPr>
+          <p:nvPr>
+            <p:extLst>
+              <p:ext uri="{386F3935-93C4-4BCD-93E2-E3B085C9AB24}">
+                <p16:designElem xmlns:p16="http://schemas.microsoft.com/office/powerpoint/2015/main" val="1"/>
+              </p:ext>
+            </p:extLst>
+          </p:nvPr>
+        </p:nvGrpSpPr>
+        <p:grpSpPr>
+          <a:xfrm>
+            <a:off x="409710" y="635715"/>
+            <a:ext cx="11142208" cy="2482136"/>
+            <a:chOff x="409710" y="635715"/>
+            <a:chExt cx="11142208" cy="2482136"/>
+          </a:xfrm>
+        </p:grpSpPr>
+        <p:sp>
+          <p:nvSpPr>
+            <p:cNvPr id="74" name="Freeform 44">
+              <a:extLst>
+                <a:ext uri="{FF2B5EF4-FFF2-40B4-BE49-F238E27FC236}">
+                  <a16:creationId xmlns:a16="http://schemas.microsoft.com/office/drawing/2014/main" id="{6559431D-1886-4AE0-9B87-9AD2ECAB8439}"/>
+                </a:ext>
+                <a:ext uri="{C183D7F6-B498-43B3-948B-1728B52AA6E4}">
+                  <adec:decorative xmlns:adec="http://schemas.microsoft.com/office/drawing/2017/decorative" val="1"/>
+                </a:ext>
+              </a:extLst>
+            </p:cNvPr>
+            <p:cNvSpPr>
+              <a:spLocks/>
+            </p:cNvSpPr>
+            <p:nvPr>
+              <p:extLst>
+                <p:ext uri="{386F3935-93C4-4BCD-93E2-E3B085C9AB24}">
+                  <p16:designElem xmlns:p16="http://schemas.microsoft.com/office/powerpoint/2015/main" val="1"/>
+                </p:ext>
+              </p:extLst>
+            </p:nvPr>
+          </p:nvSpPr>
+          <p:spPr bwMode="auto">
+            <a:xfrm>
+              <a:off x="11223203" y="635716"/>
+              <a:ext cx="328612" cy="1742360"/>
+            </a:xfrm>
+            <a:custGeom>
+              <a:avLst/>
+              <a:gdLst>
+                <a:gd name="T0" fmla="*/ 207 w 207"/>
+                <a:gd name="T1" fmla="*/ 987 h 1114"/>
+                <a:gd name="T2" fmla="*/ 0 w 207"/>
+                <a:gd name="T3" fmla="*/ 1114 h 1114"/>
+                <a:gd name="T4" fmla="*/ 0 w 207"/>
+                <a:gd name="T5" fmla="*/ 127 h 1114"/>
+                <a:gd name="T6" fmla="*/ 207 w 207"/>
+                <a:gd name="T7" fmla="*/ 0 h 1114"/>
+                <a:gd name="T8" fmla="*/ 207 w 207"/>
+                <a:gd name="T9" fmla="*/ 987 h 1114"/>
+              </a:gdLst>
+              <a:ahLst/>
+              <a:cxnLst>
+                <a:cxn ang="0">
+                  <a:pos x="T0" y="T1"/>
+                </a:cxn>
+                <a:cxn ang="0">
+                  <a:pos x="T2" y="T3"/>
+                </a:cxn>
+                <a:cxn ang="0">
+                  <a:pos x="T4" y="T5"/>
+                </a:cxn>
+                <a:cxn ang="0">
+                  <a:pos x="T6" y="T7"/>
+                </a:cxn>
+                <a:cxn ang="0">
+                  <a:pos x="T8" y="T9"/>
+                </a:cxn>
+              </a:cxnLst>
+              <a:rect l="0" t="0" r="r" b="b"/>
+              <a:pathLst>
+                <a:path w="207" h="1114">
+                  <a:moveTo>
+                    <a:pt x="207" y="987"/>
+                  </a:moveTo>
+                  <a:lnTo>
+                    <a:pt x="0" y="1114"/>
+                  </a:lnTo>
+                  <a:lnTo>
+                    <a:pt x="0" y="127"/>
+                  </a:lnTo>
+                  <a:lnTo>
+                    <a:pt x="207" y="0"/>
+                  </a:lnTo>
+                  <a:lnTo>
+                    <a:pt x="207" y="987"/>
+                  </a:lnTo>
+                  <a:close/>
+                </a:path>
+              </a:pathLst>
+            </a:custGeom>
+            <a:solidFill>
+              <a:schemeClr val="accent1">
+                <a:lumMod val="50000"/>
+              </a:schemeClr>
+            </a:solidFill>
+            <a:ln>
+              <a:noFill/>
+            </a:ln>
+          </p:spPr>
+          <p:txBody>
+            <a:bodyPr vert="horz" wrap="square" lIns="91440" tIns="45720" rIns="91440" bIns="45720" numCol="1" anchor="t" anchorCtr="0" compatLnSpc="1">
+              <a:prstTxWarp prst="textNoShape">
+                <a:avLst/>
+              </a:prstTxWarp>
+            </a:bodyPr>
+            <a:lstStyle/>
+            <a:p>
+              <a:endParaRPr lang="en-US"/>
+            </a:p>
+          </p:txBody>
+        </p:sp>
+        <p:sp>
+          <p:nvSpPr>
+            <p:cNvPr id="75" name="Freeform 45">
+              <a:extLst>
+                <a:ext uri="{FF2B5EF4-FFF2-40B4-BE49-F238E27FC236}">
+                  <a16:creationId xmlns:a16="http://schemas.microsoft.com/office/drawing/2014/main" id="{373850A5-B04A-4FCD-9E73-EE322167FB31}"/>
+                </a:ext>
+                <a:ext uri="{C183D7F6-B498-43B3-948B-1728B52AA6E4}">
+                  <adec:decorative xmlns:adec="http://schemas.microsoft.com/office/drawing/2017/decorative" val="1"/>
+                </a:ext>
+              </a:extLst>
+            </p:cNvPr>
+            <p:cNvSpPr>
+              <a:spLocks/>
+            </p:cNvSpPr>
+            <p:nvPr>
+              <p:extLst>
+                <p:ext uri="{386F3935-93C4-4BCD-93E2-E3B085C9AB24}">
+                  <p16:designElem xmlns:p16="http://schemas.microsoft.com/office/powerpoint/2015/main" val="1"/>
+                </p:ext>
+              </p:extLst>
+            </p:nvPr>
+          </p:nvSpPr>
+          <p:spPr bwMode="auto">
+            <a:xfrm>
+              <a:off x="409710" y="1022350"/>
+              <a:ext cx="709612" cy="2095501"/>
+            </a:xfrm>
+            <a:custGeom>
+              <a:avLst/>
+              <a:gdLst>
+                <a:gd name="T0" fmla="*/ 447 w 447"/>
+                <a:gd name="T1" fmla="*/ 1363 h 1363"/>
+                <a:gd name="T2" fmla="*/ 0 w 447"/>
+                <a:gd name="T3" fmla="*/ 987 h 1363"/>
+                <a:gd name="T4" fmla="*/ 0 w 447"/>
+                <a:gd name="T5" fmla="*/ 0 h 1363"/>
+                <a:gd name="T6" fmla="*/ 447 w 447"/>
+                <a:gd name="T7" fmla="*/ 376 h 1363"/>
+                <a:gd name="T8" fmla="*/ 447 w 447"/>
+                <a:gd name="T9" fmla="*/ 1363 h 1363"/>
+              </a:gdLst>
+              <a:ahLst/>
+              <a:cxnLst>
+                <a:cxn ang="0">
+                  <a:pos x="T0" y="T1"/>
+                </a:cxn>
+                <a:cxn ang="0">
+                  <a:pos x="T2" y="T3"/>
+                </a:cxn>
+                <a:cxn ang="0">
+                  <a:pos x="T4" y="T5"/>
+                </a:cxn>
+                <a:cxn ang="0">
+                  <a:pos x="T6" y="T7"/>
+                </a:cxn>
+                <a:cxn ang="0">
+                  <a:pos x="T8" y="T9"/>
+                </a:cxn>
+              </a:cxnLst>
+              <a:rect l="0" t="0" r="r" b="b"/>
+              <a:pathLst>
+                <a:path w="447" h="1363">
+                  <a:moveTo>
+                    <a:pt x="447" y="1363"/>
+                  </a:moveTo>
+                  <a:lnTo>
+                    <a:pt x="0" y="987"/>
+                  </a:lnTo>
+                  <a:lnTo>
+                    <a:pt x="0" y="0"/>
+                  </a:lnTo>
+                  <a:lnTo>
+                    <a:pt x="447" y="376"/>
+                  </a:lnTo>
+                  <a:lnTo>
+                    <a:pt x="447" y="1363"/>
+                  </a:lnTo>
+                  <a:close/>
+                </a:path>
+              </a:pathLst>
+            </a:custGeom>
+            <a:solidFill>
+              <a:schemeClr val="accent1">
+                <a:lumMod val="50000"/>
+              </a:schemeClr>
+            </a:solidFill>
+            <a:ln>
+              <a:noFill/>
+            </a:ln>
+          </p:spPr>
+          <p:txBody>
+            <a:bodyPr vert="horz" wrap="square" lIns="91440" tIns="45720" rIns="91440" bIns="45720" numCol="1" anchor="t" anchorCtr="0" compatLnSpc="1">
+              <a:prstTxWarp prst="textNoShape">
+                <a:avLst/>
+              </a:prstTxWarp>
+            </a:bodyPr>
+            <a:lstStyle/>
+            <a:p>
+              <a:endParaRPr lang="en-US"/>
+            </a:p>
+          </p:txBody>
+        </p:sp>
+        <p:sp>
+          <p:nvSpPr>
+            <p:cNvPr id="76" name="Freeform 46">
+              <a:extLst>
+                <a:ext uri="{FF2B5EF4-FFF2-40B4-BE49-F238E27FC236}">
+                  <a16:creationId xmlns:a16="http://schemas.microsoft.com/office/drawing/2014/main" id="{82C18C67-80FA-4738-AA53-0AF2419F98E0}"/>
+                </a:ext>
+                <a:ext uri="{C183D7F6-B498-43B3-948B-1728B52AA6E4}">
+                  <adec:decorative xmlns:adec="http://schemas.microsoft.com/office/drawing/2017/decorative" val="1"/>
+                </a:ext>
+              </a:extLst>
+            </p:cNvPr>
+            <p:cNvSpPr>
+              <a:spLocks/>
+            </p:cNvSpPr>
+            <p:nvPr>
+              <p:extLst>
+                <p:ext uri="{386F3935-93C4-4BCD-93E2-E3B085C9AB24}">
+                  <p16:designElem xmlns:p16="http://schemas.microsoft.com/office/powerpoint/2015/main" val="1"/>
+                </p:ext>
+              </p:extLst>
+            </p:nvPr>
+          </p:nvSpPr>
+          <p:spPr bwMode="auto">
+            <a:xfrm>
+              <a:off x="409710" y="837744"/>
+              <a:ext cx="403225" cy="1705431"/>
+            </a:xfrm>
+            <a:custGeom>
+              <a:avLst/>
+              <a:gdLst>
+                <a:gd name="T0" fmla="*/ 254 w 254"/>
+                <a:gd name="T1" fmla="*/ 987 h 1109"/>
+                <a:gd name="T2" fmla="*/ 0 w 254"/>
+                <a:gd name="T3" fmla="*/ 1109 h 1109"/>
+                <a:gd name="T4" fmla="*/ 0 w 254"/>
+                <a:gd name="T5" fmla="*/ 119 h 1109"/>
+                <a:gd name="T6" fmla="*/ 254 w 254"/>
+                <a:gd name="T7" fmla="*/ 0 h 1109"/>
+                <a:gd name="T8" fmla="*/ 254 w 254"/>
+                <a:gd name="T9" fmla="*/ 987 h 1109"/>
+              </a:gdLst>
+              <a:ahLst/>
+              <a:cxnLst>
+                <a:cxn ang="0">
+                  <a:pos x="T0" y="T1"/>
+                </a:cxn>
+                <a:cxn ang="0">
+                  <a:pos x="T2" y="T3"/>
+                </a:cxn>
+                <a:cxn ang="0">
+                  <a:pos x="T4" y="T5"/>
+                </a:cxn>
+                <a:cxn ang="0">
+                  <a:pos x="T6" y="T7"/>
+                </a:cxn>
+                <a:cxn ang="0">
+                  <a:pos x="T8" y="T9"/>
+                </a:cxn>
+              </a:cxnLst>
+              <a:rect l="0" t="0" r="r" b="b"/>
+              <a:pathLst>
+                <a:path w="254" h="1109">
+                  <a:moveTo>
+                    <a:pt x="254" y="987"/>
+                  </a:moveTo>
+                  <a:lnTo>
+                    <a:pt x="0" y="1109"/>
+                  </a:lnTo>
+                  <a:lnTo>
+                    <a:pt x="0" y="119"/>
+                  </a:lnTo>
+                  <a:lnTo>
+                    <a:pt x="254" y="0"/>
+                  </a:lnTo>
+                  <a:lnTo>
+                    <a:pt x="254" y="987"/>
+                  </a:lnTo>
+                  <a:close/>
+                </a:path>
+              </a:pathLst>
+            </a:custGeom>
+            <a:solidFill>
+              <a:schemeClr val="accent1">
+                <a:lumMod val="75000"/>
+              </a:schemeClr>
+            </a:solidFill>
+            <a:ln>
+              <a:noFill/>
+            </a:ln>
+          </p:spPr>
+          <p:txBody>
+            <a:bodyPr vert="horz" wrap="square" lIns="91440" tIns="45720" rIns="91440" bIns="45720" numCol="1" anchor="t" anchorCtr="0" compatLnSpc="1">
+              <a:prstTxWarp prst="textNoShape">
+                <a:avLst/>
+              </a:prstTxWarp>
+            </a:bodyPr>
+            <a:lstStyle/>
+            <a:p>
+              <a:endParaRPr lang="en-US"/>
+            </a:p>
+          </p:txBody>
+        </p:sp>
+        <p:sp>
+          <p:nvSpPr>
+            <p:cNvPr id="77" name="Freeform 47">
+              <a:extLst>
+                <a:ext uri="{FF2B5EF4-FFF2-40B4-BE49-F238E27FC236}">
+                  <a16:creationId xmlns:a16="http://schemas.microsoft.com/office/drawing/2014/main" id="{48543B1A-8BF5-4C63-8404-41B2EA70B33E}"/>
+                </a:ext>
+                <a:ext uri="{C183D7F6-B498-43B3-948B-1728B52AA6E4}">
+                  <adec:decorative xmlns:adec="http://schemas.microsoft.com/office/drawing/2017/decorative" val="1"/>
+                </a:ext>
+              </a:extLst>
+            </p:cNvPr>
+            <p:cNvSpPr>
+              <a:spLocks/>
+            </p:cNvSpPr>
+            <p:nvPr>
+              <p:extLst>
+                <p:ext uri="{386F3935-93C4-4BCD-93E2-E3B085C9AB24}">
+                  <p16:designElem xmlns:p16="http://schemas.microsoft.com/office/powerpoint/2015/main" val="1"/>
+                </p:ext>
+              </p:extLst>
+            </p:nvPr>
+          </p:nvSpPr>
+          <p:spPr bwMode="auto">
+            <a:xfrm>
+              <a:off x="644660" y="640894"/>
+              <a:ext cx="168275" cy="1713195"/>
+            </a:xfrm>
+            <a:custGeom>
+              <a:avLst/>
+              <a:gdLst>
+                <a:gd name="T0" fmla="*/ 106 w 106"/>
+                <a:gd name="T1" fmla="*/ 1114 h 1114"/>
+                <a:gd name="T2" fmla="*/ 0 w 106"/>
+                <a:gd name="T3" fmla="*/ 1005 h 1114"/>
+                <a:gd name="T4" fmla="*/ 0 w 106"/>
+                <a:gd name="T5" fmla="*/ 0 h 1114"/>
+                <a:gd name="T6" fmla="*/ 106 w 106"/>
+                <a:gd name="T7" fmla="*/ 110 h 1114"/>
+                <a:gd name="T8" fmla="*/ 106 w 106"/>
+                <a:gd name="T9" fmla="*/ 1114 h 1114"/>
+              </a:gdLst>
+              <a:ahLst/>
+              <a:cxnLst>
+                <a:cxn ang="0">
+                  <a:pos x="T0" y="T1"/>
+                </a:cxn>
+                <a:cxn ang="0">
+                  <a:pos x="T2" y="T3"/>
+                </a:cxn>
+                <a:cxn ang="0">
+                  <a:pos x="T4" y="T5"/>
+                </a:cxn>
+                <a:cxn ang="0">
+                  <a:pos x="T6" y="T7"/>
+                </a:cxn>
+                <a:cxn ang="0">
+                  <a:pos x="T8" y="T9"/>
+                </a:cxn>
+              </a:cxnLst>
+              <a:rect l="0" t="0" r="r" b="b"/>
+              <a:pathLst>
+                <a:path w="106" h="1114">
+                  <a:moveTo>
+                    <a:pt x="106" y="1114"/>
+                  </a:moveTo>
+                  <a:lnTo>
+                    <a:pt x="0" y="1005"/>
+                  </a:lnTo>
+                  <a:lnTo>
+                    <a:pt x="0" y="0"/>
+                  </a:lnTo>
+                  <a:lnTo>
+                    <a:pt x="106" y="110"/>
+                  </a:lnTo>
+                  <a:lnTo>
+                    <a:pt x="106" y="1114"/>
+                  </a:lnTo>
+                  <a:close/>
+                </a:path>
+              </a:pathLst>
+            </a:custGeom>
+            <a:solidFill>
+              <a:schemeClr val="accent1">
+                <a:lumMod val="50000"/>
+              </a:schemeClr>
+            </a:solidFill>
+            <a:ln>
+              <a:noFill/>
+            </a:ln>
+          </p:spPr>
+          <p:txBody>
+            <a:bodyPr vert="horz" wrap="square" lIns="91440" tIns="45720" rIns="91440" bIns="45720" numCol="1" anchor="t" anchorCtr="0" compatLnSpc="1">
+              <a:prstTxWarp prst="textNoShape">
+                <a:avLst/>
+              </a:prstTxWarp>
+            </a:bodyPr>
+            <a:lstStyle/>
+            <a:p>
+              <a:endParaRPr lang="en-US"/>
+            </a:p>
+          </p:txBody>
+        </p:sp>
+        <p:sp>
+          <p:nvSpPr>
+            <p:cNvPr id="78" name="Rectangle 77">
+              <a:extLst>
+                <a:ext uri="{FF2B5EF4-FFF2-40B4-BE49-F238E27FC236}">
+                  <a16:creationId xmlns:a16="http://schemas.microsoft.com/office/drawing/2014/main" id="{92DF5096-E051-498C-A3ED-CBA77A813AAC}"/>
+                </a:ext>
+                <a:ext uri="{C183D7F6-B498-43B3-948B-1728B52AA6E4}">
+                  <adec:decorative xmlns:adec="http://schemas.microsoft.com/office/drawing/2017/decorative" val="1"/>
+                </a:ext>
+              </a:extLst>
+            </p:cNvPr>
+            <p:cNvSpPr>
+              <a:spLocks noChangeArrowheads="1"/>
+            </p:cNvSpPr>
+            <p:nvPr>
+              <p:extLst>
+                <p:ext uri="{386F3935-93C4-4BCD-93E2-E3B085C9AB24}">
+                  <p16:designElem xmlns:p16="http://schemas.microsoft.com/office/powerpoint/2015/main" val="1"/>
+                </p:ext>
+              </p:extLst>
+            </p:nvPr>
+          </p:nvSpPr>
+          <p:spPr bwMode="auto">
+            <a:xfrm>
+              <a:off x="644055" y="635715"/>
+              <a:ext cx="10907863" cy="1541457"/>
+            </a:xfrm>
+            <a:prstGeom prst="rect">
+              <a:avLst/>
+            </a:prstGeom>
+            <a:solidFill>
+              <a:schemeClr val="accent1"/>
+            </a:solidFill>
+            <a:ln>
+              <a:noFill/>
+            </a:ln>
+          </p:spPr>
+          <p:txBody>
+            <a:bodyPr vert="horz" wrap="square" lIns="91440" tIns="45720" rIns="91440" bIns="45720" numCol="1" anchor="t" anchorCtr="0" compatLnSpc="1">
+              <a:prstTxWarp prst="textNoShape">
+                <a:avLst/>
+              </a:prstTxWarp>
+            </a:bodyPr>
+            <a:lstStyle/>
+            <a:p>
+              <a:endParaRPr lang="en-US"/>
+            </a:p>
+          </p:txBody>
+        </p:sp>
+      </p:grpSp>
+      <p:sp>
+        <p:nvSpPr>
+          <p:cNvPr id="4" name="Title 1">
+            <a:extLst>
+              <a:ext uri="{FF2B5EF4-FFF2-40B4-BE49-F238E27FC236}">
+                <a16:creationId xmlns:a16="http://schemas.microsoft.com/office/drawing/2014/main" id="{0A33B03A-A52D-4244-8EC4-0885CF6AE9CE}"/>
+              </a:ext>
+            </a:extLst>
+          </p:cNvPr>
+          <p:cNvSpPr>
+            <a:spLocks noGrp="1"/>
+          </p:cNvSpPr>
+          <p:nvPr>
+            <p:ph type="title"/>
+          </p:nvPr>
+        </p:nvSpPr>
+        <p:spPr>
+          <a:xfrm>
+            <a:off x="1047280" y="759805"/>
+            <a:ext cx="10306520" cy="1325563"/>
+          </a:xfrm>
+        </p:spPr>
+        <p:txBody>
+          <a:bodyPr>
+            <a:normAutofit/>
+          </a:bodyPr>
+          <a:lstStyle/>
+          <a:p>
+            <a:r>
+              <a:rPr lang="en-US" sz="4000">
+                <a:solidFill>
+                  <a:srgbClr val="FFFFFF"/>
+                </a:solidFill>
+              </a:rPr>
+              <a:t>Introduction &amp; Motivation</a:t>
+            </a:r>
+          </a:p>
+        </p:txBody>
+      </p:sp>
       <p:sp>
         <p:nvSpPr>
           <p:cNvPr id="3" name="Content Placeholder 2">
@@ -3817,56 +5447,8 @@
         </p:nvSpPr>
         <p:spPr>
           <a:xfrm>
-            <a:off x="838201" y="1825625"/>
-            <a:ext cx="5715000" cy="2520132"/>
-          </a:xfrm>
-        </p:spPr>
-        <p:txBody>
-          <a:bodyPr/>
-          <a:lstStyle/>
-          <a:p>
-            <a:r>
-              <a:rPr lang="en-US" dirty="0"/>
-              <a:t>September 20</a:t>
-            </a:r>
-            <a:r>
-              <a:rPr lang="en-US" baseline="30000" dirty="0"/>
-              <a:t>th</a:t>
-            </a:r>
-            <a:r>
-              <a:rPr lang="en-US" dirty="0"/>
-              <a:t>, 2020 Governor Newsom bans internal combustible engines (ICE) by 2035; no new sales by 2045</a:t>
-            </a:r>
-          </a:p>
-          <a:p>
-            <a:pPr lvl="1"/>
-            <a:r>
-              <a:rPr lang="en-US" dirty="0"/>
-              <a:t>Strongest action by far against climate change </a:t>
-            </a:r>
-          </a:p>
-        </p:txBody>
-      </p:sp>
-      <p:sp>
-        <p:nvSpPr>
-          <p:cNvPr id="4" name="Title 1">
-            <a:extLst>
-              <a:ext uri="{FF2B5EF4-FFF2-40B4-BE49-F238E27FC236}">
-                <a16:creationId xmlns:a16="http://schemas.microsoft.com/office/drawing/2014/main" id="{0A33B03A-A52D-4244-8EC4-0885CF6AE9CE}"/>
-              </a:ext>
-            </a:extLst>
-          </p:cNvPr>
-          <p:cNvSpPr>
-            <a:spLocks noGrp="1"/>
-          </p:cNvSpPr>
-          <p:nvPr>
-            <p:ph type="title"/>
-          </p:nvPr>
-        </p:nvSpPr>
-        <p:spPr>
-          <a:xfrm>
-            <a:off x="838200" y="365125"/>
-            <a:ext cx="10515600" cy="1325563"/>
+            <a:off x="1424904" y="2494450"/>
+            <a:ext cx="4053545" cy="3563159"/>
           </a:xfrm>
         </p:spPr>
         <p:txBody>
@@ -3876,59 +5458,23 @@
           <a:lstStyle/>
           <a:p>
             <a:r>
-              <a:rPr lang="en-US" sz="4000" dirty="0"/>
-              <a:t>Introduction &amp; Motivation</a:t>
-            </a:r>
-          </a:p>
-        </p:txBody>
-      </p:sp>
-      <p:sp>
-        <p:nvSpPr>
-          <p:cNvPr id="5" name="TextBox 4">
-            <a:extLst>
-              <a:ext uri="{FF2B5EF4-FFF2-40B4-BE49-F238E27FC236}">
-                <a16:creationId xmlns:a16="http://schemas.microsoft.com/office/drawing/2014/main" id="{85721F84-82CA-4212-9AD8-3F5546361978}"/>
-              </a:ext>
-            </a:extLst>
-          </p:cNvPr>
-          <p:cNvSpPr txBox="1"/>
-          <p:nvPr/>
-        </p:nvSpPr>
-        <p:spPr>
-          <a:xfrm>
-            <a:off x="800284" y="5087437"/>
-            <a:ext cx="10746557" cy="1200329"/>
-          </a:xfrm>
-          <a:prstGeom prst="rect">
-            <a:avLst/>
-          </a:prstGeom>
-          <a:noFill/>
-        </p:spPr>
-        <p:txBody>
-          <a:bodyPr wrap="square" rtlCol="0">
-            <a:spAutoFit/>
-          </a:bodyPr>
-          <a:lstStyle/>
-          <a:p>
-            <a:r>
-              <a:rPr lang="en-US" b="1" dirty="0"/>
-              <a:t>Question</a:t>
-            </a:r>
-            <a:endParaRPr lang="en-US" dirty="0"/>
-          </a:p>
-          <a:p>
-            <a:endParaRPr lang="en-US" b="1" dirty="0"/>
-          </a:p>
-          <a:p>
-            <a:r>
-              <a:rPr lang="en-US" b="1" dirty="0"/>
-              <a:t>What will be the impacts (quantified) of the ban of gasoline engines do the overall California Emissions?</a:t>
-            </a:r>
-          </a:p>
-          <a:p>
-            <a:r>
-              <a:rPr lang="en-US" b="1" dirty="0"/>
-              <a:t>	</a:t>
+              <a:rPr lang="en-US" sz="2400" dirty="0"/>
+              <a:t>September 20</a:t>
+            </a:r>
+            <a:r>
+              <a:rPr lang="en-US" sz="2400" baseline="30000" dirty="0"/>
+              <a:t>th</a:t>
+            </a:r>
+            <a:r>
+              <a:rPr lang="en-US" sz="2400" dirty="0"/>
+              <a:t>, 2020 Governor Newsom bans internal combustible engines (ICE) by 2035; no new sales by 2045</a:t>
+            </a:r>
+          </a:p>
+          <a:p>
+            <a:pPr lvl="1"/>
+            <a:r>
+              <a:rPr lang="en-US" dirty="0"/>
+              <a:t>Strongest action by far against climate change </a:t>
             </a:r>
           </a:p>
         </p:txBody>
@@ -3947,7 +5493,7 @@
           </p:cNvPicPr>
           <p:nvPr/>
         </p:nvPicPr>
-        <p:blipFill>
+        <p:blipFill rotWithShape="1">
           <a:blip r:embed="rId2">
             <a:extLst>
               <a:ext uri="{28A0092B-C50C-407E-A947-70E740481C1C}">
@@ -3955,15 +5501,13 @@
               </a:ext>
             </a:extLst>
           </a:blip>
-          <a:srcRect/>
-          <a:stretch>
-            <a:fillRect/>
-          </a:stretch>
+          <a:srcRect l="16952" r="12291" b="-3"/>
+          <a:stretch/>
         </p:blipFill>
         <p:spPr bwMode="auto">
           <a:xfrm>
-            <a:off x="6553201" y="1747090"/>
-            <a:ext cx="4993640" cy="2621661"/>
+            <a:off x="6098892" y="2492376"/>
+            <a:ext cx="4802404" cy="3563372"/>
           </a:xfrm>
           <a:prstGeom prst="rect">
             <a:avLst/>
@@ -3980,6 +5524,77 @@
           </a:extLst>
         </p:spPr>
       </p:pic>
+      <p:sp>
+        <p:nvSpPr>
+          <p:cNvPr id="5" name="TextBox 4">
+            <a:extLst>
+              <a:ext uri="{FF2B5EF4-FFF2-40B4-BE49-F238E27FC236}">
+                <a16:creationId xmlns:a16="http://schemas.microsoft.com/office/drawing/2014/main" id="{85721F84-82CA-4212-9AD8-3F5546361978}"/>
+              </a:ext>
+            </a:extLst>
+          </p:cNvPr>
+          <p:cNvSpPr txBox="1"/>
+          <p:nvPr/>
+        </p:nvSpPr>
+        <p:spPr>
+          <a:xfrm>
+            <a:off x="960540" y="5515297"/>
+            <a:ext cx="10746557" cy="1431161"/>
+          </a:xfrm>
+          <a:prstGeom prst="rect">
+            <a:avLst/>
+          </a:prstGeom>
+          <a:noFill/>
+        </p:spPr>
+        <p:txBody>
+          <a:bodyPr wrap="square" rtlCol="0">
+            <a:spAutoFit/>
+          </a:bodyPr>
+          <a:lstStyle/>
+          <a:p>
+            <a:pPr>
+              <a:spcAft>
+                <a:spcPts val="600"/>
+              </a:spcAft>
+            </a:pPr>
+            <a:r>
+              <a:rPr lang="en-US" b="1" dirty="0"/>
+              <a:t>Question</a:t>
+            </a:r>
+            <a:endParaRPr lang="en-US" dirty="0"/>
+          </a:p>
+          <a:p>
+            <a:pPr>
+              <a:spcAft>
+                <a:spcPts val="600"/>
+              </a:spcAft>
+            </a:pPr>
+            <a:endParaRPr lang="en-US" b="1" dirty="0"/>
+          </a:p>
+          <a:p>
+            <a:pPr>
+              <a:spcAft>
+                <a:spcPts val="600"/>
+              </a:spcAft>
+            </a:pPr>
+            <a:r>
+              <a:rPr lang="en-US" b="1" dirty="0"/>
+              <a:t>What will be the impacts (quantified) of the ban of gasoline engines do the overall California Emissions?</a:t>
+            </a:r>
+          </a:p>
+          <a:p>
+            <a:pPr>
+              <a:spcAft>
+                <a:spcPts val="600"/>
+              </a:spcAft>
+            </a:pPr>
+            <a:r>
+              <a:rPr lang="en-US" b="1" dirty="0"/>
+              <a:t>	</a:t>
+            </a:r>
+          </a:p>
+        </p:txBody>
+      </p:sp>
     </p:spTree>
     <p:extLst>
       <p:ext uri="{BB962C8B-B14F-4D97-AF65-F5344CB8AC3E}">
@@ -3994,6 +5609,1879 @@
 </file>
 
 <file path=ppt/slides/slide4.xml><?xml version="1.0" encoding="utf-8"?>
+<p:sld xmlns:a="http://schemas.openxmlformats.org/drawingml/2006/main" xmlns:r="http://schemas.openxmlformats.org/officeDocument/2006/relationships" xmlns:p="http://schemas.openxmlformats.org/presentationml/2006/main">
+  <p:cSld>
+    <p:bg>
+      <p:bgPr>
+        <a:solidFill>
+          <a:schemeClr val="bg1"/>
+        </a:solidFill>
+        <a:effectLst/>
+      </p:bgPr>
+    </p:bg>
+    <p:spTree>
+      <p:nvGrpSpPr>
+        <p:cNvPr id="1" name=""/>
+        <p:cNvGrpSpPr/>
+        <p:nvPr/>
+      </p:nvGrpSpPr>
+      <p:grpSpPr>
+        <a:xfrm>
+          <a:off x="0" y="0"/>
+          <a:ext cx="0" cy="0"/>
+          <a:chOff x="0" y="0"/>
+          <a:chExt cx="0" cy="0"/>
+        </a:xfrm>
+      </p:grpSpPr>
+      <p:sp useBgFill="1">
+        <p:nvSpPr>
+          <p:cNvPr id="11" name="Rectangle 10">
+            <a:extLst>
+              <a:ext uri="{FF2B5EF4-FFF2-40B4-BE49-F238E27FC236}">
+                <a16:creationId xmlns:a16="http://schemas.microsoft.com/office/drawing/2014/main" id="{CD5D3CE8-6534-4899-B698-BB3C6848EC43}"/>
+              </a:ext>
+              <a:ext uri="{C183D7F6-B498-43B3-948B-1728B52AA6E4}">
+                <adec:decorative xmlns:adec="http://schemas.microsoft.com/office/drawing/2017/decorative" val="1"/>
+              </a:ext>
+            </a:extLst>
+          </p:cNvPr>
+          <p:cNvSpPr>
+            <a:spLocks noGrp="1" noRot="1" noChangeAspect="1" noMove="1" noResize="1" noEditPoints="1" noAdjustHandles="1" noChangeArrowheads="1" noChangeShapeType="1" noTextEdit="1"/>
+          </p:cNvSpPr>
+          <p:nvPr>
+            <p:extLst>
+              <p:ext uri="{386F3935-93C4-4BCD-93E2-E3B085C9AB24}">
+                <p16:designElem xmlns:p16="http://schemas.microsoft.com/office/powerpoint/2015/main" val="1"/>
+              </p:ext>
+            </p:extLst>
+          </p:nvPr>
+        </p:nvSpPr>
+        <p:spPr>
+          <a:xfrm>
+            <a:off x="0" y="0"/>
+            <a:ext cx="12188952" cy="6858000"/>
+          </a:xfrm>
+          <a:prstGeom prst="rect">
+            <a:avLst/>
+          </a:prstGeom>
+          <a:ln>
+            <a:noFill/>
+          </a:ln>
+        </p:spPr>
+        <p:style>
+          <a:lnRef idx="2">
+            <a:schemeClr val="accent1">
+              <a:shade val="50000"/>
+            </a:schemeClr>
+          </a:lnRef>
+          <a:fillRef idx="1">
+            <a:schemeClr val="accent1"/>
+          </a:fillRef>
+          <a:effectRef idx="0">
+            <a:schemeClr val="accent1"/>
+          </a:effectRef>
+          <a:fontRef idx="minor">
+            <a:schemeClr val="lt1"/>
+          </a:fontRef>
+        </p:style>
+        <p:txBody>
+          <a:bodyPr rtlCol="0" anchor="ctr"/>
+          <a:lstStyle/>
+          <a:p>
+            <a:pPr algn="ctr"/>
+            <a:endParaRPr lang="en-US"/>
+          </a:p>
+        </p:txBody>
+      </p:sp>
+      <p:grpSp>
+        <p:nvGrpSpPr>
+          <p:cNvPr id="13" name="Group 12">
+            <a:extLst>
+              <a:ext uri="{FF2B5EF4-FFF2-40B4-BE49-F238E27FC236}">
+                <a16:creationId xmlns:a16="http://schemas.microsoft.com/office/drawing/2014/main" id="{6C313485-7BF2-43EA-9239-5BAA3034392D}"/>
+              </a:ext>
+              <a:ext uri="{C183D7F6-B498-43B3-948B-1728B52AA6E4}">
+                <adec:decorative xmlns:adec="http://schemas.microsoft.com/office/drawing/2017/decorative" val="1"/>
+              </a:ext>
+            </a:extLst>
+          </p:cNvPr>
+          <p:cNvGrpSpPr>
+            <a:grpSpLocks noGrp="1" noUngrp="1" noRot="1" noChangeAspect="1" noMove="1" noResize="1"/>
+          </p:cNvGrpSpPr>
+          <p:nvPr>
+            <p:extLst>
+              <p:ext uri="{386F3935-93C4-4BCD-93E2-E3B085C9AB24}">
+                <p16:designElem xmlns:p16="http://schemas.microsoft.com/office/powerpoint/2015/main" val="1"/>
+              </p:ext>
+            </p:extLst>
+          </p:nvPr>
+        </p:nvGrpSpPr>
+        <p:grpSpPr>
+          <a:xfrm>
+            <a:off x="409710" y="635715"/>
+            <a:ext cx="11142208" cy="2482136"/>
+            <a:chOff x="409710" y="635715"/>
+            <a:chExt cx="11142208" cy="2482136"/>
+          </a:xfrm>
+        </p:grpSpPr>
+        <p:sp>
+          <p:nvSpPr>
+            <p:cNvPr id="14" name="Freeform 44">
+              <a:extLst>
+                <a:ext uri="{FF2B5EF4-FFF2-40B4-BE49-F238E27FC236}">
+                  <a16:creationId xmlns:a16="http://schemas.microsoft.com/office/drawing/2014/main" id="{DECC8AEA-4B25-44FA-B040-C34B0FEBB648}"/>
+                </a:ext>
+                <a:ext uri="{C183D7F6-B498-43B3-948B-1728B52AA6E4}">
+                  <adec:decorative xmlns:adec="http://schemas.microsoft.com/office/drawing/2017/decorative" val="1"/>
+                </a:ext>
+              </a:extLst>
+            </p:cNvPr>
+            <p:cNvSpPr>
+              <a:spLocks/>
+            </p:cNvSpPr>
+            <p:nvPr>
+              <p:extLst>
+                <p:ext uri="{386F3935-93C4-4BCD-93E2-E3B085C9AB24}">
+                  <p16:designElem xmlns:p16="http://schemas.microsoft.com/office/powerpoint/2015/main" val="1"/>
+                </p:ext>
+              </p:extLst>
+            </p:nvPr>
+          </p:nvSpPr>
+          <p:spPr bwMode="auto">
+            <a:xfrm>
+              <a:off x="11223203" y="635716"/>
+              <a:ext cx="328612" cy="1742360"/>
+            </a:xfrm>
+            <a:custGeom>
+              <a:avLst/>
+              <a:gdLst>
+                <a:gd name="T0" fmla="*/ 207 w 207"/>
+                <a:gd name="T1" fmla="*/ 987 h 1114"/>
+                <a:gd name="T2" fmla="*/ 0 w 207"/>
+                <a:gd name="T3" fmla="*/ 1114 h 1114"/>
+                <a:gd name="T4" fmla="*/ 0 w 207"/>
+                <a:gd name="T5" fmla="*/ 127 h 1114"/>
+                <a:gd name="T6" fmla="*/ 207 w 207"/>
+                <a:gd name="T7" fmla="*/ 0 h 1114"/>
+                <a:gd name="T8" fmla="*/ 207 w 207"/>
+                <a:gd name="T9" fmla="*/ 987 h 1114"/>
+              </a:gdLst>
+              <a:ahLst/>
+              <a:cxnLst>
+                <a:cxn ang="0">
+                  <a:pos x="T0" y="T1"/>
+                </a:cxn>
+                <a:cxn ang="0">
+                  <a:pos x="T2" y="T3"/>
+                </a:cxn>
+                <a:cxn ang="0">
+                  <a:pos x="T4" y="T5"/>
+                </a:cxn>
+                <a:cxn ang="0">
+                  <a:pos x="T6" y="T7"/>
+                </a:cxn>
+                <a:cxn ang="0">
+                  <a:pos x="T8" y="T9"/>
+                </a:cxn>
+              </a:cxnLst>
+              <a:rect l="0" t="0" r="r" b="b"/>
+              <a:pathLst>
+                <a:path w="207" h="1114">
+                  <a:moveTo>
+                    <a:pt x="207" y="987"/>
+                  </a:moveTo>
+                  <a:lnTo>
+                    <a:pt x="0" y="1114"/>
+                  </a:lnTo>
+                  <a:lnTo>
+                    <a:pt x="0" y="127"/>
+                  </a:lnTo>
+                  <a:lnTo>
+                    <a:pt x="207" y="0"/>
+                  </a:lnTo>
+                  <a:lnTo>
+                    <a:pt x="207" y="987"/>
+                  </a:lnTo>
+                  <a:close/>
+                </a:path>
+              </a:pathLst>
+            </a:custGeom>
+            <a:solidFill>
+              <a:schemeClr val="accent1">
+                <a:lumMod val="50000"/>
+              </a:schemeClr>
+            </a:solidFill>
+            <a:ln>
+              <a:noFill/>
+            </a:ln>
+          </p:spPr>
+          <p:txBody>
+            <a:bodyPr vert="horz" wrap="square" lIns="91440" tIns="45720" rIns="91440" bIns="45720" numCol="1" anchor="t" anchorCtr="0" compatLnSpc="1">
+              <a:prstTxWarp prst="textNoShape">
+                <a:avLst/>
+              </a:prstTxWarp>
+            </a:bodyPr>
+            <a:lstStyle/>
+            <a:p>
+              <a:endParaRPr lang="en-US"/>
+            </a:p>
+          </p:txBody>
+        </p:sp>
+        <p:sp>
+          <p:nvSpPr>
+            <p:cNvPr id="15" name="Freeform 45">
+              <a:extLst>
+                <a:ext uri="{FF2B5EF4-FFF2-40B4-BE49-F238E27FC236}">
+                  <a16:creationId xmlns:a16="http://schemas.microsoft.com/office/drawing/2014/main" id="{88C5D63D-E29B-48C0-9453-20000B702B59}"/>
+                </a:ext>
+                <a:ext uri="{C183D7F6-B498-43B3-948B-1728B52AA6E4}">
+                  <adec:decorative xmlns:adec="http://schemas.microsoft.com/office/drawing/2017/decorative" val="1"/>
+                </a:ext>
+              </a:extLst>
+            </p:cNvPr>
+            <p:cNvSpPr>
+              <a:spLocks/>
+            </p:cNvSpPr>
+            <p:nvPr>
+              <p:extLst>
+                <p:ext uri="{386F3935-93C4-4BCD-93E2-E3B085C9AB24}">
+                  <p16:designElem xmlns:p16="http://schemas.microsoft.com/office/powerpoint/2015/main" val="1"/>
+                </p:ext>
+              </p:extLst>
+            </p:nvPr>
+          </p:nvSpPr>
+          <p:spPr bwMode="auto">
+            <a:xfrm>
+              <a:off x="409710" y="1022350"/>
+              <a:ext cx="709612" cy="2095501"/>
+            </a:xfrm>
+            <a:custGeom>
+              <a:avLst/>
+              <a:gdLst>
+                <a:gd name="T0" fmla="*/ 447 w 447"/>
+                <a:gd name="T1" fmla="*/ 1363 h 1363"/>
+                <a:gd name="T2" fmla="*/ 0 w 447"/>
+                <a:gd name="T3" fmla="*/ 987 h 1363"/>
+                <a:gd name="T4" fmla="*/ 0 w 447"/>
+                <a:gd name="T5" fmla="*/ 0 h 1363"/>
+                <a:gd name="T6" fmla="*/ 447 w 447"/>
+                <a:gd name="T7" fmla="*/ 376 h 1363"/>
+                <a:gd name="T8" fmla="*/ 447 w 447"/>
+                <a:gd name="T9" fmla="*/ 1363 h 1363"/>
+              </a:gdLst>
+              <a:ahLst/>
+              <a:cxnLst>
+                <a:cxn ang="0">
+                  <a:pos x="T0" y="T1"/>
+                </a:cxn>
+                <a:cxn ang="0">
+                  <a:pos x="T2" y="T3"/>
+                </a:cxn>
+                <a:cxn ang="0">
+                  <a:pos x="T4" y="T5"/>
+                </a:cxn>
+                <a:cxn ang="0">
+                  <a:pos x="T6" y="T7"/>
+                </a:cxn>
+                <a:cxn ang="0">
+                  <a:pos x="T8" y="T9"/>
+                </a:cxn>
+              </a:cxnLst>
+              <a:rect l="0" t="0" r="r" b="b"/>
+              <a:pathLst>
+                <a:path w="447" h="1363">
+                  <a:moveTo>
+                    <a:pt x="447" y="1363"/>
+                  </a:moveTo>
+                  <a:lnTo>
+                    <a:pt x="0" y="987"/>
+                  </a:lnTo>
+                  <a:lnTo>
+                    <a:pt x="0" y="0"/>
+                  </a:lnTo>
+                  <a:lnTo>
+                    <a:pt x="447" y="376"/>
+                  </a:lnTo>
+                  <a:lnTo>
+                    <a:pt x="447" y="1363"/>
+                  </a:lnTo>
+                  <a:close/>
+                </a:path>
+              </a:pathLst>
+            </a:custGeom>
+            <a:solidFill>
+              <a:schemeClr val="accent1">
+                <a:lumMod val="50000"/>
+              </a:schemeClr>
+            </a:solidFill>
+            <a:ln>
+              <a:noFill/>
+            </a:ln>
+          </p:spPr>
+          <p:txBody>
+            <a:bodyPr vert="horz" wrap="square" lIns="91440" tIns="45720" rIns="91440" bIns="45720" numCol="1" anchor="t" anchorCtr="0" compatLnSpc="1">
+              <a:prstTxWarp prst="textNoShape">
+                <a:avLst/>
+              </a:prstTxWarp>
+            </a:bodyPr>
+            <a:lstStyle/>
+            <a:p>
+              <a:endParaRPr lang="en-US"/>
+            </a:p>
+          </p:txBody>
+        </p:sp>
+        <p:sp>
+          <p:nvSpPr>
+            <p:cNvPr id="16" name="Freeform 46">
+              <a:extLst>
+                <a:ext uri="{FF2B5EF4-FFF2-40B4-BE49-F238E27FC236}">
+                  <a16:creationId xmlns:a16="http://schemas.microsoft.com/office/drawing/2014/main" id="{48D22C82-28FA-4F3A-8B17-C11CC2EBA6BA}"/>
+                </a:ext>
+                <a:ext uri="{C183D7F6-B498-43B3-948B-1728B52AA6E4}">
+                  <adec:decorative xmlns:adec="http://schemas.microsoft.com/office/drawing/2017/decorative" val="1"/>
+                </a:ext>
+              </a:extLst>
+            </p:cNvPr>
+            <p:cNvSpPr>
+              <a:spLocks/>
+            </p:cNvSpPr>
+            <p:nvPr>
+              <p:extLst>
+                <p:ext uri="{386F3935-93C4-4BCD-93E2-E3B085C9AB24}">
+                  <p16:designElem xmlns:p16="http://schemas.microsoft.com/office/powerpoint/2015/main" val="1"/>
+                </p:ext>
+              </p:extLst>
+            </p:nvPr>
+          </p:nvSpPr>
+          <p:spPr bwMode="auto">
+            <a:xfrm>
+              <a:off x="409710" y="837744"/>
+              <a:ext cx="403225" cy="1705431"/>
+            </a:xfrm>
+            <a:custGeom>
+              <a:avLst/>
+              <a:gdLst>
+                <a:gd name="T0" fmla="*/ 254 w 254"/>
+                <a:gd name="T1" fmla="*/ 987 h 1109"/>
+                <a:gd name="T2" fmla="*/ 0 w 254"/>
+                <a:gd name="T3" fmla="*/ 1109 h 1109"/>
+                <a:gd name="T4" fmla="*/ 0 w 254"/>
+                <a:gd name="T5" fmla="*/ 119 h 1109"/>
+                <a:gd name="T6" fmla="*/ 254 w 254"/>
+                <a:gd name="T7" fmla="*/ 0 h 1109"/>
+                <a:gd name="T8" fmla="*/ 254 w 254"/>
+                <a:gd name="T9" fmla="*/ 987 h 1109"/>
+              </a:gdLst>
+              <a:ahLst/>
+              <a:cxnLst>
+                <a:cxn ang="0">
+                  <a:pos x="T0" y="T1"/>
+                </a:cxn>
+                <a:cxn ang="0">
+                  <a:pos x="T2" y="T3"/>
+                </a:cxn>
+                <a:cxn ang="0">
+                  <a:pos x="T4" y="T5"/>
+                </a:cxn>
+                <a:cxn ang="0">
+                  <a:pos x="T6" y="T7"/>
+                </a:cxn>
+                <a:cxn ang="0">
+                  <a:pos x="T8" y="T9"/>
+                </a:cxn>
+              </a:cxnLst>
+              <a:rect l="0" t="0" r="r" b="b"/>
+              <a:pathLst>
+                <a:path w="254" h="1109">
+                  <a:moveTo>
+                    <a:pt x="254" y="987"/>
+                  </a:moveTo>
+                  <a:lnTo>
+                    <a:pt x="0" y="1109"/>
+                  </a:lnTo>
+                  <a:lnTo>
+                    <a:pt x="0" y="119"/>
+                  </a:lnTo>
+                  <a:lnTo>
+                    <a:pt x="254" y="0"/>
+                  </a:lnTo>
+                  <a:lnTo>
+                    <a:pt x="254" y="987"/>
+                  </a:lnTo>
+                  <a:close/>
+                </a:path>
+              </a:pathLst>
+            </a:custGeom>
+            <a:solidFill>
+              <a:schemeClr val="accent1">
+                <a:lumMod val="75000"/>
+              </a:schemeClr>
+            </a:solidFill>
+            <a:ln>
+              <a:noFill/>
+            </a:ln>
+          </p:spPr>
+          <p:txBody>
+            <a:bodyPr vert="horz" wrap="square" lIns="91440" tIns="45720" rIns="91440" bIns="45720" numCol="1" anchor="t" anchorCtr="0" compatLnSpc="1">
+              <a:prstTxWarp prst="textNoShape">
+                <a:avLst/>
+              </a:prstTxWarp>
+            </a:bodyPr>
+            <a:lstStyle/>
+            <a:p>
+              <a:endParaRPr lang="en-US"/>
+            </a:p>
+          </p:txBody>
+        </p:sp>
+        <p:sp>
+          <p:nvSpPr>
+            <p:cNvPr id="17" name="Freeform 47">
+              <a:extLst>
+                <a:ext uri="{FF2B5EF4-FFF2-40B4-BE49-F238E27FC236}">
+                  <a16:creationId xmlns:a16="http://schemas.microsoft.com/office/drawing/2014/main" id="{F037018E-FAF9-46CE-A969-6BC7426A6380}"/>
+                </a:ext>
+                <a:ext uri="{C183D7F6-B498-43B3-948B-1728B52AA6E4}">
+                  <adec:decorative xmlns:adec="http://schemas.microsoft.com/office/drawing/2017/decorative" val="1"/>
+                </a:ext>
+              </a:extLst>
+            </p:cNvPr>
+            <p:cNvSpPr>
+              <a:spLocks/>
+            </p:cNvSpPr>
+            <p:nvPr>
+              <p:extLst>
+                <p:ext uri="{386F3935-93C4-4BCD-93E2-E3B085C9AB24}">
+                  <p16:designElem xmlns:p16="http://schemas.microsoft.com/office/powerpoint/2015/main" val="1"/>
+                </p:ext>
+              </p:extLst>
+            </p:nvPr>
+          </p:nvSpPr>
+          <p:spPr bwMode="auto">
+            <a:xfrm>
+              <a:off x="644660" y="640894"/>
+              <a:ext cx="168275" cy="1713195"/>
+            </a:xfrm>
+            <a:custGeom>
+              <a:avLst/>
+              <a:gdLst>
+                <a:gd name="T0" fmla="*/ 106 w 106"/>
+                <a:gd name="T1" fmla="*/ 1114 h 1114"/>
+                <a:gd name="T2" fmla="*/ 0 w 106"/>
+                <a:gd name="T3" fmla="*/ 1005 h 1114"/>
+                <a:gd name="T4" fmla="*/ 0 w 106"/>
+                <a:gd name="T5" fmla="*/ 0 h 1114"/>
+                <a:gd name="T6" fmla="*/ 106 w 106"/>
+                <a:gd name="T7" fmla="*/ 110 h 1114"/>
+                <a:gd name="T8" fmla="*/ 106 w 106"/>
+                <a:gd name="T9" fmla="*/ 1114 h 1114"/>
+              </a:gdLst>
+              <a:ahLst/>
+              <a:cxnLst>
+                <a:cxn ang="0">
+                  <a:pos x="T0" y="T1"/>
+                </a:cxn>
+                <a:cxn ang="0">
+                  <a:pos x="T2" y="T3"/>
+                </a:cxn>
+                <a:cxn ang="0">
+                  <a:pos x="T4" y="T5"/>
+                </a:cxn>
+                <a:cxn ang="0">
+                  <a:pos x="T6" y="T7"/>
+                </a:cxn>
+                <a:cxn ang="0">
+                  <a:pos x="T8" y="T9"/>
+                </a:cxn>
+              </a:cxnLst>
+              <a:rect l="0" t="0" r="r" b="b"/>
+              <a:pathLst>
+                <a:path w="106" h="1114">
+                  <a:moveTo>
+                    <a:pt x="106" y="1114"/>
+                  </a:moveTo>
+                  <a:lnTo>
+                    <a:pt x="0" y="1005"/>
+                  </a:lnTo>
+                  <a:lnTo>
+                    <a:pt x="0" y="0"/>
+                  </a:lnTo>
+                  <a:lnTo>
+                    <a:pt x="106" y="110"/>
+                  </a:lnTo>
+                  <a:lnTo>
+                    <a:pt x="106" y="1114"/>
+                  </a:lnTo>
+                  <a:close/>
+                </a:path>
+              </a:pathLst>
+            </a:custGeom>
+            <a:solidFill>
+              <a:schemeClr val="accent1">
+                <a:lumMod val="50000"/>
+              </a:schemeClr>
+            </a:solidFill>
+            <a:ln>
+              <a:noFill/>
+            </a:ln>
+          </p:spPr>
+          <p:txBody>
+            <a:bodyPr vert="horz" wrap="square" lIns="91440" tIns="45720" rIns="91440" bIns="45720" numCol="1" anchor="t" anchorCtr="0" compatLnSpc="1">
+              <a:prstTxWarp prst="textNoShape">
+                <a:avLst/>
+              </a:prstTxWarp>
+            </a:bodyPr>
+            <a:lstStyle/>
+            <a:p>
+              <a:endParaRPr lang="en-US"/>
+            </a:p>
+          </p:txBody>
+        </p:sp>
+        <p:sp>
+          <p:nvSpPr>
+            <p:cNvPr id="18" name="Rectangle 17">
+              <a:extLst>
+                <a:ext uri="{FF2B5EF4-FFF2-40B4-BE49-F238E27FC236}">
+                  <a16:creationId xmlns:a16="http://schemas.microsoft.com/office/drawing/2014/main" id="{CA86A11D-8AB8-4EEA-B839-065E3408129A}"/>
+                </a:ext>
+                <a:ext uri="{C183D7F6-B498-43B3-948B-1728B52AA6E4}">
+                  <adec:decorative xmlns:adec="http://schemas.microsoft.com/office/drawing/2017/decorative" val="1"/>
+                </a:ext>
+              </a:extLst>
+            </p:cNvPr>
+            <p:cNvSpPr>
+              <a:spLocks noChangeArrowheads="1"/>
+            </p:cNvSpPr>
+            <p:nvPr>
+              <p:extLst>
+                <p:ext uri="{386F3935-93C4-4BCD-93E2-E3B085C9AB24}">
+                  <p16:designElem xmlns:p16="http://schemas.microsoft.com/office/powerpoint/2015/main" val="1"/>
+                </p:ext>
+              </p:extLst>
+            </p:nvPr>
+          </p:nvSpPr>
+          <p:spPr bwMode="auto">
+            <a:xfrm>
+              <a:off x="644055" y="635715"/>
+              <a:ext cx="10907863" cy="1541457"/>
+            </a:xfrm>
+            <a:prstGeom prst="rect">
+              <a:avLst/>
+            </a:prstGeom>
+            <a:solidFill>
+              <a:schemeClr val="accent1"/>
+            </a:solidFill>
+            <a:ln>
+              <a:noFill/>
+            </a:ln>
+          </p:spPr>
+          <p:txBody>
+            <a:bodyPr vert="horz" wrap="square" lIns="91440" tIns="45720" rIns="91440" bIns="45720" numCol="1" anchor="t" anchorCtr="0" compatLnSpc="1">
+              <a:prstTxWarp prst="textNoShape">
+                <a:avLst/>
+              </a:prstTxWarp>
+            </a:bodyPr>
+            <a:lstStyle/>
+            <a:p>
+              <a:endParaRPr lang="en-US"/>
+            </a:p>
+          </p:txBody>
+        </p:sp>
+      </p:grpSp>
+      <p:sp>
+        <p:nvSpPr>
+          <p:cNvPr id="2" name="Title 1">
+            <a:extLst>
+              <a:ext uri="{FF2B5EF4-FFF2-40B4-BE49-F238E27FC236}">
+                <a16:creationId xmlns:a16="http://schemas.microsoft.com/office/drawing/2014/main" id="{329B56BD-32F7-4C04-AA2A-F4A8A84C98FC}"/>
+              </a:ext>
+            </a:extLst>
+          </p:cNvPr>
+          <p:cNvSpPr>
+            <a:spLocks noGrp="1"/>
+          </p:cNvSpPr>
+          <p:nvPr>
+            <p:ph type="title"/>
+          </p:nvPr>
+        </p:nvSpPr>
+        <p:spPr>
+          <a:xfrm>
+            <a:off x="1047280" y="759805"/>
+            <a:ext cx="10306520" cy="1325563"/>
+          </a:xfrm>
+        </p:spPr>
+        <p:txBody>
+          <a:bodyPr vert="horz" lIns="91440" tIns="45720" rIns="91440" bIns="45720" rtlCol="0" anchor="ctr">
+            <a:normAutofit/>
+          </a:bodyPr>
+          <a:lstStyle/>
+          <a:p>
+            <a:r>
+              <a:rPr lang="en-US" sz="4000" kern="1200">
+                <a:solidFill>
+                  <a:srgbClr val="FFFFFF"/>
+                </a:solidFill>
+                <a:latin typeface="+mj-lt"/>
+                <a:ea typeface="+mj-ea"/>
+                <a:cs typeface="+mj-cs"/>
+              </a:rPr>
+              <a:t>Literature Review</a:t>
+            </a:r>
+          </a:p>
+        </p:txBody>
+      </p:sp>
+      <p:sp>
+        <p:nvSpPr>
+          <p:cNvPr id="5" name="TextBox 4">
+            <a:extLst>
+              <a:ext uri="{FF2B5EF4-FFF2-40B4-BE49-F238E27FC236}">
+                <a16:creationId xmlns:a16="http://schemas.microsoft.com/office/drawing/2014/main" id="{BB7B2FFA-CF1E-44F7-9CC7-1FB7C44704D8}"/>
+              </a:ext>
+            </a:extLst>
+          </p:cNvPr>
+          <p:cNvSpPr txBox="1"/>
+          <p:nvPr/>
+        </p:nvSpPr>
+        <p:spPr>
+          <a:xfrm>
+            <a:off x="1424905" y="2494450"/>
+            <a:ext cx="3478400" cy="3563159"/>
+          </a:xfrm>
+          <a:prstGeom prst="rect">
+            <a:avLst/>
+          </a:prstGeom>
+        </p:spPr>
+        <p:txBody>
+          <a:bodyPr vert="horz" lIns="91440" tIns="45720" rIns="91440" bIns="45720" rtlCol="0">
+            <a:normAutofit/>
+          </a:bodyPr>
+          <a:lstStyle/>
+          <a:p>
+            <a:pPr indent="-228600">
+              <a:lnSpc>
+                <a:spcPct val="90000"/>
+              </a:lnSpc>
+              <a:spcAft>
+                <a:spcPts val="600"/>
+              </a:spcAft>
+              <a:buFont typeface="Arial" panose="020B0604020202020204" pitchFamily="34" charset="0"/>
+              <a:buChar char="•"/>
+            </a:pPr>
+            <a:r>
+              <a:rPr lang="en-US" sz="1300" dirty="0"/>
+              <a:t>Previous research focused on different representations of vehicle carbon emissions</a:t>
+            </a:r>
+          </a:p>
+          <a:p>
+            <a:pPr indent="-228600">
+              <a:lnSpc>
+                <a:spcPct val="90000"/>
+              </a:lnSpc>
+              <a:spcAft>
+                <a:spcPts val="600"/>
+              </a:spcAft>
+              <a:buFont typeface="Arial" panose="020B0604020202020204" pitchFamily="34" charset="0"/>
+              <a:buChar char="•"/>
+            </a:pPr>
+            <a:endParaRPr lang="en-US" sz="1300" dirty="0"/>
+          </a:p>
+          <a:p>
+            <a:pPr marL="285750" indent="-228600">
+              <a:lnSpc>
+                <a:spcPct val="90000"/>
+              </a:lnSpc>
+              <a:spcAft>
+                <a:spcPts val="600"/>
+              </a:spcAft>
+              <a:buFont typeface="Arial" panose="020B0604020202020204" pitchFamily="34" charset="0"/>
+              <a:buChar char="•"/>
+            </a:pPr>
+            <a:r>
+              <a:rPr lang="en-US" sz="1300" dirty="0"/>
+              <a:t>Theoretical Physical model of vehicle with rolling resistance, friction and other parameters </a:t>
+            </a:r>
+            <a:r>
+              <a:rPr lang="en-US" sz="1300" dirty="0">
+                <a:effectLst/>
+              </a:rPr>
+              <a:t>(</a:t>
+            </a:r>
+            <a:r>
+              <a:rPr lang="en-US" sz="1300" dirty="0" err="1">
+                <a:effectLst/>
+              </a:rPr>
+              <a:t>Fontaras</a:t>
+            </a:r>
+            <a:r>
+              <a:rPr lang="en-US" sz="1300" dirty="0">
+                <a:effectLst/>
+              </a:rPr>
+              <a:t> &amp; </a:t>
+            </a:r>
+            <a:r>
+              <a:rPr lang="en-US" sz="1300" dirty="0" err="1">
+                <a:effectLst/>
+              </a:rPr>
+              <a:t>Panagiota</a:t>
+            </a:r>
+            <a:r>
+              <a:rPr lang="en-US" sz="1300" dirty="0">
+                <a:effectLst/>
+              </a:rPr>
+              <a:t>, 2011)</a:t>
+            </a:r>
+          </a:p>
+          <a:p>
+            <a:pPr marL="285750" indent="-228600">
+              <a:lnSpc>
+                <a:spcPct val="90000"/>
+              </a:lnSpc>
+              <a:spcAft>
+                <a:spcPts val="600"/>
+              </a:spcAft>
+              <a:buFont typeface="Arial" panose="020B0604020202020204" pitchFamily="34" charset="0"/>
+              <a:buChar char="•"/>
+            </a:pPr>
+            <a:endParaRPr lang="en-US" sz="1300" dirty="0"/>
+          </a:p>
+          <a:p>
+            <a:pPr marL="285750" indent="-228600">
+              <a:lnSpc>
+                <a:spcPct val="90000"/>
+              </a:lnSpc>
+              <a:spcAft>
+                <a:spcPts val="600"/>
+              </a:spcAft>
+              <a:buFont typeface="Arial" panose="020B0604020202020204" pitchFamily="34" charset="0"/>
+              <a:buChar char="•"/>
+            </a:pPr>
+            <a:r>
+              <a:rPr lang="en-US" sz="1300" dirty="0"/>
+              <a:t>Linear model with factors such as mass, car type, engine or fuel </a:t>
+            </a:r>
+            <a:r>
+              <a:rPr lang="en-US" sz="1300" dirty="0">
+                <a:effectLst/>
+              </a:rPr>
+              <a:t>(G. </a:t>
+            </a:r>
+            <a:r>
+              <a:rPr lang="en-US" sz="1300" dirty="0" err="1">
+                <a:effectLst/>
+              </a:rPr>
+              <a:t>Mellios</a:t>
+            </a:r>
+            <a:r>
+              <a:rPr lang="en-US" sz="1300" dirty="0">
+                <a:effectLst/>
+              </a:rPr>
+              <a:t>, 2011)</a:t>
+            </a:r>
+          </a:p>
+          <a:p>
+            <a:pPr marL="285750" indent="-228600">
+              <a:lnSpc>
+                <a:spcPct val="90000"/>
+              </a:lnSpc>
+              <a:spcAft>
+                <a:spcPts val="600"/>
+              </a:spcAft>
+              <a:buFont typeface="Arial" panose="020B0604020202020204" pitchFamily="34" charset="0"/>
+              <a:buChar char="•"/>
+            </a:pPr>
+            <a:endParaRPr lang="en-US" sz="1300" dirty="0"/>
+          </a:p>
+          <a:p>
+            <a:pPr marL="285750" indent="-228600">
+              <a:lnSpc>
+                <a:spcPct val="90000"/>
+              </a:lnSpc>
+              <a:spcAft>
+                <a:spcPts val="600"/>
+              </a:spcAft>
+              <a:buFont typeface="Arial" panose="020B0604020202020204" pitchFamily="34" charset="0"/>
+              <a:buChar char="•"/>
+            </a:pPr>
+            <a:r>
+              <a:rPr lang="en-US" sz="1300" dirty="0"/>
+              <a:t>Aggregate systems of traffic (multiple cars) as a stream </a:t>
+            </a:r>
+            <a:r>
+              <a:rPr lang="en-US" sz="1300" dirty="0">
+                <a:effectLst/>
+              </a:rPr>
+              <a:t>(Kevin R. Gurney, 2012)</a:t>
+            </a:r>
+          </a:p>
+          <a:p>
+            <a:pPr marL="285750" indent="-228600">
+              <a:lnSpc>
+                <a:spcPct val="90000"/>
+              </a:lnSpc>
+              <a:spcAft>
+                <a:spcPts val="600"/>
+              </a:spcAft>
+              <a:buFont typeface="Arial" panose="020B0604020202020204" pitchFamily="34" charset="0"/>
+              <a:buChar char="•"/>
+            </a:pPr>
+            <a:endParaRPr lang="en-US" sz="1300" dirty="0"/>
+          </a:p>
+          <a:p>
+            <a:pPr marL="285750" indent="-228600">
+              <a:lnSpc>
+                <a:spcPct val="90000"/>
+              </a:lnSpc>
+              <a:spcAft>
+                <a:spcPts val="600"/>
+              </a:spcAft>
+              <a:buFont typeface="Arial" panose="020B0604020202020204" pitchFamily="34" charset="0"/>
+              <a:buChar char="•"/>
+            </a:pPr>
+            <a:r>
+              <a:rPr lang="en-US" sz="1300" dirty="0"/>
+              <a:t>Traffic dynamics involving changing population </a:t>
+            </a:r>
+            <a:r>
+              <a:rPr lang="en-US" sz="1300" dirty="0">
+                <a:effectLst/>
+              </a:rPr>
+              <a:t>(</a:t>
+            </a:r>
+            <a:r>
+              <a:rPr lang="en-US" sz="1300" dirty="0" err="1">
+                <a:effectLst/>
+              </a:rPr>
+              <a:t>Kii</a:t>
+            </a:r>
+            <a:r>
+              <a:rPr lang="en-US" sz="1300" dirty="0">
+                <a:effectLst/>
+              </a:rPr>
+              <a:t>, 2020) </a:t>
+            </a:r>
+            <a:endParaRPr lang="en-US" sz="1300" dirty="0"/>
+          </a:p>
+          <a:p>
+            <a:pPr marL="742950" lvl="1" indent="-228600">
+              <a:lnSpc>
+                <a:spcPct val="90000"/>
+              </a:lnSpc>
+              <a:spcAft>
+                <a:spcPts val="600"/>
+              </a:spcAft>
+              <a:buFont typeface="Arial" panose="020B0604020202020204" pitchFamily="34" charset="0"/>
+              <a:buChar char="•"/>
+            </a:pPr>
+            <a:endParaRPr lang="en-US" sz="1300" dirty="0"/>
+          </a:p>
+        </p:txBody>
+      </p:sp>
+      <p:pic>
+        <p:nvPicPr>
+          <p:cNvPr id="4" name="Picture 3">
+            <a:extLst>
+              <a:ext uri="{FF2B5EF4-FFF2-40B4-BE49-F238E27FC236}">
+                <a16:creationId xmlns:a16="http://schemas.microsoft.com/office/drawing/2014/main" id="{E978E2CC-5BE4-4AFD-9A44-2261C3F1FC96}"/>
+              </a:ext>
+            </a:extLst>
+          </p:cNvPr>
+          <p:cNvPicPr/>
+          <p:nvPr/>
+        </p:nvPicPr>
+        <p:blipFill rotWithShape="1">
+          <a:blip r:embed="rId2"/>
+          <a:srcRect l="6005" r="31296" b="2"/>
+          <a:stretch/>
+        </p:blipFill>
+        <p:spPr>
+          <a:xfrm>
+            <a:off x="5289466" y="2378076"/>
+            <a:ext cx="3282335" cy="3220084"/>
+          </a:xfrm>
+          <a:prstGeom prst="rect">
+            <a:avLst/>
+          </a:prstGeom>
+        </p:spPr>
+      </p:pic>
+      <p:pic>
+        <p:nvPicPr>
+          <p:cNvPr id="6" name="Picture 5">
+            <a:extLst>
+              <a:ext uri="{FF2B5EF4-FFF2-40B4-BE49-F238E27FC236}">
+                <a16:creationId xmlns:a16="http://schemas.microsoft.com/office/drawing/2014/main" id="{F72E8E48-22D6-411C-B571-AC795A805307}"/>
+              </a:ext>
+            </a:extLst>
+          </p:cNvPr>
+          <p:cNvPicPr/>
+          <p:nvPr/>
+        </p:nvPicPr>
+        <p:blipFill rotWithShape="1">
+          <a:blip r:embed="rId3"/>
+          <a:srcRect l="9426" r="28652" b="-2"/>
+          <a:stretch/>
+        </p:blipFill>
+        <p:spPr>
+          <a:xfrm>
+            <a:off x="9014997" y="2494450"/>
+            <a:ext cx="2767293" cy="3412571"/>
+          </a:xfrm>
+          <a:prstGeom prst="rect">
+            <a:avLst/>
+          </a:prstGeom>
+        </p:spPr>
+      </p:pic>
+      <p:cxnSp>
+        <p:nvCxnSpPr>
+          <p:cNvPr id="20" name="Straight Connector 19">
+            <a:extLst>
+              <a:ext uri="{FF2B5EF4-FFF2-40B4-BE49-F238E27FC236}">
+                <a16:creationId xmlns:a16="http://schemas.microsoft.com/office/drawing/2014/main" id="{14F95C68-AB6E-4C79-8764-E43667ACD6E6}"/>
+              </a:ext>
+              <a:ext uri="{C183D7F6-B498-43B3-948B-1728B52AA6E4}">
+                <adec:decorative xmlns:adec="http://schemas.microsoft.com/office/drawing/2017/decorative" val="1"/>
+              </a:ext>
+            </a:extLst>
+          </p:cNvPr>
+          <p:cNvCxnSpPr>
+            <a:cxnSpLocks noGrp="1" noRot="1" noChangeAspect="1" noMove="1" noResize="1" noEditPoints="1" noAdjustHandles="1" noChangeArrowheads="1" noChangeShapeType="1"/>
+          </p:cNvCxnSpPr>
+          <p:nvPr>
+            <p:extLst>
+              <p:ext uri="{386F3935-93C4-4BCD-93E2-E3B085C9AB24}">
+                <p16:designElem xmlns:p16="http://schemas.microsoft.com/office/powerpoint/2015/main" val="1"/>
+              </p:ext>
+            </p:extLst>
+          </p:nvPr>
+        </p:nvCxnSpPr>
+        <p:spPr>
+          <a:xfrm>
+            <a:off x="8128605" y="2486034"/>
+            <a:ext cx="0" cy="3410712"/>
+          </a:xfrm>
+          <a:prstGeom prst="line">
+            <a:avLst/>
+          </a:prstGeom>
+          <a:ln w="12700">
+            <a:solidFill>
+              <a:srgbClr val="FEFFFF"/>
+            </a:solidFill>
+          </a:ln>
+        </p:spPr>
+        <p:style>
+          <a:lnRef idx="1">
+            <a:schemeClr val="accent1"/>
+          </a:lnRef>
+          <a:fillRef idx="0">
+            <a:schemeClr val="accent1"/>
+          </a:fillRef>
+          <a:effectRef idx="0">
+            <a:schemeClr val="accent1"/>
+          </a:effectRef>
+          <a:fontRef idx="minor">
+            <a:schemeClr val="tx1"/>
+          </a:fontRef>
+        </p:style>
+      </p:cxnSp>
+    </p:spTree>
+    <p:extLst>
+      <p:ext uri="{BB962C8B-B14F-4D97-AF65-F5344CB8AC3E}">
+        <p14:creationId xmlns:p14="http://schemas.microsoft.com/office/powerpoint/2010/main" val="2430447105"/>
+      </p:ext>
+    </p:extLst>
+  </p:cSld>
+  <p:clrMapOvr>
+    <a:masterClrMapping/>
+  </p:clrMapOvr>
+</p:sld>
+</file>
+
+<file path=ppt/slides/slide5.xml><?xml version="1.0" encoding="utf-8"?>
+<p:sld xmlns:a="http://schemas.openxmlformats.org/drawingml/2006/main" xmlns:r="http://schemas.openxmlformats.org/officeDocument/2006/relationships" xmlns:p="http://schemas.openxmlformats.org/presentationml/2006/main">
+  <p:cSld>
+    <p:bg>
+      <p:bgPr>
+        <a:solidFill>
+          <a:schemeClr val="bg1"/>
+        </a:solidFill>
+        <a:effectLst/>
+      </p:bgPr>
+    </p:bg>
+    <p:spTree>
+      <p:nvGrpSpPr>
+        <p:cNvPr id="1" name=""/>
+        <p:cNvGrpSpPr/>
+        <p:nvPr/>
+      </p:nvGrpSpPr>
+      <p:grpSpPr>
+        <a:xfrm>
+          <a:off x="0" y="0"/>
+          <a:ext cx="0" cy="0"/>
+          <a:chOff x="0" y="0"/>
+          <a:chExt cx="0" cy="0"/>
+        </a:xfrm>
+      </p:grpSpPr>
+      <p:sp useBgFill="1">
+        <p:nvSpPr>
+          <p:cNvPr id="27" name="Rectangle 14">
+            <a:extLst>
+              <a:ext uri="{FF2B5EF4-FFF2-40B4-BE49-F238E27FC236}">
+                <a16:creationId xmlns:a16="http://schemas.microsoft.com/office/drawing/2014/main" id="{799709F6-819A-4A9B-B299-52B516DA202B}"/>
+              </a:ext>
+              <a:ext uri="{C183D7F6-B498-43B3-948B-1728B52AA6E4}">
+                <adec:decorative xmlns:adec="http://schemas.microsoft.com/office/drawing/2017/decorative" val="1"/>
+              </a:ext>
+            </a:extLst>
+          </p:cNvPr>
+          <p:cNvSpPr>
+            <a:spLocks noGrp="1" noRot="1" noChangeAspect="1" noMove="1" noResize="1" noEditPoints="1" noAdjustHandles="1" noChangeArrowheads="1" noChangeShapeType="1" noTextEdit="1"/>
+          </p:cNvSpPr>
+          <p:nvPr>
+            <p:extLst>
+              <p:ext uri="{386F3935-93C4-4BCD-93E2-E3B085C9AB24}">
+                <p16:designElem xmlns:p16="http://schemas.microsoft.com/office/powerpoint/2015/main" val="1"/>
+              </p:ext>
+            </p:extLst>
+          </p:nvPr>
+        </p:nvSpPr>
+        <p:spPr>
+          <a:xfrm>
+            <a:off x="0" y="0"/>
+            <a:ext cx="12188952" cy="6858000"/>
+          </a:xfrm>
+          <a:prstGeom prst="rect">
+            <a:avLst/>
+          </a:prstGeom>
+          <a:ln>
+            <a:noFill/>
+          </a:ln>
+        </p:spPr>
+        <p:style>
+          <a:lnRef idx="2">
+            <a:schemeClr val="accent1">
+              <a:shade val="50000"/>
+            </a:schemeClr>
+          </a:lnRef>
+          <a:fillRef idx="1">
+            <a:schemeClr val="accent1"/>
+          </a:fillRef>
+          <a:effectRef idx="0">
+            <a:schemeClr val="accent1"/>
+          </a:effectRef>
+          <a:fontRef idx="minor">
+            <a:schemeClr val="lt1"/>
+          </a:fontRef>
+        </p:style>
+        <p:txBody>
+          <a:bodyPr rtlCol="0" anchor="ctr"/>
+          <a:lstStyle/>
+          <a:p>
+            <a:pPr algn="ctr"/>
+            <a:endParaRPr lang="en-US"/>
+          </a:p>
+        </p:txBody>
+      </p:sp>
+      <p:grpSp>
+        <p:nvGrpSpPr>
+          <p:cNvPr id="28" name="Group 16">
+            <a:extLst>
+              <a:ext uri="{FF2B5EF4-FFF2-40B4-BE49-F238E27FC236}">
+                <a16:creationId xmlns:a16="http://schemas.microsoft.com/office/drawing/2014/main" id="{DE956BBB-7B91-4BF1-8CC5-4F1F5C3E0947}"/>
+              </a:ext>
+              <a:ext uri="{C183D7F6-B498-43B3-948B-1728B52AA6E4}">
+                <adec:decorative xmlns:adec="http://schemas.microsoft.com/office/drawing/2017/decorative" val="1"/>
+              </a:ext>
+            </a:extLst>
+          </p:cNvPr>
+          <p:cNvGrpSpPr>
+            <a:grpSpLocks noGrp="1" noUngrp="1" noRot="1" noChangeAspect="1" noMove="1" noResize="1"/>
+          </p:cNvGrpSpPr>
+          <p:nvPr>
+            <p:extLst>
+              <p:ext uri="{386F3935-93C4-4BCD-93E2-E3B085C9AB24}">
+                <p16:designElem xmlns:p16="http://schemas.microsoft.com/office/powerpoint/2015/main" val="1"/>
+              </p:ext>
+            </p:extLst>
+          </p:nvPr>
+        </p:nvGrpSpPr>
+        <p:grpSpPr>
+          <a:xfrm>
+            <a:off x="409710" y="635715"/>
+            <a:ext cx="11142208" cy="2482136"/>
+            <a:chOff x="409710" y="635715"/>
+            <a:chExt cx="11142208" cy="2482136"/>
+          </a:xfrm>
+        </p:grpSpPr>
+        <p:sp>
+          <p:nvSpPr>
+            <p:cNvPr id="18" name="Freeform 44">
+              <a:extLst>
+                <a:ext uri="{FF2B5EF4-FFF2-40B4-BE49-F238E27FC236}">
+                  <a16:creationId xmlns:a16="http://schemas.microsoft.com/office/drawing/2014/main" id="{331C4F13-3AB4-4BD8-B1A2-76809863ED9D}"/>
+                </a:ext>
+                <a:ext uri="{C183D7F6-B498-43B3-948B-1728B52AA6E4}">
+                  <adec:decorative xmlns:adec="http://schemas.microsoft.com/office/drawing/2017/decorative" val="1"/>
+                </a:ext>
+              </a:extLst>
+            </p:cNvPr>
+            <p:cNvSpPr>
+              <a:spLocks/>
+            </p:cNvSpPr>
+            <p:nvPr>
+              <p:extLst>
+                <p:ext uri="{386F3935-93C4-4BCD-93E2-E3B085C9AB24}">
+                  <p16:designElem xmlns:p16="http://schemas.microsoft.com/office/powerpoint/2015/main" val="1"/>
+                </p:ext>
+              </p:extLst>
+            </p:nvPr>
+          </p:nvSpPr>
+          <p:spPr bwMode="auto">
+            <a:xfrm>
+              <a:off x="11223203" y="635716"/>
+              <a:ext cx="328612" cy="1742360"/>
+            </a:xfrm>
+            <a:custGeom>
+              <a:avLst/>
+              <a:gdLst>
+                <a:gd name="T0" fmla="*/ 207 w 207"/>
+                <a:gd name="T1" fmla="*/ 987 h 1114"/>
+                <a:gd name="T2" fmla="*/ 0 w 207"/>
+                <a:gd name="T3" fmla="*/ 1114 h 1114"/>
+                <a:gd name="T4" fmla="*/ 0 w 207"/>
+                <a:gd name="T5" fmla="*/ 127 h 1114"/>
+                <a:gd name="T6" fmla="*/ 207 w 207"/>
+                <a:gd name="T7" fmla="*/ 0 h 1114"/>
+                <a:gd name="T8" fmla="*/ 207 w 207"/>
+                <a:gd name="T9" fmla="*/ 987 h 1114"/>
+              </a:gdLst>
+              <a:ahLst/>
+              <a:cxnLst>
+                <a:cxn ang="0">
+                  <a:pos x="T0" y="T1"/>
+                </a:cxn>
+                <a:cxn ang="0">
+                  <a:pos x="T2" y="T3"/>
+                </a:cxn>
+                <a:cxn ang="0">
+                  <a:pos x="T4" y="T5"/>
+                </a:cxn>
+                <a:cxn ang="0">
+                  <a:pos x="T6" y="T7"/>
+                </a:cxn>
+                <a:cxn ang="0">
+                  <a:pos x="T8" y="T9"/>
+                </a:cxn>
+              </a:cxnLst>
+              <a:rect l="0" t="0" r="r" b="b"/>
+              <a:pathLst>
+                <a:path w="207" h="1114">
+                  <a:moveTo>
+                    <a:pt x="207" y="987"/>
+                  </a:moveTo>
+                  <a:lnTo>
+                    <a:pt x="0" y="1114"/>
+                  </a:lnTo>
+                  <a:lnTo>
+                    <a:pt x="0" y="127"/>
+                  </a:lnTo>
+                  <a:lnTo>
+                    <a:pt x="207" y="0"/>
+                  </a:lnTo>
+                  <a:lnTo>
+                    <a:pt x="207" y="987"/>
+                  </a:lnTo>
+                  <a:close/>
+                </a:path>
+              </a:pathLst>
+            </a:custGeom>
+            <a:solidFill>
+              <a:schemeClr val="accent1">
+                <a:lumMod val="50000"/>
+              </a:schemeClr>
+            </a:solidFill>
+            <a:ln>
+              <a:noFill/>
+            </a:ln>
+          </p:spPr>
+          <p:txBody>
+            <a:bodyPr vert="horz" wrap="square" lIns="91440" tIns="45720" rIns="91440" bIns="45720" numCol="1" anchor="t" anchorCtr="0" compatLnSpc="1">
+              <a:prstTxWarp prst="textNoShape">
+                <a:avLst/>
+              </a:prstTxWarp>
+            </a:bodyPr>
+            <a:lstStyle/>
+            <a:p>
+              <a:endParaRPr lang="en-US"/>
+            </a:p>
+          </p:txBody>
+        </p:sp>
+        <p:sp>
+          <p:nvSpPr>
+            <p:cNvPr id="29" name="Freeform 45">
+              <a:extLst>
+                <a:ext uri="{FF2B5EF4-FFF2-40B4-BE49-F238E27FC236}">
+                  <a16:creationId xmlns:a16="http://schemas.microsoft.com/office/drawing/2014/main" id="{52D8231F-00FF-4EE0-B405-28CC397CF071}"/>
+                </a:ext>
+                <a:ext uri="{C183D7F6-B498-43B3-948B-1728B52AA6E4}">
+                  <adec:decorative xmlns:adec="http://schemas.microsoft.com/office/drawing/2017/decorative" val="1"/>
+                </a:ext>
+              </a:extLst>
+            </p:cNvPr>
+            <p:cNvSpPr>
+              <a:spLocks/>
+            </p:cNvSpPr>
+            <p:nvPr>
+              <p:extLst>
+                <p:ext uri="{386F3935-93C4-4BCD-93E2-E3B085C9AB24}">
+                  <p16:designElem xmlns:p16="http://schemas.microsoft.com/office/powerpoint/2015/main" val="1"/>
+                </p:ext>
+              </p:extLst>
+            </p:nvPr>
+          </p:nvSpPr>
+          <p:spPr bwMode="auto">
+            <a:xfrm>
+              <a:off x="409710" y="1022350"/>
+              <a:ext cx="709612" cy="2095501"/>
+            </a:xfrm>
+            <a:custGeom>
+              <a:avLst/>
+              <a:gdLst>
+                <a:gd name="T0" fmla="*/ 447 w 447"/>
+                <a:gd name="T1" fmla="*/ 1363 h 1363"/>
+                <a:gd name="T2" fmla="*/ 0 w 447"/>
+                <a:gd name="T3" fmla="*/ 987 h 1363"/>
+                <a:gd name="T4" fmla="*/ 0 w 447"/>
+                <a:gd name="T5" fmla="*/ 0 h 1363"/>
+                <a:gd name="T6" fmla="*/ 447 w 447"/>
+                <a:gd name="T7" fmla="*/ 376 h 1363"/>
+                <a:gd name="T8" fmla="*/ 447 w 447"/>
+                <a:gd name="T9" fmla="*/ 1363 h 1363"/>
+              </a:gdLst>
+              <a:ahLst/>
+              <a:cxnLst>
+                <a:cxn ang="0">
+                  <a:pos x="T0" y="T1"/>
+                </a:cxn>
+                <a:cxn ang="0">
+                  <a:pos x="T2" y="T3"/>
+                </a:cxn>
+                <a:cxn ang="0">
+                  <a:pos x="T4" y="T5"/>
+                </a:cxn>
+                <a:cxn ang="0">
+                  <a:pos x="T6" y="T7"/>
+                </a:cxn>
+                <a:cxn ang="0">
+                  <a:pos x="T8" y="T9"/>
+                </a:cxn>
+              </a:cxnLst>
+              <a:rect l="0" t="0" r="r" b="b"/>
+              <a:pathLst>
+                <a:path w="447" h="1363">
+                  <a:moveTo>
+                    <a:pt x="447" y="1363"/>
+                  </a:moveTo>
+                  <a:lnTo>
+                    <a:pt x="0" y="987"/>
+                  </a:lnTo>
+                  <a:lnTo>
+                    <a:pt x="0" y="0"/>
+                  </a:lnTo>
+                  <a:lnTo>
+                    <a:pt x="447" y="376"/>
+                  </a:lnTo>
+                  <a:lnTo>
+                    <a:pt x="447" y="1363"/>
+                  </a:lnTo>
+                  <a:close/>
+                </a:path>
+              </a:pathLst>
+            </a:custGeom>
+            <a:solidFill>
+              <a:schemeClr val="accent1">
+                <a:lumMod val="50000"/>
+              </a:schemeClr>
+            </a:solidFill>
+            <a:ln>
+              <a:noFill/>
+            </a:ln>
+          </p:spPr>
+          <p:txBody>
+            <a:bodyPr vert="horz" wrap="square" lIns="91440" tIns="45720" rIns="91440" bIns="45720" numCol="1" anchor="t" anchorCtr="0" compatLnSpc="1">
+              <a:prstTxWarp prst="textNoShape">
+                <a:avLst/>
+              </a:prstTxWarp>
+            </a:bodyPr>
+            <a:lstStyle/>
+            <a:p>
+              <a:endParaRPr lang="en-US"/>
+            </a:p>
+          </p:txBody>
+        </p:sp>
+        <p:sp>
+          <p:nvSpPr>
+            <p:cNvPr id="20" name="Freeform 46">
+              <a:extLst>
+                <a:ext uri="{FF2B5EF4-FFF2-40B4-BE49-F238E27FC236}">
+                  <a16:creationId xmlns:a16="http://schemas.microsoft.com/office/drawing/2014/main" id="{C80BB271-C270-4FB5-B9F1-D81F239ED03F}"/>
+                </a:ext>
+                <a:ext uri="{C183D7F6-B498-43B3-948B-1728B52AA6E4}">
+                  <adec:decorative xmlns:adec="http://schemas.microsoft.com/office/drawing/2017/decorative" val="1"/>
+                </a:ext>
+              </a:extLst>
+            </p:cNvPr>
+            <p:cNvSpPr>
+              <a:spLocks/>
+            </p:cNvSpPr>
+            <p:nvPr>
+              <p:extLst>
+                <p:ext uri="{386F3935-93C4-4BCD-93E2-E3B085C9AB24}">
+                  <p16:designElem xmlns:p16="http://schemas.microsoft.com/office/powerpoint/2015/main" val="1"/>
+                </p:ext>
+              </p:extLst>
+            </p:nvPr>
+          </p:nvSpPr>
+          <p:spPr bwMode="auto">
+            <a:xfrm>
+              <a:off x="409710" y="837744"/>
+              <a:ext cx="403225" cy="1705431"/>
+            </a:xfrm>
+            <a:custGeom>
+              <a:avLst/>
+              <a:gdLst>
+                <a:gd name="T0" fmla="*/ 254 w 254"/>
+                <a:gd name="T1" fmla="*/ 987 h 1109"/>
+                <a:gd name="T2" fmla="*/ 0 w 254"/>
+                <a:gd name="T3" fmla="*/ 1109 h 1109"/>
+                <a:gd name="T4" fmla="*/ 0 w 254"/>
+                <a:gd name="T5" fmla="*/ 119 h 1109"/>
+                <a:gd name="T6" fmla="*/ 254 w 254"/>
+                <a:gd name="T7" fmla="*/ 0 h 1109"/>
+                <a:gd name="T8" fmla="*/ 254 w 254"/>
+                <a:gd name="T9" fmla="*/ 987 h 1109"/>
+              </a:gdLst>
+              <a:ahLst/>
+              <a:cxnLst>
+                <a:cxn ang="0">
+                  <a:pos x="T0" y="T1"/>
+                </a:cxn>
+                <a:cxn ang="0">
+                  <a:pos x="T2" y="T3"/>
+                </a:cxn>
+                <a:cxn ang="0">
+                  <a:pos x="T4" y="T5"/>
+                </a:cxn>
+                <a:cxn ang="0">
+                  <a:pos x="T6" y="T7"/>
+                </a:cxn>
+                <a:cxn ang="0">
+                  <a:pos x="T8" y="T9"/>
+                </a:cxn>
+              </a:cxnLst>
+              <a:rect l="0" t="0" r="r" b="b"/>
+              <a:pathLst>
+                <a:path w="254" h="1109">
+                  <a:moveTo>
+                    <a:pt x="254" y="987"/>
+                  </a:moveTo>
+                  <a:lnTo>
+                    <a:pt x="0" y="1109"/>
+                  </a:lnTo>
+                  <a:lnTo>
+                    <a:pt x="0" y="119"/>
+                  </a:lnTo>
+                  <a:lnTo>
+                    <a:pt x="254" y="0"/>
+                  </a:lnTo>
+                  <a:lnTo>
+                    <a:pt x="254" y="987"/>
+                  </a:lnTo>
+                  <a:close/>
+                </a:path>
+              </a:pathLst>
+            </a:custGeom>
+            <a:solidFill>
+              <a:schemeClr val="accent1">
+                <a:lumMod val="75000"/>
+              </a:schemeClr>
+            </a:solidFill>
+            <a:ln>
+              <a:noFill/>
+            </a:ln>
+          </p:spPr>
+          <p:txBody>
+            <a:bodyPr vert="horz" wrap="square" lIns="91440" tIns="45720" rIns="91440" bIns="45720" numCol="1" anchor="t" anchorCtr="0" compatLnSpc="1">
+              <a:prstTxWarp prst="textNoShape">
+                <a:avLst/>
+              </a:prstTxWarp>
+            </a:bodyPr>
+            <a:lstStyle/>
+            <a:p>
+              <a:endParaRPr lang="en-US"/>
+            </a:p>
+          </p:txBody>
+        </p:sp>
+        <p:sp>
+          <p:nvSpPr>
+            <p:cNvPr id="30" name="Freeform 47">
+              <a:extLst>
+                <a:ext uri="{FF2B5EF4-FFF2-40B4-BE49-F238E27FC236}">
+                  <a16:creationId xmlns:a16="http://schemas.microsoft.com/office/drawing/2014/main" id="{1BDA5F0C-5FEC-4DA5-A154-3EC7AA69004D}"/>
+                </a:ext>
+                <a:ext uri="{C183D7F6-B498-43B3-948B-1728B52AA6E4}">
+                  <adec:decorative xmlns:adec="http://schemas.microsoft.com/office/drawing/2017/decorative" val="1"/>
+                </a:ext>
+              </a:extLst>
+            </p:cNvPr>
+            <p:cNvSpPr>
+              <a:spLocks/>
+            </p:cNvSpPr>
+            <p:nvPr>
+              <p:extLst>
+                <p:ext uri="{386F3935-93C4-4BCD-93E2-E3B085C9AB24}">
+                  <p16:designElem xmlns:p16="http://schemas.microsoft.com/office/powerpoint/2015/main" val="1"/>
+                </p:ext>
+              </p:extLst>
+            </p:nvPr>
+          </p:nvSpPr>
+          <p:spPr bwMode="auto">
+            <a:xfrm>
+              <a:off x="644660" y="640894"/>
+              <a:ext cx="168275" cy="1713195"/>
+            </a:xfrm>
+            <a:custGeom>
+              <a:avLst/>
+              <a:gdLst>
+                <a:gd name="T0" fmla="*/ 106 w 106"/>
+                <a:gd name="T1" fmla="*/ 1114 h 1114"/>
+                <a:gd name="T2" fmla="*/ 0 w 106"/>
+                <a:gd name="T3" fmla="*/ 1005 h 1114"/>
+                <a:gd name="T4" fmla="*/ 0 w 106"/>
+                <a:gd name="T5" fmla="*/ 0 h 1114"/>
+                <a:gd name="T6" fmla="*/ 106 w 106"/>
+                <a:gd name="T7" fmla="*/ 110 h 1114"/>
+                <a:gd name="T8" fmla="*/ 106 w 106"/>
+                <a:gd name="T9" fmla="*/ 1114 h 1114"/>
+              </a:gdLst>
+              <a:ahLst/>
+              <a:cxnLst>
+                <a:cxn ang="0">
+                  <a:pos x="T0" y="T1"/>
+                </a:cxn>
+                <a:cxn ang="0">
+                  <a:pos x="T2" y="T3"/>
+                </a:cxn>
+                <a:cxn ang="0">
+                  <a:pos x="T4" y="T5"/>
+                </a:cxn>
+                <a:cxn ang="0">
+                  <a:pos x="T6" y="T7"/>
+                </a:cxn>
+                <a:cxn ang="0">
+                  <a:pos x="T8" y="T9"/>
+                </a:cxn>
+              </a:cxnLst>
+              <a:rect l="0" t="0" r="r" b="b"/>
+              <a:pathLst>
+                <a:path w="106" h="1114">
+                  <a:moveTo>
+                    <a:pt x="106" y="1114"/>
+                  </a:moveTo>
+                  <a:lnTo>
+                    <a:pt x="0" y="1005"/>
+                  </a:lnTo>
+                  <a:lnTo>
+                    <a:pt x="0" y="0"/>
+                  </a:lnTo>
+                  <a:lnTo>
+                    <a:pt x="106" y="110"/>
+                  </a:lnTo>
+                  <a:lnTo>
+                    <a:pt x="106" y="1114"/>
+                  </a:lnTo>
+                  <a:close/>
+                </a:path>
+              </a:pathLst>
+            </a:custGeom>
+            <a:solidFill>
+              <a:schemeClr val="accent1">
+                <a:lumMod val="50000"/>
+              </a:schemeClr>
+            </a:solidFill>
+            <a:ln>
+              <a:noFill/>
+            </a:ln>
+          </p:spPr>
+          <p:txBody>
+            <a:bodyPr vert="horz" wrap="square" lIns="91440" tIns="45720" rIns="91440" bIns="45720" numCol="1" anchor="t" anchorCtr="0" compatLnSpc="1">
+              <a:prstTxWarp prst="textNoShape">
+                <a:avLst/>
+              </a:prstTxWarp>
+            </a:bodyPr>
+            <a:lstStyle/>
+            <a:p>
+              <a:endParaRPr lang="en-US"/>
+            </a:p>
+          </p:txBody>
+        </p:sp>
+        <p:sp>
+          <p:nvSpPr>
+            <p:cNvPr id="22" name="Rectangle 21">
+              <a:extLst>
+                <a:ext uri="{FF2B5EF4-FFF2-40B4-BE49-F238E27FC236}">
+                  <a16:creationId xmlns:a16="http://schemas.microsoft.com/office/drawing/2014/main" id="{E342B9BC-62E1-4F01-AE2D-4143126BE045}"/>
+                </a:ext>
+                <a:ext uri="{C183D7F6-B498-43B3-948B-1728B52AA6E4}">
+                  <adec:decorative xmlns:adec="http://schemas.microsoft.com/office/drawing/2017/decorative" val="1"/>
+                </a:ext>
+              </a:extLst>
+            </p:cNvPr>
+            <p:cNvSpPr>
+              <a:spLocks noChangeArrowheads="1"/>
+            </p:cNvSpPr>
+            <p:nvPr>
+              <p:extLst>
+                <p:ext uri="{386F3935-93C4-4BCD-93E2-E3B085C9AB24}">
+                  <p16:designElem xmlns:p16="http://schemas.microsoft.com/office/powerpoint/2015/main" val="1"/>
+                </p:ext>
+              </p:extLst>
+            </p:nvPr>
+          </p:nvSpPr>
+          <p:spPr bwMode="auto">
+            <a:xfrm>
+              <a:off x="644055" y="635715"/>
+              <a:ext cx="10907863" cy="1541457"/>
+            </a:xfrm>
+            <a:prstGeom prst="rect">
+              <a:avLst/>
+            </a:prstGeom>
+            <a:solidFill>
+              <a:schemeClr val="accent1"/>
+            </a:solidFill>
+            <a:ln>
+              <a:noFill/>
+            </a:ln>
+          </p:spPr>
+          <p:txBody>
+            <a:bodyPr vert="horz" wrap="square" lIns="91440" tIns="45720" rIns="91440" bIns="45720" numCol="1" anchor="t" anchorCtr="0" compatLnSpc="1">
+              <a:prstTxWarp prst="textNoShape">
+                <a:avLst/>
+              </a:prstTxWarp>
+            </a:bodyPr>
+            <a:lstStyle/>
+            <a:p>
+              <a:endParaRPr lang="en-US"/>
+            </a:p>
+          </p:txBody>
+        </p:sp>
+      </p:grpSp>
+      <p:sp>
+        <p:nvSpPr>
+          <p:cNvPr id="2" name="Title 1">
+            <a:extLst>
+              <a:ext uri="{FF2B5EF4-FFF2-40B4-BE49-F238E27FC236}">
+                <a16:creationId xmlns:a16="http://schemas.microsoft.com/office/drawing/2014/main" id="{84AA6D8D-D4B7-49A8-8A14-3239A14CE9EB}"/>
+              </a:ext>
+            </a:extLst>
+          </p:cNvPr>
+          <p:cNvSpPr>
+            <a:spLocks noGrp="1"/>
+          </p:cNvSpPr>
+          <p:nvPr>
+            <p:ph type="title"/>
+          </p:nvPr>
+        </p:nvSpPr>
+        <p:spPr>
+          <a:xfrm>
+            <a:off x="1047280" y="759805"/>
+            <a:ext cx="10306520" cy="1325563"/>
+          </a:xfrm>
+        </p:spPr>
+        <p:txBody>
+          <a:bodyPr vert="horz" lIns="91440" tIns="45720" rIns="91440" bIns="45720" rtlCol="0" anchor="ctr">
+            <a:normAutofit/>
+          </a:bodyPr>
+          <a:lstStyle/>
+          <a:p>
+            <a:r>
+              <a:rPr lang="en-US" sz="4000">
+                <a:solidFill>
+                  <a:srgbClr val="FFFFFF"/>
+                </a:solidFill>
+              </a:rPr>
+              <a:t>Exploratory Data Analysis </a:t>
+            </a:r>
+          </a:p>
+        </p:txBody>
+      </p:sp>
+      <p:sp>
+        <p:nvSpPr>
+          <p:cNvPr id="8" name="TextBox 7">
+            <a:extLst>
+              <a:ext uri="{FF2B5EF4-FFF2-40B4-BE49-F238E27FC236}">
+                <a16:creationId xmlns:a16="http://schemas.microsoft.com/office/drawing/2014/main" id="{FD50F4AF-2B2A-4F86-99D7-E539F44D5906}"/>
+              </a:ext>
+            </a:extLst>
+          </p:cNvPr>
+          <p:cNvSpPr txBox="1"/>
+          <p:nvPr/>
+        </p:nvSpPr>
+        <p:spPr>
+          <a:xfrm>
+            <a:off x="1424904" y="2543175"/>
+            <a:ext cx="3385635" cy="3363846"/>
+          </a:xfrm>
+          <a:prstGeom prst="rect">
+            <a:avLst/>
+          </a:prstGeom>
+        </p:spPr>
+        <p:txBody>
+          <a:bodyPr vert="horz" lIns="91440" tIns="45720" rIns="91440" bIns="45720" rtlCol="0" anchor="ctr">
+            <a:normAutofit/>
+          </a:bodyPr>
+          <a:lstStyle/>
+          <a:p>
+            <a:pPr indent="-228600">
+              <a:lnSpc>
+                <a:spcPct val="90000"/>
+              </a:lnSpc>
+              <a:spcAft>
+                <a:spcPts val="600"/>
+              </a:spcAft>
+              <a:buFont typeface="Arial" panose="020B0604020202020204" pitchFamily="34" charset="0"/>
+              <a:buChar char="•"/>
+            </a:pPr>
+            <a:r>
+              <a:rPr lang="en-US" sz="1700"/>
+              <a:t>Generated distribution on categorical and numerical features</a:t>
+            </a:r>
+          </a:p>
+          <a:p>
+            <a:pPr indent="-228600">
+              <a:lnSpc>
+                <a:spcPct val="90000"/>
+              </a:lnSpc>
+              <a:spcAft>
+                <a:spcPts val="600"/>
+              </a:spcAft>
+              <a:buFont typeface="Arial" panose="020B0604020202020204" pitchFamily="34" charset="0"/>
+              <a:buChar char="•"/>
+            </a:pPr>
+            <a:endParaRPr lang="en-US" sz="1700"/>
+          </a:p>
+          <a:p>
+            <a:pPr marL="285750" indent="-228600">
+              <a:lnSpc>
+                <a:spcPct val="90000"/>
+              </a:lnSpc>
+              <a:spcAft>
+                <a:spcPts val="600"/>
+              </a:spcAft>
+              <a:buFont typeface="Arial" panose="020B0604020202020204" pitchFamily="34" charset="0"/>
+              <a:buChar char="•"/>
+            </a:pPr>
+            <a:r>
+              <a:rPr lang="en-US" sz="1700"/>
+              <a:t>Engine Size [Displacement]</a:t>
+            </a:r>
+          </a:p>
+          <a:p>
+            <a:pPr marL="285750" indent="-228600">
+              <a:lnSpc>
+                <a:spcPct val="90000"/>
+              </a:lnSpc>
+              <a:spcAft>
+                <a:spcPts val="600"/>
+              </a:spcAft>
+              <a:buFont typeface="Arial" panose="020B0604020202020204" pitchFamily="34" charset="0"/>
+              <a:buChar char="•"/>
+            </a:pPr>
+            <a:r>
+              <a:rPr lang="en-US" sz="1700"/>
+              <a:t>Fuel Economy </a:t>
+            </a:r>
+          </a:p>
+          <a:p>
+            <a:pPr marL="285750" indent="-228600">
+              <a:lnSpc>
+                <a:spcPct val="90000"/>
+              </a:lnSpc>
+              <a:spcAft>
+                <a:spcPts val="600"/>
+              </a:spcAft>
+              <a:buFont typeface="Arial" panose="020B0604020202020204" pitchFamily="34" charset="0"/>
+              <a:buChar char="•"/>
+            </a:pPr>
+            <a:r>
+              <a:rPr lang="en-US" sz="1700"/>
+              <a:t>Make of Vehicle</a:t>
+            </a:r>
+          </a:p>
+          <a:p>
+            <a:pPr marL="285750" indent="-228600">
+              <a:lnSpc>
+                <a:spcPct val="90000"/>
+              </a:lnSpc>
+              <a:spcAft>
+                <a:spcPts val="600"/>
+              </a:spcAft>
+              <a:buFont typeface="Arial" panose="020B0604020202020204" pitchFamily="34" charset="0"/>
+              <a:buChar char="•"/>
+            </a:pPr>
+            <a:r>
+              <a:rPr lang="en-US" sz="1700"/>
+              <a:t>Class of Vehicle [SUV, Compact Mid-Size, etc]</a:t>
+            </a:r>
+          </a:p>
+          <a:p>
+            <a:pPr marL="285750" indent="-228600">
+              <a:lnSpc>
+                <a:spcPct val="90000"/>
+              </a:lnSpc>
+              <a:spcAft>
+                <a:spcPts val="600"/>
+              </a:spcAft>
+              <a:buFont typeface="Arial" panose="020B0604020202020204" pitchFamily="34" charset="0"/>
+              <a:buChar char="•"/>
+            </a:pPr>
+            <a:r>
+              <a:rPr lang="en-US" sz="1700"/>
+              <a:t>Type of Transmission</a:t>
+            </a:r>
+          </a:p>
+          <a:p>
+            <a:pPr marL="285750" indent="-228600">
+              <a:lnSpc>
+                <a:spcPct val="90000"/>
+              </a:lnSpc>
+              <a:spcAft>
+                <a:spcPts val="600"/>
+              </a:spcAft>
+              <a:buFont typeface="Arial" panose="020B0604020202020204" pitchFamily="34" charset="0"/>
+              <a:buChar char="•"/>
+            </a:pPr>
+            <a:r>
+              <a:rPr lang="en-US" sz="1700"/>
+              <a:t>Number of Cylinders</a:t>
+            </a:r>
+          </a:p>
+          <a:p>
+            <a:pPr marL="285750" indent="-228600">
+              <a:lnSpc>
+                <a:spcPct val="90000"/>
+              </a:lnSpc>
+              <a:spcAft>
+                <a:spcPts val="600"/>
+              </a:spcAft>
+              <a:buFont typeface="Arial" panose="020B0604020202020204" pitchFamily="34" charset="0"/>
+              <a:buChar char="•"/>
+            </a:pPr>
+            <a:endParaRPr lang="en-US" sz="1700"/>
+          </a:p>
+        </p:txBody>
+      </p:sp>
+      <p:pic>
+        <p:nvPicPr>
+          <p:cNvPr id="10" name="Picture 9">
+            <a:extLst>
+              <a:ext uri="{FF2B5EF4-FFF2-40B4-BE49-F238E27FC236}">
+                <a16:creationId xmlns:a16="http://schemas.microsoft.com/office/drawing/2014/main" id="{E3CA7CB8-8C8C-4476-B97B-FB4E5B866493}"/>
+              </a:ext>
+            </a:extLst>
+          </p:cNvPr>
+          <p:cNvPicPr>
+            <a:picLocks noChangeAspect="1"/>
+          </p:cNvPicPr>
+          <p:nvPr/>
+        </p:nvPicPr>
+        <p:blipFill>
+          <a:blip r:embed="rId2"/>
+          <a:stretch>
+            <a:fillRect/>
+          </a:stretch>
+        </p:blipFill>
+        <p:spPr>
+          <a:xfrm>
+            <a:off x="5276639" y="2663332"/>
+            <a:ext cx="2650372" cy="3074807"/>
+          </a:xfrm>
+          <a:prstGeom prst="rect">
+            <a:avLst/>
+          </a:prstGeom>
+        </p:spPr>
+      </p:pic>
+      <p:pic>
+        <p:nvPicPr>
+          <p:cNvPr id="7" name="Picture 6">
+            <a:extLst>
+              <a:ext uri="{FF2B5EF4-FFF2-40B4-BE49-F238E27FC236}">
+                <a16:creationId xmlns:a16="http://schemas.microsoft.com/office/drawing/2014/main" id="{7811C8EC-6F27-4414-BB2F-F5C04D8BF89D}"/>
+              </a:ext>
+            </a:extLst>
+          </p:cNvPr>
+          <p:cNvPicPr>
+            <a:picLocks noChangeAspect="1"/>
+          </p:cNvPicPr>
+          <p:nvPr/>
+        </p:nvPicPr>
+        <p:blipFill>
+          <a:blip r:embed="rId3"/>
+          <a:stretch>
+            <a:fillRect/>
+          </a:stretch>
+        </p:blipFill>
+        <p:spPr>
+          <a:xfrm>
+            <a:off x="8282749" y="2486035"/>
+            <a:ext cx="2265995" cy="1625852"/>
+          </a:xfrm>
+          <a:prstGeom prst="rect">
+            <a:avLst/>
+          </a:prstGeom>
+        </p:spPr>
+      </p:pic>
+      <p:pic>
+        <p:nvPicPr>
+          <p:cNvPr id="5" name="Picture 4">
+            <a:extLst>
+              <a:ext uri="{FF2B5EF4-FFF2-40B4-BE49-F238E27FC236}">
+                <a16:creationId xmlns:a16="http://schemas.microsoft.com/office/drawing/2014/main" id="{8735DCFB-3E39-47E9-8E28-83E613121B0D}"/>
+              </a:ext>
+            </a:extLst>
+          </p:cNvPr>
+          <p:cNvPicPr>
+            <a:picLocks noChangeAspect="1"/>
+          </p:cNvPicPr>
+          <p:nvPr/>
+        </p:nvPicPr>
+        <p:blipFill>
+          <a:blip r:embed="rId4"/>
+          <a:stretch>
+            <a:fillRect/>
+          </a:stretch>
+        </p:blipFill>
+        <p:spPr>
+          <a:xfrm>
+            <a:off x="8583601" y="4272754"/>
+            <a:ext cx="1667877" cy="1634268"/>
+          </a:xfrm>
+          <a:prstGeom prst="rect">
+            <a:avLst/>
+          </a:prstGeom>
+        </p:spPr>
+      </p:pic>
+    </p:spTree>
+    <p:extLst>
+      <p:ext uri="{BB962C8B-B14F-4D97-AF65-F5344CB8AC3E}">
+        <p14:creationId xmlns:p14="http://schemas.microsoft.com/office/powerpoint/2010/main" val="3609888580"/>
+      </p:ext>
+    </p:extLst>
+  </p:cSld>
+  <p:clrMapOvr>
+    <a:masterClrMapping/>
+  </p:clrMapOvr>
+</p:sld>
+</file>
+
+<file path=ppt/slides/slide6.xml><?xml version="1.0" encoding="utf-8"?>
 <p:sld xmlns:a="http://schemas.openxmlformats.org/drawingml/2006/main" xmlns:r="http://schemas.openxmlformats.org/officeDocument/2006/relationships" xmlns:p="http://schemas.openxmlformats.org/presentationml/2006/main">
   <p:cSld>
     <p:spTree>
@@ -4041,10 +7529,45 @@
       </p:sp>
       <p:sp>
         <p:nvSpPr>
-          <p:cNvPr id="4" name="Rectangle 1">
-            <a:extLst>
-              <a:ext uri="{FF2B5EF4-FFF2-40B4-BE49-F238E27FC236}">
-                <a16:creationId xmlns:a16="http://schemas.microsoft.com/office/drawing/2014/main" id="{50B6FC4C-ACC4-482E-962D-F165D49EEE3E}"/>
+          <p:cNvPr id="5" name="TextBox 4">
+            <a:extLst>
+              <a:ext uri="{FF2B5EF4-FFF2-40B4-BE49-F238E27FC236}">
+                <a16:creationId xmlns:a16="http://schemas.microsoft.com/office/drawing/2014/main" id="{4D6314A8-164D-4B8A-AA28-65B09AF52FDD}"/>
+              </a:ext>
+            </a:extLst>
+          </p:cNvPr>
+          <p:cNvSpPr txBox="1"/>
+          <p:nvPr/>
+        </p:nvSpPr>
+        <p:spPr>
+          <a:xfrm>
+            <a:off x="1979629" y="1272619"/>
+            <a:ext cx="7984503" cy="646331"/>
+          </a:xfrm>
+          <a:prstGeom prst="rect">
+            <a:avLst/>
+          </a:prstGeom>
+          <a:noFill/>
+        </p:spPr>
+        <p:txBody>
+          <a:bodyPr wrap="square" rtlCol="0">
+            <a:spAutoFit/>
+          </a:bodyPr>
+          <a:lstStyle/>
+          <a:p>
+            <a:r>
+              <a:rPr lang="en-US" dirty="0"/>
+              <a:t>Full GitHub Repo: https://github.com/djlofland/DS621_F2020_Group3/tree/master/Final%20Project</a:t>
+            </a:r>
+          </a:p>
+        </p:txBody>
+      </p:sp>
+      <p:sp>
+        <p:nvSpPr>
+          <p:cNvPr id="6" name="Rectangle 2">
+            <a:extLst>
+              <a:ext uri="{FF2B5EF4-FFF2-40B4-BE49-F238E27FC236}">
+                <a16:creationId xmlns:a16="http://schemas.microsoft.com/office/drawing/2014/main" id="{9DE1712D-BA7F-4215-B08E-A6975BD8814E}"/>
               </a:ext>
             </a:extLst>
           </p:cNvPr>
@@ -4057,8 +7580,8 @@
         </p:nvSpPr>
         <p:spPr bwMode="auto">
           <a:xfrm>
-            <a:off x="1133633" y="2070039"/>
-            <a:ext cx="10065411" cy="1892826"/>
+            <a:off x="466725" y="3074015"/>
+            <a:ext cx="15743412" cy="2400657"/>
           </a:xfrm>
           <a:prstGeom prst="rect">
             <a:avLst/>
@@ -4098,7 +7621,7 @@
           </a:extLst>
         </p:spPr>
         <p:txBody>
-          <a:bodyPr vert="horz" wrap="square" lIns="91440" tIns="45720" rIns="91440" bIns="45720" numCol="1" anchor="ctr" anchorCtr="0" compatLnSpc="1">
+          <a:bodyPr vert="horz" wrap="none" lIns="91440" tIns="45720" rIns="91440" bIns="45720" numCol="1" anchor="ctr" anchorCtr="0" compatLnSpc="1">
             <a:prstTxWarp prst="textNoShape">
               <a:avLst/>
             </a:prstTxWarp>
@@ -4233,7 +7756,7 @@
             </a:lvl9pPr>
           </a:lstStyle>
           <a:p>
-            <a:pPr marR="0" lvl="0" algn="just" defTabSz="914400" rtl="0" eaLnBrk="0" fontAlgn="base" latinLnBrk="0" hangingPunct="0">
+            <a:pPr marL="342900" marR="0" lvl="0" indent="-342900" algn="l" defTabSz="914400" rtl="0" eaLnBrk="0" fontAlgn="base" latinLnBrk="0" hangingPunct="0">
               <a:lnSpc>
                 <a:spcPct val="100000"/>
               </a:lnSpc>
@@ -4258,11 +7781,11 @@
                   <a:schemeClr val="tx1"/>
                 </a:solidFill>
                 <a:effectLst/>
-                <a:latin typeface="Calibri" panose="020F0502020204030204" pitchFamily="34" charset="0"/>
+                <a:latin typeface="+mn-lt"/>
                 <a:ea typeface="Calibri" panose="020F0502020204030204" pitchFamily="34" charset="0"/>
                 <a:cs typeface="Times New Roman" panose="02020603050405020304" pitchFamily="18" charset="0"/>
               </a:rPr>
-              <a:t>Hope, C., &amp; </a:t>
+              <a:t>Christie </a:t>
             </a:r>
             <a:r>
               <a:rPr kumimoji="0" lang="en-US" altLang="en-US" sz="1100" b="0" i="0" u="none" strike="noStrike" cap="none" normalizeH="0" baseline="0" dirty="0" err="1">
@@ -4273,11 +7796,11 @@
                   <a:schemeClr val="tx1"/>
                 </a:solidFill>
                 <a:effectLst/>
-                <a:latin typeface="Calibri" panose="020F0502020204030204" pitchFamily="34" charset="0"/>
+                <a:latin typeface="+mn-lt"/>
                 <a:ea typeface="Calibri" panose="020F0502020204030204" pitchFamily="34" charset="0"/>
                 <a:cs typeface="Times New Roman" panose="02020603050405020304" pitchFamily="18" charset="0"/>
               </a:rPr>
-              <a:t>Alberth</a:t>
+              <a:t>Aschwanden</a:t>
             </a:r>
             <a:r>
               <a:rPr kumimoji="0" lang="en-US" altLang="en-US" sz="1100" b="0" i="0" u="none" strike="noStrike" cap="none" normalizeH="0" baseline="0" dirty="0">
@@ -4288,11 +7811,11 @@
                   <a:schemeClr val="tx1"/>
                 </a:solidFill>
                 <a:effectLst/>
-                <a:latin typeface="Calibri" panose="020F0502020204030204" pitchFamily="34" charset="0"/>
+                <a:latin typeface="+mn-lt"/>
                 <a:ea typeface="Calibri" panose="020F0502020204030204" pitchFamily="34" charset="0"/>
                 <a:cs typeface="Times New Roman" panose="02020603050405020304" pitchFamily="18" charset="0"/>
               </a:rPr>
-              <a:t>, S. (2008). </a:t>
+              <a:t>, A. M.-J. (2018, November 16). </a:t>
             </a:r>
             <a:r>
               <a:rPr kumimoji="0" lang="en-US" altLang="en-US" sz="1100" b="0" i="1" u="none" strike="noStrike" cap="none" normalizeH="0" baseline="0" dirty="0">
@@ -4303,11 +7826,11 @@
                   <a:schemeClr val="tx1"/>
                 </a:solidFill>
                 <a:effectLst/>
-                <a:latin typeface="Calibri" panose="020F0502020204030204" pitchFamily="34" charset="0"/>
+                <a:latin typeface="+mn-lt"/>
                 <a:ea typeface="Calibri" panose="020F0502020204030204" pitchFamily="34" charset="0"/>
                 <a:cs typeface="Times New Roman" panose="02020603050405020304" pitchFamily="18" charset="0"/>
               </a:rPr>
-              <a:t>The Cost of Climate Change: What We’ll Pay if Global Warming.</a:t>
+              <a:t>Why California’s Wildfires Are So Destructive, In 5 Charts</a:t>
             </a:r>
             <a:r>
               <a:rPr kumimoji="0" lang="en-US" altLang="en-US" sz="1100" b="0" i="0" u="none" strike="noStrike" cap="none" normalizeH="0" baseline="0" dirty="0">
@@ -4318,13 +7841,13 @@
                   <a:schemeClr val="tx1"/>
                 </a:solidFill>
                 <a:effectLst/>
-                <a:latin typeface="Calibri" panose="020F0502020204030204" pitchFamily="34" charset="0"/>
+                <a:latin typeface="+mn-lt"/>
                 <a:ea typeface="Calibri" panose="020F0502020204030204" pitchFamily="34" charset="0"/>
                 <a:cs typeface="Times New Roman" panose="02020603050405020304" pitchFamily="18" charset="0"/>
               </a:rPr>
-              <a:t> NRDC.</a:t>
-            </a:r>
-            <a:endParaRPr kumimoji="0" lang="en-US" altLang="en-US" sz="800" b="0" i="0" u="none" strike="noStrike" cap="none" normalizeH="0" baseline="0" dirty="0">
+              <a:t>. Retrieved from 538: https://fivethirtyeight.com/features/why-californias-wildfires-are-so-destructive-in-5-charts/</a:t>
+            </a:r>
+            <a:endParaRPr kumimoji="0" lang="en-US" altLang="en-US" sz="1100" b="0" i="0" u="none" strike="noStrike" cap="none" normalizeH="0" baseline="0" dirty="0">
               <a:ln>
                 <a:noFill/>
               </a:ln>
@@ -4332,10 +7855,11 @@
                 <a:schemeClr val="tx1"/>
               </a:solidFill>
               <a:effectLst/>
+              <a:latin typeface="+mn-lt"/>
             </a:endParaRPr>
           </a:p>
           <a:p>
-            <a:pPr marR="0" lvl="0" algn="just" defTabSz="914400" rtl="0" eaLnBrk="0" fontAlgn="base" latinLnBrk="0" hangingPunct="0">
+            <a:pPr marL="342900" marR="0" lvl="0" indent="-342900" algn="l" defTabSz="914400" rtl="0" eaLnBrk="0" fontAlgn="base" latinLnBrk="0" hangingPunct="0">
               <a:lnSpc>
                 <a:spcPct val="100000"/>
               </a:lnSpc>
@@ -4352,6 +7876,21 @@
               <a:tabLst/>
             </a:pPr>
             <a:r>
+              <a:rPr kumimoji="0" lang="en-US" altLang="en-US" sz="1100" b="0" i="0" u="none" strike="noStrike" cap="none" normalizeH="0" baseline="0" dirty="0" err="1">
+                <a:ln>
+                  <a:noFill/>
+                </a:ln>
+                <a:solidFill>
+                  <a:schemeClr val="tx1"/>
+                </a:solidFill>
+                <a:effectLst/>
+                <a:latin typeface="+mn-lt"/>
+                <a:ea typeface="Calibri" panose="020F0502020204030204" pitchFamily="34" charset="0"/>
+                <a:cs typeface="Times New Roman" panose="02020603050405020304" pitchFamily="18" charset="0"/>
+              </a:rPr>
+              <a:t>Fontaras</a:t>
+            </a:r>
+            <a:r>
               <a:rPr kumimoji="0" lang="en-US" altLang="en-US" sz="1100" b="0" i="0" u="none" strike="noStrike" cap="none" normalizeH="0" baseline="0" dirty="0">
                 <a:ln>
                   <a:noFill/>
@@ -4360,11 +7899,41 @@
                   <a:schemeClr val="tx1"/>
                 </a:solidFill>
                 <a:effectLst/>
-                <a:latin typeface="Calibri" panose="020F0502020204030204" pitchFamily="34" charset="0"/>
+                <a:latin typeface="+mn-lt"/>
                 <a:ea typeface="Calibri" panose="020F0502020204030204" pitchFamily="34" charset="0"/>
                 <a:cs typeface="Times New Roman" panose="02020603050405020304" pitchFamily="18" charset="0"/>
               </a:rPr>
-              <a:t>Nadia, P. (2020, Feb 20). </a:t>
+              <a:t>, G., &amp; </a:t>
+            </a:r>
+            <a:r>
+              <a:rPr kumimoji="0" lang="en-US" altLang="en-US" sz="1100" b="0" i="0" u="none" strike="noStrike" cap="none" normalizeH="0" baseline="0" dirty="0" err="1">
+                <a:ln>
+                  <a:noFill/>
+                </a:ln>
+                <a:solidFill>
+                  <a:schemeClr val="tx1"/>
+                </a:solidFill>
+                <a:effectLst/>
+                <a:latin typeface="+mn-lt"/>
+                <a:ea typeface="Calibri" panose="020F0502020204030204" pitchFamily="34" charset="0"/>
+                <a:cs typeface="Times New Roman" panose="02020603050405020304" pitchFamily="18" charset="0"/>
+              </a:rPr>
+              <a:t>Panagiota</a:t>
+            </a:r>
+            <a:r>
+              <a:rPr kumimoji="0" lang="en-US" altLang="en-US" sz="1100" b="0" i="0" u="none" strike="noStrike" cap="none" normalizeH="0" baseline="0" dirty="0">
+                <a:ln>
+                  <a:noFill/>
+                </a:ln>
+                <a:solidFill>
+                  <a:schemeClr val="tx1"/>
+                </a:solidFill>
+                <a:effectLst/>
+                <a:latin typeface="+mn-lt"/>
+                <a:ea typeface="Calibri" panose="020F0502020204030204" pitchFamily="34" charset="0"/>
+                <a:cs typeface="Times New Roman" panose="02020603050405020304" pitchFamily="18" charset="0"/>
+              </a:rPr>
+              <a:t>, D. (2011). The evolution of European passenger car characteristics 2000–2010 and its effects on real-world CO 2 emissions and CO 2 reduction policy . </a:t>
             </a:r>
             <a:r>
               <a:rPr kumimoji="0" lang="en-US" altLang="en-US" sz="1100" b="0" i="1" u="none" strike="noStrike" cap="none" normalizeH="0" baseline="0" dirty="0">
@@ -4375,11 +7944,11 @@
                   <a:schemeClr val="tx1"/>
                 </a:solidFill>
                 <a:effectLst/>
-                <a:latin typeface="Calibri" panose="020F0502020204030204" pitchFamily="34" charset="0"/>
+                <a:latin typeface="+mn-lt"/>
                 <a:ea typeface="Calibri" panose="020F0502020204030204" pitchFamily="34" charset="0"/>
                 <a:cs typeface="Times New Roman" panose="02020603050405020304" pitchFamily="18" charset="0"/>
               </a:rPr>
-              <a:t>Climate Change Rises as a Public Priority. But It’s More Partisan Than Ever.</a:t>
+              <a:t>Energy Policy</a:t>
             </a:r>
             <a:r>
               <a:rPr kumimoji="0" lang="en-US" altLang="en-US" sz="1100" b="0" i="0" u="none" strike="noStrike" cap="none" normalizeH="0" baseline="0" dirty="0">
@@ -4390,13 +7959,13 @@
                   <a:schemeClr val="tx1"/>
                 </a:solidFill>
                 <a:effectLst/>
-                <a:latin typeface="Calibri" panose="020F0502020204030204" pitchFamily="34" charset="0"/>
+                <a:latin typeface="+mn-lt"/>
                 <a:ea typeface="Calibri" panose="020F0502020204030204" pitchFamily="34" charset="0"/>
                 <a:cs typeface="Times New Roman" panose="02020603050405020304" pitchFamily="18" charset="0"/>
               </a:rPr>
-              <a:t> Retrieved from New York Times: https://www.nytimes.com/interactive/2020/02/20/climate/climate-change-polls.html</a:t>
-            </a:r>
-            <a:endParaRPr kumimoji="0" lang="en-US" altLang="en-US" sz="800" b="0" i="0" u="none" strike="noStrike" cap="none" normalizeH="0" baseline="0" dirty="0">
+              <a:t>.</a:t>
+            </a:r>
+            <a:endParaRPr kumimoji="0" lang="en-US" altLang="en-US" sz="1100" b="0" i="0" u="none" strike="noStrike" cap="none" normalizeH="0" baseline="0" dirty="0">
               <a:ln>
                 <a:noFill/>
               </a:ln>
@@ -4404,10 +7973,11 @@
                 <a:schemeClr val="tx1"/>
               </a:solidFill>
               <a:effectLst/>
+              <a:latin typeface="+mn-lt"/>
             </a:endParaRPr>
           </a:p>
           <a:p>
-            <a:pPr marR="0" lvl="0" algn="just" defTabSz="914400" rtl="0" eaLnBrk="0" fontAlgn="base" latinLnBrk="0" hangingPunct="0">
+            <a:pPr marL="342900" marR="0" lvl="0" indent="-342900" algn="l" defTabSz="914400" rtl="0" eaLnBrk="0" fontAlgn="base" latinLnBrk="0" hangingPunct="0">
               <a:lnSpc>
                 <a:spcPct val="100000"/>
               </a:lnSpc>
@@ -4432,11 +8002,71 @@
                   <a:schemeClr val="tx1"/>
                 </a:solidFill>
                 <a:effectLst/>
-                <a:latin typeface="Calibri" panose="020F0502020204030204" pitchFamily="34" charset="0"/>
+                <a:latin typeface="+mn-lt"/>
                 <a:ea typeface="Calibri" panose="020F0502020204030204" pitchFamily="34" charset="0"/>
                 <a:cs typeface="Times New Roman" panose="02020603050405020304" pitchFamily="18" charset="0"/>
               </a:rPr>
-              <a:t>Newsom, G. (2020, September 23). </a:t>
+              <a:t>G. </a:t>
+            </a:r>
+            <a:r>
+              <a:rPr kumimoji="0" lang="en-US" altLang="en-US" sz="1100" b="0" i="0" u="none" strike="noStrike" cap="none" normalizeH="0" baseline="0" dirty="0" err="1">
+                <a:ln>
+                  <a:noFill/>
+                </a:ln>
+                <a:solidFill>
+                  <a:schemeClr val="tx1"/>
+                </a:solidFill>
+                <a:effectLst/>
+                <a:latin typeface="+mn-lt"/>
+                <a:ea typeface="Calibri" panose="020F0502020204030204" pitchFamily="34" charset="0"/>
+                <a:cs typeface="Times New Roman" panose="02020603050405020304" pitchFamily="18" charset="0"/>
+              </a:rPr>
+              <a:t>Mellios</a:t>
+            </a:r>
+            <a:r>
+              <a:rPr kumimoji="0" lang="en-US" altLang="en-US" sz="1100" b="0" i="0" u="none" strike="noStrike" cap="none" normalizeH="0" baseline="0" dirty="0">
+                <a:ln>
+                  <a:noFill/>
+                </a:ln>
+                <a:solidFill>
+                  <a:schemeClr val="tx1"/>
+                </a:solidFill>
+                <a:effectLst/>
+                <a:latin typeface="+mn-lt"/>
+                <a:ea typeface="Calibri" panose="020F0502020204030204" pitchFamily="34" charset="0"/>
+                <a:cs typeface="Times New Roman" panose="02020603050405020304" pitchFamily="18" charset="0"/>
+              </a:rPr>
+              <a:t>, S. H. (2011). </a:t>
+            </a:r>
+            <a:r>
+              <a:rPr kumimoji="0" lang="en-US" altLang="en-US" sz="1100" b="0" i="0" u="none" strike="noStrike" cap="none" normalizeH="0" baseline="0" dirty="0" err="1">
+                <a:ln>
+                  <a:noFill/>
+                </a:ln>
+                <a:solidFill>
+                  <a:schemeClr val="tx1"/>
+                </a:solidFill>
+                <a:effectLst/>
+                <a:latin typeface="+mn-lt"/>
+                <a:ea typeface="Calibri" panose="020F0502020204030204" pitchFamily="34" charset="0"/>
+                <a:cs typeface="Times New Roman" panose="02020603050405020304" pitchFamily="18" charset="0"/>
+              </a:rPr>
+              <a:t>Parameterisation</a:t>
+            </a:r>
+            <a:r>
+              <a:rPr kumimoji="0" lang="en-US" altLang="en-US" sz="1100" b="0" i="0" u="none" strike="noStrike" cap="none" normalizeH="0" baseline="0" dirty="0">
+                <a:ln>
+                  <a:noFill/>
+                </a:ln>
+                <a:solidFill>
+                  <a:schemeClr val="tx1"/>
+                </a:solidFill>
+                <a:effectLst/>
+                <a:latin typeface="+mn-lt"/>
+                <a:ea typeface="Calibri" panose="020F0502020204030204" pitchFamily="34" charset="0"/>
+                <a:cs typeface="Times New Roman" panose="02020603050405020304" pitchFamily="18" charset="0"/>
+              </a:rPr>
+              <a:t> of fuel consumption and CO 2. </a:t>
             </a:r>
             <a:r>
               <a:rPr kumimoji="0" lang="en-US" altLang="en-US" sz="1100" b="0" i="1" u="none" strike="noStrike" cap="none" normalizeH="0" baseline="0" dirty="0">
@@ -4447,11 +8077,11 @@
                   <a:schemeClr val="tx1"/>
                 </a:solidFill>
                 <a:effectLst/>
-                <a:latin typeface="Calibri" panose="020F0502020204030204" pitchFamily="34" charset="0"/>
+                <a:latin typeface="+mn-lt"/>
                 <a:ea typeface="Calibri" panose="020F0502020204030204" pitchFamily="34" charset="0"/>
                 <a:cs typeface="Times New Roman" panose="02020603050405020304" pitchFamily="18" charset="0"/>
               </a:rPr>
-              <a:t>Executive Department State of California: N-79-20</a:t>
+              <a:t>JRC Scientific and Technical Reports</a:t>
             </a:r>
             <a:r>
               <a:rPr kumimoji="0" lang="en-US" altLang="en-US" sz="1100" b="0" i="0" u="none" strike="noStrike" cap="none" normalizeH="0" baseline="0" dirty="0">
@@ -4462,13 +8092,13 @@
                   <a:schemeClr val="tx1"/>
                 </a:solidFill>
                 <a:effectLst/>
-                <a:latin typeface="Calibri" panose="020F0502020204030204" pitchFamily="34" charset="0"/>
+                <a:latin typeface="+mn-lt"/>
                 <a:ea typeface="Calibri" panose="020F0502020204030204" pitchFamily="34" charset="0"/>
                 <a:cs typeface="Times New Roman" panose="02020603050405020304" pitchFamily="18" charset="0"/>
               </a:rPr>
-              <a:t>. Retrieved from https://www.gov.ca.gov/wp-content/uploads/2020/09/9.23.20-EO-N-79-20-Climate.pdf</a:t>
-            </a:r>
-            <a:endParaRPr kumimoji="0" lang="en-US" altLang="en-US" sz="800" b="0" i="0" u="none" strike="noStrike" cap="none" normalizeH="0" baseline="0" dirty="0">
+              <a:t>.</a:t>
+            </a:r>
+            <a:endParaRPr kumimoji="0" lang="en-US" altLang="en-US" sz="1100" b="0" i="0" u="none" strike="noStrike" cap="none" normalizeH="0" baseline="0" dirty="0">
               <a:ln>
                 <a:noFill/>
               </a:ln>
@@ -4476,10 +8106,11 @@
                 <a:schemeClr val="tx1"/>
               </a:solidFill>
               <a:effectLst/>
+              <a:latin typeface="+mn-lt"/>
             </a:endParaRPr>
           </a:p>
           <a:p>
-            <a:pPr marR="0" lvl="0" algn="just" defTabSz="914400" rtl="0" eaLnBrk="0" fontAlgn="base" latinLnBrk="0" hangingPunct="0">
+            <a:pPr marL="342900" marR="0" lvl="0" indent="-342900" algn="l" defTabSz="914400" rtl="0" eaLnBrk="0" fontAlgn="base" latinLnBrk="0" hangingPunct="0">
               <a:lnSpc>
                 <a:spcPct val="100000"/>
               </a:lnSpc>
@@ -4504,11 +8135,41 @@
                   <a:schemeClr val="tx1"/>
                 </a:solidFill>
                 <a:effectLst/>
-                <a:latin typeface="Calibri" panose="020F0502020204030204" pitchFamily="34" charset="0"/>
+                <a:latin typeface="+mn-lt"/>
                 <a:ea typeface="Calibri" panose="020F0502020204030204" pitchFamily="34" charset="0"/>
                 <a:cs typeface="Times New Roman" panose="02020603050405020304" pitchFamily="18" charset="0"/>
               </a:rPr>
-              <a:t>Rust, S., &amp; Barboza, T. (2020, September 13). </a:t>
+              <a:t>Hope, C., &amp; </a:t>
+            </a:r>
+            <a:r>
+              <a:rPr kumimoji="0" lang="en-US" altLang="en-US" sz="1100" b="0" i="0" u="none" strike="noStrike" cap="none" normalizeH="0" baseline="0" dirty="0" err="1">
+                <a:ln>
+                  <a:noFill/>
+                </a:ln>
+                <a:solidFill>
+                  <a:schemeClr val="tx1"/>
+                </a:solidFill>
+                <a:effectLst/>
+                <a:latin typeface="+mn-lt"/>
+                <a:ea typeface="Calibri" panose="020F0502020204030204" pitchFamily="34" charset="0"/>
+                <a:cs typeface="Times New Roman" panose="02020603050405020304" pitchFamily="18" charset="0"/>
+              </a:rPr>
+              <a:t>Alberth</a:t>
+            </a:r>
+            <a:r>
+              <a:rPr kumimoji="0" lang="en-US" altLang="en-US" sz="1100" b="0" i="0" u="none" strike="noStrike" cap="none" normalizeH="0" baseline="0" dirty="0">
+                <a:ln>
+                  <a:noFill/>
+                </a:ln>
+                <a:solidFill>
+                  <a:schemeClr val="tx1"/>
+                </a:solidFill>
+                <a:effectLst/>
+                <a:latin typeface="+mn-lt"/>
+                <a:ea typeface="Calibri" panose="020F0502020204030204" pitchFamily="34" charset="0"/>
+                <a:cs typeface="Times New Roman" panose="02020603050405020304" pitchFamily="18" charset="0"/>
+              </a:rPr>
+              <a:t>, S. (2008). </a:t>
             </a:r>
             <a:r>
               <a:rPr kumimoji="0" lang="en-US" altLang="en-US" sz="1100" b="0" i="1" u="none" strike="noStrike" cap="none" normalizeH="0" baseline="0" dirty="0">
@@ -4519,11 +8180,11 @@
                   <a:schemeClr val="tx1"/>
                 </a:solidFill>
                 <a:effectLst/>
-                <a:latin typeface="Calibri" panose="020F0502020204030204" pitchFamily="34" charset="0"/>
+                <a:latin typeface="+mn-lt"/>
                 <a:ea typeface="Calibri" panose="020F0502020204030204" pitchFamily="34" charset="0"/>
                 <a:cs typeface="Times New Roman" panose="02020603050405020304" pitchFamily="18" charset="0"/>
               </a:rPr>
-              <a:t>How Climate Change is fueling record-breaking California wildfires, heat and smog</a:t>
+              <a:t>The Cost of Climate Change: What We’ll Pay if Global Warming.</a:t>
             </a:r>
             <a:r>
               <a:rPr kumimoji="0" lang="en-US" altLang="en-US" sz="1100" b="0" i="0" u="none" strike="noStrike" cap="none" normalizeH="0" baseline="0" dirty="0">
@@ -4534,13 +8195,13 @@
                   <a:schemeClr val="tx1"/>
                 </a:solidFill>
                 <a:effectLst/>
-                <a:latin typeface="Calibri" panose="020F0502020204030204" pitchFamily="34" charset="0"/>
+                <a:latin typeface="+mn-lt"/>
                 <a:ea typeface="Calibri" panose="020F0502020204030204" pitchFamily="34" charset="0"/>
                 <a:cs typeface="Times New Roman" panose="02020603050405020304" pitchFamily="18" charset="0"/>
               </a:rPr>
-              <a:t>. Retrieved from Los Angeles Times : https://www.latimes.com/california/story/2020-09-13/climate-change-wildfires-california-west-coast</a:t>
-            </a:r>
-            <a:endParaRPr kumimoji="0" lang="en-US" altLang="en-US" sz="800" b="0" i="0" u="none" strike="noStrike" cap="none" normalizeH="0" baseline="0" dirty="0">
+              <a:t> NRDC.</a:t>
+            </a:r>
+            <a:endParaRPr kumimoji="0" lang="en-US" altLang="en-US" sz="1100" b="0" i="0" u="none" strike="noStrike" cap="none" normalizeH="0" baseline="0" dirty="0">
               <a:ln>
                 <a:noFill/>
               </a:ln>
@@ -4548,10 +8209,11 @@
                 <a:schemeClr val="tx1"/>
               </a:solidFill>
               <a:effectLst/>
+              <a:latin typeface="+mn-lt"/>
             </a:endParaRPr>
           </a:p>
           <a:p>
-            <a:pPr marR="0" lvl="0" algn="just" defTabSz="914400" rtl="0" eaLnBrk="0" fontAlgn="base" latinLnBrk="0" hangingPunct="0">
+            <a:pPr marL="342900" marR="0" lvl="0" indent="-342900" algn="l" defTabSz="914400" rtl="0" eaLnBrk="0" fontAlgn="base" latinLnBrk="0" hangingPunct="0">
               <a:lnSpc>
                 <a:spcPct val="100000"/>
               </a:lnSpc>
@@ -4568,6 +8230,21 @@
               <a:tabLst/>
             </a:pPr>
             <a:r>
+              <a:rPr kumimoji="0" lang="en-US" altLang="en-US" sz="1100" b="0" i="0" u="none" strike="noStrike" cap="none" normalizeH="0" baseline="0" dirty="0">
+                <a:ln>
+                  <a:noFill/>
+                </a:ln>
+                <a:solidFill>
+                  <a:schemeClr val="tx1"/>
+                </a:solidFill>
+                <a:effectLst/>
+                <a:latin typeface="+mn-lt"/>
+                <a:ea typeface="Calibri" panose="020F0502020204030204" pitchFamily="34" charset="0"/>
+                <a:cs typeface="Times New Roman" panose="02020603050405020304" pitchFamily="18" charset="0"/>
+              </a:rPr>
+              <a:t>J.A. </a:t>
+            </a:r>
+            <a:r>
               <a:rPr kumimoji="0" lang="en-US" altLang="en-US" sz="1100" b="0" i="0" u="none" strike="noStrike" cap="none" normalizeH="0" baseline="0" dirty="0" err="1">
                 <a:ln>
                   <a:noFill/>
@@ -4576,11 +8253,11 @@
                   <a:schemeClr val="tx1"/>
                 </a:solidFill>
                 <a:effectLst/>
-                <a:latin typeface="Calibri" panose="020F0502020204030204" pitchFamily="34" charset="0"/>
+                <a:latin typeface="+mn-lt"/>
                 <a:ea typeface="Calibri" panose="020F0502020204030204" pitchFamily="34" charset="0"/>
                 <a:cs typeface="Times New Roman" panose="02020603050405020304" pitchFamily="18" charset="0"/>
               </a:rPr>
-              <a:t>Tabuci</a:t>
+              <a:t>Paravantis</a:t>
             </a:r>
             <a:r>
               <a:rPr kumimoji="0" lang="en-US" altLang="en-US" sz="1100" b="0" i="0" u="none" strike="noStrike" cap="none" normalizeH="0" baseline="0" dirty="0">
@@ -4591,11 +8268,11 @@
                   <a:schemeClr val="tx1"/>
                 </a:solidFill>
                 <a:effectLst/>
-                <a:latin typeface="Calibri" panose="020F0502020204030204" pitchFamily="34" charset="0"/>
+                <a:latin typeface="+mn-lt"/>
                 <a:ea typeface="Calibri" panose="020F0502020204030204" pitchFamily="34" charset="0"/>
                 <a:cs typeface="Times New Roman" panose="02020603050405020304" pitchFamily="18" charset="0"/>
               </a:rPr>
-              <a:t>, H. (2018, April 2). </a:t>
+              <a:t> *, D. G. (2006). Trends in energy consumption and carbon dioxide emissions. </a:t>
             </a:r>
             <a:r>
               <a:rPr kumimoji="0" lang="en-US" altLang="en-US" sz="1100" b="0" i="1" u="none" strike="noStrike" cap="none" normalizeH="0" baseline="0" dirty="0">
@@ -4606,11 +8283,11 @@
                   <a:schemeClr val="tx1"/>
                 </a:solidFill>
                 <a:effectLst/>
-                <a:latin typeface="Calibri" panose="020F0502020204030204" pitchFamily="34" charset="0"/>
+                <a:latin typeface="+mn-lt"/>
                 <a:ea typeface="Calibri" panose="020F0502020204030204" pitchFamily="34" charset="0"/>
                 <a:cs typeface="Times New Roman" panose="02020603050405020304" pitchFamily="18" charset="0"/>
               </a:rPr>
-              <a:t>New York Times</a:t>
+              <a:t>Technology in Forecasting and Societal Change</a:t>
             </a:r>
             <a:r>
               <a:rPr kumimoji="0" lang="en-US" altLang="en-US" sz="1100" b="0" i="0" u="none" strike="noStrike" cap="none" normalizeH="0" baseline="0" dirty="0">
@@ -4621,13 +8298,13 @@
                   <a:schemeClr val="tx1"/>
                 </a:solidFill>
                 <a:effectLst/>
-                <a:latin typeface="Calibri" panose="020F0502020204030204" pitchFamily="34" charset="0"/>
+                <a:latin typeface="+mn-lt"/>
                 <a:ea typeface="Calibri" panose="020F0502020204030204" pitchFamily="34" charset="0"/>
                 <a:cs typeface="Times New Roman" panose="02020603050405020304" pitchFamily="18" charset="0"/>
               </a:rPr>
-              <a:t>. Retrieved from Calling Car Pollution Standards ‘Too High,’ E.P.A. Sets Up Fight With California: https://www.nytimes.com/2018/04/02/climate/trump-auto-emissions-rules.html</a:t>
-            </a:r>
-            <a:endParaRPr kumimoji="0" lang="en-US" altLang="en-US" sz="800" b="0" i="0" u="none" strike="noStrike" cap="none" normalizeH="0" baseline="0" dirty="0">
+              <a:t>.</a:t>
+            </a:r>
+            <a:endParaRPr kumimoji="0" lang="en-US" altLang="en-US" sz="1100" b="0" i="0" u="none" strike="noStrike" cap="none" normalizeH="0" baseline="0" dirty="0">
               <a:ln>
                 <a:noFill/>
               </a:ln>
@@ -4635,6 +8312,548 @@
                 <a:schemeClr val="tx1"/>
               </a:solidFill>
               <a:effectLst/>
+              <a:latin typeface="+mn-lt"/>
+            </a:endParaRPr>
+          </a:p>
+          <a:p>
+            <a:pPr marL="342900" marR="0" lvl="0" indent="-342900" algn="l" defTabSz="914400" rtl="0" eaLnBrk="0" fontAlgn="base" latinLnBrk="0" hangingPunct="0">
+              <a:lnSpc>
+                <a:spcPct val="100000"/>
+              </a:lnSpc>
+              <a:spcBef>
+                <a:spcPct val="0"/>
+              </a:spcBef>
+              <a:spcAft>
+                <a:spcPct val="0"/>
+              </a:spcAft>
+              <a:buClrTx/>
+              <a:buSzTx/>
+              <a:buFont typeface="+mj-lt"/>
+              <a:buAutoNum type="arabicPeriod"/>
+              <a:tabLst/>
+            </a:pPr>
+            <a:r>
+              <a:rPr kumimoji="0" lang="en-US" altLang="en-US" sz="1100" b="0" i="0" u="none" strike="noStrike" cap="none" normalizeH="0" baseline="0" dirty="0">
+                <a:ln>
+                  <a:noFill/>
+                </a:ln>
+                <a:solidFill>
+                  <a:schemeClr val="tx1"/>
+                </a:solidFill>
+                <a:effectLst/>
+                <a:latin typeface="+mn-lt"/>
+                <a:ea typeface="Calibri" panose="020F0502020204030204" pitchFamily="34" charset="0"/>
+                <a:cs typeface="Times New Roman" panose="02020603050405020304" pitchFamily="18" charset="0"/>
+              </a:rPr>
+              <a:t>Kevin R. Gurney, I. R. (2012). Quantification of Fossil Fuel CO 2 Emissions on the Building/Street. </a:t>
+            </a:r>
+            <a:r>
+              <a:rPr kumimoji="0" lang="en-US" altLang="en-US" sz="1100" b="0" i="1" u="none" strike="noStrike" cap="none" normalizeH="0" baseline="0" dirty="0">
+                <a:ln>
+                  <a:noFill/>
+                </a:ln>
+                <a:solidFill>
+                  <a:schemeClr val="tx1"/>
+                </a:solidFill>
+                <a:effectLst/>
+                <a:latin typeface="+mn-lt"/>
+                <a:ea typeface="Calibri" panose="020F0502020204030204" pitchFamily="34" charset="0"/>
+                <a:cs typeface="Times New Roman" panose="02020603050405020304" pitchFamily="18" charset="0"/>
+              </a:rPr>
+              <a:t>Environmental Science and Technology</a:t>
+            </a:r>
+            <a:r>
+              <a:rPr kumimoji="0" lang="en-US" altLang="en-US" sz="1100" b="0" i="0" u="none" strike="noStrike" cap="none" normalizeH="0" baseline="0" dirty="0">
+                <a:ln>
+                  <a:noFill/>
+                </a:ln>
+                <a:solidFill>
+                  <a:schemeClr val="tx1"/>
+                </a:solidFill>
+                <a:effectLst/>
+                <a:latin typeface="+mn-lt"/>
+                <a:ea typeface="Calibri" panose="020F0502020204030204" pitchFamily="34" charset="0"/>
+                <a:cs typeface="Times New Roman" panose="02020603050405020304" pitchFamily="18" charset="0"/>
+              </a:rPr>
+              <a:t>.</a:t>
+            </a:r>
+            <a:endParaRPr kumimoji="0" lang="en-US" altLang="en-US" sz="1100" b="0" i="0" u="none" strike="noStrike" cap="none" normalizeH="0" baseline="0" dirty="0">
+              <a:ln>
+                <a:noFill/>
+              </a:ln>
+              <a:solidFill>
+                <a:schemeClr val="tx1"/>
+              </a:solidFill>
+              <a:effectLst/>
+              <a:latin typeface="+mn-lt"/>
+            </a:endParaRPr>
+          </a:p>
+          <a:p>
+            <a:pPr marL="342900" marR="0" lvl="0" indent="-342900" algn="l" defTabSz="914400" rtl="0" eaLnBrk="0" fontAlgn="base" latinLnBrk="0" hangingPunct="0">
+              <a:lnSpc>
+                <a:spcPct val="100000"/>
+              </a:lnSpc>
+              <a:spcBef>
+                <a:spcPct val="0"/>
+              </a:spcBef>
+              <a:spcAft>
+                <a:spcPct val="0"/>
+              </a:spcAft>
+              <a:buClrTx/>
+              <a:buSzTx/>
+              <a:buFont typeface="+mj-lt"/>
+              <a:buAutoNum type="arabicPeriod"/>
+              <a:tabLst/>
+            </a:pPr>
+            <a:r>
+              <a:rPr kumimoji="0" lang="en-US" altLang="en-US" sz="1100" b="0" i="0" u="none" strike="noStrike" cap="none" normalizeH="0" baseline="0" dirty="0" err="1">
+                <a:ln>
+                  <a:noFill/>
+                </a:ln>
+                <a:solidFill>
+                  <a:schemeClr val="tx1"/>
+                </a:solidFill>
+                <a:effectLst/>
+                <a:latin typeface="+mn-lt"/>
+                <a:ea typeface="Calibri" panose="020F0502020204030204" pitchFamily="34" charset="0"/>
+                <a:cs typeface="Times New Roman" panose="02020603050405020304" pitchFamily="18" charset="0"/>
+              </a:rPr>
+              <a:t>Kii</a:t>
+            </a:r>
+            <a:r>
+              <a:rPr kumimoji="0" lang="en-US" altLang="en-US" sz="1100" b="0" i="0" u="none" strike="noStrike" cap="none" normalizeH="0" baseline="0" dirty="0">
+                <a:ln>
+                  <a:noFill/>
+                </a:ln>
+                <a:solidFill>
+                  <a:schemeClr val="tx1"/>
+                </a:solidFill>
+                <a:effectLst/>
+                <a:latin typeface="+mn-lt"/>
+                <a:ea typeface="Calibri" panose="020F0502020204030204" pitchFamily="34" charset="0"/>
+                <a:cs typeface="Times New Roman" panose="02020603050405020304" pitchFamily="18" charset="0"/>
+              </a:rPr>
+              <a:t>, M. (2020). Reductions in CO 2 Emissions from Passenger Cars in Japan under Population and Technology. </a:t>
+            </a:r>
+            <a:r>
+              <a:rPr kumimoji="0" lang="en-US" altLang="en-US" sz="1100" b="0" i="1" u="none" strike="noStrike" cap="none" normalizeH="0" baseline="0" dirty="0">
+                <a:ln>
+                  <a:noFill/>
+                </a:ln>
+                <a:solidFill>
+                  <a:schemeClr val="tx1"/>
+                </a:solidFill>
+                <a:effectLst/>
+                <a:latin typeface="+mn-lt"/>
+                <a:ea typeface="Calibri" panose="020F0502020204030204" pitchFamily="34" charset="0"/>
+                <a:cs typeface="Times New Roman" panose="02020603050405020304" pitchFamily="18" charset="0"/>
+              </a:rPr>
+              <a:t>Sustainability </a:t>
+            </a:r>
+            <a:r>
+              <a:rPr kumimoji="0" lang="en-US" altLang="en-US" sz="1100" b="0" i="0" u="none" strike="noStrike" cap="none" normalizeH="0" baseline="0" dirty="0">
+                <a:ln>
+                  <a:noFill/>
+                </a:ln>
+                <a:solidFill>
+                  <a:schemeClr val="tx1"/>
+                </a:solidFill>
+                <a:effectLst/>
+                <a:latin typeface="+mn-lt"/>
+                <a:ea typeface="Calibri" panose="020F0502020204030204" pitchFamily="34" charset="0"/>
+                <a:cs typeface="Times New Roman" panose="02020603050405020304" pitchFamily="18" charset="0"/>
+              </a:rPr>
+              <a:t>.</a:t>
+            </a:r>
+            <a:endParaRPr kumimoji="0" lang="en-US" altLang="en-US" sz="1100" b="0" i="0" u="none" strike="noStrike" cap="none" normalizeH="0" baseline="0" dirty="0">
+              <a:ln>
+                <a:noFill/>
+              </a:ln>
+              <a:solidFill>
+                <a:schemeClr val="tx1"/>
+              </a:solidFill>
+              <a:effectLst/>
+              <a:latin typeface="+mn-lt"/>
+            </a:endParaRPr>
+          </a:p>
+          <a:p>
+            <a:pPr marL="342900" marR="0" lvl="0" indent="-342900" algn="l" defTabSz="914400" rtl="0" eaLnBrk="0" fontAlgn="base" latinLnBrk="0" hangingPunct="0">
+              <a:lnSpc>
+                <a:spcPct val="100000"/>
+              </a:lnSpc>
+              <a:spcBef>
+                <a:spcPct val="0"/>
+              </a:spcBef>
+              <a:spcAft>
+                <a:spcPct val="0"/>
+              </a:spcAft>
+              <a:buClrTx/>
+              <a:buSzTx/>
+              <a:buFont typeface="+mj-lt"/>
+              <a:buAutoNum type="arabicPeriod"/>
+              <a:tabLst/>
+            </a:pPr>
+            <a:r>
+              <a:rPr kumimoji="0" lang="en-US" altLang="en-US" sz="1100" b="0" i="0" u="none" strike="noStrike" cap="none" normalizeH="0" baseline="0" dirty="0">
+                <a:ln>
+                  <a:noFill/>
+                </a:ln>
+                <a:solidFill>
+                  <a:schemeClr val="tx1"/>
+                </a:solidFill>
+                <a:effectLst/>
+                <a:latin typeface="+mn-lt"/>
+                <a:ea typeface="Calibri" panose="020F0502020204030204" pitchFamily="34" charset="0"/>
+                <a:cs typeface="Times New Roman" panose="02020603050405020304" pitchFamily="18" charset="0"/>
+              </a:rPr>
+              <a:t>Nadia, P. (2020, Feb 20). </a:t>
+            </a:r>
+            <a:r>
+              <a:rPr kumimoji="0" lang="en-US" altLang="en-US" sz="1100" b="0" i="1" u="none" strike="noStrike" cap="none" normalizeH="0" baseline="0" dirty="0">
+                <a:ln>
+                  <a:noFill/>
+                </a:ln>
+                <a:solidFill>
+                  <a:schemeClr val="tx1"/>
+                </a:solidFill>
+                <a:effectLst/>
+                <a:latin typeface="+mn-lt"/>
+                <a:ea typeface="Calibri" panose="020F0502020204030204" pitchFamily="34" charset="0"/>
+                <a:cs typeface="Times New Roman" panose="02020603050405020304" pitchFamily="18" charset="0"/>
+              </a:rPr>
+              <a:t>Climate Change Rises as a Public Priority. But It’s More Partisan Than Ever.</a:t>
+            </a:r>
+            <a:r>
+              <a:rPr kumimoji="0" lang="en-US" altLang="en-US" sz="1100" b="0" i="0" u="none" strike="noStrike" cap="none" normalizeH="0" baseline="0" dirty="0">
+                <a:ln>
+                  <a:noFill/>
+                </a:ln>
+                <a:solidFill>
+                  <a:schemeClr val="tx1"/>
+                </a:solidFill>
+                <a:effectLst/>
+                <a:latin typeface="+mn-lt"/>
+                <a:ea typeface="Calibri" panose="020F0502020204030204" pitchFamily="34" charset="0"/>
+                <a:cs typeface="Times New Roman" panose="02020603050405020304" pitchFamily="18" charset="0"/>
+              </a:rPr>
+              <a:t> Retrieved from New York Times: https://www.nytimes.com/interactive/2020/02/20/climate/climate-change-polls.html</a:t>
+            </a:r>
+            <a:endParaRPr kumimoji="0" lang="en-US" altLang="en-US" sz="1100" b="0" i="0" u="none" strike="noStrike" cap="none" normalizeH="0" baseline="0" dirty="0">
+              <a:ln>
+                <a:noFill/>
+              </a:ln>
+              <a:solidFill>
+                <a:schemeClr val="tx1"/>
+              </a:solidFill>
+              <a:effectLst/>
+              <a:latin typeface="+mn-lt"/>
+            </a:endParaRPr>
+          </a:p>
+          <a:p>
+            <a:pPr marL="342900" marR="0" lvl="0" indent="-342900" algn="l" defTabSz="914400" rtl="0" eaLnBrk="0" fontAlgn="base" latinLnBrk="0" hangingPunct="0">
+              <a:lnSpc>
+                <a:spcPct val="100000"/>
+              </a:lnSpc>
+              <a:spcBef>
+                <a:spcPct val="0"/>
+              </a:spcBef>
+              <a:spcAft>
+                <a:spcPct val="0"/>
+              </a:spcAft>
+              <a:buClrTx/>
+              <a:buSzTx/>
+              <a:buFont typeface="+mj-lt"/>
+              <a:buAutoNum type="arabicPeriod"/>
+              <a:tabLst/>
+            </a:pPr>
+            <a:r>
+              <a:rPr kumimoji="0" lang="en-US" altLang="en-US" sz="1100" b="0" i="0" u="none" strike="noStrike" cap="none" normalizeH="0" baseline="0" dirty="0">
+                <a:ln>
+                  <a:noFill/>
+                </a:ln>
+                <a:solidFill>
+                  <a:schemeClr val="tx1"/>
+                </a:solidFill>
+                <a:effectLst/>
+                <a:latin typeface="+mn-lt"/>
+                <a:ea typeface="Calibri" panose="020F0502020204030204" pitchFamily="34" charset="0"/>
+                <a:cs typeface="Times New Roman" panose="02020603050405020304" pitchFamily="18" charset="0"/>
+              </a:rPr>
+              <a:t>Newsom, G. (2020, September 23). </a:t>
+            </a:r>
+            <a:r>
+              <a:rPr kumimoji="0" lang="en-US" altLang="en-US" sz="1100" b="0" i="1" u="none" strike="noStrike" cap="none" normalizeH="0" baseline="0" dirty="0">
+                <a:ln>
+                  <a:noFill/>
+                </a:ln>
+                <a:solidFill>
+                  <a:schemeClr val="tx1"/>
+                </a:solidFill>
+                <a:effectLst/>
+                <a:latin typeface="+mn-lt"/>
+                <a:ea typeface="Calibri" panose="020F0502020204030204" pitchFamily="34" charset="0"/>
+                <a:cs typeface="Times New Roman" panose="02020603050405020304" pitchFamily="18" charset="0"/>
+              </a:rPr>
+              <a:t>Executive Department State of California: N-79-20</a:t>
+            </a:r>
+            <a:r>
+              <a:rPr kumimoji="0" lang="en-US" altLang="en-US" sz="1100" b="0" i="0" u="none" strike="noStrike" cap="none" normalizeH="0" baseline="0" dirty="0">
+                <a:ln>
+                  <a:noFill/>
+                </a:ln>
+                <a:solidFill>
+                  <a:schemeClr val="tx1"/>
+                </a:solidFill>
+                <a:effectLst/>
+                <a:latin typeface="+mn-lt"/>
+                <a:ea typeface="Calibri" panose="020F0502020204030204" pitchFamily="34" charset="0"/>
+                <a:cs typeface="Times New Roman" panose="02020603050405020304" pitchFamily="18" charset="0"/>
+              </a:rPr>
+              <a:t>. Retrieved from https://www.gov.ca.gov/wp-content/uploads/2020/09/9.23.20-EO-N-79-20-Climate.pdf</a:t>
+            </a:r>
+            <a:endParaRPr kumimoji="0" lang="en-US" altLang="en-US" sz="1100" b="0" i="0" u="none" strike="noStrike" cap="none" normalizeH="0" baseline="0" dirty="0">
+              <a:ln>
+                <a:noFill/>
+              </a:ln>
+              <a:solidFill>
+                <a:schemeClr val="tx1"/>
+              </a:solidFill>
+              <a:effectLst/>
+              <a:latin typeface="+mn-lt"/>
+            </a:endParaRPr>
+          </a:p>
+          <a:p>
+            <a:pPr marL="342900" marR="0" lvl="0" indent="-342900" algn="l" defTabSz="914400" rtl="0" eaLnBrk="0" fontAlgn="base" latinLnBrk="0" hangingPunct="0">
+              <a:lnSpc>
+                <a:spcPct val="100000"/>
+              </a:lnSpc>
+              <a:spcBef>
+                <a:spcPct val="0"/>
+              </a:spcBef>
+              <a:spcAft>
+                <a:spcPct val="0"/>
+              </a:spcAft>
+              <a:buClrTx/>
+              <a:buSzTx/>
+              <a:buFont typeface="+mj-lt"/>
+              <a:buAutoNum type="arabicPeriod"/>
+              <a:tabLst/>
+            </a:pPr>
+            <a:r>
+              <a:rPr kumimoji="0" lang="en-US" altLang="en-US" sz="1100" b="0" i="0" u="none" strike="noStrike" cap="none" normalizeH="0" baseline="0" dirty="0">
+                <a:ln>
+                  <a:noFill/>
+                </a:ln>
+                <a:solidFill>
+                  <a:schemeClr val="tx1"/>
+                </a:solidFill>
+                <a:effectLst/>
+                <a:latin typeface="+mn-lt"/>
+                <a:ea typeface="Calibri" panose="020F0502020204030204" pitchFamily="34" charset="0"/>
+                <a:cs typeface="Times New Roman" panose="02020603050405020304" pitchFamily="18" charset="0"/>
+              </a:rPr>
+              <a:t>Rust, S., &amp; Barboza, T. (2020, September 13). </a:t>
+            </a:r>
+            <a:r>
+              <a:rPr kumimoji="0" lang="en-US" altLang="en-US" sz="1100" b="0" i="1" u="none" strike="noStrike" cap="none" normalizeH="0" baseline="0" dirty="0">
+                <a:ln>
+                  <a:noFill/>
+                </a:ln>
+                <a:solidFill>
+                  <a:schemeClr val="tx1"/>
+                </a:solidFill>
+                <a:effectLst/>
+                <a:latin typeface="+mn-lt"/>
+                <a:ea typeface="Calibri" panose="020F0502020204030204" pitchFamily="34" charset="0"/>
+                <a:cs typeface="Times New Roman" panose="02020603050405020304" pitchFamily="18" charset="0"/>
+              </a:rPr>
+              <a:t>How Climate Change is fueling record-breaking California wildfires, heat and smog</a:t>
+            </a:r>
+            <a:r>
+              <a:rPr kumimoji="0" lang="en-US" altLang="en-US" sz="1100" b="0" i="0" u="none" strike="noStrike" cap="none" normalizeH="0" baseline="0" dirty="0">
+                <a:ln>
+                  <a:noFill/>
+                </a:ln>
+                <a:solidFill>
+                  <a:schemeClr val="tx1"/>
+                </a:solidFill>
+                <a:effectLst/>
+                <a:latin typeface="+mn-lt"/>
+                <a:ea typeface="Calibri" panose="020F0502020204030204" pitchFamily="34" charset="0"/>
+                <a:cs typeface="Times New Roman" panose="02020603050405020304" pitchFamily="18" charset="0"/>
+              </a:rPr>
+              <a:t>. Retrieved from Los Angeles Times : https://www.latimes.com/california/story/2020-09-13/climate-change-wildfires-california-west-coast</a:t>
+            </a:r>
+            <a:endParaRPr kumimoji="0" lang="en-US" altLang="en-US" sz="1100" b="0" i="0" u="none" strike="noStrike" cap="none" normalizeH="0" baseline="0" dirty="0">
+              <a:ln>
+                <a:noFill/>
+              </a:ln>
+              <a:solidFill>
+                <a:schemeClr val="tx1"/>
+              </a:solidFill>
+              <a:effectLst/>
+              <a:latin typeface="+mn-lt"/>
+            </a:endParaRPr>
+          </a:p>
+          <a:p>
+            <a:pPr marL="342900" marR="0" lvl="0" indent="-342900" algn="l" defTabSz="914400" rtl="0" eaLnBrk="0" fontAlgn="base" latinLnBrk="0" hangingPunct="0">
+              <a:lnSpc>
+                <a:spcPct val="100000"/>
+              </a:lnSpc>
+              <a:spcBef>
+                <a:spcPct val="0"/>
+              </a:spcBef>
+              <a:spcAft>
+                <a:spcPct val="0"/>
+              </a:spcAft>
+              <a:buClrTx/>
+              <a:buSzTx/>
+              <a:buFont typeface="+mj-lt"/>
+              <a:buAutoNum type="arabicPeriod"/>
+              <a:tabLst/>
+            </a:pPr>
+            <a:r>
+              <a:rPr kumimoji="0" lang="en-US" altLang="en-US" sz="1100" b="0" i="0" u="none" strike="noStrike" cap="none" normalizeH="0" baseline="0" dirty="0" err="1">
+                <a:ln>
+                  <a:noFill/>
+                </a:ln>
+                <a:solidFill>
+                  <a:schemeClr val="tx1"/>
+                </a:solidFill>
+                <a:effectLst/>
+                <a:latin typeface="+mn-lt"/>
+                <a:ea typeface="Calibri" panose="020F0502020204030204" pitchFamily="34" charset="0"/>
+                <a:cs typeface="Times New Roman" panose="02020603050405020304" pitchFamily="18" charset="0"/>
+              </a:rPr>
+              <a:t>Tabuci</a:t>
+            </a:r>
+            <a:r>
+              <a:rPr kumimoji="0" lang="en-US" altLang="en-US" sz="1100" b="0" i="0" u="none" strike="noStrike" cap="none" normalizeH="0" baseline="0" dirty="0">
+                <a:ln>
+                  <a:noFill/>
+                </a:ln>
+                <a:solidFill>
+                  <a:schemeClr val="tx1"/>
+                </a:solidFill>
+                <a:effectLst/>
+                <a:latin typeface="+mn-lt"/>
+                <a:ea typeface="Calibri" panose="020F0502020204030204" pitchFamily="34" charset="0"/>
+                <a:cs typeface="Times New Roman" panose="02020603050405020304" pitchFamily="18" charset="0"/>
+              </a:rPr>
+              <a:t>, H. (2018, April 2). </a:t>
+            </a:r>
+            <a:r>
+              <a:rPr kumimoji="0" lang="en-US" altLang="en-US" sz="1100" b="0" i="1" u="none" strike="noStrike" cap="none" normalizeH="0" baseline="0" dirty="0">
+                <a:ln>
+                  <a:noFill/>
+                </a:ln>
+                <a:solidFill>
+                  <a:schemeClr val="tx1"/>
+                </a:solidFill>
+                <a:effectLst/>
+                <a:latin typeface="+mn-lt"/>
+                <a:ea typeface="Calibri" panose="020F0502020204030204" pitchFamily="34" charset="0"/>
+                <a:cs typeface="Times New Roman" panose="02020603050405020304" pitchFamily="18" charset="0"/>
+              </a:rPr>
+              <a:t>New York Times</a:t>
+            </a:r>
+            <a:r>
+              <a:rPr kumimoji="0" lang="en-US" altLang="en-US" sz="1100" b="0" i="0" u="none" strike="noStrike" cap="none" normalizeH="0" baseline="0" dirty="0">
+                <a:ln>
+                  <a:noFill/>
+                </a:ln>
+                <a:solidFill>
+                  <a:schemeClr val="tx1"/>
+                </a:solidFill>
+                <a:effectLst/>
+                <a:latin typeface="+mn-lt"/>
+                <a:ea typeface="Calibri" panose="020F0502020204030204" pitchFamily="34" charset="0"/>
+                <a:cs typeface="Times New Roman" panose="02020603050405020304" pitchFamily="18" charset="0"/>
+              </a:rPr>
+              <a:t>. Retrieved from Calling Car Pollution Standards ‘Too High,’ E.P.A. Sets Up Fight With California: https://www.nytimes.com/2018/04/02/climate/trump-auto-emissions-rules.html</a:t>
+            </a:r>
+            <a:endParaRPr kumimoji="0" lang="en-US" altLang="en-US" sz="1100" b="0" i="0" u="none" strike="noStrike" cap="none" normalizeH="0" baseline="0" dirty="0">
+              <a:ln>
+                <a:noFill/>
+              </a:ln>
+              <a:solidFill>
+                <a:schemeClr val="tx1"/>
+              </a:solidFill>
+              <a:effectLst/>
+              <a:latin typeface="+mn-lt"/>
+            </a:endParaRPr>
+          </a:p>
+          <a:p>
+            <a:pPr marL="342900" marR="0" lvl="0" indent="-342900" algn="l" defTabSz="914400" rtl="0" eaLnBrk="0" fontAlgn="base" latinLnBrk="0" hangingPunct="0">
+              <a:lnSpc>
+                <a:spcPct val="100000"/>
+              </a:lnSpc>
+              <a:spcBef>
+                <a:spcPct val="0"/>
+              </a:spcBef>
+              <a:spcAft>
+                <a:spcPct val="0"/>
+              </a:spcAft>
+              <a:buClrTx/>
+              <a:buSzTx/>
+              <a:buFont typeface="+mj-lt"/>
+              <a:buAutoNum type="arabicPeriod"/>
+              <a:tabLst/>
+            </a:pPr>
+            <a:r>
+              <a:rPr kumimoji="0" lang="en-US" altLang="en-US" sz="1100" b="0" i="0" u="none" strike="noStrike" cap="none" normalizeH="0" baseline="0" dirty="0">
+                <a:ln>
+                  <a:noFill/>
+                </a:ln>
+                <a:solidFill>
+                  <a:schemeClr val="tx1"/>
+                </a:solidFill>
+                <a:effectLst/>
+                <a:latin typeface="+mn-lt"/>
+                <a:ea typeface="Calibri" panose="020F0502020204030204" pitchFamily="34" charset="0"/>
+                <a:cs typeface="Times New Roman" panose="02020603050405020304" pitchFamily="18" charset="0"/>
+              </a:rPr>
+              <a:t>Toshiko, N. (2003). Energy Modeling on Cleaner Vehicles in Japan. </a:t>
+            </a:r>
+            <a:r>
+              <a:rPr kumimoji="0" lang="en-US" altLang="en-US" sz="1100" b="0" i="1" u="none" strike="noStrike" cap="none" normalizeH="0" baseline="0" dirty="0">
+                <a:ln>
+                  <a:noFill/>
+                </a:ln>
+                <a:solidFill>
+                  <a:schemeClr val="tx1"/>
+                </a:solidFill>
+                <a:effectLst/>
+                <a:latin typeface="+mn-lt"/>
+                <a:ea typeface="Calibri" panose="020F0502020204030204" pitchFamily="34" charset="0"/>
+                <a:cs typeface="Times New Roman" panose="02020603050405020304" pitchFamily="18" charset="0"/>
+              </a:rPr>
+              <a:t>Journal of Cleaner Production</a:t>
+            </a:r>
+            <a:r>
+              <a:rPr kumimoji="0" lang="en-US" altLang="en-US" sz="1100" b="0" i="0" u="none" strike="noStrike" cap="none" normalizeH="0" baseline="0" dirty="0">
+                <a:ln>
+                  <a:noFill/>
+                </a:ln>
+                <a:solidFill>
+                  <a:schemeClr val="tx1"/>
+                </a:solidFill>
+                <a:effectLst/>
+                <a:latin typeface="+mn-lt"/>
+                <a:ea typeface="Calibri" panose="020F0502020204030204" pitchFamily="34" charset="0"/>
+                <a:cs typeface="Times New Roman" panose="02020603050405020304" pitchFamily="18" charset="0"/>
+              </a:rPr>
+              <a:t>.</a:t>
+            </a:r>
+            <a:endParaRPr kumimoji="0" lang="en-US" altLang="en-US" sz="1100" b="0" i="0" u="none" strike="noStrike" cap="none" normalizeH="0" baseline="0" dirty="0">
+              <a:ln>
+                <a:noFill/>
+              </a:ln>
+              <a:solidFill>
+                <a:schemeClr val="tx1"/>
+              </a:solidFill>
+              <a:effectLst/>
+              <a:latin typeface="+mn-lt"/>
             </a:endParaRPr>
           </a:p>
           <a:p>
@@ -4664,41 +8883,6 @@
               <a:effectLst/>
               <a:latin typeface="Arial" panose="020B0604020202020204" pitchFamily="34" charset="0"/>
             </a:endParaRPr>
-          </a:p>
-        </p:txBody>
-      </p:sp>
-      <p:sp>
-        <p:nvSpPr>
-          <p:cNvPr id="5" name="TextBox 4">
-            <a:extLst>
-              <a:ext uri="{FF2B5EF4-FFF2-40B4-BE49-F238E27FC236}">
-                <a16:creationId xmlns:a16="http://schemas.microsoft.com/office/drawing/2014/main" id="{4D6314A8-164D-4B8A-AA28-65B09AF52FDD}"/>
-              </a:ext>
-            </a:extLst>
-          </p:cNvPr>
-          <p:cNvSpPr txBox="1"/>
-          <p:nvPr/>
-        </p:nvSpPr>
-        <p:spPr>
-          <a:xfrm>
-            <a:off x="1979629" y="1272619"/>
-            <a:ext cx="7984503" cy="646331"/>
-          </a:xfrm>
-          <a:prstGeom prst="rect">
-            <a:avLst/>
-          </a:prstGeom>
-          <a:noFill/>
-        </p:spPr>
-        <p:txBody>
-          <a:bodyPr wrap="square" rtlCol="0">
-            <a:spAutoFit/>
-          </a:bodyPr>
-          <a:lstStyle/>
-          <a:p>
-            <a:r>
-              <a:rPr lang="en-US" dirty="0"/>
-              <a:t>Full GitHub Repo: https://github.com/djlofland/DS621_F2020_Group3/tree/master/Final%20Project</a:t>
-            </a:r>
           </a:p>
         </p:txBody>
       </p:sp>

--- a/Final Project/Group_3_FinalProject.pptx
+++ b/Final Project/Group_3_FinalProject.pptx
@@ -132,7 +132,7 @@
 <file path=ppt/comments/comment1.xml><?xml version="1.0" encoding="utf-8"?>
 <p:cmLst xmlns:a="http://schemas.openxmlformats.org/drawingml/2006/main" xmlns:r="http://schemas.openxmlformats.org/officeDocument/2006/relationships" xmlns:p="http://schemas.openxmlformats.org/presentationml/2006/main">
   <p:cm authorId="1" dt="2020-12-16T18:02:38.699" idx="1">
-    <p:pos x="2963" y="2886"/>
+    <p:pos x="-903" y="1888"/>
     <p:text/>
     <p:extLst>
       <p:ext uri="{C676402C-5697-4E1C-873F-D02D1690AC5C}">
@@ -290,7 +290,7 @@
           <a:p>
             <a:fld id="{0B0F0A04-CDF7-4D76-BC6D-0B3E0AA8FBCD}" type="datetimeFigureOut">
               <a:rPr lang="en-US" smtClean="0"/>
-              <a:t>12/16/2020</a:t>
+              <a:t>12/20/2020</a:t>
             </a:fld>
             <a:endParaRPr lang="en-US"/>
           </a:p>
@@ -488,7 +488,7 @@
           <a:p>
             <a:fld id="{0B0F0A04-CDF7-4D76-BC6D-0B3E0AA8FBCD}" type="datetimeFigureOut">
               <a:rPr lang="en-US" smtClean="0"/>
-              <a:t>12/16/2020</a:t>
+              <a:t>12/20/2020</a:t>
             </a:fld>
             <a:endParaRPr lang="en-US"/>
           </a:p>
@@ -696,7 +696,7 @@
           <a:p>
             <a:fld id="{0B0F0A04-CDF7-4D76-BC6D-0B3E0AA8FBCD}" type="datetimeFigureOut">
               <a:rPr lang="en-US" smtClean="0"/>
-              <a:t>12/16/2020</a:t>
+              <a:t>12/20/2020</a:t>
             </a:fld>
             <a:endParaRPr lang="en-US"/>
           </a:p>
@@ -894,7 +894,7 @@
           <a:p>
             <a:fld id="{0B0F0A04-CDF7-4D76-BC6D-0B3E0AA8FBCD}" type="datetimeFigureOut">
               <a:rPr lang="en-US" smtClean="0"/>
-              <a:t>12/16/2020</a:t>
+              <a:t>12/20/2020</a:t>
             </a:fld>
             <a:endParaRPr lang="en-US"/>
           </a:p>
@@ -1169,7 +1169,7 @@
           <a:p>
             <a:fld id="{0B0F0A04-CDF7-4D76-BC6D-0B3E0AA8FBCD}" type="datetimeFigureOut">
               <a:rPr lang="en-US" smtClean="0"/>
-              <a:t>12/16/2020</a:t>
+              <a:t>12/20/2020</a:t>
             </a:fld>
             <a:endParaRPr lang="en-US"/>
           </a:p>
@@ -1434,7 +1434,7 @@
           <a:p>
             <a:fld id="{0B0F0A04-CDF7-4D76-BC6D-0B3E0AA8FBCD}" type="datetimeFigureOut">
               <a:rPr lang="en-US" smtClean="0"/>
-              <a:t>12/16/2020</a:t>
+              <a:t>12/20/2020</a:t>
             </a:fld>
             <a:endParaRPr lang="en-US"/>
           </a:p>
@@ -1846,7 +1846,7 @@
           <a:p>
             <a:fld id="{0B0F0A04-CDF7-4D76-BC6D-0B3E0AA8FBCD}" type="datetimeFigureOut">
               <a:rPr lang="en-US" smtClean="0"/>
-              <a:t>12/16/2020</a:t>
+              <a:t>12/20/2020</a:t>
             </a:fld>
             <a:endParaRPr lang="en-US"/>
           </a:p>
@@ -1987,7 +1987,7 @@
           <a:p>
             <a:fld id="{0B0F0A04-CDF7-4D76-BC6D-0B3E0AA8FBCD}" type="datetimeFigureOut">
               <a:rPr lang="en-US" smtClean="0"/>
-              <a:t>12/16/2020</a:t>
+              <a:t>12/20/2020</a:t>
             </a:fld>
             <a:endParaRPr lang="en-US"/>
           </a:p>
@@ -2100,7 +2100,7 @@
           <a:p>
             <a:fld id="{0B0F0A04-CDF7-4D76-BC6D-0B3E0AA8FBCD}" type="datetimeFigureOut">
               <a:rPr lang="en-US" smtClean="0"/>
-              <a:t>12/16/2020</a:t>
+              <a:t>12/20/2020</a:t>
             </a:fld>
             <a:endParaRPr lang="en-US"/>
           </a:p>
@@ -2411,7 +2411,7 @@
           <a:p>
             <a:fld id="{0B0F0A04-CDF7-4D76-BC6D-0B3E0AA8FBCD}" type="datetimeFigureOut">
               <a:rPr lang="en-US" smtClean="0"/>
-              <a:t>12/16/2020</a:t>
+              <a:t>12/20/2020</a:t>
             </a:fld>
             <a:endParaRPr lang="en-US"/>
           </a:p>
@@ -2699,7 +2699,7 @@
           <a:p>
             <a:fld id="{0B0F0A04-CDF7-4D76-BC6D-0B3E0AA8FBCD}" type="datetimeFigureOut">
               <a:rPr lang="en-US" smtClean="0"/>
-              <a:t>12/16/2020</a:t>
+              <a:t>12/20/2020</a:t>
             </a:fld>
             <a:endParaRPr lang="en-US"/>
           </a:p>
@@ -2940,7 +2940,7 @@
           <a:p>
             <a:fld id="{0B0F0A04-CDF7-4D76-BC6D-0B3E0AA8FBCD}" type="datetimeFigureOut">
               <a:rPr lang="en-US" smtClean="0"/>
-              <a:t>12/16/2020</a:t>
+              <a:t>12/20/2020</a:t>
             </a:fld>
             <a:endParaRPr lang="en-US"/>
           </a:p>
@@ -3881,8 +3881,8 @@
         </p:nvSpPr>
         <p:spPr>
           <a:xfrm>
-            <a:off x="838200" y="992088"/>
-            <a:ext cx="4277264" cy="2862729"/>
+            <a:off x="311085" y="992088"/>
+            <a:ext cx="4804379" cy="3353669"/>
           </a:xfrm>
         </p:spPr>
         <p:txBody>
@@ -3893,19 +3893,24 @@
           <a:p>
             <a:pPr algn="l"/>
             <a:r>
-              <a:rPr lang="en-US" sz="3000" b="1" kern="1200">
-                <a:solidFill>
-                  <a:srgbClr val="FFFFFF"/>
-                </a:solidFill>
+              <a:rPr lang="en-US" sz="2800" b="1" dirty="0">
                 <a:effectLst/>
-                <a:latin typeface="+mj-lt"/>
-                <a:ea typeface="+mj-ea"/>
-                <a:cs typeface="+mj-cs"/>
+                <a:latin typeface="Calibri" panose="020F0502020204030204" pitchFamily="34" charset="0"/>
+                <a:ea typeface="Calibri" panose="020F0502020204030204" pitchFamily="34" charset="0"/>
+                <a:cs typeface="Times New Roman" panose="02020603050405020304" pitchFamily="18" charset="0"/>
               </a:rPr>
-              <a:t>Assessing the Impact of Banning Internal Combustible Engines (ICE) on California Emissions </a:t>
+              <a:t>A Modern Approach to Predicting CO2 emissions in Canadian ICE (Internal Combustible Engines)</a:t>
             </a:r>
             <a:br>
-              <a:rPr lang="en-US" sz="3000" kern="1200">
+              <a:rPr lang="en-US" sz="2800" dirty="0">
+                <a:effectLst/>
+                <a:latin typeface="Calibri" panose="020F0502020204030204" pitchFamily="34" charset="0"/>
+                <a:ea typeface="Calibri" panose="020F0502020204030204" pitchFamily="34" charset="0"/>
+                <a:cs typeface="Times New Roman" panose="02020603050405020304" pitchFamily="18" charset="0"/>
+              </a:rPr>
+            </a:br>
+            <a:br>
+              <a:rPr lang="en-US" sz="3000" kern="1200" dirty="0">
                 <a:solidFill>
                   <a:srgbClr val="FFFFFF"/>
                 </a:solidFill>
@@ -3915,7 +3920,7 @@
                 <a:cs typeface="+mj-cs"/>
               </a:rPr>
             </a:br>
-            <a:endParaRPr lang="en-US" sz="3000" kern="1200">
+            <a:endParaRPr lang="en-US" sz="3000" kern="1200" dirty="0">
               <a:solidFill>
                 <a:srgbClr val="FFFFFF"/>
               </a:solidFill>
@@ -4702,100 +4707,114 @@
           <a:lstStyle/>
           <a:p>
             <a:r>
-              <a:rPr lang="en-US" sz="1700"/>
-              <a:t>Climate Change is a top priority in 2020</a:t>
-            </a:r>
+              <a:rPr lang="en-US" sz="1700" dirty="0"/>
+              <a:t>Climate Change is a top priority in 2019 </a:t>
+            </a:r>
+          </a:p>
+          <a:p>
+            <a:pPr marL="0" indent="0">
+              <a:buNone/>
+            </a:pPr>
+            <a:endParaRPr lang="en-US" sz="1700" dirty="0"/>
           </a:p>
           <a:p>
             <a:pPr lvl="1"/>
             <a:r>
-              <a:rPr lang="en-US" sz="1700"/>
-              <a:t>Economic damage projected trillions per year by 2100</a:t>
+              <a:rPr lang="en-US" sz="1700" dirty="0"/>
+              <a:t>Economic damage projected 1.5-25% GDP through end of century</a:t>
             </a:r>
           </a:p>
           <a:p>
             <a:pPr lvl="1"/>
             <a:r>
-              <a:rPr lang="en-US" sz="1700"/>
-              <a:t>Supported by majority of Americans</a:t>
-            </a:r>
-          </a:p>
-          <a:p>
-            <a:endParaRPr lang="en-US" sz="1700"/>
-          </a:p>
-          <a:p>
-            <a:r>
-              <a:rPr lang="en-US" sz="1700"/>
-              <a:t>California epicenter of climate change </a:t>
+              <a:rPr lang="en-US" sz="1700" dirty="0"/>
+              <a:t>Supported by majority of Canadians</a:t>
+            </a:r>
+          </a:p>
+          <a:p>
+            <a:endParaRPr lang="en-US" sz="1700" dirty="0"/>
+          </a:p>
+          <a:p>
+            <a:r>
+              <a:rPr lang="en-US" sz="1700" dirty="0"/>
+              <a:t>Canada dichotomous energy/climate change</a:t>
             </a:r>
           </a:p>
           <a:p>
             <a:pPr lvl="1"/>
             <a:r>
-              <a:rPr lang="en-US" sz="1700"/>
-              <a:t>Most populous state </a:t>
+              <a:rPr lang="en-US" sz="1700" dirty="0"/>
+              <a:t>10% GDP still fossil fuel related</a:t>
             </a:r>
           </a:p>
           <a:p>
             <a:pPr lvl="1"/>
             <a:r>
-              <a:rPr lang="en-US" sz="1700"/>
-              <a:t>Extreme temperature rises</a:t>
-            </a:r>
+              <a:rPr lang="en-US" sz="1700" dirty="0"/>
+              <a:t>Major exports are oil, gasoline and cars</a:t>
+            </a:r>
+          </a:p>
+          <a:p>
+            <a:pPr marL="457200" lvl="1" indent="0">
+              <a:buNone/>
+            </a:pPr>
+            <a:endParaRPr lang="en-US" sz="1700" dirty="0"/>
           </a:p>
           <a:p>
             <a:pPr lvl="1"/>
-            <a:r>
-              <a:rPr lang="en-US" sz="1700"/>
-              <a:t>Propensity for wild-fires </a:t>
-            </a:r>
+            <a:endParaRPr lang="en-US" sz="1700" dirty="0"/>
           </a:p>
           <a:p>
             <a:pPr lvl="1"/>
-            <a:endParaRPr lang="en-US" sz="1700"/>
-          </a:p>
-          <a:p>
-            <a:pPr lvl="1"/>
-            <a:endParaRPr lang="en-US" sz="1700"/>
-          </a:p>
-          <a:p>
-            <a:pPr lvl="1"/>
-            <a:endParaRPr lang="en-US" sz="1700"/>
+            <a:endParaRPr lang="en-US" sz="1700" dirty="0"/>
           </a:p>
         </p:txBody>
       </p:sp>
       <p:pic>
         <p:nvPicPr>
-          <p:cNvPr id="4" name="Picture 3" descr="Why California's Wildfires Are So Destructive, In 5 Charts | FiveThirtyEight">
-            <a:extLst>
-              <a:ext uri="{FF2B5EF4-FFF2-40B4-BE49-F238E27FC236}">
-                <a16:creationId xmlns:a16="http://schemas.microsoft.com/office/drawing/2014/main" id="{A9D319D1-B9A8-42E1-8B7F-1D5AC5BA2D68}"/>
-              </a:ext>
-            </a:extLst>
-          </p:cNvPr>
-          <p:cNvPicPr/>
+          <p:cNvPr id="1026" name="Picture 2">
+            <a:extLst>
+              <a:ext uri="{FF2B5EF4-FFF2-40B4-BE49-F238E27FC236}">
+                <a16:creationId xmlns:a16="http://schemas.microsoft.com/office/drawing/2014/main" id="{9E0A5829-F052-4E60-8E31-147D55292A27}"/>
+              </a:ext>
+            </a:extLst>
+          </p:cNvPr>
+          <p:cNvPicPr>
+            <a:picLocks noChangeAspect="1" noChangeArrowheads="1"/>
+          </p:cNvPicPr>
           <p:nvPr/>
         </p:nvPicPr>
-        <p:blipFill rotWithShape="1">
-          <a:blip r:embed="rId2" cstate="print">
+        <p:blipFill>
+          <a:blip r:embed="rId2">
             <a:extLst>
               <a:ext uri="{28A0092B-C50C-407E-A947-70E740481C1C}">
                 <a14:useLocalDpi xmlns:a14="http://schemas.microsoft.com/office/drawing/2010/main" val="0"/>
               </a:ext>
             </a:extLst>
           </a:blip>
-          <a:srcRect b="13721"/>
-          <a:stretch/>
+          <a:srcRect/>
+          <a:stretch>
+            <a:fillRect/>
+          </a:stretch>
         </p:blipFill>
         <p:spPr bwMode="auto">
           <a:xfrm>
-            <a:off x="6098892" y="2492376"/>
-            <a:ext cx="4802404" cy="3563372"/>
+            <a:off x="6373501" y="2661528"/>
+            <a:ext cx="4849702" cy="3427123"/>
           </a:xfrm>
           <a:prstGeom prst="rect">
             <a:avLst/>
           </a:prstGeom>
           <a:noFill/>
+          <a:extLst>
+            <a:ext uri="{909E8E84-426E-40DD-AFC4-6F175D3DCCD1}">
+              <a14:hiddenFill xmlns:a14="http://schemas.microsoft.com/office/drawing/2010/main">
+                <a:solidFill>
+                  <a:srgbClr val="FFFFFF"/>
+                </a:solidFill>
+              </a14:hiddenFill>
+            </a:ext>
+          </a:extLst>
         </p:spPr>
       </p:pic>
     </p:spTree>
@@ -5447,8 +5466,8 @@
         </p:nvSpPr>
         <p:spPr>
           <a:xfrm>
-            <a:off x="1424904" y="2494450"/>
-            <a:ext cx="4053545" cy="3563159"/>
+            <a:off x="1433378" y="2496340"/>
+            <a:ext cx="4517909" cy="3514434"/>
           </a:xfrm>
         </p:spPr>
         <p:txBody>
@@ -5457,24 +5476,24 @@
           </a:bodyPr>
           <a:lstStyle/>
           <a:p>
-            <a:r>
-              <a:rPr lang="en-US" sz="2400" dirty="0"/>
-              <a:t>September 20</a:t>
-            </a:r>
-            <a:r>
-              <a:rPr lang="en-US" sz="2400" baseline="30000" dirty="0"/>
-              <a:t>th</a:t>
-            </a:r>
-            <a:r>
-              <a:rPr lang="en-US" sz="2400" dirty="0"/>
-              <a:t>, 2020 Governor Newsom bans internal combustible engines (ICE) by 2035; no new sales by 2045</a:t>
-            </a:r>
-          </a:p>
-          <a:p>
-            <a:pPr lvl="1"/>
+            <a:pPr marL="0" indent="0">
+              <a:buNone/>
+            </a:pPr>
             <a:r>
               <a:rPr lang="en-US" dirty="0"/>
-              <a:t>Strongest action by far against climate change </a:t>
+              <a:t>In 2019 Policy makers adopt Low Carbon Fuel Standard  (LCFS) for Canada </a:t>
+            </a:r>
+          </a:p>
+          <a:p>
+            <a:r>
+              <a:rPr lang="en-US" dirty="0"/>
+              <a:t>Modeled after California</a:t>
+            </a:r>
+          </a:p>
+          <a:p>
+            <a:r>
+              <a:rPr lang="en-US" dirty="0"/>
+              <a:t>Reduce CO2 emissions in vehicles by fuel source</a:t>
             </a:r>
           </a:p>
         </p:txBody>
@@ -5538,8 +5557,8 @@
         </p:nvSpPr>
         <p:spPr>
           <a:xfrm>
-            <a:off x="960540" y="5515297"/>
-            <a:ext cx="10746557" cy="1431161"/>
+            <a:off x="719830" y="5634321"/>
+            <a:ext cx="10746557" cy="1538883"/>
           </a:xfrm>
           <a:prstGeom prst="rect">
             <a:avLst/>
@@ -5557,11 +5576,7 @@
                 <a:spcPts val="600"/>
               </a:spcAft>
             </a:pPr>
-            <a:r>
-              <a:rPr lang="en-US" b="1" dirty="0"/>
-              <a:t>Question</a:t>
-            </a:r>
-            <a:endParaRPr lang="en-US" dirty="0"/>
+            <a:endParaRPr lang="en-US" b="1" dirty="0"/>
           </a:p>
           <a:p>
             <a:pPr>
@@ -5569,17 +5584,9 @@
                 <a:spcPts val="600"/>
               </a:spcAft>
             </a:pPr>
-            <a:endParaRPr lang="en-US" b="1" dirty="0"/>
-          </a:p>
-          <a:p>
-            <a:pPr>
-              <a:spcAft>
-                <a:spcPts val="600"/>
-              </a:spcAft>
-            </a:pPr>
-            <a:r>
-              <a:rPr lang="en-US" b="1" dirty="0"/>
-              <a:t>What will be the impacts (quantified) of the ban of gasoline engines do the overall California Emissions?</a:t>
+            <a:r>
+              <a:rPr lang="en-US" sz="2400" b="1" dirty="0"/>
+              <a:t>How can one quantify  and predict CO2 emissions in a diverse automotive fleet such as Canada?</a:t>
             </a:r>
           </a:p>
           <a:p>
@@ -7580,8 +7587,8 @@
         </p:nvSpPr>
         <p:spPr bwMode="auto">
           <a:xfrm>
-            <a:off x="466725" y="3074015"/>
-            <a:ext cx="15743412" cy="2400657"/>
+            <a:off x="387144" y="2075556"/>
+            <a:ext cx="21933312" cy="5129096"/>
           </a:xfrm>
           <a:prstGeom prst="rect">
             <a:avLst/>
@@ -7756,1123 +7763,654 @@
             </a:lvl9pPr>
           </a:lstStyle>
           <a:p>
-            <a:pPr marL="342900" marR="0" lvl="0" indent="-342900" algn="l" defTabSz="914400" rtl="0" eaLnBrk="0" fontAlgn="base" latinLnBrk="0" hangingPunct="0">
+            <a:pPr marL="342900" marR="0" lvl="0" indent="-342900">
               <a:lnSpc>
-                <a:spcPct val="100000"/>
+                <a:spcPct val="107000"/>
               </a:lnSpc>
               <a:spcBef>
-                <a:spcPct val="0"/>
+                <a:spcPts val="0"/>
               </a:spcBef>
               <a:spcAft>
-                <a:spcPct val="0"/>
+                <a:spcPts val="800"/>
               </a:spcAft>
-              <a:buClrTx/>
-              <a:buSzTx/>
               <a:buFont typeface="+mj-lt"/>
               <a:buAutoNum type="arabicPeriod"/>
-              <a:tabLst/>
             </a:pPr>
             <a:r>
-              <a:rPr kumimoji="0" lang="en-US" altLang="en-US" sz="1100" b="0" i="0" u="none" strike="noStrike" cap="none" normalizeH="0" baseline="0" dirty="0">
-                <a:ln>
-                  <a:noFill/>
-                </a:ln>
-                <a:solidFill>
-                  <a:schemeClr val="tx1"/>
-                </a:solidFill>
+              <a:rPr lang="en-US" sz="1800" dirty="0">
                 <a:effectLst/>
-                <a:latin typeface="+mn-lt"/>
+                <a:latin typeface="Calibri" panose="020F0502020204030204" pitchFamily="34" charset="0"/>
                 <a:ea typeface="Calibri" panose="020F0502020204030204" pitchFamily="34" charset="0"/>
                 <a:cs typeface="Times New Roman" panose="02020603050405020304" pitchFamily="18" charset="0"/>
               </a:rPr>
-              <a:t>Christie </a:t>
-            </a:r>
-            <a:r>
-              <a:rPr kumimoji="0" lang="en-US" altLang="en-US" sz="1100" b="0" i="0" u="none" strike="noStrike" cap="none" normalizeH="0" baseline="0" dirty="0" err="1">
-                <a:ln>
-                  <a:noFill/>
-                </a:ln>
-                <a:solidFill>
-                  <a:schemeClr val="tx1"/>
-                </a:solidFill>
+              <a:t>(2019). </a:t>
+            </a:r>
+            <a:r>
+              <a:rPr lang="en-US" sz="1800" i="1" dirty="0">
                 <a:effectLst/>
-                <a:latin typeface="+mn-lt"/>
+                <a:latin typeface="Calibri" panose="020F0502020204030204" pitchFamily="34" charset="0"/>
                 <a:ea typeface="Calibri" panose="020F0502020204030204" pitchFamily="34" charset="0"/>
                 <a:cs typeface="Times New Roman" panose="02020603050405020304" pitchFamily="18" charset="0"/>
               </a:rPr>
-              <a:t>Aschwanden</a:t>
-            </a:r>
-            <a:r>
-              <a:rPr kumimoji="0" lang="en-US" altLang="en-US" sz="1100" b="0" i="0" u="none" strike="noStrike" cap="none" normalizeH="0" baseline="0" dirty="0">
-                <a:ln>
-                  <a:noFill/>
-                </a:ln>
-                <a:solidFill>
-                  <a:schemeClr val="tx1"/>
-                </a:solidFill>
+              <a:t>Clean Fuel Standard.</a:t>
+            </a:r>
+            <a:r>
+              <a:rPr lang="en-US" sz="1800" dirty="0">
                 <a:effectLst/>
-                <a:latin typeface="+mn-lt"/>
+                <a:latin typeface="Calibri" panose="020F0502020204030204" pitchFamily="34" charset="0"/>
                 <a:ea typeface="Calibri" panose="020F0502020204030204" pitchFamily="34" charset="0"/>
                 <a:cs typeface="Times New Roman" panose="02020603050405020304" pitchFamily="18" charset="0"/>
               </a:rPr>
-              <a:t>, A. M.-J. (2018, November 16). </a:t>
-            </a:r>
-            <a:r>
-              <a:rPr kumimoji="0" lang="en-US" altLang="en-US" sz="1100" b="0" i="1" u="none" strike="noStrike" cap="none" normalizeH="0" baseline="0" dirty="0">
-                <a:ln>
-                  <a:noFill/>
-                </a:ln>
-                <a:solidFill>
-                  <a:schemeClr val="tx1"/>
-                </a:solidFill>
-                <a:effectLst/>
-                <a:latin typeface="+mn-lt"/>
-                <a:ea typeface="Calibri" panose="020F0502020204030204" pitchFamily="34" charset="0"/>
-                <a:cs typeface="Times New Roman" panose="02020603050405020304" pitchFamily="18" charset="0"/>
-              </a:rPr>
-              <a:t>Why California’s Wildfires Are So Destructive, In 5 Charts</a:t>
-            </a:r>
-            <a:r>
-              <a:rPr kumimoji="0" lang="en-US" altLang="en-US" sz="1100" b="0" i="0" u="none" strike="noStrike" cap="none" normalizeH="0" baseline="0" dirty="0">
-                <a:ln>
-                  <a:noFill/>
-                </a:ln>
-                <a:solidFill>
-                  <a:schemeClr val="tx1"/>
-                </a:solidFill>
-                <a:effectLst/>
-                <a:latin typeface="+mn-lt"/>
-                <a:ea typeface="Calibri" panose="020F0502020204030204" pitchFamily="34" charset="0"/>
-                <a:cs typeface="Times New Roman" panose="02020603050405020304" pitchFamily="18" charset="0"/>
-              </a:rPr>
-              <a:t>. Retrieved from 538: https://fivethirtyeight.com/features/why-californias-wildfires-are-so-destructive-in-5-charts/</a:t>
-            </a:r>
-            <a:endParaRPr kumimoji="0" lang="en-US" altLang="en-US" sz="1100" b="0" i="0" u="none" strike="noStrike" cap="none" normalizeH="0" baseline="0" dirty="0">
-              <a:ln>
-                <a:noFill/>
-              </a:ln>
-              <a:solidFill>
-                <a:schemeClr val="tx1"/>
-              </a:solidFill>
-              <a:effectLst/>
-              <a:latin typeface="+mn-lt"/>
-            </a:endParaRPr>
-          </a:p>
-          <a:p>
-            <a:pPr marL="342900" marR="0" lvl="0" indent="-342900" algn="l" defTabSz="914400" rtl="0" eaLnBrk="0" fontAlgn="base" latinLnBrk="0" hangingPunct="0">
+              <a:t> Environmental Change of Canada . Retrieved from https://www.canada.ca/content/dam/eccc/documents/pdf/climate-change/pricing-pollution/Clean-fuel-standard-proposed-regulatory-approach.pdf</a:t>
+            </a:r>
+          </a:p>
+          <a:p>
+            <a:pPr marL="342900" marR="0" lvl="0" indent="-342900">
               <a:lnSpc>
-                <a:spcPct val="100000"/>
+                <a:spcPct val="107000"/>
               </a:lnSpc>
               <a:spcBef>
-                <a:spcPct val="0"/>
+                <a:spcPts val="0"/>
               </a:spcBef>
               <a:spcAft>
-                <a:spcPct val="0"/>
+                <a:spcPts val="800"/>
               </a:spcAft>
-              <a:buClrTx/>
-              <a:buSzTx/>
               <a:buFont typeface="+mj-lt"/>
               <a:buAutoNum type="arabicPeriod"/>
-              <a:tabLst/>
             </a:pPr>
             <a:r>
-              <a:rPr kumimoji="0" lang="en-US" altLang="en-US" sz="1100" b="0" i="0" u="none" strike="noStrike" cap="none" normalizeH="0" baseline="0" dirty="0" err="1">
-                <a:ln>
-                  <a:noFill/>
-                </a:ln>
-                <a:solidFill>
-                  <a:schemeClr val="tx1"/>
-                </a:solidFill>
+              <a:rPr lang="en-US" sz="1800" dirty="0" err="1">
                 <a:effectLst/>
-                <a:latin typeface="+mn-lt"/>
+                <a:latin typeface="Calibri" panose="020F0502020204030204" pitchFamily="34" charset="0"/>
                 <a:ea typeface="Calibri" panose="020F0502020204030204" pitchFamily="34" charset="0"/>
                 <a:cs typeface="Times New Roman" panose="02020603050405020304" pitchFamily="18" charset="0"/>
               </a:rPr>
               <a:t>Fontaras</a:t>
             </a:r>
             <a:r>
-              <a:rPr kumimoji="0" lang="en-US" altLang="en-US" sz="1100" b="0" i="0" u="none" strike="noStrike" cap="none" normalizeH="0" baseline="0" dirty="0">
-                <a:ln>
-                  <a:noFill/>
-                </a:ln>
-                <a:solidFill>
-                  <a:schemeClr val="tx1"/>
-                </a:solidFill>
+              <a:rPr lang="en-US" sz="1800" dirty="0">
                 <a:effectLst/>
-                <a:latin typeface="+mn-lt"/>
+                <a:latin typeface="Calibri" panose="020F0502020204030204" pitchFamily="34" charset="0"/>
                 <a:ea typeface="Calibri" panose="020F0502020204030204" pitchFamily="34" charset="0"/>
                 <a:cs typeface="Times New Roman" panose="02020603050405020304" pitchFamily="18" charset="0"/>
               </a:rPr>
               <a:t>, G., &amp; </a:t>
             </a:r>
             <a:r>
-              <a:rPr kumimoji="0" lang="en-US" altLang="en-US" sz="1100" b="0" i="0" u="none" strike="noStrike" cap="none" normalizeH="0" baseline="0" dirty="0" err="1">
-                <a:ln>
-                  <a:noFill/>
-                </a:ln>
-                <a:solidFill>
-                  <a:schemeClr val="tx1"/>
-                </a:solidFill>
+              <a:rPr lang="en-US" sz="1800" dirty="0" err="1">
                 <a:effectLst/>
-                <a:latin typeface="+mn-lt"/>
+                <a:latin typeface="Calibri" panose="020F0502020204030204" pitchFamily="34" charset="0"/>
                 <a:ea typeface="Calibri" panose="020F0502020204030204" pitchFamily="34" charset="0"/>
                 <a:cs typeface="Times New Roman" panose="02020603050405020304" pitchFamily="18" charset="0"/>
               </a:rPr>
               <a:t>Panagiota</a:t>
             </a:r>
             <a:r>
-              <a:rPr kumimoji="0" lang="en-US" altLang="en-US" sz="1100" b="0" i="0" u="none" strike="noStrike" cap="none" normalizeH="0" baseline="0" dirty="0">
-                <a:ln>
-                  <a:noFill/>
-                </a:ln>
-                <a:solidFill>
-                  <a:schemeClr val="tx1"/>
-                </a:solidFill>
+              <a:rPr lang="en-US" sz="1800" dirty="0">
                 <a:effectLst/>
-                <a:latin typeface="+mn-lt"/>
+                <a:latin typeface="Calibri" panose="020F0502020204030204" pitchFamily="34" charset="0"/>
                 <a:ea typeface="Calibri" panose="020F0502020204030204" pitchFamily="34" charset="0"/>
                 <a:cs typeface="Times New Roman" panose="02020603050405020304" pitchFamily="18" charset="0"/>
               </a:rPr>
               <a:t>, D. (2011). The evolution of European passenger car characteristics 2000–2010 and its effects on real-world CO 2 emissions and CO 2 reduction policy . </a:t>
             </a:r>
             <a:r>
-              <a:rPr kumimoji="0" lang="en-US" altLang="en-US" sz="1100" b="0" i="1" u="none" strike="noStrike" cap="none" normalizeH="0" baseline="0" dirty="0">
-                <a:ln>
-                  <a:noFill/>
-                </a:ln>
-                <a:solidFill>
-                  <a:schemeClr val="tx1"/>
-                </a:solidFill>
+              <a:rPr lang="en-US" sz="1800" i="1" dirty="0">
                 <a:effectLst/>
-                <a:latin typeface="+mn-lt"/>
+                <a:latin typeface="Calibri" panose="020F0502020204030204" pitchFamily="34" charset="0"/>
                 <a:ea typeface="Calibri" panose="020F0502020204030204" pitchFamily="34" charset="0"/>
                 <a:cs typeface="Times New Roman" panose="02020603050405020304" pitchFamily="18" charset="0"/>
               </a:rPr>
               <a:t>Energy Policy</a:t>
             </a:r>
             <a:r>
-              <a:rPr kumimoji="0" lang="en-US" altLang="en-US" sz="1100" b="0" i="0" u="none" strike="noStrike" cap="none" normalizeH="0" baseline="0" dirty="0">
-                <a:ln>
-                  <a:noFill/>
-                </a:ln>
-                <a:solidFill>
-                  <a:schemeClr val="tx1"/>
-                </a:solidFill>
+              <a:rPr lang="en-US" sz="1800" dirty="0">
                 <a:effectLst/>
-                <a:latin typeface="+mn-lt"/>
+                <a:latin typeface="Calibri" panose="020F0502020204030204" pitchFamily="34" charset="0"/>
                 <a:ea typeface="Calibri" panose="020F0502020204030204" pitchFamily="34" charset="0"/>
                 <a:cs typeface="Times New Roman" panose="02020603050405020304" pitchFamily="18" charset="0"/>
               </a:rPr>
               <a:t>.</a:t>
             </a:r>
-            <a:endParaRPr kumimoji="0" lang="en-US" altLang="en-US" sz="1100" b="0" i="0" u="none" strike="noStrike" cap="none" normalizeH="0" baseline="0" dirty="0">
-              <a:ln>
-                <a:noFill/>
-              </a:ln>
-              <a:solidFill>
-                <a:schemeClr val="tx1"/>
-              </a:solidFill>
-              <a:effectLst/>
-              <a:latin typeface="+mn-lt"/>
-            </a:endParaRPr>
-          </a:p>
-          <a:p>
-            <a:pPr marL="342900" marR="0" lvl="0" indent="-342900" algn="l" defTabSz="914400" rtl="0" eaLnBrk="0" fontAlgn="base" latinLnBrk="0" hangingPunct="0">
+          </a:p>
+          <a:p>
+            <a:pPr marL="342900" marR="0" lvl="0" indent="-342900">
               <a:lnSpc>
-                <a:spcPct val="100000"/>
+                <a:spcPct val="107000"/>
               </a:lnSpc>
               <a:spcBef>
-                <a:spcPct val="0"/>
+                <a:spcPts val="0"/>
               </a:spcBef>
               <a:spcAft>
-                <a:spcPct val="0"/>
+                <a:spcPts val="800"/>
               </a:spcAft>
-              <a:buClrTx/>
-              <a:buSzTx/>
               <a:buFont typeface="+mj-lt"/>
               <a:buAutoNum type="arabicPeriod"/>
-              <a:tabLst/>
             </a:pPr>
             <a:r>
-              <a:rPr kumimoji="0" lang="en-US" altLang="en-US" sz="1100" b="0" i="0" u="none" strike="noStrike" cap="none" normalizeH="0" baseline="0" dirty="0">
-                <a:ln>
-                  <a:noFill/>
-                </a:ln>
-                <a:solidFill>
-                  <a:schemeClr val="tx1"/>
-                </a:solidFill>
+              <a:rPr lang="en-US" sz="1800" dirty="0">
                 <a:effectLst/>
-                <a:latin typeface="+mn-lt"/>
+                <a:latin typeface="Calibri" panose="020F0502020204030204" pitchFamily="34" charset="0"/>
                 <a:ea typeface="Calibri" panose="020F0502020204030204" pitchFamily="34" charset="0"/>
                 <a:cs typeface="Times New Roman" panose="02020603050405020304" pitchFamily="18" charset="0"/>
               </a:rPr>
               <a:t>G. </a:t>
             </a:r>
             <a:r>
-              <a:rPr kumimoji="0" lang="en-US" altLang="en-US" sz="1100" b="0" i="0" u="none" strike="noStrike" cap="none" normalizeH="0" baseline="0" dirty="0" err="1">
-                <a:ln>
-                  <a:noFill/>
-                </a:ln>
-                <a:solidFill>
-                  <a:schemeClr val="tx1"/>
-                </a:solidFill>
+              <a:rPr lang="en-US" sz="1800" dirty="0" err="1">
                 <a:effectLst/>
-                <a:latin typeface="+mn-lt"/>
+                <a:latin typeface="Calibri" panose="020F0502020204030204" pitchFamily="34" charset="0"/>
                 <a:ea typeface="Calibri" panose="020F0502020204030204" pitchFamily="34" charset="0"/>
                 <a:cs typeface="Times New Roman" panose="02020603050405020304" pitchFamily="18" charset="0"/>
               </a:rPr>
               <a:t>Mellios</a:t>
             </a:r>
             <a:r>
-              <a:rPr kumimoji="0" lang="en-US" altLang="en-US" sz="1100" b="0" i="0" u="none" strike="noStrike" cap="none" normalizeH="0" baseline="0" dirty="0">
-                <a:ln>
-                  <a:noFill/>
-                </a:ln>
-                <a:solidFill>
-                  <a:schemeClr val="tx1"/>
-                </a:solidFill>
+              <a:rPr lang="en-US" sz="1800" dirty="0">
                 <a:effectLst/>
-                <a:latin typeface="+mn-lt"/>
+                <a:latin typeface="Calibri" panose="020F0502020204030204" pitchFamily="34" charset="0"/>
                 <a:ea typeface="Calibri" panose="020F0502020204030204" pitchFamily="34" charset="0"/>
                 <a:cs typeface="Times New Roman" panose="02020603050405020304" pitchFamily="18" charset="0"/>
               </a:rPr>
               <a:t>, S. H. (2011). </a:t>
             </a:r>
             <a:r>
-              <a:rPr kumimoji="0" lang="en-US" altLang="en-US" sz="1100" b="0" i="0" u="none" strike="noStrike" cap="none" normalizeH="0" baseline="0" dirty="0" err="1">
-                <a:ln>
-                  <a:noFill/>
-                </a:ln>
-                <a:solidFill>
-                  <a:schemeClr val="tx1"/>
-                </a:solidFill>
+              <a:rPr lang="en-US" sz="1800" dirty="0" err="1">
                 <a:effectLst/>
-                <a:latin typeface="+mn-lt"/>
+                <a:latin typeface="Calibri" panose="020F0502020204030204" pitchFamily="34" charset="0"/>
                 <a:ea typeface="Calibri" panose="020F0502020204030204" pitchFamily="34" charset="0"/>
                 <a:cs typeface="Times New Roman" panose="02020603050405020304" pitchFamily="18" charset="0"/>
               </a:rPr>
               <a:t>Parameterisation</a:t>
             </a:r>
             <a:r>
-              <a:rPr kumimoji="0" lang="en-US" altLang="en-US" sz="1100" b="0" i="0" u="none" strike="noStrike" cap="none" normalizeH="0" baseline="0" dirty="0">
-                <a:ln>
-                  <a:noFill/>
-                </a:ln>
-                <a:solidFill>
-                  <a:schemeClr val="tx1"/>
-                </a:solidFill>
+              <a:rPr lang="en-US" sz="1800" dirty="0">
                 <a:effectLst/>
-                <a:latin typeface="+mn-lt"/>
+                <a:latin typeface="Calibri" panose="020F0502020204030204" pitchFamily="34" charset="0"/>
                 <a:ea typeface="Calibri" panose="020F0502020204030204" pitchFamily="34" charset="0"/>
                 <a:cs typeface="Times New Roman" panose="02020603050405020304" pitchFamily="18" charset="0"/>
               </a:rPr>
               <a:t> of fuel consumption and CO 2. </a:t>
             </a:r>
             <a:r>
-              <a:rPr kumimoji="0" lang="en-US" altLang="en-US" sz="1100" b="0" i="1" u="none" strike="noStrike" cap="none" normalizeH="0" baseline="0" dirty="0">
-                <a:ln>
-                  <a:noFill/>
-                </a:ln>
-                <a:solidFill>
-                  <a:schemeClr val="tx1"/>
-                </a:solidFill>
+              <a:rPr lang="en-US" sz="1800" i="1" dirty="0">
                 <a:effectLst/>
-                <a:latin typeface="+mn-lt"/>
+                <a:latin typeface="Calibri" panose="020F0502020204030204" pitchFamily="34" charset="0"/>
                 <a:ea typeface="Calibri" panose="020F0502020204030204" pitchFamily="34" charset="0"/>
                 <a:cs typeface="Times New Roman" panose="02020603050405020304" pitchFamily="18" charset="0"/>
               </a:rPr>
               <a:t>JRC Scientific and Technical Reports</a:t>
             </a:r>
             <a:r>
-              <a:rPr kumimoji="0" lang="en-US" altLang="en-US" sz="1100" b="0" i="0" u="none" strike="noStrike" cap="none" normalizeH="0" baseline="0" dirty="0">
-                <a:ln>
-                  <a:noFill/>
-                </a:ln>
-                <a:solidFill>
-                  <a:schemeClr val="tx1"/>
-                </a:solidFill>
+              <a:rPr lang="en-US" sz="1800" dirty="0">
                 <a:effectLst/>
-                <a:latin typeface="+mn-lt"/>
+                <a:latin typeface="Calibri" panose="020F0502020204030204" pitchFamily="34" charset="0"/>
                 <a:ea typeface="Calibri" panose="020F0502020204030204" pitchFamily="34" charset="0"/>
                 <a:cs typeface="Times New Roman" panose="02020603050405020304" pitchFamily="18" charset="0"/>
               </a:rPr>
               <a:t>.</a:t>
             </a:r>
-            <a:endParaRPr kumimoji="0" lang="en-US" altLang="en-US" sz="1100" b="0" i="0" u="none" strike="noStrike" cap="none" normalizeH="0" baseline="0" dirty="0">
-              <a:ln>
-                <a:noFill/>
-              </a:ln>
-              <a:solidFill>
-                <a:schemeClr val="tx1"/>
-              </a:solidFill>
-              <a:effectLst/>
-              <a:latin typeface="+mn-lt"/>
-            </a:endParaRPr>
-          </a:p>
-          <a:p>
-            <a:pPr marL="342900" marR="0" lvl="0" indent="-342900" algn="l" defTabSz="914400" rtl="0" eaLnBrk="0" fontAlgn="base" latinLnBrk="0" hangingPunct="0">
+          </a:p>
+          <a:p>
+            <a:pPr marL="342900" marR="0" lvl="0" indent="-342900">
               <a:lnSpc>
-                <a:spcPct val="100000"/>
+                <a:spcPct val="107000"/>
               </a:lnSpc>
               <a:spcBef>
-                <a:spcPct val="0"/>
+                <a:spcPts val="0"/>
               </a:spcBef>
               <a:spcAft>
-                <a:spcPct val="0"/>
+                <a:spcPts val="800"/>
               </a:spcAft>
-              <a:buClrTx/>
-              <a:buSzTx/>
               <a:buFont typeface="+mj-lt"/>
               <a:buAutoNum type="arabicPeriod"/>
-              <a:tabLst/>
             </a:pPr>
             <a:r>
-              <a:rPr kumimoji="0" lang="en-US" altLang="en-US" sz="1100" b="0" i="0" u="none" strike="noStrike" cap="none" normalizeH="0" baseline="0" dirty="0">
-                <a:ln>
-                  <a:noFill/>
-                </a:ln>
-                <a:solidFill>
-                  <a:schemeClr val="tx1"/>
-                </a:solidFill>
+              <a:rPr lang="en-US" sz="1800" i="1" dirty="0">
                 <a:effectLst/>
-                <a:latin typeface="+mn-lt"/>
+                <a:latin typeface="Calibri" panose="020F0502020204030204" pitchFamily="34" charset="0"/>
+                <a:ea typeface="Calibri" panose="020F0502020204030204" pitchFamily="34" charset="0"/>
+                <a:cs typeface="Times New Roman" panose="02020603050405020304" pitchFamily="18" charset="0"/>
+              </a:rPr>
+              <a:t>Government du Canada </a:t>
+            </a:r>
+            <a:r>
+              <a:rPr lang="en-US" sz="1800" dirty="0">
+                <a:effectLst/>
+                <a:latin typeface="Calibri" panose="020F0502020204030204" pitchFamily="34" charset="0"/>
+                <a:ea typeface="Calibri" panose="020F0502020204030204" pitchFamily="34" charset="0"/>
+                <a:cs typeface="Times New Roman" panose="02020603050405020304" pitchFamily="18" charset="0"/>
+              </a:rPr>
+              <a:t>. (n.d.). Retrieved from Energy and the economy: https://www.nrcan.gc.ca/science-data/data-analysis/energy-data-analysis/energy-facts/energy-and-economy/20062</a:t>
+            </a:r>
+          </a:p>
+          <a:p>
+            <a:pPr marL="342900" marR="0" lvl="0" indent="-342900">
+              <a:lnSpc>
+                <a:spcPct val="107000"/>
+              </a:lnSpc>
+              <a:spcBef>
+                <a:spcPts val="0"/>
+              </a:spcBef>
+              <a:spcAft>
+                <a:spcPts val="800"/>
+              </a:spcAft>
+              <a:buFont typeface="+mj-lt"/>
+              <a:buAutoNum type="arabicPeriod"/>
+            </a:pPr>
+            <a:r>
+              <a:rPr lang="en-US" sz="1800" dirty="0">
+                <a:effectLst/>
+                <a:latin typeface="Calibri" panose="020F0502020204030204" pitchFamily="34" charset="0"/>
                 <a:ea typeface="Calibri" panose="020F0502020204030204" pitchFamily="34" charset="0"/>
                 <a:cs typeface="Times New Roman" panose="02020603050405020304" pitchFamily="18" charset="0"/>
               </a:rPr>
               <a:t>Hope, C., &amp; </a:t>
             </a:r>
             <a:r>
-              <a:rPr kumimoji="0" lang="en-US" altLang="en-US" sz="1100" b="0" i="0" u="none" strike="noStrike" cap="none" normalizeH="0" baseline="0" dirty="0" err="1">
-                <a:ln>
-                  <a:noFill/>
-                </a:ln>
-                <a:solidFill>
-                  <a:schemeClr val="tx1"/>
-                </a:solidFill>
+              <a:rPr lang="en-US" sz="1800" dirty="0" err="1">
                 <a:effectLst/>
-                <a:latin typeface="+mn-lt"/>
+                <a:latin typeface="Calibri" panose="020F0502020204030204" pitchFamily="34" charset="0"/>
                 <a:ea typeface="Calibri" panose="020F0502020204030204" pitchFamily="34" charset="0"/>
                 <a:cs typeface="Times New Roman" panose="02020603050405020304" pitchFamily="18" charset="0"/>
               </a:rPr>
               <a:t>Alberth</a:t>
             </a:r>
             <a:r>
-              <a:rPr kumimoji="0" lang="en-US" altLang="en-US" sz="1100" b="0" i="0" u="none" strike="noStrike" cap="none" normalizeH="0" baseline="0" dirty="0">
-                <a:ln>
-                  <a:noFill/>
-                </a:ln>
-                <a:solidFill>
-                  <a:schemeClr val="tx1"/>
-                </a:solidFill>
+              <a:rPr lang="en-US" sz="1800" dirty="0">
                 <a:effectLst/>
-                <a:latin typeface="+mn-lt"/>
+                <a:latin typeface="Calibri" panose="020F0502020204030204" pitchFamily="34" charset="0"/>
                 <a:ea typeface="Calibri" panose="020F0502020204030204" pitchFamily="34" charset="0"/>
                 <a:cs typeface="Times New Roman" panose="02020603050405020304" pitchFamily="18" charset="0"/>
               </a:rPr>
               <a:t>, S. (2008). </a:t>
             </a:r>
             <a:r>
-              <a:rPr kumimoji="0" lang="en-US" altLang="en-US" sz="1100" b="0" i="1" u="none" strike="noStrike" cap="none" normalizeH="0" baseline="0" dirty="0">
-                <a:ln>
-                  <a:noFill/>
-                </a:ln>
-                <a:solidFill>
-                  <a:schemeClr val="tx1"/>
-                </a:solidFill>
+              <a:rPr lang="en-US" sz="1800" i="1" dirty="0">
                 <a:effectLst/>
-                <a:latin typeface="+mn-lt"/>
+                <a:latin typeface="Calibri" panose="020F0502020204030204" pitchFamily="34" charset="0"/>
                 <a:ea typeface="Calibri" panose="020F0502020204030204" pitchFamily="34" charset="0"/>
                 <a:cs typeface="Times New Roman" panose="02020603050405020304" pitchFamily="18" charset="0"/>
               </a:rPr>
               <a:t>The Cost of Climate Change: What We’ll Pay if Global Warming.</a:t>
             </a:r>
             <a:r>
-              <a:rPr kumimoji="0" lang="en-US" altLang="en-US" sz="1100" b="0" i="0" u="none" strike="noStrike" cap="none" normalizeH="0" baseline="0" dirty="0">
-                <a:ln>
-                  <a:noFill/>
-                </a:ln>
-                <a:solidFill>
-                  <a:schemeClr val="tx1"/>
-                </a:solidFill>
+              <a:rPr lang="en-US" sz="1800" dirty="0">
                 <a:effectLst/>
-                <a:latin typeface="+mn-lt"/>
+                <a:latin typeface="Calibri" panose="020F0502020204030204" pitchFamily="34" charset="0"/>
                 <a:ea typeface="Calibri" panose="020F0502020204030204" pitchFamily="34" charset="0"/>
                 <a:cs typeface="Times New Roman" panose="02020603050405020304" pitchFamily="18" charset="0"/>
               </a:rPr>
               <a:t> NRDC.</a:t>
             </a:r>
-            <a:endParaRPr kumimoji="0" lang="en-US" altLang="en-US" sz="1100" b="0" i="0" u="none" strike="noStrike" cap="none" normalizeH="0" baseline="0" dirty="0">
-              <a:ln>
-                <a:noFill/>
-              </a:ln>
-              <a:solidFill>
-                <a:schemeClr val="tx1"/>
-              </a:solidFill>
-              <a:effectLst/>
-              <a:latin typeface="+mn-lt"/>
-            </a:endParaRPr>
-          </a:p>
-          <a:p>
-            <a:pPr marL="342900" marR="0" lvl="0" indent="-342900" algn="l" defTabSz="914400" rtl="0" eaLnBrk="0" fontAlgn="base" latinLnBrk="0" hangingPunct="0">
+          </a:p>
+          <a:p>
+            <a:pPr marL="342900" marR="0" lvl="0" indent="-342900">
               <a:lnSpc>
-                <a:spcPct val="100000"/>
+                <a:spcPct val="107000"/>
               </a:lnSpc>
               <a:spcBef>
-                <a:spcPct val="0"/>
+                <a:spcPts val="0"/>
               </a:spcBef>
               <a:spcAft>
-                <a:spcPct val="0"/>
+                <a:spcPts val="800"/>
               </a:spcAft>
-              <a:buClrTx/>
-              <a:buSzTx/>
               <a:buFont typeface="+mj-lt"/>
               <a:buAutoNum type="arabicPeriod"/>
-              <a:tabLst/>
             </a:pPr>
             <a:r>
-              <a:rPr kumimoji="0" lang="en-US" altLang="en-US" sz="1100" b="0" i="0" u="none" strike="noStrike" cap="none" normalizeH="0" baseline="0" dirty="0">
-                <a:ln>
-                  <a:noFill/>
-                </a:ln>
-                <a:solidFill>
-                  <a:schemeClr val="tx1"/>
-                </a:solidFill>
+              <a:rPr lang="en-US" sz="1800" dirty="0">
                 <a:effectLst/>
-                <a:latin typeface="+mn-lt"/>
+                <a:latin typeface="Calibri" panose="020F0502020204030204" pitchFamily="34" charset="0"/>
                 <a:ea typeface="Calibri" panose="020F0502020204030204" pitchFamily="34" charset="0"/>
                 <a:cs typeface="Times New Roman" panose="02020603050405020304" pitchFamily="18" charset="0"/>
               </a:rPr>
               <a:t>J.A. </a:t>
             </a:r>
             <a:r>
-              <a:rPr kumimoji="0" lang="en-US" altLang="en-US" sz="1100" b="0" i="0" u="none" strike="noStrike" cap="none" normalizeH="0" baseline="0" dirty="0" err="1">
-                <a:ln>
-                  <a:noFill/>
-                </a:ln>
-                <a:solidFill>
-                  <a:schemeClr val="tx1"/>
-                </a:solidFill>
+              <a:rPr lang="en-US" sz="1800" dirty="0" err="1">
                 <a:effectLst/>
-                <a:latin typeface="+mn-lt"/>
+                <a:latin typeface="Calibri" panose="020F0502020204030204" pitchFamily="34" charset="0"/>
                 <a:ea typeface="Calibri" panose="020F0502020204030204" pitchFamily="34" charset="0"/>
                 <a:cs typeface="Times New Roman" panose="02020603050405020304" pitchFamily="18" charset="0"/>
               </a:rPr>
               <a:t>Paravantis</a:t>
             </a:r>
             <a:r>
-              <a:rPr kumimoji="0" lang="en-US" altLang="en-US" sz="1100" b="0" i="0" u="none" strike="noStrike" cap="none" normalizeH="0" baseline="0" dirty="0">
-                <a:ln>
-                  <a:noFill/>
-                </a:ln>
-                <a:solidFill>
-                  <a:schemeClr val="tx1"/>
-                </a:solidFill>
+              <a:rPr lang="en-US" sz="1800" dirty="0">
                 <a:effectLst/>
-                <a:latin typeface="+mn-lt"/>
+                <a:latin typeface="Calibri" panose="020F0502020204030204" pitchFamily="34" charset="0"/>
                 <a:ea typeface="Calibri" panose="020F0502020204030204" pitchFamily="34" charset="0"/>
                 <a:cs typeface="Times New Roman" panose="02020603050405020304" pitchFamily="18" charset="0"/>
               </a:rPr>
               <a:t> *, D. G. (2006). Trends in energy consumption and carbon dioxide emissions. </a:t>
             </a:r>
             <a:r>
-              <a:rPr kumimoji="0" lang="en-US" altLang="en-US" sz="1100" b="0" i="1" u="none" strike="noStrike" cap="none" normalizeH="0" baseline="0" dirty="0">
-                <a:ln>
-                  <a:noFill/>
-                </a:ln>
-                <a:solidFill>
-                  <a:schemeClr val="tx1"/>
-                </a:solidFill>
+              <a:rPr lang="en-US" sz="1800" i="1" dirty="0">
                 <a:effectLst/>
-                <a:latin typeface="+mn-lt"/>
+                <a:latin typeface="Calibri" panose="020F0502020204030204" pitchFamily="34" charset="0"/>
                 <a:ea typeface="Calibri" panose="020F0502020204030204" pitchFamily="34" charset="0"/>
                 <a:cs typeface="Times New Roman" panose="02020603050405020304" pitchFamily="18" charset="0"/>
               </a:rPr>
               <a:t>Technology in Forecasting and Societal Change</a:t>
             </a:r>
             <a:r>
-              <a:rPr kumimoji="0" lang="en-US" altLang="en-US" sz="1100" b="0" i="0" u="none" strike="noStrike" cap="none" normalizeH="0" baseline="0" dirty="0">
-                <a:ln>
-                  <a:noFill/>
-                </a:ln>
-                <a:solidFill>
-                  <a:schemeClr val="tx1"/>
-                </a:solidFill>
+              <a:rPr lang="en-US" sz="1800" dirty="0">
                 <a:effectLst/>
-                <a:latin typeface="+mn-lt"/>
+                <a:latin typeface="Calibri" panose="020F0502020204030204" pitchFamily="34" charset="0"/>
                 <a:ea typeface="Calibri" panose="020F0502020204030204" pitchFamily="34" charset="0"/>
                 <a:cs typeface="Times New Roman" panose="02020603050405020304" pitchFamily="18" charset="0"/>
               </a:rPr>
               <a:t>.</a:t>
             </a:r>
-            <a:endParaRPr kumimoji="0" lang="en-US" altLang="en-US" sz="1100" b="0" i="0" u="none" strike="noStrike" cap="none" normalizeH="0" baseline="0" dirty="0">
-              <a:ln>
-                <a:noFill/>
-              </a:ln>
-              <a:solidFill>
-                <a:schemeClr val="tx1"/>
-              </a:solidFill>
-              <a:effectLst/>
-              <a:latin typeface="+mn-lt"/>
-            </a:endParaRPr>
-          </a:p>
-          <a:p>
-            <a:pPr marL="342900" marR="0" lvl="0" indent="-342900" algn="l" defTabSz="914400" rtl="0" eaLnBrk="0" fontAlgn="base" latinLnBrk="0" hangingPunct="0">
+          </a:p>
+          <a:p>
+            <a:pPr marL="342900" marR="0" lvl="0" indent="-342900">
               <a:lnSpc>
-                <a:spcPct val="100000"/>
+                <a:spcPct val="107000"/>
               </a:lnSpc>
               <a:spcBef>
-                <a:spcPct val="0"/>
+                <a:spcPts val="0"/>
               </a:spcBef>
               <a:spcAft>
-                <a:spcPct val="0"/>
+                <a:spcPts val="800"/>
               </a:spcAft>
-              <a:buClrTx/>
-              <a:buSzTx/>
               <a:buFont typeface="+mj-lt"/>
               <a:buAutoNum type="arabicPeriod"/>
-              <a:tabLst/>
             </a:pPr>
             <a:r>
-              <a:rPr kumimoji="0" lang="en-US" altLang="en-US" sz="1100" b="0" i="0" u="none" strike="noStrike" cap="none" normalizeH="0" baseline="0" dirty="0">
-                <a:ln>
-                  <a:noFill/>
-                </a:ln>
-                <a:solidFill>
-                  <a:schemeClr val="tx1"/>
-                </a:solidFill>
+              <a:rPr lang="en-US" sz="1800" dirty="0">
                 <a:effectLst/>
-                <a:latin typeface="+mn-lt"/>
+                <a:latin typeface="Calibri" panose="020F0502020204030204" pitchFamily="34" charset="0"/>
                 <a:ea typeface="Calibri" panose="020F0502020204030204" pitchFamily="34" charset="0"/>
                 <a:cs typeface="Times New Roman" panose="02020603050405020304" pitchFamily="18" charset="0"/>
               </a:rPr>
               <a:t>Kevin R. Gurney, I. R. (2012). Quantification of Fossil Fuel CO 2 Emissions on the Building/Street. </a:t>
             </a:r>
             <a:r>
-              <a:rPr kumimoji="0" lang="en-US" altLang="en-US" sz="1100" b="0" i="1" u="none" strike="noStrike" cap="none" normalizeH="0" baseline="0" dirty="0">
-                <a:ln>
-                  <a:noFill/>
-                </a:ln>
-                <a:solidFill>
-                  <a:schemeClr val="tx1"/>
-                </a:solidFill>
+              <a:rPr lang="en-US" sz="1800" i="1" dirty="0">
                 <a:effectLst/>
-                <a:latin typeface="+mn-lt"/>
+                <a:latin typeface="Calibri" panose="020F0502020204030204" pitchFamily="34" charset="0"/>
                 <a:ea typeface="Calibri" panose="020F0502020204030204" pitchFamily="34" charset="0"/>
                 <a:cs typeface="Times New Roman" panose="02020603050405020304" pitchFamily="18" charset="0"/>
               </a:rPr>
               <a:t>Environmental Science and Technology</a:t>
             </a:r>
             <a:r>
-              <a:rPr kumimoji="0" lang="en-US" altLang="en-US" sz="1100" b="0" i="0" u="none" strike="noStrike" cap="none" normalizeH="0" baseline="0" dirty="0">
-                <a:ln>
-                  <a:noFill/>
-                </a:ln>
-                <a:solidFill>
-                  <a:schemeClr val="tx1"/>
-                </a:solidFill>
+              <a:rPr lang="en-US" sz="1800" dirty="0">
                 <a:effectLst/>
-                <a:latin typeface="+mn-lt"/>
+                <a:latin typeface="Calibri" panose="020F0502020204030204" pitchFamily="34" charset="0"/>
                 <a:ea typeface="Calibri" panose="020F0502020204030204" pitchFamily="34" charset="0"/>
                 <a:cs typeface="Times New Roman" panose="02020603050405020304" pitchFamily="18" charset="0"/>
               </a:rPr>
               <a:t>.</a:t>
             </a:r>
-            <a:endParaRPr kumimoji="0" lang="en-US" altLang="en-US" sz="1100" b="0" i="0" u="none" strike="noStrike" cap="none" normalizeH="0" baseline="0" dirty="0">
-              <a:ln>
-                <a:noFill/>
-              </a:ln>
-              <a:solidFill>
-                <a:schemeClr val="tx1"/>
-              </a:solidFill>
-              <a:effectLst/>
-              <a:latin typeface="+mn-lt"/>
-            </a:endParaRPr>
-          </a:p>
-          <a:p>
-            <a:pPr marL="342900" marR="0" lvl="0" indent="-342900" algn="l" defTabSz="914400" rtl="0" eaLnBrk="0" fontAlgn="base" latinLnBrk="0" hangingPunct="0">
+          </a:p>
+          <a:p>
+            <a:pPr marL="342900" marR="0" lvl="0" indent="-342900">
               <a:lnSpc>
-                <a:spcPct val="100000"/>
+                <a:spcPct val="107000"/>
               </a:lnSpc>
               <a:spcBef>
-                <a:spcPct val="0"/>
+                <a:spcPts val="0"/>
               </a:spcBef>
               <a:spcAft>
-                <a:spcPct val="0"/>
+                <a:spcPts val="800"/>
               </a:spcAft>
-              <a:buClrTx/>
-              <a:buSzTx/>
               <a:buFont typeface="+mj-lt"/>
               <a:buAutoNum type="arabicPeriod"/>
-              <a:tabLst/>
             </a:pPr>
             <a:r>
-              <a:rPr kumimoji="0" lang="en-US" altLang="en-US" sz="1100" b="0" i="0" u="none" strike="noStrike" cap="none" normalizeH="0" baseline="0" dirty="0" err="1">
-                <a:ln>
-                  <a:noFill/>
-                </a:ln>
-                <a:solidFill>
-                  <a:schemeClr val="tx1"/>
-                </a:solidFill>
+              <a:rPr lang="en-US" sz="1800" dirty="0" err="1">
                 <a:effectLst/>
-                <a:latin typeface="+mn-lt"/>
+                <a:latin typeface="Calibri" panose="020F0502020204030204" pitchFamily="34" charset="0"/>
                 <a:ea typeface="Calibri" panose="020F0502020204030204" pitchFamily="34" charset="0"/>
                 <a:cs typeface="Times New Roman" panose="02020603050405020304" pitchFamily="18" charset="0"/>
               </a:rPr>
               <a:t>Kii</a:t>
             </a:r>
             <a:r>
-              <a:rPr kumimoji="0" lang="en-US" altLang="en-US" sz="1100" b="0" i="0" u="none" strike="noStrike" cap="none" normalizeH="0" baseline="0" dirty="0">
-                <a:ln>
-                  <a:noFill/>
-                </a:ln>
-                <a:solidFill>
-                  <a:schemeClr val="tx1"/>
-                </a:solidFill>
+              <a:rPr lang="en-US" sz="1800" dirty="0">
                 <a:effectLst/>
-                <a:latin typeface="+mn-lt"/>
+                <a:latin typeface="Calibri" panose="020F0502020204030204" pitchFamily="34" charset="0"/>
                 <a:ea typeface="Calibri" panose="020F0502020204030204" pitchFamily="34" charset="0"/>
                 <a:cs typeface="Times New Roman" panose="02020603050405020304" pitchFamily="18" charset="0"/>
               </a:rPr>
               <a:t>, M. (2020). Reductions in CO 2 Emissions from Passenger Cars in Japan under Population and Technology. </a:t>
             </a:r>
             <a:r>
-              <a:rPr kumimoji="0" lang="en-US" altLang="en-US" sz="1100" b="0" i="1" u="none" strike="noStrike" cap="none" normalizeH="0" baseline="0" dirty="0">
-                <a:ln>
-                  <a:noFill/>
-                </a:ln>
-                <a:solidFill>
-                  <a:schemeClr val="tx1"/>
-                </a:solidFill>
+              <a:rPr lang="en-US" sz="1800" i="1" dirty="0">
                 <a:effectLst/>
-                <a:latin typeface="+mn-lt"/>
+                <a:latin typeface="Calibri" panose="020F0502020204030204" pitchFamily="34" charset="0"/>
                 <a:ea typeface="Calibri" panose="020F0502020204030204" pitchFamily="34" charset="0"/>
                 <a:cs typeface="Times New Roman" panose="02020603050405020304" pitchFamily="18" charset="0"/>
               </a:rPr>
               <a:t>Sustainability </a:t>
             </a:r>
             <a:r>
-              <a:rPr kumimoji="0" lang="en-US" altLang="en-US" sz="1100" b="0" i="0" u="none" strike="noStrike" cap="none" normalizeH="0" baseline="0" dirty="0">
-                <a:ln>
-                  <a:noFill/>
-                </a:ln>
-                <a:solidFill>
-                  <a:schemeClr val="tx1"/>
-                </a:solidFill>
+              <a:rPr lang="en-US" sz="1800" dirty="0">
                 <a:effectLst/>
-                <a:latin typeface="+mn-lt"/>
+                <a:latin typeface="Calibri" panose="020F0502020204030204" pitchFamily="34" charset="0"/>
                 <a:ea typeface="Calibri" panose="020F0502020204030204" pitchFamily="34" charset="0"/>
                 <a:cs typeface="Times New Roman" panose="02020603050405020304" pitchFamily="18" charset="0"/>
               </a:rPr>
               <a:t>.</a:t>
             </a:r>
-            <a:endParaRPr kumimoji="0" lang="en-US" altLang="en-US" sz="1100" b="0" i="0" u="none" strike="noStrike" cap="none" normalizeH="0" baseline="0" dirty="0">
-              <a:ln>
-                <a:noFill/>
-              </a:ln>
-              <a:solidFill>
-                <a:schemeClr val="tx1"/>
-              </a:solidFill>
-              <a:effectLst/>
-              <a:latin typeface="+mn-lt"/>
-            </a:endParaRPr>
-          </a:p>
-          <a:p>
-            <a:pPr marL="342900" marR="0" lvl="0" indent="-342900" algn="l" defTabSz="914400" rtl="0" eaLnBrk="0" fontAlgn="base" latinLnBrk="0" hangingPunct="0">
+          </a:p>
+          <a:p>
+            <a:pPr marL="342900" marR="0" lvl="0" indent="-342900">
               <a:lnSpc>
-                <a:spcPct val="100000"/>
+                <a:spcPct val="107000"/>
               </a:lnSpc>
               <a:spcBef>
-                <a:spcPct val="0"/>
+                <a:spcPts val="0"/>
               </a:spcBef>
               <a:spcAft>
-                <a:spcPct val="0"/>
+                <a:spcPts val="800"/>
               </a:spcAft>
-              <a:buClrTx/>
-              <a:buSzTx/>
               <a:buFont typeface="+mj-lt"/>
               <a:buAutoNum type="arabicPeriod"/>
-              <a:tabLst/>
             </a:pPr>
             <a:r>
-              <a:rPr kumimoji="0" lang="en-US" altLang="en-US" sz="1100" b="0" i="0" u="none" strike="noStrike" cap="none" normalizeH="0" baseline="0" dirty="0">
-                <a:ln>
-                  <a:noFill/>
-                </a:ln>
-                <a:solidFill>
-                  <a:schemeClr val="tx1"/>
-                </a:solidFill>
+              <a:rPr lang="en-US" sz="1800" dirty="0" err="1">
                 <a:effectLst/>
-                <a:latin typeface="+mn-lt"/>
+                <a:latin typeface="Calibri" panose="020F0502020204030204" pitchFamily="34" charset="0"/>
+                <a:ea typeface="Calibri" panose="020F0502020204030204" pitchFamily="34" charset="0"/>
+                <a:cs typeface="Times New Roman" panose="02020603050405020304" pitchFamily="18" charset="0"/>
+              </a:rPr>
+              <a:t>Molico</a:t>
+            </a:r>
+            <a:r>
+              <a:rPr lang="en-US" sz="1800" dirty="0">
+                <a:effectLst/>
+                <a:latin typeface="Calibri" panose="020F0502020204030204" pitchFamily="34" charset="0"/>
+                <a:ea typeface="Calibri" panose="020F0502020204030204" pitchFamily="34" charset="0"/>
+                <a:cs typeface="Times New Roman" panose="02020603050405020304" pitchFamily="18" charset="0"/>
+              </a:rPr>
+              <a:t>, M. (2019, November 19). </a:t>
+            </a:r>
+            <a:r>
+              <a:rPr lang="en-US" sz="1800" i="1" dirty="0">
+                <a:effectLst/>
+                <a:latin typeface="Calibri" panose="020F0502020204030204" pitchFamily="34" charset="0"/>
+                <a:ea typeface="Calibri" panose="020F0502020204030204" pitchFamily="34" charset="0"/>
+                <a:cs typeface="Times New Roman" panose="02020603050405020304" pitchFamily="18" charset="0"/>
+              </a:rPr>
+              <a:t>Researching the Economic Impacts of Climate Change</a:t>
+            </a:r>
+            <a:r>
+              <a:rPr lang="en-US" sz="1800" dirty="0">
+                <a:effectLst/>
+                <a:latin typeface="Calibri" panose="020F0502020204030204" pitchFamily="34" charset="0"/>
+                <a:ea typeface="Calibri" panose="020F0502020204030204" pitchFamily="34" charset="0"/>
+                <a:cs typeface="Times New Roman" panose="02020603050405020304" pitchFamily="18" charset="0"/>
+              </a:rPr>
+              <a:t>. Retrieved from Bank of Canada : https://www.bankofcanada.ca/2019/11/researching-economic-impacts-climate-change/</a:t>
+            </a:r>
+          </a:p>
+          <a:p>
+            <a:pPr marL="342900" marR="0" lvl="0" indent="-342900">
+              <a:lnSpc>
+                <a:spcPct val="107000"/>
+              </a:lnSpc>
+              <a:spcBef>
+                <a:spcPts val="0"/>
+              </a:spcBef>
+              <a:spcAft>
+                <a:spcPts val="800"/>
+              </a:spcAft>
+              <a:buFont typeface="+mj-lt"/>
+              <a:buAutoNum type="arabicPeriod"/>
+            </a:pPr>
+            <a:r>
+              <a:rPr lang="en-US" sz="1800" dirty="0">
+                <a:effectLst/>
+                <a:latin typeface="Calibri" panose="020F0502020204030204" pitchFamily="34" charset="0"/>
                 <a:ea typeface="Calibri" panose="020F0502020204030204" pitchFamily="34" charset="0"/>
                 <a:cs typeface="Times New Roman" panose="02020603050405020304" pitchFamily="18" charset="0"/>
               </a:rPr>
               <a:t>Nadia, P. (2020, Feb 20). </a:t>
             </a:r>
             <a:r>
-              <a:rPr kumimoji="0" lang="en-US" altLang="en-US" sz="1100" b="0" i="1" u="none" strike="noStrike" cap="none" normalizeH="0" baseline="0" dirty="0">
-                <a:ln>
-                  <a:noFill/>
-                </a:ln>
-                <a:solidFill>
-                  <a:schemeClr val="tx1"/>
-                </a:solidFill>
+              <a:rPr lang="en-US" sz="1800" i="1" dirty="0">
                 <a:effectLst/>
-                <a:latin typeface="+mn-lt"/>
+                <a:latin typeface="Calibri" panose="020F0502020204030204" pitchFamily="34" charset="0"/>
                 <a:ea typeface="Calibri" panose="020F0502020204030204" pitchFamily="34" charset="0"/>
                 <a:cs typeface="Times New Roman" panose="02020603050405020304" pitchFamily="18" charset="0"/>
               </a:rPr>
               <a:t>Climate Change Rises as a Public Priority. But It’s More Partisan Than Ever.</a:t>
             </a:r>
             <a:r>
-              <a:rPr kumimoji="0" lang="en-US" altLang="en-US" sz="1100" b="0" i="0" u="none" strike="noStrike" cap="none" normalizeH="0" baseline="0" dirty="0">
-                <a:ln>
-                  <a:noFill/>
-                </a:ln>
-                <a:solidFill>
-                  <a:schemeClr val="tx1"/>
-                </a:solidFill>
+              <a:rPr lang="en-US" sz="1800" dirty="0">
                 <a:effectLst/>
-                <a:latin typeface="+mn-lt"/>
+                <a:latin typeface="Calibri" panose="020F0502020204030204" pitchFamily="34" charset="0"/>
                 <a:ea typeface="Calibri" panose="020F0502020204030204" pitchFamily="34" charset="0"/>
                 <a:cs typeface="Times New Roman" panose="02020603050405020304" pitchFamily="18" charset="0"/>
               </a:rPr>
               <a:t> Retrieved from New York Times: https://www.nytimes.com/interactive/2020/02/20/climate/climate-change-polls.html</a:t>
             </a:r>
-            <a:endParaRPr kumimoji="0" lang="en-US" altLang="en-US" sz="1100" b="0" i="0" u="none" strike="noStrike" cap="none" normalizeH="0" baseline="0" dirty="0">
-              <a:ln>
-                <a:noFill/>
-              </a:ln>
-              <a:solidFill>
-                <a:schemeClr val="tx1"/>
-              </a:solidFill>
-              <a:effectLst/>
-              <a:latin typeface="+mn-lt"/>
-            </a:endParaRPr>
-          </a:p>
-          <a:p>
-            <a:pPr marL="342900" marR="0" lvl="0" indent="-342900" algn="l" defTabSz="914400" rtl="0" eaLnBrk="0" fontAlgn="base" latinLnBrk="0" hangingPunct="0">
+          </a:p>
+          <a:p>
+            <a:pPr marL="342900" marR="0" lvl="0" indent="-342900">
               <a:lnSpc>
-                <a:spcPct val="100000"/>
+                <a:spcPct val="107000"/>
               </a:lnSpc>
               <a:spcBef>
-                <a:spcPct val="0"/>
+                <a:spcPts val="0"/>
               </a:spcBef>
               <a:spcAft>
-                <a:spcPct val="0"/>
+                <a:spcPts val="800"/>
               </a:spcAft>
-              <a:buClrTx/>
-              <a:buSzTx/>
               <a:buFont typeface="+mj-lt"/>
               <a:buAutoNum type="arabicPeriod"/>
-              <a:tabLst/>
             </a:pPr>
             <a:r>
-              <a:rPr kumimoji="0" lang="en-US" altLang="en-US" sz="1100" b="0" i="0" u="none" strike="noStrike" cap="none" normalizeH="0" baseline="0" dirty="0">
-                <a:ln>
-                  <a:noFill/>
-                </a:ln>
-                <a:solidFill>
-                  <a:schemeClr val="tx1"/>
-                </a:solidFill>
+              <a:rPr lang="en-US" sz="1800" dirty="0">
                 <a:effectLst/>
-                <a:latin typeface="+mn-lt"/>
+                <a:latin typeface="Calibri" panose="020F0502020204030204" pitchFamily="34" charset="0"/>
                 <a:ea typeface="Calibri" panose="020F0502020204030204" pitchFamily="34" charset="0"/>
                 <a:cs typeface="Times New Roman" panose="02020603050405020304" pitchFamily="18" charset="0"/>
               </a:rPr>
-              <a:t>Newsom, G. (2020, September 23). </a:t>
-            </a:r>
-            <a:r>
-              <a:rPr kumimoji="0" lang="en-US" altLang="en-US" sz="1100" b="0" i="1" u="none" strike="noStrike" cap="none" normalizeH="0" baseline="0" dirty="0">
-                <a:ln>
-                  <a:noFill/>
-                </a:ln>
-                <a:solidFill>
-                  <a:schemeClr val="tx1"/>
-                </a:solidFill>
+              <a:t>Shah, M. (2019, October 9). </a:t>
+            </a:r>
+            <a:r>
+              <a:rPr lang="en-US" sz="1800" i="1" dirty="0">
                 <a:effectLst/>
-                <a:latin typeface="+mn-lt"/>
+                <a:latin typeface="Calibri" panose="020F0502020204030204" pitchFamily="34" charset="0"/>
                 <a:ea typeface="Calibri" panose="020F0502020204030204" pitchFamily="34" charset="0"/>
                 <a:cs typeface="Times New Roman" panose="02020603050405020304" pitchFamily="18" charset="0"/>
               </a:rPr>
-              <a:t>Executive Department State of California: N-79-20</a:t>
-            </a:r>
-            <a:r>
-              <a:rPr kumimoji="0" lang="en-US" altLang="en-US" sz="1100" b="0" i="0" u="none" strike="noStrike" cap="none" normalizeH="0" baseline="0" dirty="0">
-                <a:ln>
-                  <a:noFill/>
-                </a:ln>
-                <a:solidFill>
-                  <a:schemeClr val="tx1"/>
-                </a:solidFill>
+              <a:t>Climate change emerges as one of the top ballot-box issues among voters</a:t>
+            </a:r>
+            <a:r>
+              <a:rPr lang="en-US" sz="1800" dirty="0">
                 <a:effectLst/>
-                <a:latin typeface="+mn-lt"/>
+                <a:latin typeface="Calibri" panose="020F0502020204030204" pitchFamily="34" charset="0"/>
                 <a:ea typeface="Calibri" panose="020F0502020204030204" pitchFamily="34" charset="0"/>
                 <a:cs typeface="Times New Roman" panose="02020603050405020304" pitchFamily="18" charset="0"/>
               </a:rPr>
-              <a:t>. Retrieved from https://www.gov.ca.gov/wp-content/uploads/2020/09/9.23.20-EO-N-79-20-Climate.pdf</a:t>
-            </a:r>
-            <a:endParaRPr kumimoji="0" lang="en-US" altLang="en-US" sz="1100" b="0" i="0" u="none" strike="noStrike" cap="none" normalizeH="0" baseline="0" dirty="0">
-              <a:ln>
-                <a:noFill/>
-              </a:ln>
-              <a:solidFill>
-                <a:schemeClr val="tx1"/>
-              </a:solidFill>
-              <a:effectLst/>
-              <a:latin typeface="+mn-lt"/>
-            </a:endParaRPr>
-          </a:p>
-          <a:p>
-            <a:pPr marL="342900" marR="0" lvl="0" indent="-342900" algn="l" defTabSz="914400" rtl="0" eaLnBrk="0" fontAlgn="base" latinLnBrk="0" hangingPunct="0">
+              <a:t>. Retrieved from https://globalnews.ca/news/6006868/climate-change-federal-election-issue-poll/</a:t>
+            </a:r>
+          </a:p>
+          <a:p>
+            <a:pPr marL="342900" marR="0" lvl="0" indent="-342900">
               <a:lnSpc>
-                <a:spcPct val="100000"/>
+                <a:spcPct val="107000"/>
               </a:lnSpc>
               <a:spcBef>
-                <a:spcPct val="0"/>
+                <a:spcPts val="0"/>
               </a:spcBef>
               <a:spcAft>
-                <a:spcPct val="0"/>
+                <a:spcPts val="800"/>
               </a:spcAft>
-              <a:buClrTx/>
-              <a:buSzTx/>
               <a:buFont typeface="+mj-lt"/>
               <a:buAutoNum type="arabicPeriod"/>
-              <a:tabLst/>
             </a:pPr>
             <a:r>
-              <a:rPr kumimoji="0" lang="en-US" altLang="en-US" sz="1100" b="0" i="0" u="none" strike="noStrike" cap="none" normalizeH="0" baseline="0" dirty="0">
-                <a:ln>
-                  <a:noFill/>
-                </a:ln>
-                <a:solidFill>
-                  <a:schemeClr val="tx1"/>
-                </a:solidFill>
+              <a:rPr lang="en-US" sz="1800" dirty="0" err="1">
                 <a:effectLst/>
-                <a:latin typeface="+mn-lt"/>
-                <a:ea typeface="Calibri" panose="020F0502020204030204" pitchFamily="34" charset="0"/>
-                <a:cs typeface="Times New Roman" panose="02020603050405020304" pitchFamily="18" charset="0"/>
-              </a:rPr>
-              <a:t>Rust, S., &amp; Barboza, T. (2020, September 13). </a:t>
-            </a:r>
-            <a:r>
-              <a:rPr kumimoji="0" lang="en-US" altLang="en-US" sz="1100" b="0" i="1" u="none" strike="noStrike" cap="none" normalizeH="0" baseline="0" dirty="0">
-                <a:ln>
-                  <a:noFill/>
-                </a:ln>
-                <a:solidFill>
-                  <a:schemeClr val="tx1"/>
-                </a:solidFill>
-                <a:effectLst/>
-                <a:latin typeface="+mn-lt"/>
-                <a:ea typeface="Calibri" panose="020F0502020204030204" pitchFamily="34" charset="0"/>
-                <a:cs typeface="Times New Roman" panose="02020603050405020304" pitchFamily="18" charset="0"/>
-              </a:rPr>
-              <a:t>How Climate Change is fueling record-breaking California wildfires, heat and smog</a:t>
-            </a:r>
-            <a:r>
-              <a:rPr kumimoji="0" lang="en-US" altLang="en-US" sz="1100" b="0" i="0" u="none" strike="noStrike" cap="none" normalizeH="0" baseline="0" dirty="0">
-                <a:ln>
-                  <a:noFill/>
-                </a:ln>
-                <a:solidFill>
-                  <a:schemeClr val="tx1"/>
-                </a:solidFill>
-                <a:effectLst/>
-                <a:latin typeface="+mn-lt"/>
-                <a:ea typeface="Calibri" panose="020F0502020204030204" pitchFamily="34" charset="0"/>
-                <a:cs typeface="Times New Roman" panose="02020603050405020304" pitchFamily="18" charset="0"/>
-              </a:rPr>
-              <a:t>. Retrieved from Los Angeles Times : https://www.latimes.com/california/story/2020-09-13/climate-change-wildfires-california-west-coast</a:t>
-            </a:r>
-            <a:endParaRPr kumimoji="0" lang="en-US" altLang="en-US" sz="1100" b="0" i="0" u="none" strike="noStrike" cap="none" normalizeH="0" baseline="0" dirty="0">
-              <a:ln>
-                <a:noFill/>
-              </a:ln>
-              <a:solidFill>
-                <a:schemeClr val="tx1"/>
-              </a:solidFill>
-              <a:effectLst/>
-              <a:latin typeface="+mn-lt"/>
-            </a:endParaRPr>
-          </a:p>
-          <a:p>
-            <a:pPr marL="342900" marR="0" lvl="0" indent="-342900" algn="l" defTabSz="914400" rtl="0" eaLnBrk="0" fontAlgn="base" latinLnBrk="0" hangingPunct="0">
-              <a:lnSpc>
-                <a:spcPct val="100000"/>
-              </a:lnSpc>
-              <a:spcBef>
-                <a:spcPct val="0"/>
-              </a:spcBef>
-              <a:spcAft>
-                <a:spcPct val="0"/>
-              </a:spcAft>
-              <a:buClrTx/>
-              <a:buSzTx/>
-              <a:buFont typeface="+mj-lt"/>
-              <a:buAutoNum type="arabicPeriod"/>
-              <a:tabLst/>
-            </a:pPr>
-            <a:r>
-              <a:rPr kumimoji="0" lang="en-US" altLang="en-US" sz="1100" b="0" i="0" u="none" strike="noStrike" cap="none" normalizeH="0" baseline="0" dirty="0" err="1">
-                <a:ln>
-                  <a:noFill/>
-                </a:ln>
-                <a:solidFill>
-                  <a:schemeClr val="tx1"/>
-                </a:solidFill>
-                <a:effectLst/>
-                <a:latin typeface="+mn-lt"/>
+                <a:latin typeface="Calibri" panose="020F0502020204030204" pitchFamily="34" charset="0"/>
                 <a:ea typeface="Calibri" panose="020F0502020204030204" pitchFamily="34" charset="0"/>
                 <a:cs typeface="Times New Roman" panose="02020603050405020304" pitchFamily="18" charset="0"/>
               </a:rPr>
               <a:t>Tabuci</a:t>
             </a:r>
             <a:r>
-              <a:rPr kumimoji="0" lang="en-US" altLang="en-US" sz="1100" b="0" i="0" u="none" strike="noStrike" cap="none" normalizeH="0" baseline="0" dirty="0">
-                <a:ln>
-                  <a:noFill/>
-                </a:ln>
-                <a:solidFill>
-                  <a:schemeClr val="tx1"/>
-                </a:solidFill>
+              <a:rPr lang="en-US" sz="1800" dirty="0">
                 <a:effectLst/>
-                <a:latin typeface="+mn-lt"/>
+                <a:latin typeface="Calibri" panose="020F0502020204030204" pitchFamily="34" charset="0"/>
                 <a:ea typeface="Calibri" panose="020F0502020204030204" pitchFamily="34" charset="0"/>
                 <a:cs typeface="Times New Roman" panose="02020603050405020304" pitchFamily="18" charset="0"/>
               </a:rPr>
               <a:t>, H. (2018, April 2). </a:t>
             </a:r>
             <a:r>
-              <a:rPr kumimoji="0" lang="en-US" altLang="en-US" sz="1100" b="0" i="1" u="none" strike="noStrike" cap="none" normalizeH="0" baseline="0" dirty="0">
-                <a:ln>
-                  <a:noFill/>
-                </a:ln>
-                <a:solidFill>
-                  <a:schemeClr val="tx1"/>
-                </a:solidFill>
+              <a:rPr lang="en-US" sz="1800" i="1" dirty="0">
                 <a:effectLst/>
-                <a:latin typeface="+mn-lt"/>
+                <a:latin typeface="Calibri" panose="020F0502020204030204" pitchFamily="34" charset="0"/>
                 <a:ea typeface="Calibri" panose="020F0502020204030204" pitchFamily="34" charset="0"/>
                 <a:cs typeface="Times New Roman" panose="02020603050405020304" pitchFamily="18" charset="0"/>
               </a:rPr>
               <a:t>New York Times</a:t>
             </a:r>
             <a:r>
-              <a:rPr kumimoji="0" lang="en-US" altLang="en-US" sz="1100" b="0" i="0" u="none" strike="noStrike" cap="none" normalizeH="0" baseline="0" dirty="0">
-                <a:ln>
-                  <a:noFill/>
-                </a:ln>
-                <a:solidFill>
-                  <a:schemeClr val="tx1"/>
-                </a:solidFill>
+              <a:rPr lang="en-US" sz="1800" dirty="0">
                 <a:effectLst/>
-                <a:latin typeface="+mn-lt"/>
+                <a:latin typeface="Calibri" panose="020F0502020204030204" pitchFamily="34" charset="0"/>
                 <a:ea typeface="Calibri" panose="020F0502020204030204" pitchFamily="34" charset="0"/>
                 <a:cs typeface="Times New Roman" panose="02020603050405020304" pitchFamily="18" charset="0"/>
               </a:rPr>
               <a:t>. Retrieved from Calling Car Pollution Standards ‘Too High,’ E.P.A. Sets Up Fight With California: https://www.nytimes.com/2018/04/02/climate/trump-auto-emissions-rules.html</a:t>
             </a:r>
-            <a:endParaRPr kumimoji="0" lang="en-US" altLang="en-US" sz="1100" b="0" i="0" u="none" strike="noStrike" cap="none" normalizeH="0" baseline="0" dirty="0">
-              <a:ln>
-                <a:noFill/>
-              </a:ln>
-              <a:solidFill>
-                <a:schemeClr val="tx1"/>
-              </a:solidFill>
-              <a:effectLst/>
-              <a:latin typeface="+mn-lt"/>
-            </a:endParaRPr>
-          </a:p>
-          <a:p>
-            <a:pPr marL="342900" marR="0" lvl="0" indent="-342900" algn="l" defTabSz="914400" rtl="0" eaLnBrk="0" fontAlgn="base" latinLnBrk="0" hangingPunct="0">
-              <a:lnSpc>
-                <a:spcPct val="100000"/>
-              </a:lnSpc>
-              <a:spcBef>
-                <a:spcPct val="0"/>
-              </a:spcBef>
-              <a:spcAft>
-                <a:spcPct val="0"/>
-              </a:spcAft>
-              <a:buClrTx/>
-              <a:buSzTx/>
-              <a:buFont typeface="+mj-lt"/>
-              <a:buAutoNum type="arabicPeriod"/>
-              <a:tabLst/>
-            </a:pPr>
-            <a:r>
-              <a:rPr kumimoji="0" lang="en-US" altLang="en-US" sz="1100" b="0" i="0" u="none" strike="noStrike" cap="none" normalizeH="0" baseline="0" dirty="0">
-                <a:ln>
-                  <a:noFill/>
-                </a:ln>
-                <a:solidFill>
-                  <a:schemeClr val="tx1"/>
-                </a:solidFill>
+          </a:p>
+          <a:p>
+            <a:r>
+              <a:rPr lang="en-US" sz="1800" dirty="0">
                 <a:effectLst/>
-                <a:latin typeface="+mn-lt"/>
+                <a:latin typeface="Calibri" panose="020F0502020204030204" pitchFamily="34" charset="0"/>
                 <a:ea typeface="Calibri" panose="020F0502020204030204" pitchFamily="34" charset="0"/>
                 <a:cs typeface="Times New Roman" panose="02020603050405020304" pitchFamily="18" charset="0"/>
               </a:rPr>
               <a:t>Toshiko, N. (2003). Energy Modeling on Cleaner Vehicles in Japan. </a:t>
             </a:r>
             <a:r>
-              <a:rPr kumimoji="0" lang="en-US" altLang="en-US" sz="1100" b="0" i="1" u="none" strike="noStrike" cap="none" normalizeH="0" baseline="0" dirty="0">
-                <a:ln>
-                  <a:noFill/>
-                </a:ln>
-                <a:solidFill>
-                  <a:schemeClr val="tx1"/>
-                </a:solidFill>
+              <a:rPr lang="en-US" sz="1800" i="1" dirty="0">
                 <a:effectLst/>
-                <a:latin typeface="+mn-lt"/>
+                <a:latin typeface="Calibri" panose="020F0502020204030204" pitchFamily="34" charset="0"/>
                 <a:ea typeface="Calibri" panose="020F0502020204030204" pitchFamily="34" charset="0"/>
                 <a:cs typeface="Times New Roman" panose="02020603050405020304" pitchFamily="18" charset="0"/>
               </a:rPr>
-              <a:t>Journal of Cleaner Production</a:t>
-            </a:r>
-            <a:r>
-              <a:rPr kumimoji="0" lang="en-US" altLang="en-US" sz="1100" b="0" i="0" u="none" strike="noStrike" cap="none" normalizeH="0" baseline="0" dirty="0">
-                <a:ln>
-                  <a:noFill/>
-                </a:ln>
-                <a:solidFill>
-                  <a:schemeClr val="tx1"/>
-                </a:solidFill>
+              <a:t>Journal of Cleaner </a:t>
+            </a:r>
+            <a:r>
+              <a:rPr lang="en-US" sz="1800" i="1" dirty="0" err="1">
                 <a:effectLst/>
-                <a:latin typeface="+mn-lt"/>
+                <a:latin typeface="Calibri" panose="020F0502020204030204" pitchFamily="34" charset="0"/>
                 <a:ea typeface="Calibri" panose="020F0502020204030204" pitchFamily="34" charset="0"/>
                 <a:cs typeface="Times New Roman" panose="02020603050405020304" pitchFamily="18" charset="0"/>
               </a:rPr>
-              <a:t>.</a:t>
-            </a:r>
-            <a:endParaRPr kumimoji="0" lang="en-US" altLang="en-US" sz="1100" b="0" i="0" u="none" strike="noStrike" cap="none" normalizeH="0" baseline="0" dirty="0">
-              <a:ln>
-                <a:noFill/>
-              </a:ln>
-              <a:solidFill>
-                <a:schemeClr val="tx1"/>
-              </a:solidFill>
-              <a:effectLst/>
-              <a:latin typeface="+mn-lt"/>
-            </a:endParaRPr>
-          </a:p>
-          <a:p>
-            <a:pPr marL="0" marR="0" lvl="0" indent="0" algn="l" defTabSz="914400" rtl="0" eaLnBrk="0" fontAlgn="base" latinLnBrk="0" hangingPunct="0">
-              <a:lnSpc>
-                <a:spcPct val="100000"/>
-              </a:lnSpc>
-              <a:spcBef>
-                <a:spcPct val="0"/>
-              </a:spcBef>
-              <a:spcAft>
-                <a:spcPct val="0"/>
-              </a:spcAft>
-              <a:buClrTx/>
-              <a:buSzTx/>
-              <a:buFontTx/>
-              <a:buNone/>
-              <a:tabLst/>
-            </a:pPr>
+              <a:t>Productio</a:t>
+            </a:r>
             <a:endParaRPr kumimoji="0" lang="en-US" altLang="en-US" sz="1800" b="0" i="0" u="none" strike="noStrike" cap="none" normalizeH="0" baseline="0" dirty="0">
               <a:ln>
                 <a:noFill/>

--- a/Final Project/Group_3_FinalProject.pptx
+++ b/Final Project/Group_3_FinalProject.pptx
@@ -10,7 +10,10 @@
     <p:sldId id="259" r:id="rId4"/>
     <p:sldId id="260" r:id="rId5"/>
     <p:sldId id="261" r:id="rId6"/>
-    <p:sldId id="258" r:id="rId7"/>
+    <p:sldId id="263" r:id="rId7"/>
+    <p:sldId id="264" r:id="rId8"/>
+    <p:sldId id="265" r:id="rId9"/>
+    <p:sldId id="258" r:id="rId10"/>
   </p:sldIdLst>
   <p:sldSz cx="12192000" cy="6858000"/>
   <p:notesSz cx="6858000" cy="9144000"/>
@@ -7491,6 +7494,3128 @@
 <file path=ppt/slides/slide6.xml><?xml version="1.0" encoding="utf-8"?>
 <p:sld xmlns:a="http://schemas.openxmlformats.org/drawingml/2006/main" xmlns:r="http://schemas.openxmlformats.org/officeDocument/2006/relationships" xmlns:p="http://schemas.openxmlformats.org/presentationml/2006/main">
   <p:cSld>
+    <p:bg>
+      <p:bgPr>
+        <a:solidFill>
+          <a:schemeClr val="bg1"/>
+        </a:solidFill>
+        <a:effectLst/>
+      </p:bgPr>
+    </p:bg>
+    <p:spTree>
+      <p:nvGrpSpPr>
+        <p:cNvPr id="1" name=""/>
+        <p:cNvGrpSpPr/>
+        <p:nvPr/>
+      </p:nvGrpSpPr>
+      <p:grpSpPr>
+        <a:xfrm>
+          <a:off x="0" y="0"/>
+          <a:ext cx="0" cy="0"/>
+          <a:chOff x="0" y="0"/>
+          <a:chExt cx="0" cy="0"/>
+        </a:xfrm>
+      </p:grpSpPr>
+      <p:sp useBgFill="1">
+        <p:nvSpPr>
+          <p:cNvPr id="27" name="Rectangle 14">
+            <a:extLst>
+              <a:ext uri="{FF2B5EF4-FFF2-40B4-BE49-F238E27FC236}">
+                <a16:creationId xmlns:a16="http://schemas.microsoft.com/office/drawing/2014/main" id="{799709F6-819A-4A9B-B299-52B516DA202B}"/>
+              </a:ext>
+              <a:ext uri="{C183D7F6-B498-43B3-948B-1728B52AA6E4}">
+                <adec:decorative xmlns:adec="http://schemas.microsoft.com/office/drawing/2017/decorative" val="1"/>
+              </a:ext>
+            </a:extLst>
+          </p:cNvPr>
+          <p:cNvSpPr>
+            <a:spLocks noGrp="1" noRot="1" noChangeAspect="1" noMove="1" noResize="1" noEditPoints="1" noAdjustHandles="1" noChangeArrowheads="1" noChangeShapeType="1" noTextEdit="1"/>
+          </p:cNvSpPr>
+          <p:nvPr>
+            <p:extLst>
+              <p:ext uri="{386F3935-93C4-4BCD-93E2-E3B085C9AB24}">
+                <p16:designElem xmlns:p16="http://schemas.microsoft.com/office/powerpoint/2015/main" val="1"/>
+              </p:ext>
+            </p:extLst>
+          </p:nvPr>
+        </p:nvSpPr>
+        <p:spPr>
+          <a:xfrm>
+            <a:off x="0" y="0"/>
+            <a:ext cx="12188952" cy="6858000"/>
+          </a:xfrm>
+          <a:prstGeom prst="rect">
+            <a:avLst/>
+          </a:prstGeom>
+          <a:ln>
+            <a:noFill/>
+          </a:ln>
+        </p:spPr>
+        <p:style>
+          <a:lnRef idx="2">
+            <a:schemeClr val="accent1">
+              <a:shade val="50000"/>
+            </a:schemeClr>
+          </a:lnRef>
+          <a:fillRef idx="1">
+            <a:schemeClr val="accent1"/>
+          </a:fillRef>
+          <a:effectRef idx="0">
+            <a:schemeClr val="accent1"/>
+          </a:effectRef>
+          <a:fontRef idx="minor">
+            <a:schemeClr val="lt1"/>
+          </a:fontRef>
+        </p:style>
+        <p:txBody>
+          <a:bodyPr rtlCol="0" anchor="ctr"/>
+          <a:lstStyle/>
+          <a:p>
+            <a:pPr marL="0" marR="0" lvl="0" indent="0" algn="ctr" defTabSz="914400" rtl="0" eaLnBrk="1" fontAlgn="auto" latinLnBrk="0" hangingPunct="1">
+              <a:lnSpc>
+                <a:spcPct val="100000"/>
+              </a:lnSpc>
+              <a:spcBef>
+                <a:spcPts val="0"/>
+              </a:spcBef>
+              <a:spcAft>
+                <a:spcPts val="0"/>
+              </a:spcAft>
+              <a:buClrTx/>
+              <a:buSzTx/>
+              <a:buFontTx/>
+              <a:buNone/>
+              <a:tabLst/>
+              <a:defRPr/>
+            </a:pPr>
+            <a:endParaRPr kumimoji="0" lang="en-US" sz="1800" b="0" i="0" u="none" strike="noStrike" kern="1200" cap="none" spc="0" normalizeH="0" baseline="0" noProof="0">
+              <a:ln>
+                <a:noFill/>
+              </a:ln>
+              <a:solidFill>
+                <a:prstClr val="white"/>
+              </a:solidFill>
+              <a:effectLst/>
+              <a:uLnTx/>
+              <a:uFillTx/>
+              <a:latin typeface="Calibri" panose="020F0502020204030204"/>
+              <a:ea typeface="+mn-ea"/>
+              <a:cs typeface="+mn-cs"/>
+            </a:endParaRPr>
+          </a:p>
+        </p:txBody>
+      </p:sp>
+      <p:grpSp>
+        <p:nvGrpSpPr>
+          <p:cNvPr id="28" name="Group 16">
+            <a:extLst>
+              <a:ext uri="{FF2B5EF4-FFF2-40B4-BE49-F238E27FC236}">
+                <a16:creationId xmlns:a16="http://schemas.microsoft.com/office/drawing/2014/main" id="{DE956BBB-7B91-4BF1-8CC5-4F1F5C3E0947}"/>
+              </a:ext>
+              <a:ext uri="{C183D7F6-B498-43B3-948B-1728B52AA6E4}">
+                <adec:decorative xmlns:adec="http://schemas.microsoft.com/office/drawing/2017/decorative" val="1"/>
+              </a:ext>
+            </a:extLst>
+          </p:cNvPr>
+          <p:cNvGrpSpPr>
+            <a:grpSpLocks noGrp="1" noUngrp="1" noRot="1" noChangeAspect="1" noMove="1" noResize="1"/>
+          </p:cNvGrpSpPr>
+          <p:nvPr>
+            <p:extLst>
+              <p:ext uri="{386F3935-93C4-4BCD-93E2-E3B085C9AB24}">
+                <p16:designElem xmlns:p16="http://schemas.microsoft.com/office/powerpoint/2015/main" val="1"/>
+              </p:ext>
+            </p:extLst>
+          </p:nvPr>
+        </p:nvGrpSpPr>
+        <p:grpSpPr>
+          <a:xfrm>
+            <a:off x="409710" y="635715"/>
+            <a:ext cx="11142208" cy="2482136"/>
+            <a:chOff x="409710" y="635715"/>
+            <a:chExt cx="11142208" cy="2482136"/>
+          </a:xfrm>
+        </p:grpSpPr>
+        <p:sp>
+          <p:nvSpPr>
+            <p:cNvPr id="18" name="Freeform 44">
+              <a:extLst>
+                <a:ext uri="{FF2B5EF4-FFF2-40B4-BE49-F238E27FC236}">
+                  <a16:creationId xmlns:a16="http://schemas.microsoft.com/office/drawing/2014/main" id="{331C4F13-3AB4-4BD8-B1A2-76809863ED9D}"/>
+                </a:ext>
+                <a:ext uri="{C183D7F6-B498-43B3-948B-1728B52AA6E4}">
+                  <adec:decorative xmlns:adec="http://schemas.microsoft.com/office/drawing/2017/decorative" val="1"/>
+                </a:ext>
+              </a:extLst>
+            </p:cNvPr>
+            <p:cNvSpPr>
+              <a:spLocks/>
+            </p:cNvSpPr>
+            <p:nvPr>
+              <p:extLst>
+                <p:ext uri="{386F3935-93C4-4BCD-93E2-E3B085C9AB24}">
+                  <p16:designElem xmlns:p16="http://schemas.microsoft.com/office/powerpoint/2015/main" val="1"/>
+                </p:ext>
+              </p:extLst>
+            </p:nvPr>
+          </p:nvSpPr>
+          <p:spPr bwMode="auto">
+            <a:xfrm>
+              <a:off x="11223203" y="635716"/>
+              <a:ext cx="328612" cy="1742360"/>
+            </a:xfrm>
+            <a:custGeom>
+              <a:avLst/>
+              <a:gdLst>
+                <a:gd name="T0" fmla="*/ 207 w 207"/>
+                <a:gd name="T1" fmla="*/ 987 h 1114"/>
+                <a:gd name="T2" fmla="*/ 0 w 207"/>
+                <a:gd name="T3" fmla="*/ 1114 h 1114"/>
+                <a:gd name="T4" fmla="*/ 0 w 207"/>
+                <a:gd name="T5" fmla="*/ 127 h 1114"/>
+                <a:gd name="T6" fmla="*/ 207 w 207"/>
+                <a:gd name="T7" fmla="*/ 0 h 1114"/>
+                <a:gd name="T8" fmla="*/ 207 w 207"/>
+                <a:gd name="T9" fmla="*/ 987 h 1114"/>
+              </a:gdLst>
+              <a:ahLst/>
+              <a:cxnLst>
+                <a:cxn ang="0">
+                  <a:pos x="T0" y="T1"/>
+                </a:cxn>
+                <a:cxn ang="0">
+                  <a:pos x="T2" y="T3"/>
+                </a:cxn>
+                <a:cxn ang="0">
+                  <a:pos x="T4" y="T5"/>
+                </a:cxn>
+                <a:cxn ang="0">
+                  <a:pos x="T6" y="T7"/>
+                </a:cxn>
+                <a:cxn ang="0">
+                  <a:pos x="T8" y="T9"/>
+                </a:cxn>
+              </a:cxnLst>
+              <a:rect l="0" t="0" r="r" b="b"/>
+              <a:pathLst>
+                <a:path w="207" h="1114">
+                  <a:moveTo>
+                    <a:pt x="207" y="987"/>
+                  </a:moveTo>
+                  <a:lnTo>
+                    <a:pt x="0" y="1114"/>
+                  </a:lnTo>
+                  <a:lnTo>
+                    <a:pt x="0" y="127"/>
+                  </a:lnTo>
+                  <a:lnTo>
+                    <a:pt x="207" y="0"/>
+                  </a:lnTo>
+                  <a:lnTo>
+                    <a:pt x="207" y="987"/>
+                  </a:lnTo>
+                  <a:close/>
+                </a:path>
+              </a:pathLst>
+            </a:custGeom>
+            <a:solidFill>
+              <a:schemeClr val="accent1">
+                <a:lumMod val="50000"/>
+              </a:schemeClr>
+            </a:solidFill>
+            <a:ln>
+              <a:noFill/>
+            </a:ln>
+          </p:spPr>
+          <p:txBody>
+            <a:bodyPr vert="horz" wrap="square" lIns="91440" tIns="45720" rIns="91440" bIns="45720" numCol="1" anchor="t" anchorCtr="0" compatLnSpc="1">
+              <a:prstTxWarp prst="textNoShape">
+                <a:avLst/>
+              </a:prstTxWarp>
+            </a:bodyPr>
+            <a:lstStyle/>
+            <a:p>
+              <a:pPr marL="0" marR="0" lvl="0" indent="0" algn="l" defTabSz="914400" rtl="0" eaLnBrk="1" fontAlgn="auto" latinLnBrk="0" hangingPunct="1">
+                <a:lnSpc>
+                  <a:spcPct val="100000"/>
+                </a:lnSpc>
+                <a:spcBef>
+                  <a:spcPts val="0"/>
+                </a:spcBef>
+                <a:spcAft>
+                  <a:spcPts val="0"/>
+                </a:spcAft>
+                <a:buClrTx/>
+                <a:buSzTx/>
+                <a:buFontTx/>
+                <a:buNone/>
+                <a:tabLst/>
+                <a:defRPr/>
+              </a:pPr>
+              <a:endParaRPr kumimoji="0" lang="en-US" sz="1800" b="0" i="0" u="none" strike="noStrike" kern="1200" cap="none" spc="0" normalizeH="0" baseline="0" noProof="0">
+                <a:ln>
+                  <a:noFill/>
+                </a:ln>
+                <a:solidFill>
+                  <a:prstClr val="black"/>
+                </a:solidFill>
+                <a:effectLst/>
+                <a:uLnTx/>
+                <a:uFillTx/>
+                <a:latin typeface="Calibri" panose="020F0502020204030204"/>
+                <a:ea typeface="+mn-ea"/>
+                <a:cs typeface="+mn-cs"/>
+              </a:endParaRPr>
+            </a:p>
+          </p:txBody>
+        </p:sp>
+        <p:sp>
+          <p:nvSpPr>
+            <p:cNvPr id="29" name="Freeform 45">
+              <a:extLst>
+                <a:ext uri="{FF2B5EF4-FFF2-40B4-BE49-F238E27FC236}">
+                  <a16:creationId xmlns:a16="http://schemas.microsoft.com/office/drawing/2014/main" id="{52D8231F-00FF-4EE0-B405-28CC397CF071}"/>
+                </a:ext>
+                <a:ext uri="{C183D7F6-B498-43B3-948B-1728B52AA6E4}">
+                  <adec:decorative xmlns:adec="http://schemas.microsoft.com/office/drawing/2017/decorative" val="1"/>
+                </a:ext>
+              </a:extLst>
+            </p:cNvPr>
+            <p:cNvSpPr>
+              <a:spLocks/>
+            </p:cNvSpPr>
+            <p:nvPr>
+              <p:extLst>
+                <p:ext uri="{386F3935-93C4-4BCD-93E2-E3B085C9AB24}">
+                  <p16:designElem xmlns:p16="http://schemas.microsoft.com/office/powerpoint/2015/main" val="1"/>
+                </p:ext>
+              </p:extLst>
+            </p:nvPr>
+          </p:nvSpPr>
+          <p:spPr bwMode="auto">
+            <a:xfrm>
+              <a:off x="409710" y="1022350"/>
+              <a:ext cx="709612" cy="2095501"/>
+            </a:xfrm>
+            <a:custGeom>
+              <a:avLst/>
+              <a:gdLst>
+                <a:gd name="T0" fmla="*/ 447 w 447"/>
+                <a:gd name="T1" fmla="*/ 1363 h 1363"/>
+                <a:gd name="T2" fmla="*/ 0 w 447"/>
+                <a:gd name="T3" fmla="*/ 987 h 1363"/>
+                <a:gd name="T4" fmla="*/ 0 w 447"/>
+                <a:gd name="T5" fmla="*/ 0 h 1363"/>
+                <a:gd name="T6" fmla="*/ 447 w 447"/>
+                <a:gd name="T7" fmla="*/ 376 h 1363"/>
+                <a:gd name="T8" fmla="*/ 447 w 447"/>
+                <a:gd name="T9" fmla="*/ 1363 h 1363"/>
+              </a:gdLst>
+              <a:ahLst/>
+              <a:cxnLst>
+                <a:cxn ang="0">
+                  <a:pos x="T0" y="T1"/>
+                </a:cxn>
+                <a:cxn ang="0">
+                  <a:pos x="T2" y="T3"/>
+                </a:cxn>
+                <a:cxn ang="0">
+                  <a:pos x="T4" y="T5"/>
+                </a:cxn>
+                <a:cxn ang="0">
+                  <a:pos x="T6" y="T7"/>
+                </a:cxn>
+                <a:cxn ang="0">
+                  <a:pos x="T8" y="T9"/>
+                </a:cxn>
+              </a:cxnLst>
+              <a:rect l="0" t="0" r="r" b="b"/>
+              <a:pathLst>
+                <a:path w="447" h="1363">
+                  <a:moveTo>
+                    <a:pt x="447" y="1363"/>
+                  </a:moveTo>
+                  <a:lnTo>
+                    <a:pt x="0" y="987"/>
+                  </a:lnTo>
+                  <a:lnTo>
+                    <a:pt x="0" y="0"/>
+                  </a:lnTo>
+                  <a:lnTo>
+                    <a:pt x="447" y="376"/>
+                  </a:lnTo>
+                  <a:lnTo>
+                    <a:pt x="447" y="1363"/>
+                  </a:lnTo>
+                  <a:close/>
+                </a:path>
+              </a:pathLst>
+            </a:custGeom>
+            <a:solidFill>
+              <a:schemeClr val="accent1">
+                <a:lumMod val="50000"/>
+              </a:schemeClr>
+            </a:solidFill>
+            <a:ln>
+              <a:noFill/>
+            </a:ln>
+          </p:spPr>
+          <p:txBody>
+            <a:bodyPr vert="horz" wrap="square" lIns="91440" tIns="45720" rIns="91440" bIns="45720" numCol="1" anchor="t" anchorCtr="0" compatLnSpc="1">
+              <a:prstTxWarp prst="textNoShape">
+                <a:avLst/>
+              </a:prstTxWarp>
+            </a:bodyPr>
+            <a:lstStyle/>
+            <a:p>
+              <a:pPr marL="0" marR="0" lvl="0" indent="0" algn="l" defTabSz="914400" rtl="0" eaLnBrk="1" fontAlgn="auto" latinLnBrk="0" hangingPunct="1">
+                <a:lnSpc>
+                  <a:spcPct val="100000"/>
+                </a:lnSpc>
+                <a:spcBef>
+                  <a:spcPts val="0"/>
+                </a:spcBef>
+                <a:spcAft>
+                  <a:spcPts val="0"/>
+                </a:spcAft>
+                <a:buClrTx/>
+                <a:buSzTx/>
+                <a:buFontTx/>
+                <a:buNone/>
+                <a:tabLst/>
+                <a:defRPr/>
+              </a:pPr>
+              <a:endParaRPr kumimoji="0" lang="en-US" sz="1800" b="0" i="0" u="none" strike="noStrike" kern="1200" cap="none" spc="0" normalizeH="0" baseline="0" noProof="0">
+                <a:ln>
+                  <a:noFill/>
+                </a:ln>
+                <a:solidFill>
+                  <a:prstClr val="black"/>
+                </a:solidFill>
+                <a:effectLst/>
+                <a:uLnTx/>
+                <a:uFillTx/>
+                <a:latin typeface="Calibri" panose="020F0502020204030204"/>
+                <a:ea typeface="+mn-ea"/>
+                <a:cs typeface="+mn-cs"/>
+              </a:endParaRPr>
+            </a:p>
+          </p:txBody>
+        </p:sp>
+        <p:sp>
+          <p:nvSpPr>
+            <p:cNvPr id="20" name="Freeform 46">
+              <a:extLst>
+                <a:ext uri="{FF2B5EF4-FFF2-40B4-BE49-F238E27FC236}">
+                  <a16:creationId xmlns:a16="http://schemas.microsoft.com/office/drawing/2014/main" id="{C80BB271-C270-4FB5-B9F1-D81F239ED03F}"/>
+                </a:ext>
+                <a:ext uri="{C183D7F6-B498-43B3-948B-1728B52AA6E4}">
+                  <adec:decorative xmlns:adec="http://schemas.microsoft.com/office/drawing/2017/decorative" val="1"/>
+                </a:ext>
+              </a:extLst>
+            </p:cNvPr>
+            <p:cNvSpPr>
+              <a:spLocks/>
+            </p:cNvSpPr>
+            <p:nvPr>
+              <p:extLst>
+                <p:ext uri="{386F3935-93C4-4BCD-93E2-E3B085C9AB24}">
+                  <p16:designElem xmlns:p16="http://schemas.microsoft.com/office/powerpoint/2015/main" val="1"/>
+                </p:ext>
+              </p:extLst>
+            </p:nvPr>
+          </p:nvSpPr>
+          <p:spPr bwMode="auto">
+            <a:xfrm>
+              <a:off x="409710" y="837744"/>
+              <a:ext cx="403225" cy="1705431"/>
+            </a:xfrm>
+            <a:custGeom>
+              <a:avLst/>
+              <a:gdLst>
+                <a:gd name="T0" fmla="*/ 254 w 254"/>
+                <a:gd name="T1" fmla="*/ 987 h 1109"/>
+                <a:gd name="T2" fmla="*/ 0 w 254"/>
+                <a:gd name="T3" fmla="*/ 1109 h 1109"/>
+                <a:gd name="T4" fmla="*/ 0 w 254"/>
+                <a:gd name="T5" fmla="*/ 119 h 1109"/>
+                <a:gd name="T6" fmla="*/ 254 w 254"/>
+                <a:gd name="T7" fmla="*/ 0 h 1109"/>
+                <a:gd name="T8" fmla="*/ 254 w 254"/>
+                <a:gd name="T9" fmla="*/ 987 h 1109"/>
+              </a:gdLst>
+              <a:ahLst/>
+              <a:cxnLst>
+                <a:cxn ang="0">
+                  <a:pos x="T0" y="T1"/>
+                </a:cxn>
+                <a:cxn ang="0">
+                  <a:pos x="T2" y="T3"/>
+                </a:cxn>
+                <a:cxn ang="0">
+                  <a:pos x="T4" y="T5"/>
+                </a:cxn>
+                <a:cxn ang="0">
+                  <a:pos x="T6" y="T7"/>
+                </a:cxn>
+                <a:cxn ang="0">
+                  <a:pos x="T8" y="T9"/>
+                </a:cxn>
+              </a:cxnLst>
+              <a:rect l="0" t="0" r="r" b="b"/>
+              <a:pathLst>
+                <a:path w="254" h="1109">
+                  <a:moveTo>
+                    <a:pt x="254" y="987"/>
+                  </a:moveTo>
+                  <a:lnTo>
+                    <a:pt x="0" y="1109"/>
+                  </a:lnTo>
+                  <a:lnTo>
+                    <a:pt x="0" y="119"/>
+                  </a:lnTo>
+                  <a:lnTo>
+                    <a:pt x="254" y="0"/>
+                  </a:lnTo>
+                  <a:lnTo>
+                    <a:pt x="254" y="987"/>
+                  </a:lnTo>
+                  <a:close/>
+                </a:path>
+              </a:pathLst>
+            </a:custGeom>
+            <a:solidFill>
+              <a:schemeClr val="accent1">
+                <a:lumMod val="75000"/>
+              </a:schemeClr>
+            </a:solidFill>
+            <a:ln>
+              <a:noFill/>
+            </a:ln>
+          </p:spPr>
+          <p:txBody>
+            <a:bodyPr vert="horz" wrap="square" lIns="91440" tIns="45720" rIns="91440" bIns="45720" numCol="1" anchor="t" anchorCtr="0" compatLnSpc="1">
+              <a:prstTxWarp prst="textNoShape">
+                <a:avLst/>
+              </a:prstTxWarp>
+            </a:bodyPr>
+            <a:lstStyle/>
+            <a:p>
+              <a:pPr marL="0" marR="0" lvl="0" indent="0" algn="l" defTabSz="914400" rtl="0" eaLnBrk="1" fontAlgn="auto" latinLnBrk="0" hangingPunct="1">
+                <a:lnSpc>
+                  <a:spcPct val="100000"/>
+                </a:lnSpc>
+                <a:spcBef>
+                  <a:spcPts val="0"/>
+                </a:spcBef>
+                <a:spcAft>
+                  <a:spcPts val="0"/>
+                </a:spcAft>
+                <a:buClrTx/>
+                <a:buSzTx/>
+                <a:buFontTx/>
+                <a:buNone/>
+                <a:tabLst/>
+                <a:defRPr/>
+              </a:pPr>
+              <a:endParaRPr kumimoji="0" lang="en-US" sz="1800" b="0" i="0" u="none" strike="noStrike" kern="1200" cap="none" spc="0" normalizeH="0" baseline="0" noProof="0">
+                <a:ln>
+                  <a:noFill/>
+                </a:ln>
+                <a:solidFill>
+                  <a:prstClr val="black"/>
+                </a:solidFill>
+                <a:effectLst/>
+                <a:uLnTx/>
+                <a:uFillTx/>
+                <a:latin typeface="Calibri" panose="020F0502020204030204"/>
+                <a:ea typeface="+mn-ea"/>
+                <a:cs typeface="+mn-cs"/>
+              </a:endParaRPr>
+            </a:p>
+          </p:txBody>
+        </p:sp>
+        <p:sp>
+          <p:nvSpPr>
+            <p:cNvPr id="30" name="Freeform 47">
+              <a:extLst>
+                <a:ext uri="{FF2B5EF4-FFF2-40B4-BE49-F238E27FC236}">
+                  <a16:creationId xmlns:a16="http://schemas.microsoft.com/office/drawing/2014/main" id="{1BDA5F0C-5FEC-4DA5-A154-3EC7AA69004D}"/>
+                </a:ext>
+                <a:ext uri="{C183D7F6-B498-43B3-948B-1728B52AA6E4}">
+                  <adec:decorative xmlns:adec="http://schemas.microsoft.com/office/drawing/2017/decorative" val="1"/>
+                </a:ext>
+              </a:extLst>
+            </p:cNvPr>
+            <p:cNvSpPr>
+              <a:spLocks/>
+            </p:cNvSpPr>
+            <p:nvPr>
+              <p:extLst>
+                <p:ext uri="{386F3935-93C4-4BCD-93E2-E3B085C9AB24}">
+                  <p16:designElem xmlns:p16="http://schemas.microsoft.com/office/powerpoint/2015/main" val="1"/>
+                </p:ext>
+              </p:extLst>
+            </p:nvPr>
+          </p:nvSpPr>
+          <p:spPr bwMode="auto">
+            <a:xfrm>
+              <a:off x="644660" y="640894"/>
+              <a:ext cx="168275" cy="1713195"/>
+            </a:xfrm>
+            <a:custGeom>
+              <a:avLst/>
+              <a:gdLst>
+                <a:gd name="T0" fmla="*/ 106 w 106"/>
+                <a:gd name="T1" fmla="*/ 1114 h 1114"/>
+                <a:gd name="T2" fmla="*/ 0 w 106"/>
+                <a:gd name="T3" fmla="*/ 1005 h 1114"/>
+                <a:gd name="T4" fmla="*/ 0 w 106"/>
+                <a:gd name="T5" fmla="*/ 0 h 1114"/>
+                <a:gd name="T6" fmla="*/ 106 w 106"/>
+                <a:gd name="T7" fmla="*/ 110 h 1114"/>
+                <a:gd name="T8" fmla="*/ 106 w 106"/>
+                <a:gd name="T9" fmla="*/ 1114 h 1114"/>
+              </a:gdLst>
+              <a:ahLst/>
+              <a:cxnLst>
+                <a:cxn ang="0">
+                  <a:pos x="T0" y="T1"/>
+                </a:cxn>
+                <a:cxn ang="0">
+                  <a:pos x="T2" y="T3"/>
+                </a:cxn>
+                <a:cxn ang="0">
+                  <a:pos x="T4" y="T5"/>
+                </a:cxn>
+                <a:cxn ang="0">
+                  <a:pos x="T6" y="T7"/>
+                </a:cxn>
+                <a:cxn ang="0">
+                  <a:pos x="T8" y="T9"/>
+                </a:cxn>
+              </a:cxnLst>
+              <a:rect l="0" t="0" r="r" b="b"/>
+              <a:pathLst>
+                <a:path w="106" h="1114">
+                  <a:moveTo>
+                    <a:pt x="106" y="1114"/>
+                  </a:moveTo>
+                  <a:lnTo>
+                    <a:pt x="0" y="1005"/>
+                  </a:lnTo>
+                  <a:lnTo>
+                    <a:pt x="0" y="0"/>
+                  </a:lnTo>
+                  <a:lnTo>
+                    <a:pt x="106" y="110"/>
+                  </a:lnTo>
+                  <a:lnTo>
+                    <a:pt x="106" y="1114"/>
+                  </a:lnTo>
+                  <a:close/>
+                </a:path>
+              </a:pathLst>
+            </a:custGeom>
+            <a:solidFill>
+              <a:schemeClr val="accent1">
+                <a:lumMod val="50000"/>
+              </a:schemeClr>
+            </a:solidFill>
+            <a:ln>
+              <a:noFill/>
+            </a:ln>
+          </p:spPr>
+          <p:txBody>
+            <a:bodyPr vert="horz" wrap="square" lIns="91440" tIns="45720" rIns="91440" bIns="45720" numCol="1" anchor="t" anchorCtr="0" compatLnSpc="1">
+              <a:prstTxWarp prst="textNoShape">
+                <a:avLst/>
+              </a:prstTxWarp>
+            </a:bodyPr>
+            <a:lstStyle/>
+            <a:p>
+              <a:pPr marL="0" marR="0" lvl="0" indent="0" algn="l" defTabSz="914400" rtl="0" eaLnBrk="1" fontAlgn="auto" latinLnBrk="0" hangingPunct="1">
+                <a:lnSpc>
+                  <a:spcPct val="100000"/>
+                </a:lnSpc>
+                <a:spcBef>
+                  <a:spcPts val="0"/>
+                </a:spcBef>
+                <a:spcAft>
+                  <a:spcPts val="0"/>
+                </a:spcAft>
+                <a:buClrTx/>
+                <a:buSzTx/>
+                <a:buFontTx/>
+                <a:buNone/>
+                <a:tabLst/>
+                <a:defRPr/>
+              </a:pPr>
+              <a:endParaRPr kumimoji="0" lang="en-US" sz="1800" b="0" i="0" u="none" strike="noStrike" kern="1200" cap="none" spc="0" normalizeH="0" baseline="0" noProof="0">
+                <a:ln>
+                  <a:noFill/>
+                </a:ln>
+                <a:solidFill>
+                  <a:prstClr val="black"/>
+                </a:solidFill>
+                <a:effectLst/>
+                <a:uLnTx/>
+                <a:uFillTx/>
+                <a:latin typeface="Calibri" panose="020F0502020204030204"/>
+                <a:ea typeface="+mn-ea"/>
+                <a:cs typeface="+mn-cs"/>
+              </a:endParaRPr>
+            </a:p>
+          </p:txBody>
+        </p:sp>
+        <p:sp>
+          <p:nvSpPr>
+            <p:cNvPr id="22" name="Rectangle 21">
+              <a:extLst>
+                <a:ext uri="{FF2B5EF4-FFF2-40B4-BE49-F238E27FC236}">
+                  <a16:creationId xmlns:a16="http://schemas.microsoft.com/office/drawing/2014/main" id="{E342B9BC-62E1-4F01-AE2D-4143126BE045}"/>
+                </a:ext>
+                <a:ext uri="{C183D7F6-B498-43B3-948B-1728B52AA6E4}">
+                  <adec:decorative xmlns:adec="http://schemas.microsoft.com/office/drawing/2017/decorative" val="1"/>
+                </a:ext>
+              </a:extLst>
+            </p:cNvPr>
+            <p:cNvSpPr>
+              <a:spLocks noChangeArrowheads="1"/>
+            </p:cNvSpPr>
+            <p:nvPr>
+              <p:extLst>
+                <p:ext uri="{386F3935-93C4-4BCD-93E2-E3B085C9AB24}">
+                  <p16:designElem xmlns:p16="http://schemas.microsoft.com/office/powerpoint/2015/main" val="1"/>
+                </p:ext>
+              </p:extLst>
+            </p:nvPr>
+          </p:nvSpPr>
+          <p:spPr bwMode="auto">
+            <a:xfrm>
+              <a:off x="644055" y="635715"/>
+              <a:ext cx="10907863" cy="1541457"/>
+            </a:xfrm>
+            <a:prstGeom prst="rect">
+              <a:avLst/>
+            </a:prstGeom>
+            <a:solidFill>
+              <a:schemeClr val="accent1"/>
+            </a:solidFill>
+            <a:ln>
+              <a:noFill/>
+            </a:ln>
+          </p:spPr>
+          <p:txBody>
+            <a:bodyPr vert="horz" wrap="square" lIns="91440" tIns="45720" rIns="91440" bIns="45720" numCol="1" anchor="t" anchorCtr="0" compatLnSpc="1">
+              <a:prstTxWarp prst="textNoShape">
+                <a:avLst/>
+              </a:prstTxWarp>
+            </a:bodyPr>
+            <a:lstStyle/>
+            <a:p>
+              <a:pPr marL="0" marR="0" lvl="0" indent="0" algn="l" defTabSz="914400" rtl="0" eaLnBrk="1" fontAlgn="auto" latinLnBrk="0" hangingPunct="1">
+                <a:lnSpc>
+                  <a:spcPct val="100000"/>
+                </a:lnSpc>
+                <a:spcBef>
+                  <a:spcPts val="0"/>
+                </a:spcBef>
+                <a:spcAft>
+                  <a:spcPts val="0"/>
+                </a:spcAft>
+                <a:buClrTx/>
+                <a:buSzTx/>
+                <a:buFontTx/>
+                <a:buNone/>
+                <a:tabLst/>
+                <a:defRPr/>
+              </a:pPr>
+              <a:endParaRPr kumimoji="0" lang="en-US" sz="1800" b="0" i="0" u="none" strike="noStrike" kern="1200" cap="none" spc="0" normalizeH="0" baseline="0" noProof="0">
+                <a:ln>
+                  <a:noFill/>
+                </a:ln>
+                <a:solidFill>
+                  <a:prstClr val="black"/>
+                </a:solidFill>
+                <a:effectLst/>
+                <a:uLnTx/>
+                <a:uFillTx/>
+                <a:latin typeface="Calibri" panose="020F0502020204030204"/>
+                <a:ea typeface="+mn-ea"/>
+                <a:cs typeface="+mn-cs"/>
+              </a:endParaRPr>
+            </a:p>
+          </p:txBody>
+        </p:sp>
+      </p:grpSp>
+      <p:sp>
+        <p:nvSpPr>
+          <p:cNvPr id="2" name="Title 1">
+            <a:extLst>
+              <a:ext uri="{FF2B5EF4-FFF2-40B4-BE49-F238E27FC236}">
+                <a16:creationId xmlns:a16="http://schemas.microsoft.com/office/drawing/2014/main" id="{84AA6D8D-D4B7-49A8-8A14-3239A14CE9EB}"/>
+              </a:ext>
+            </a:extLst>
+          </p:cNvPr>
+          <p:cNvSpPr>
+            <a:spLocks noGrp="1"/>
+          </p:cNvSpPr>
+          <p:nvPr>
+            <p:ph type="title"/>
+          </p:nvPr>
+        </p:nvSpPr>
+        <p:spPr>
+          <a:xfrm>
+            <a:off x="1047280" y="759805"/>
+            <a:ext cx="10306520" cy="1325563"/>
+          </a:xfrm>
+        </p:spPr>
+        <p:txBody>
+          <a:bodyPr vert="horz" lIns="91440" tIns="45720" rIns="91440" bIns="45720" rtlCol="0" anchor="ctr">
+            <a:normAutofit/>
+          </a:bodyPr>
+          <a:lstStyle/>
+          <a:p>
+            <a:r>
+              <a:rPr lang="en-US" sz="4000" dirty="0">
+                <a:solidFill>
+                  <a:srgbClr val="FFFFFF"/>
+                </a:solidFill>
+              </a:rPr>
+              <a:t>Data Preparation</a:t>
+            </a:r>
+          </a:p>
+        </p:txBody>
+      </p:sp>
+      <p:sp>
+        <p:nvSpPr>
+          <p:cNvPr id="8" name="TextBox 7">
+            <a:extLst>
+              <a:ext uri="{FF2B5EF4-FFF2-40B4-BE49-F238E27FC236}">
+                <a16:creationId xmlns:a16="http://schemas.microsoft.com/office/drawing/2014/main" id="{FD50F4AF-2B2A-4F86-99D7-E539F44D5906}"/>
+              </a:ext>
+            </a:extLst>
+          </p:cNvPr>
+          <p:cNvSpPr txBox="1"/>
+          <p:nvPr/>
+        </p:nvSpPr>
+        <p:spPr>
+          <a:xfrm>
+            <a:off x="1424904" y="2543175"/>
+            <a:ext cx="3385635" cy="3363846"/>
+          </a:xfrm>
+          <a:prstGeom prst="rect">
+            <a:avLst/>
+          </a:prstGeom>
+        </p:spPr>
+        <p:txBody>
+          <a:bodyPr vert="horz" lIns="91440" tIns="45720" rIns="91440" bIns="45720" rtlCol="0" anchor="ctr">
+            <a:normAutofit/>
+          </a:bodyPr>
+          <a:lstStyle/>
+          <a:p>
+            <a:pPr marL="0" marR="0" lvl="0" indent="-228600" algn="l" defTabSz="914400" rtl="0" eaLnBrk="1" fontAlgn="auto" latinLnBrk="0" hangingPunct="1">
+              <a:lnSpc>
+                <a:spcPct val="90000"/>
+              </a:lnSpc>
+              <a:spcBef>
+                <a:spcPts val="0"/>
+              </a:spcBef>
+              <a:spcAft>
+                <a:spcPts val="600"/>
+              </a:spcAft>
+              <a:buClrTx/>
+              <a:buSzTx/>
+              <a:buFont typeface="Arial" panose="020B0604020202020204" pitchFamily="34" charset="0"/>
+              <a:buChar char="•"/>
+              <a:tabLst/>
+              <a:defRPr/>
+            </a:pPr>
+            <a:r>
+              <a:rPr kumimoji="0" lang="en-US" sz="1700" b="0" i="0" u="none" strike="noStrike" kern="1200" cap="none" spc="0" normalizeH="0" baseline="0" noProof="0" dirty="0">
+                <a:ln>
+                  <a:noFill/>
+                </a:ln>
+                <a:solidFill>
+                  <a:prstClr val="black"/>
+                </a:solidFill>
+                <a:effectLst/>
+                <a:uLnTx/>
+                <a:uFillTx/>
+                <a:latin typeface="Calibri" panose="020F0502020204030204"/>
+                <a:ea typeface="+mn-ea"/>
+                <a:cs typeface="+mn-cs"/>
+              </a:rPr>
+              <a:t>Transformed numeric features to ensure near-normal distributions. Utilized the </a:t>
+            </a:r>
+            <a:r>
+              <a:rPr kumimoji="0" lang="en-US" sz="1700" b="0" i="0" u="none" strike="noStrike" kern="1200" cap="none" spc="0" normalizeH="0" baseline="0" noProof="0" dirty="0" err="1">
+                <a:ln>
+                  <a:noFill/>
+                </a:ln>
+                <a:solidFill>
+                  <a:prstClr val="black"/>
+                </a:solidFill>
+                <a:effectLst/>
+                <a:uLnTx/>
+                <a:uFillTx/>
+                <a:latin typeface="Calibri" panose="020F0502020204030204"/>
+                <a:ea typeface="+mn-ea"/>
+                <a:cs typeface="+mn-cs"/>
+              </a:rPr>
+              <a:t>boxcox</a:t>
+            </a:r>
+            <a:r>
+              <a:rPr kumimoji="0" lang="en-US" sz="1700" b="0" i="0" u="none" strike="noStrike" kern="1200" cap="none" spc="0" normalizeH="0" baseline="0" noProof="0" dirty="0">
+                <a:ln>
+                  <a:noFill/>
+                </a:ln>
+                <a:solidFill>
+                  <a:prstClr val="black"/>
+                </a:solidFill>
+                <a:effectLst/>
+                <a:uLnTx/>
+                <a:uFillTx/>
+                <a:latin typeface="Calibri" panose="020F0502020204030204"/>
+                <a:ea typeface="+mn-ea"/>
+                <a:cs typeface="+mn-cs"/>
+              </a:rPr>
+              <a:t> transformation to ensure constant variability in the features as well. </a:t>
+            </a:r>
+            <a:r>
+              <a:rPr lang="en-US" sz="1700" dirty="0">
+                <a:solidFill>
+                  <a:prstClr val="black"/>
+                </a:solidFill>
+                <a:latin typeface="Calibri" panose="020F0502020204030204"/>
+              </a:rPr>
+              <a:t>Transformed features include:</a:t>
+            </a:r>
+            <a:endParaRPr kumimoji="0" lang="en-US" sz="1700" b="0" i="0" u="none" strike="noStrike" kern="1200" cap="none" spc="0" normalizeH="0" baseline="0" noProof="0" dirty="0">
+              <a:ln>
+                <a:noFill/>
+              </a:ln>
+              <a:solidFill>
+                <a:prstClr val="black"/>
+              </a:solidFill>
+              <a:effectLst/>
+              <a:uLnTx/>
+              <a:uFillTx/>
+              <a:latin typeface="Calibri" panose="020F0502020204030204"/>
+              <a:ea typeface="+mn-ea"/>
+              <a:cs typeface="+mn-cs"/>
+            </a:endParaRPr>
+          </a:p>
+          <a:p>
+            <a:pPr marL="0" marR="0" lvl="0" indent="-228600" algn="l" defTabSz="914400" rtl="0" eaLnBrk="1" fontAlgn="auto" latinLnBrk="0" hangingPunct="1">
+              <a:lnSpc>
+                <a:spcPct val="90000"/>
+              </a:lnSpc>
+              <a:spcBef>
+                <a:spcPts val="0"/>
+              </a:spcBef>
+              <a:spcAft>
+                <a:spcPts val="600"/>
+              </a:spcAft>
+              <a:buClrTx/>
+              <a:buSzTx/>
+              <a:buFont typeface="Arial" panose="020B0604020202020204" pitchFamily="34" charset="0"/>
+              <a:buChar char="•"/>
+              <a:tabLst/>
+              <a:defRPr/>
+            </a:pPr>
+            <a:endParaRPr kumimoji="0" lang="en-US" sz="1700" b="0" i="0" u="none" strike="noStrike" kern="1200" cap="none" spc="0" normalizeH="0" baseline="0" noProof="0" dirty="0">
+              <a:ln>
+                <a:noFill/>
+              </a:ln>
+              <a:solidFill>
+                <a:prstClr val="black"/>
+              </a:solidFill>
+              <a:effectLst/>
+              <a:uLnTx/>
+              <a:uFillTx/>
+              <a:latin typeface="Calibri" panose="020F0502020204030204"/>
+              <a:ea typeface="+mn-ea"/>
+              <a:cs typeface="+mn-cs"/>
+            </a:endParaRPr>
+          </a:p>
+          <a:p>
+            <a:pPr marL="285750" marR="0" lvl="0" indent="-228600" algn="l" defTabSz="914400" rtl="0" eaLnBrk="1" fontAlgn="auto" latinLnBrk="0" hangingPunct="1">
+              <a:lnSpc>
+                <a:spcPct val="90000"/>
+              </a:lnSpc>
+              <a:spcBef>
+                <a:spcPts val="0"/>
+              </a:spcBef>
+              <a:spcAft>
+                <a:spcPts val="600"/>
+              </a:spcAft>
+              <a:buClrTx/>
+              <a:buSzTx/>
+              <a:buFont typeface="Arial" panose="020B0604020202020204" pitchFamily="34" charset="0"/>
+              <a:buChar char="•"/>
+              <a:tabLst/>
+              <a:defRPr/>
+            </a:pPr>
+            <a:r>
+              <a:rPr kumimoji="0" lang="en-US" sz="1700" b="0" i="0" u="none" strike="noStrike" kern="1200" cap="none" spc="0" normalizeH="0" baseline="0" noProof="0" dirty="0">
+                <a:ln>
+                  <a:noFill/>
+                </a:ln>
+                <a:solidFill>
+                  <a:prstClr val="black"/>
+                </a:solidFill>
+                <a:effectLst/>
+                <a:uLnTx/>
+                <a:uFillTx/>
+                <a:latin typeface="Calibri" panose="020F0502020204030204"/>
+                <a:ea typeface="+mn-ea"/>
+                <a:cs typeface="+mn-cs"/>
+              </a:rPr>
+              <a:t>TARGET (emissions)</a:t>
+            </a:r>
+          </a:p>
+          <a:p>
+            <a:pPr marL="285750" marR="0" lvl="0" indent="-228600" algn="l" defTabSz="914400" rtl="0" eaLnBrk="1" fontAlgn="auto" latinLnBrk="0" hangingPunct="1">
+              <a:lnSpc>
+                <a:spcPct val="90000"/>
+              </a:lnSpc>
+              <a:spcBef>
+                <a:spcPts val="0"/>
+              </a:spcBef>
+              <a:spcAft>
+                <a:spcPts val="600"/>
+              </a:spcAft>
+              <a:buClrTx/>
+              <a:buSzTx/>
+              <a:buFont typeface="Arial" panose="020B0604020202020204" pitchFamily="34" charset="0"/>
+              <a:buChar char="•"/>
+              <a:tabLst/>
+              <a:defRPr/>
+            </a:pPr>
+            <a:r>
+              <a:rPr kumimoji="0" lang="en-US" sz="1700" b="0" i="0" u="none" strike="noStrike" kern="1200" cap="none" spc="0" normalizeH="0" baseline="0" noProof="0" dirty="0">
+                <a:ln>
+                  <a:noFill/>
+                </a:ln>
+                <a:solidFill>
+                  <a:prstClr val="black"/>
+                </a:solidFill>
+                <a:effectLst/>
+                <a:uLnTx/>
+                <a:uFillTx/>
+                <a:latin typeface="Calibri" panose="020F0502020204030204"/>
+                <a:ea typeface="+mn-ea"/>
+                <a:cs typeface="+mn-cs"/>
+              </a:rPr>
+              <a:t>Engine Size</a:t>
+            </a:r>
+          </a:p>
+          <a:p>
+            <a:pPr marL="285750" marR="0" lvl="0" indent="-228600" algn="l" defTabSz="914400" rtl="0" eaLnBrk="1" fontAlgn="auto" latinLnBrk="0" hangingPunct="1">
+              <a:lnSpc>
+                <a:spcPct val="90000"/>
+              </a:lnSpc>
+              <a:spcBef>
+                <a:spcPts val="0"/>
+              </a:spcBef>
+              <a:spcAft>
+                <a:spcPts val="600"/>
+              </a:spcAft>
+              <a:buClrTx/>
+              <a:buSzTx/>
+              <a:buFont typeface="Arial" panose="020B0604020202020204" pitchFamily="34" charset="0"/>
+              <a:buChar char="•"/>
+              <a:tabLst/>
+              <a:defRPr/>
+            </a:pPr>
+            <a:r>
+              <a:rPr kumimoji="0" lang="en-US" sz="1700" b="0" i="0" u="none" strike="noStrike" kern="1200" cap="none" spc="0" normalizeH="0" baseline="0" noProof="0" dirty="0">
+                <a:ln>
+                  <a:noFill/>
+                </a:ln>
+                <a:solidFill>
+                  <a:prstClr val="black"/>
+                </a:solidFill>
+                <a:effectLst/>
+                <a:uLnTx/>
+                <a:uFillTx/>
+                <a:latin typeface="Calibri" panose="020F0502020204030204"/>
+                <a:ea typeface="+mn-ea"/>
+                <a:cs typeface="+mn-cs"/>
+              </a:rPr>
+              <a:t>Fuel Consumption by type of road</a:t>
+            </a:r>
+          </a:p>
+        </p:txBody>
+      </p:sp>
+      <p:pic>
+        <p:nvPicPr>
+          <p:cNvPr id="3" name="Picture 2">
+            <a:extLst>
+              <a:ext uri="{FF2B5EF4-FFF2-40B4-BE49-F238E27FC236}">
+                <a16:creationId xmlns:a16="http://schemas.microsoft.com/office/drawing/2014/main" id="{D769B7CA-505A-43AC-9D80-300A0D607398}"/>
+              </a:ext>
+            </a:extLst>
+          </p:cNvPr>
+          <p:cNvPicPr>
+            <a:picLocks noChangeAspect="1"/>
+          </p:cNvPicPr>
+          <p:nvPr/>
+        </p:nvPicPr>
+        <p:blipFill>
+          <a:blip r:embed="rId2"/>
+          <a:stretch>
+            <a:fillRect/>
+          </a:stretch>
+        </p:blipFill>
+        <p:spPr>
+          <a:xfrm>
+            <a:off x="5050162" y="2354089"/>
+            <a:ext cx="5866654" cy="4131446"/>
+          </a:xfrm>
+          <a:prstGeom prst="rect">
+            <a:avLst/>
+          </a:prstGeom>
+        </p:spPr>
+      </p:pic>
+    </p:spTree>
+    <p:extLst>
+      <p:ext uri="{BB962C8B-B14F-4D97-AF65-F5344CB8AC3E}">
+        <p14:creationId xmlns:p14="http://schemas.microsoft.com/office/powerpoint/2010/main" val="1415015068"/>
+      </p:ext>
+    </p:extLst>
+  </p:cSld>
+  <p:clrMapOvr>
+    <a:masterClrMapping/>
+  </p:clrMapOvr>
+</p:sld>
+</file>
+
+<file path=ppt/slides/slide7.xml><?xml version="1.0" encoding="utf-8"?>
+<p:sld xmlns:a="http://schemas.openxmlformats.org/drawingml/2006/main" xmlns:r="http://schemas.openxmlformats.org/officeDocument/2006/relationships" xmlns:p="http://schemas.openxmlformats.org/presentationml/2006/main">
+  <p:cSld>
+    <p:bg>
+      <p:bgPr>
+        <a:solidFill>
+          <a:schemeClr val="bg1"/>
+        </a:solidFill>
+        <a:effectLst/>
+      </p:bgPr>
+    </p:bg>
+    <p:spTree>
+      <p:nvGrpSpPr>
+        <p:cNvPr id="1" name=""/>
+        <p:cNvGrpSpPr/>
+        <p:nvPr/>
+      </p:nvGrpSpPr>
+      <p:grpSpPr>
+        <a:xfrm>
+          <a:off x="0" y="0"/>
+          <a:ext cx="0" cy="0"/>
+          <a:chOff x="0" y="0"/>
+          <a:chExt cx="0" cy="0"/>
+        </a:xfrm>
+      </p:grpSpPr>
+      <p:sp useBgFill="1">
+        <p:nvSpPr>
+          <p:cNvPr id="27" name="Rectangle 14">
+            <a:extLst>
+              <a:ext uri="{FF2B5EF4-FFF2-40B4-BE49-F238E27FC236}">
+                <a16:creationId xmlns:a16="http://schemas.microsoft.com/office/drawing/2014/main" id="{799709F6-819A-4A9B-B299-52B516DA202B}"/>
+              </a:ext>
+              <a:ext uri="{C183D7F6-B498-43B3-948B-1728B52AA6E4}">
+                <adec:decorative xmlns:adec="http://schemas.microsoft.com/office/drawing/2017/decorative" val="1"/>
+              </a:ext>
+            </a:extLst>
+          </p:cNvPr>
+          <p:cNvSpPr>
+            <a:spLocks noGrp="1" noRot="1" noChangeAspect="1" noMove="1" noResize="1" noEditPoints="1" noAdjustHandles="1" noChangeArrowheads="1" noChangeShapeType="1" noTextEdit="1"/>
+          </p:cNvSpPr>
+          <p:nvPr>
+            <p:extLst>
+              <p:ext uri="{386F3935-93C4-4BCD-93E2-E3B085C9AB24}">
+                <p16:designElem xmlns:p16="http://schemas.microsoft.com/office/powerpoint/2015/main" val="1"/>
+              </p:ext>
+            </p:extLst>
+          </p:nvPr>
+        </p:nvSpPr>
+        <p:spPr>
+          <a:xfrm>
+            <a:off x="0" y="0"/>
+            <a:ext cx="12188952" cy="6858000"/>
+          </a:xfrm>
+          <a:prstGeom prst="rect">
+            <a:avLst/>
+          </a:prstGeom>
+          <a:ln>
+            <a:noFill/>
+          </a:ln>
+        </p:spPr>
+        <p:style>
+          <a:lnRef idx="2">
+            <a:schemeClr val="accent1">
+              <a:shade val="50000"/>
+            </a:schemeClr>
+          </a:lnRef>
+          <a:fillRef idx="1">
+            <a:schemeClr val="accent1"/>
+          </a:fillRef>
+          <a:effectRef idx="0">
+            <a:schemeClr val="accent1"/>
+          </a:effectRef>
+          <a:fontRef idx="minor">
+            <a:schemeClr val="lt1"/>
+          </a:fontRef>
+        </p:style>
+        <p:txBody>
+          <a:bodyPr rtlCol="0" anchor="ctr"/>
+          <a:lstStyle/>
+          <a:p>
+            <a:pPr marL="0" marR="0" lvl="0" indent="0" algn="ctr" defTabSz="914400" rtl="0" eaLnBrk="1" fontAlgn="auto" latinLnBrk="0" hangingPunct="1">
+              <a:lnSpc>
+                <a:spcPct val="100000"/>
+              </a:lnSpc>
+              <a:spcBef>
+                <a:spcPts val="0"/>
+              </a:spcBef>
+              <a:spcAft>
+                <a:spcPts val="0"/>
+              </a:spcAft>
+              <a:buClrTx/>
+              <a:buSzTx/>
+              <a:buFontTx/>
+              <a:buNone/>
+              <a:tabLst/>
+              <a:defRPr/>
+            </a:pPr>
+            <a:endParaRPr kumimoji="0" lang="en-US" sz="1800" b="0" i="0" u="none" strike="noStrike" kern="1200" cap="none" spc="0" normalizeH="0" baseline="0" noProof="0">
+              <a:ln>
+                <a:noFill/>
+              </a:ln>
+              <a:solidFill>
+                <a:prstClr val="white"/>
+              </a:solidFill>
+              <a:effectLst/>
+              <a:uLnTx/>
+              <a:uFillTx/>
+              <a:latin typeface="Calibri" panose="020F0502020204030204"/>
+              <a:ea typeface="+mn-ea"/>
+              <a:cs typeface="+mn-cs"/>
+            </a:endParaRPr>
+          </a:p>
+        </p:txBody>
+      </p:sp>
+      <p:grpSp>
+        <p:nvGrpSpPr>
+          <p:cNvPr id="28" name="Group 16">
+            <a:extLst>
+              <a:ext uri="{FF2B5EF4-FFF2-40B4-BE49-F238E27FC236}">
+                <a16:creationId xmlns:a16="http://schemas.microsoft.com/office/drawing/2014/main" id="{DE956BBB-7B91-4BF1-8CC5-4F1F5C3E0947}"/>
+              </a:ext>
+              <a:ext uri="{C183D7F6-B498-43B3-948B-1728B52AA6E4}">
+                <adec:decorative xmlns:adec="http://schemas.microsoft.com/office/drawing/2017/decorative" val="1"/>
+              </a:ext>
+            </a:extLst>
+          </p:cNvPr>
+          <p:cNvGrpSpPr>
+            <a:grpSpLocks noGrp="1" noUngrp="1" noRot="1" noChangeAspect="1" noMove="1" noResize="1"/>
+          </p:cNvGrpSpPr>
+          <p:nvPr>
+            <p:extLst>
+              <p:ext uri="{386F3935-93C4-4BCD-93E2-E3B085C9AB24}">
+                <p16:designElem xmlns:p16="http://schemas.microsoft.com/office/powerpoint/2015/main" val="1"/>
+              </p:ext>
+            </p:extLst>
+          </p:nvPr>
+        </p:nvGrpSpPr>
+        <p:grpSpPr>
+          <a:xfrm>
+            <a:off x="409710" y="635715"/>
+            <a:ext cx="11142208" cy="2482136"/>
+            <a:chOff x="409710" y="635715"/>
+            <a:chExt cx="11142208" cy="2482136"/>
+          </a:xfrm>
+        </p:grpSpPr>
+        <p:sp>
+          <p:nvSpPr>
+            <p:cNvPr id="18" name="Freeform 44">
+              <a:extLst>
+                <a:ext uri="{FF2B5EF4-FFF2-40B4-BE49-F238E27FC236}">
+                  <a16:creationId xmlns:a16="http://schemas.microsoft.com/office/drawing/2014/main" id="{331C4F13-3AB4-4BD8-B1A2-76809863ED9D}"/>
+                </a:ext>
+                <a:ext uri="{C183D7F6-B498-43B3-948B-1728B52AA6E4}">
+                  <adec:decorative xmlns:adec="http://schemas.microsoft.com/office/drawing/2017/decorative" val="1"/>
+                </a:ext>
+              </a:extLst>
+            </p:cNvPr>
+            <p:cNvSpPr>
+              <a:spLocks/>
+            </p:cNvSpPr>
+            <p:nvPr>
+              <p:extLst>
+                <p:ext uri="{386F3935-93C4-4BCD-93E2-E3B085C9AB24}">
+                  <p16:designElem xmlns:p16="http://schemas.microsoft.com/office/powerpoint/2015/main" val="1"/>
+                </p:ext>
+              </p:extLst>
+            </p:nvPr>
+          </p:nvSpPr>
+          <p:spPr bwMode="auto">
+            <a:xfrm>
+              <a:off x="11223203" y="635716"/>
+              <a:ext cx="328612" cy="1742360"/>
+            </a:xfrm>
+            <a:custGeom>
+              <a:avLst/>
+              <a:gdLst>
+                <a:gd name="T0" fmla="*/ 207 w 207"/>
+                <a:gd name="T1" fmla="*/ 987 h 1114"/>
+                <a:gd name="T2" fmla="*/ 0 w 207"/>
+                <a:gd name="T3" fmla="*/ 1114 h 1114"/>
+                <a:gd name="T4" fmla="*/ 0 w 207"/>
+                <a:gd name="T5" fmla="*/ 127 h 1114"/>
+                <a:gd name="T6" fmla="*/ 207 w 207"/>
+                <a:gd name="T7" fmla="*/ 0 h 1114"/>
+                <a:gd name="T8" fmla="*/ 207 w 207"/>
+                <a:gd name="T9" fmla="*/ 987 h 1114"/>
+              </a:gdLst>
+              <a:ahLst/>
+              <a:cxnLst>
+                <a:cxn ang="0">
+                  <a:pos x="T0" y="T1"/>
+                </a:cxn>
+                <a:cxn ang="0">
+                  <a:pos x="T2" y="T3"/>
+                </a:cxn>
+                <a:cxn ang="0">
+                  <a:pos x="T4" y="T5"/>
+                </a:cxn>
+                <a:cxn ang="0">
+                  <a:pos x="T6" y="T7"/>
+                </a:cxn>
+                <a:cxn ang="0">
+                  <a:pos x="T8" y="T9"/>
+                </a:cxn>
+              </a:cxnLst>
+              <a:rect l="0" t="0" r="r" b="b"/>
+              <a:pathLst>
+                <a:path w="207" h="1114">
+                  <a:moveTo>
+                    <a:pt x="207" y="987"/>
+                  </a:moveTo>
+                  <a:lnTo>
+                    <a:pt x="0" y="1114"/>
+                  </a:lnTo>
+                  <a:lnTo>
+                    <a:pt x="0" y="127"/>
+                  </a:lnTo>
+                  <a:lnTo>
+                    <a:pt x="207" y="0"/>
+                  </a:lnTo>
+                  <a:lnTo>
+                    <a:pt x="207" y="987"/>
+                  </a:lnTo>
+                  <a:close/>
+                </a:path>
+              </a:pathLst>
+            </a:custGeom>
+            <a:solidFill>
+              <a:schemeClr val="accent1">
+                <a:lumMod val="50000"/>
+              </a:schemeClr>
+            </a:solidFill>
+            <a:ln>
+              <a:noFill/>
+            </a:ln>
+          </p:spPr>
+          <p:txBody>
+            <a:bodyPr vert="horz" wrap="square" lIns="91440" tIns="45720" rIns="91440" bIns="45720" numCol="1" anchor="t" anchorCtr="0" compatLnSpc="1">
+              <a:prstTxWarp prst="textNoShape">
+                <a:avLst/>
+              </a:prstTxWarp>
+            </a:bodyPr>
+            <a:lstStyle/>
+            <a:p>
+              <a:pPr marL="0" marR="0" lvl="0" indent="0" algn="l" defTabSz="914400" rtl="0" eaLnBrk="1" fontAlgn="auto" latinLnBrk="0" hangingPunct="1">
+                <a:lnSpc>
+                  <a:spcPct val="100000"/>
+                </a:lnSpc>
+                <a:spcBef>
+                  <a:spcPts val="0"/>
+                </a:spcBef>
+                <a:spcAft>
+                  <a:spcPts val="0"/>
+                </a:spcAft>
+                <a:buClrTx/>
+                <a:buSzTx/>
+                <a:buFontTx/>
+                <a:buNone/>
+                <a:tabLst/>
+                <a:defRPr/>
+              </a:pPr>
+              <a:endParaRPr kumimoji="0" lang="en-US" sz="1800" b="0" i="0" u="none" strike="noStrike" kern="1200" cap="none" spc="0" normalizeH="0" baseline="0" noProof="0">
+                <a:ln>
+                  <a:noFill/>
+                </a:ln>
+                <a:solidFill>
+                  <a:prstClr val="black"/>
+                </a:solidFill>
+                <a:effectLst/>
+                <a:uLnTx/>
+                <a:uFillTx/>
+                <a:latin typeface="Calibri" panose="020F0502020204030204"/>
+                <a:ea typeface="+mn-ea"/>
+                <a:cs typeface="+mn-cs"/>
+              </a:endParaRPr>
+            </a:p>
+          </p:txBody>
+        </p:sp>
+        <p:sp>
+          <p:nvSpPr>
+            <p:cNvPr id="29" name="Freeform 45">
+              <a:extLst>
+                <a:ext uri="{FF2B5EF4-FFF2-40B4-BE49-F238E27FC236}">
+                  <a16:creationId xmlns:a16="http://schemas.microsoft.com/office/drawing/2014/main" id="{52D8231F-00FF-4EE0-B405-28CC397CF071}"/>
+                </a:ext>
+                <a:ext uri="{C183D7F6-B498-43B3-948B-1728B52AA6E4}">
+                  <adec:decorative xmlns:adec="http://schemas.microsoft.com/office/drawing/2017/decorative" val="1"/>
+                </a:ext>
+              </a:extLst>
+            </p:cNvPr>
+            <p:cNvSpPr>
+              <a:spLocks/>
+            </p:cNvSpPr>
+            <p:nvPr>
+              <p:extLst>
+                <p:ext uri="{386F3935-93C4-4BCD-93E2-E3B085C9AB24}">
+                  <p16:designElem xmlns:p16="http://schemas.microsoft.com/office/powerpoint/2015/main" val="1"/>
+                </p:ext>
+              </p:extLst>
+            </p:nvPr>
+          </p:nvSpPr>
+          <p:spPr bwMode="auto">
+            <a:xfrm>
+              <a:off x="409710" y="1022350"/>
+              <a:ext cx="709612" cy="2095501"/>
+            </a:xfrm>
+            <a:custGeom>
+              <a:avLst/>
+              <a:gdLst>
+                <a:gd name="T0" fmla="*/ 447 w 447"/>
+                <a:gd name="T1" fmla="*/ 1363 h 1363"/>
+                <a:gd name="T2" fmla="*/ 0 w 447"/>
+                <a:gd name="T3" fmla="*/ 987 h 1363"/>
+                <a:gd name="T4" fmla="*/ 0 w 447"/>
+                <a:gd name="T5" fmla="*/ 0 h 1363"/>
+                <a:gd name="T6" fmla="*/ 447 w 447"/>
+                <a:gd name="T7" fmla="*/ 376 h 1363"/>
+                <a:gd name="T8" fmla="*/ 447 w 447"/>
+                <a:gd name="T9" fmla="*/ 1363 h 1363"/>
+              </a:gdLst>
+              <a:ahLst/>
+              <a:cxnLst>
+                <a:cxn ang="0">
+                  <a:pos x="T0" y="T1"/>
+                </a:cxn>
+                <a:cxn ang="0">
+                  <a:pos x="T2" y="T3"/>
+                </a:cxn>
+                <a:cxn ang="0">
+                  <a:pos x="T4" y="T5"/>
+                </a:cxn>
+                <a:cxn ang="0">
+                  <a:pos x="T6" y="T7"/>
+                </a:cxn>
+                <a:cxn ang="0">
+                  <a:pos x="T8" y="T9"/>
+                </a:cxn>
+              </a:cxnLst>
+              <a:rect l="0" t="0" r="r" b="b"/>
+              <a:pathLst>
+                <a:path w="447" h="1363">
+                  <a:moveTo>
+                    <a:pt x="447" y="1363"/>
+                  </a:moveTo>
+                  <a:lnTo>
+                    <a:pt x="0" y="987"/>
+                  </a:lnTo>
+                  <a:lnTo>
+                    <a:pt x="0" y="0"/>
+                  </a:lnTo>
+                  <a:lnTo>
+                    <a:pt x="447" y="376"/>
+                  </a:lnTo>
+                  <a:lnTo>
+                    <a:pt x="447" y="1363"/>
+                  </a:lnTo>
+                  <a:close/>
+                </a:path>
+              </a:pathLst>
+            </a:custGeom>
+            <a:solidFill>
+              <a:schemeClr val="accent1">
+                <a:lumMod val="50000"/>
+              </a:schemeClr>
+            </a:solidFill>
+            <a:ln>
+              <a:noFill/>
+            </a:ln>
+          </p:spPr>
+          <p:txBody>
+            <a:bodyPr vert="horz" wrap="square" lIns="91440" tIns="45720" rIns="91440" bIns="45720" numCol="1" anchor="t" anchorCtr="0" compatLnSpc="1">
+              <a:prstTxWarp prst="textNoShape">
+                <a:avLst/>
+              </a:prstTxWarp>
+            </a:bodyPr>
+            <a:lstStyle/>
+            <a:p>
+              <a:pPr marL="0" marR="0" lvl="0" indent="0" algn="l" defTabSz="914400" rtl="0" eaLnBrk="1" fontAlgn="auto" latinLnBrk="0" hangingPunct="1">
+                <a:lnSpc>
+                  <a:spcPct val="100000"/>
+                </a:lnSpc>
+                <a:spcBef>
+                  <a:spcPts val="0"/>
+                </a:spcBef>
+                <a:spcAft>
+                  <a:spcPts val="0"/>
+                </a:spcAft>
+                <a:buClrTx/>
+                <a:buSzTx/>
+                <a:buFontTx/>
+                <a:buNone/>
+                <a:tabLst/>
+                <a:defRPr/>
+              </a:pPr>
+              <a:endParaRPr kumimoji="0" lang="en-US" sz="1800" b="0" i="0" u="none" strike="noStrike" kern="1200" cap="none" spc="0" normalizeH="0" baseline="0" noProof="0">
+                <a:ln>
+                  <a:noFill/>
+                </a:ln>
+                <a:solidFill>
+                  <a:prstClr val="black"/>
+                </a:solidFill>
+                <a:effectLst/>
+                <a:uLnTx/>
+                <a:uFillTx/>
+                <a:latin typeface="Calibri" panose="020F0502020204030204"/>
+                <a:ea typeface="+mn-ea"/>
+                <a:cs typeface="+mn-cs"/>
+              </a:endParaRPr>
+            </a:p>
+          </p:txBody>
+        </p:sp>
+        <p:sp>
+          <p:nvSpPr>
+            <p:cNvPr id="20" name="Freeform 46">
+              <a:extLst>
+                <a:ext uri="{FF2B5EF4-FFF2-40B4-BE49-F238E27FC236}">
+                  <a16:creationId xmlns:a16="http://schemas.microsoft.com/office/drawing/2014/main" id="{C80BB271-C270-4FB5-B9F1-D81F239ED03F}"/>
+                </a:ext>
+                <a:ext uri="{C183D7F6-B498-43B3-948B-1728B52AA6E4}">
+                  <adec:decorative xmlns:adec="http://schemas.microsoft.com/office/drawing/2017/decorative" val="1"/>
+                </a:ext>
+              </a:extLst>
+            </p:cNvPr>
+            <p:cNvSpPr>
+              <a:spLocks/>
+            </p:cNvSpPr>
+            <p:nvPr>
+              <p:extLst>
+                <p:ext uri="{386F3935-93C4-4BCD-93E2-E3B085C9AB24}">
+                  <p16:designElem xmlns:p16="http://schemas.microsoft.com/office/powerpoint/2015/main" val="1"/>
+                </p:ext>
+              </p:extLst>
+            </p:nvPr>
+          </p:nvSpPr>
+          <p:spPr bwMode="auto">
+            <a:xfrm>
+              <a:off x="409710" y="837744"/>
+              <a:ext cx="403225" cy="1705431"/>
+            </a:xfrm>
+            <a:custGeom>
+              <a:avLst/>
+              <a:gdLst>
+                <a:gd name="T0" fmla="*/ 254 w 254"/>
+                <a:gd name="T1" fmla="*/ 987 h 1109"/>
+                <a:gd name="T2" fmla="*/ 0 w 254"/>
+                <a:gd name="T3" fmla="*/ 1109 h 1109"/>
+                <a:gd name="T4" fmla="*/ 0 w 254"/>
+                <a:gd name="T5" fmla="*/ 119 h 1109"/>
+                <a:gd name="T6" fmla="*/ 254 w 254"/>
+                <a:gd name="T7" fmla="*/ 0 h 1109"/>
+                <a:gd name="T8" fmla="*/ 254 w 254"/>
+                <a:gd name="T9" fmla="*/ 987 h 1109"/>
+              </a:gdLst>
+              <a:ahLst/>
+              <a:cxnLst>
+                <a:cxn ang="0">
+                  <a:pos x="T0" y="T1"/>
+                </a:cxn>
+                <a:cxn ang="0">
+                  <a:pos x="T2" y="T3"/>
+                </a:cxn>
+                <a:cxn ang="0">
+                  <a:pos x="T4" y="T5"/>
+                </a:cxn>
+                <a:cxn ang="0">
+                  <a:pos x="T6" y="T7"/>
+                </a:cxn>
+                <a:cxn ang="0">
+                  <a:pos x="T8" y="T9"/>
+                </a:cxn>
+              </a:cxnLst>
+              <a:rect l="0" t="0" r="r" b="b"/>
+              <a:pathLst>
+                <a:path w="254" h="1109">
+                  <a:moveTo>
+                    <a:pt x="254" y="987"/>
+                  </a:moveTo>
+                  <a:lnTo>
+                    <a:pt x="0" y="1109"/>
+                  </a:lnTo>
+                  <a:lnTo>
+                    <a:pt x="0" y="119"/>
+                  </a:lnTo>
+                  <a:lnTo>
+                    <a:pt x="254" y="0"/>
+                  </a:lnTo>
+                  <a:lnTo>
+                    <a:pt x="254" y="987"/>
+                  </a:lnTo>
+                  <a:close/>
+                </a:path>
+              </a:pathLst>
+            </a:custGeom>
+            <a:solidFill>
+              <a:schemeClr val="accent1">
+                <a:lumMod val="75000"/>
+              </a:schemeClr>
+            </a:solidFill>
+            <a:ln>
+              <a:noFill/>
+            </a:ln>
+          </p:spPr>
+          <p:txBody>
+            <a:bodyPr vert="horz" wrap="square" lIns="91440" tIns="45720" rIns="91440" bIns="45720" numCol="1" anchor="t" anchorCtr="0" compatLnSpc="1">
+              <a:prstTxWarp prst="textNoShape">
+                <a:avLst/>
+              </a:prstTxWarp>
+            </a:bodyPr>
+            <a:lstStyle/>
+            <a:p>
+              <a:pPr marL="0" marR="0" lvl="0" indent="0" algn="l" defTabSz="914400" rtl="0" eaLnBrk="1" fontAlgn="auto" latinLnBrk="0" hangingPunct="1">
+                <a:lnSpc>
+                  <a:spcPct val="100000"/>
+                </a:lnSpc>
+                <a:spcBef>
+                  <a:spcPts val="0"/>
+                </a:spcBef>
+                <a:spcAft>
+                  <a:spcPts val="0"/>
+                </a:spcAft>
+                <a:buClrTx/>
+                <a:buSzTx/>
+                <a:buFontTx/>
+                <a:buNone/>
+                <a:tabLst/>
+                <a:defRPr/>
+              </a:pPr>
+              <a:endParaRPr kumimoji="0" lang="en-US" sz="1800" b="0" i="0" u="none" strike="noStrike" kern="1200" cap="none" spc="0" normalizeH="0" baseline="0" noProof="0">
+                <a:ln>
+                  <a:noFill/>
+                </a:ln>
+                <a:solidFill>
+                  <a:prstClr val="black"/>
+                </a:solidFill>
+                <a:effectLst/>
+                <a:uLnTx/>
+                <a:uFillTx/>
+                <a:latin typeface="Calibri" panose="020F0502020204030204"/>
+                <a:ea typeface="+mn-ea"/>
+                <a:cs typeface="+mn-cs"/>
+              </a:endParaRPr>
+            </a:p>
+          </p:txBody>
+        </p:sp>
+        <p:sp>
+          <p:nvSpPr>
+            <p:cNvPr id="30" name="Freeform 47">
+              <a:extLst>
+                <a:ext uri="{FF2B5EF4-FFF2-40B4-BE49-F238E27FC236}">
+                  <a16:creationId xmlns:a16="http://schemas.microsoft.com/office/drawing/2014/main" id="{1BDA5F0C-5FEC-4DA5-A154-3EC7AA69004D}"/>
+                </a:ext>
+                <a:ext uri="{C183D7F6-B498-43B3-948B-1728B52AA6E4}">
+                  <adec:decorative xmlns:adec="http://schemas.microsoft.com/office/drawing/2017/decorative" val="1"/>
+                </a:ext>
+              </a:extLst>
+            </p:cNvPr>
+            <p:cNvSpPr>
+              <a:spLocks/>
+            </p:cNvSpPr>
+            <p:nvPr>
+              <p:extLst>
+                <p:ext uri="{386F3935-93C4-4BCD-93E2-E3B085C9AB24}">
+                  <p16:designElem xmlns:p16="http://schemas.microsoft.com/office/powerpoint/2015/main" val="1"/>
+                </p:ext>
+              </p:extLst>
+            </p:nvPr>
+          </p:nvSpPr>
+          <p:spPr bwMode="auto">
+            <a:xfrm>
+              <a:off x="644660" y="640894"/>
+              <a:ext cx="168275" cy="1713195"/>
+            </a:xfrm>
+            <a:custGeom>
+              <a:avLst/>
+              <a:gdLst>
+                <a:gd name="T0" fmla="*/ 106 w 106"/>
+                <a:gd name="T1" fmla="*/ 1114 h 1114"/>
+                <a:gd name="T2" fmla="*/ 0 w 106"/>
+                <a:gd name="T3" fmla="*/ 1005 h 1114"/>
+                <a:gd name="T4" fmla="*/ 0 w 106"/>
+                <a:gd name="T5" fmla="*/ 0 h 1114"/>
+                <a:gd name="T6" fmla="*/ 106 w 106"/>
+                <a:gd name="T7" fmla="*/ 110 h 1114"/>
+                <a:gd name="T8" fmla="*/ 106 w 106"/>
+                <a:gd name="T9" fmla="*/ 1114 h 1114"/>
+              </a:gdLst>
+              <a:ahLst/>
+              <a:cxnLst>
+                <a:cxn ang="0">
+                  <a:pos x="T0" y="T1"/>
+                </a:cxn>
+                <a:cxn ang="0">
+                  <a:pos x="T2" y="T3"/>
+                </a:cxn>
+                <a:cxn ang="0">
+                  <a:pos x="T4" y="T5"/>
+                </a:cxn>
+                <a:cxn ang="0">
+                  <a:pos x="T6" y="T7"/>
+                </a:cxn>
+                <a:cxn ang="0">
+                  <a:pos x="T8" y="T9"/>
+                </a:cxn>
+              </a:cxnLst>
+              <a:rect l="0" t="0" r="r" b="b"/>
+              <a:pathLst>
+                <a:path w="106" h="1114">
+                  <a:moveTo>
+                    <a:pt x="106" y="1114"/>
+                  </a:moveTo>
+                  <a:lnTo>
+                    <a:pt x="0" y="1005"/>
+                  </a:lnTo>
+                  <a:lnTo>
+                    <a:pt x="0" y="0"/>
+                  </a:lnTo>
+                  <a:lnTo>
+                    <a:pt x="106" y="110"/>
+                  </a:lnTo>
+                  <a:lnTo>
+                    <a:pt x="106" y="1114"/>
+                  </a:lnTo>
+                  <a:close/>
+                </a:path>
+              </a:pathLst>
+            </a:custGeom>
+            <a:solidFill>
+              <a:schemeClr val="accent1">
+                <a:lumMod val="50000"/>
+              </a:schemeClr>
+            </a:solidFill>
+            <a:ln>
+              <a:noFill/>
+            </a:ln>
+          </p:spPr>
+          <p:txBody>
+            <a:bodyPr vert="horz" wrap="square" lIns="91440" tIns="45720" rIns="91440" bIns="45720" numCol="1" anchor="t" anchorCtr="0" compatLnSpc="1">
+              <a:prstTxWarp prst="textNoShape">
+                <a:avLst/>
+              </a:prstTxWarp>
+            </a:bodyPr>
+            <a:lstStyle/>
+            <a:p>
+              <a:pPr marL="0" marR="0" lvl="0" indent="0" algn="l" defTabSz="914400" rtl="0" eaLnBrk="1" fontAlgn="auto" latinLnBrk="0" hangingPunct="1">
+                <a:lnSpc>
+                  <a:spcPct val="100000"/>
+                </a:lnSpc>
+                <a:spcBef>
+                  <a:spcPts val="0"/>
+                </a:spcBef>
+                <a:spcAft>
+                  <a:spcPts val="0"/>
+                </a:spcAft>
+                <a:buClrTx/>
+                <a:buSzTx/>
+                <a:buFontTx/>
+                <a:buNone/>
+                <a:tabLst/>
+                <a:defRPr/>
+              </a:pPr>
+              <a:endParaRPr kumimoji="0" lang="en-US" sz="1800" b="0" i="0" u="none" strike="noStrike" kern="1200" cap="none" spc="0" normalizeH="0" baseline="0" noProof="0">
+                <a:ln>
+                  <a:noFill/>
+                </a:ln>
+                <a:solidFill>
+                  <a:prstClr val="black"/>
+                </a:solidFill>
+                <a:effectLst/>
+                <a:uLnTx/>
+                <a:uFillTx/>
+                <a:latin typeface="Calibri" panose="020F0502020204030204"/>
+                <a:ea typeface="+mn-ea"/>
+                <a:cs typeface="+mn-cs"/>
+              </a:endParaRPr>
+            </a:p>
+          </p:txBody>
+        </p:sp>
+        <p:sp>
+          <p:nvSpPr>
+            <p:cNvPr id="22" name="Rectangle 21">
+              <a:extLst>
+                <a:ext uri="{FF2B5EF4-FFF2-40B4-BE49-F238E27FC236}">
+                  <a16:creationId xmlns:a16="http://schemas.microsoft.com/office/drawing/2014/main" id="{E342B9BC-62E1-4F01-AE2D-4143126BE045}"/>
+                </a:ext>
+                <a:ext uri="{C183D7F6-B498-43B3-948B-1728B52AA6E4}">
+                  <adec:decorative xmlns:adec="http://schemas.microsoft.com/office/drawing/2017/decorative" val="1"/>
+                </a:ext>
+              </a:extLst>
+            </p:cNvPr>
+            <p:cNvSpPr>
+              <a:spLocks noChangeArrowheads="1"/>
+            </p:cNvSpPr>
+            <p:nvPr>
+              <p:extLst>
+                <p:ext uri="{386F3935-93C4-4BCD-93E2-E3B085C9AB24}">
+                  <p16:designElem xmlns:p16="http://schemas.microsoft.com/office/powerpoint/2015/main" val="1"/>
+                </p:ext>
+              </p:extLst>
+            </p:nvPr>
+          </p:nvSpPr>
+          <p:spPr bwMode="auto">
+            <a:xfrm>
+              <a:off x="644055" y="635715"/>
+              <a:ext cx="10907863" cy="1541457"/>
+            </a:xfrm>
+            <a:prstGeom prst="rect">
+              <a:avLst/>
+            </a:prstGeom>
+            <a:solidFill>
+              <a:schemeClr val="accent1"/>
+            </a:solidFill>
+            <a:ln>
+              <a:noFill/>
+            </a:ln>
+          </p:spPr>
+          <p:txBody>
+            <a:bodyPr vert="horz" wrap="square" lIns="91440" tIns="45720" rIns="91440" bIns="45720" numCol="1" anchor="t" anchorCtr="0" compatLnSpc="1">
+              <a:prstTxWarp prst="textNoShape">
+                <a:avLst/>
+              </a:prstTxWarp>
+            </a:bodyPr>
+            <a:lstStyle/>
+            <a:p>
+              <a:pPr marL="0" marR="0" lvl="0" indent="0" algn="l" defTabSz="914400" rtl="0" eaLnBrk="1" fontAlgn="auto" latinLnBrk="0" hangingPunct="1">
+                <a:lnSpc>
+                  <a:spcPct val="100000"/>
+                </a:lnSpc>
+                <a:spcBef>
+                  <a:spcPts val="0"/>
+                </a:spcBef>
+                <a:spcAft>
+                  <a:spcPts val="0"/>
+                </a:spcAft>
+                <a:buClrTx/>
+                <a:buSzTx/>
+                <a:buFontTx/>
+                <a:buNone/>
+                <a:tabLst/>
+                <a:defRPr/>
+              </a:pPr>
+              <a:endParaRPr kumimoji="0" lang="en-US" sz="1800" b="0" i="0" u="none" strike="noStrike" kern="1200" cap="none" spc="0" normalizeH="0" baseline="0" noProof="0">
+                <a:ln>
+                  <a:noFill/>
+                </a:ln>
+                <a:solidFill>
+                  <a:prstClr val="black"/>
+                </a:solidFill>
+                <a:effectLst/>
+                <a:uLnTx/>
+                <a:uFillTx/>
+                <a:latin typeface="Calibri" panose="020F0502020204030204"/>
+                <a:ea typeface="+mn-ea"/>
+                <a:cs typeface="+mn-cs"/>
+              </a:endParaRPr>
+            </a:p>
+          </p:txBody>
+        </p:sp>
+      </p:grpSp>
+      <p:sp>
+        <p:nvSpPr>
+          <p:cNvPr id="2" name="Title 1">
+            <a:extLst>
+              <a:ext uri="{FF2B5EF4-FFF2-40B4-BE49-F238E27FC236}">
+                <a16:creationId xmlns:a16="http://schemas.microsoft.com/office/drawing/2014/main" id="{84AA6D8D-D4B7-49A8-8A14-3239A14CE9EB}"/>
+              </a:ext>
+            </a:extLst>
+          </p:cNvPr>
+          <p:cNvSpPr>
+            <a:spLocks noGrp="1"/>
+          </p:cNvSpPr>
+          <p:nvPr>
+            <p:ph type="title"/>
+          </p:nvPr>
+        </p:nvSpPr>
+        <p:spPr>
+          <a:xfrm>
+            <a:off x="1047280" y="759805"/>
+            <a:ext cx="10306520" cy="1325563"/>
+          </a:xfrm>
+        </p:spPr>
+        <p:txBody>
+          <a:bodyPr vert="horz" lIns="91440" tIns="45720" rIns="91440" bIns="45720" rtlCol="0" anchor="ctr">
+            <a:normAutofit/>
+          </a:bodyPr>
+          <a:lstStyle/>
+          <a:p>
+            <a:r>
+              <a:rPr lang="en-US" sz="4000" dirty="0">
+                <a:solidFill>
+                  <a:srgbClr val="FFFFFF"/>
+                </a:solidFill>
+              </a:rPr>
+              <a:t>Model Results</a:t>
+            </a:r>
+          </a:p>
+        </p:txBody>
+      </p:sp>
+      <p:pic>
+        <p:nvPicPr>
+          <p:cNvPr id="4" name="Picture 3">
+            <a:extLst>
+              <a:ext uri="{FF2B5EF4-FFF2-40B4-BE49-F238E27FC236}">
+                <a16:creationId xmlns:a16="http://schemas.microsoft.com/office/drawing/2014/main" id="{B4644D94-0BCE-4949-881B-5C169742B0AE}"/>
+              </a:ext>
+            </a:extLst>
+          </p:cNvPr>
+          <p:cNvPicPr>
+            <a:picLocks noChangeAspect="1"/>
+          </p:cNvPicPr>
+          <p:nvPr/>
+        </p:nvPicPr>
+        <p:blipFill>
+          <a:blip r:embed="rId2"/>
+          <a:stretch>
+            <a:fillRect/>
+          </a:stretch>
+        </p:blipFill>
+        <p:spPr>
+          <a:xfrm>
+            <a:off x="5562145" y="2257990"/>
+            <a:ext cx="5591949" cy="686731"/>
+          </a:xfrm>
+          <a:prstGeom prst="rect">
+            <a:avLst/>
+          </a:prstGeom>
+        </p:spPr>
+      </p:pic>
+      <p:pic>
+        <p:nvPicPr>
+          <p:cNvPr id="5" name="Picture 4">
+            <a:extLst>
+              <a:ext uri="{FF2B5EF4-FFF2-40B4-BE49-F238E27FC236}">
+                <a16:creationId xmlns:a16="http://schemas.microsoft.com/office/drawing/2014/main" id="{6C2FBF88-2C4C-4399-A113-FB67A04FDD6C}"/>
+              </a:ext>
+            </a:extLst>
+          </p:cNvPr>
+          <p:cNvPicPr>
+            <a:picLocks noChangeAspect="1"/>
+          </p:cNvPicPr>
+          <p:nvPr/>
+        </p:nvPicPr>
+        <p:blipFill>
+          <a:blip r:embed="rId3"/>
+          <a:stretch>
+            <a:fillRect/>
+          </a:stretch>
+        </p:blipFill>
+        <p:spPr>
+          <a:xfrm>
+            <a:off x="5782628" y="3025539"/>
+            <a:ext cx="5304201" cy="3680852"/>
+          </a:xfrm>
+          <a:prstGeom prst="rect">
+            <a:avLst/>
+          </a:prstGeom>
+        </p:spPr>
+      </p:pic>
+      <p:sp>
+        <p:nvSpPr>
+          <p:cNvPr id="6" name="TextBox 5">
+            <a:extLst>
+              <a:ext uri="{FF2B5EF4-FFF2-40B4-BE49-F238E27FC236}">
+                <a16:creationId xmlns:a16="http://schemas.microsoft.com/office/drawing/2014/main" id="{3019DD8C-3F93-497D-BABE-DD51D56AD6FE}"/>
+              </a:ext>
+            </a:extLst>
+          </p:cNvPr>
+          <p:cNvSpPr txBox="1"/>
+          <p:nvPr/>
+        </p:nvSpPr>
+        <p:spPr>
+          <a:xfrm>
+            <a:off x="1306286" y="2543175"/>
+            <a:ext cx="3949472" cy="3416320"/>
+          </a:xfrm>
+          <a:prstGeom prst="rect">
+            <a:avLst/>
+          </a:prstGeom>
+          <a:noFill/>
+        </p:spPr>
+        <p:txBody>
+          <a:bodyPr wrap="square" rtlCol="0">
+            <a:spAutoFit/>
+          </a:bodyPr>
+          <a:lstStyle/>
+          <a:p>
+            <a:pPr marL="285750" indent="-285750">
+              <a:buFont typeface="Arial" panose="020B0604020202020204" pitchFamily="34" charset="0"/>
+              <a:buChar char="•"/>
+            </a:pPr>
+            <a:r>
+              <a:rPr lang="en-US" dirty="0"/>
+              <a:t>Model 1 included only the engine size and fuel consumption features.</a:t>
+            </a:r>
+          </a:p>
+          <a:p>
+            <a:pPr marL="285750" indent="-285750">
+              <a:buFont typeface="Arial" panose="020B0604020202020204" pitchFamily="34" charset="0"/>
+              <a:buChar char="•"/>
+            </a:pPr>
+            <a:r>
+              <a:rPr lang="en-US" dirty="0"/>
+              <a:t>Model 2 included all features.</a:t>
+            </a:r>
+          </a:p>
+          <a:p>
+            <a:pPr marL="285750" indent="-285750">
+              <a:buFont typeface="Arial" panose="020B0604020202020204" pitchFamily="34" charset="0"/>
+              <a:buChar char="•"/>
+            </a:pPr>
+            <a:r>
+              <a:rPr lang="en-US" dirty="0"/>
+              <a:t>Model 3 included only statistically significant features from Model 2.</a:t>
+            </a:r>
+          </a:p>
+          <a:p>
+            <a:pPr marL="285750" indent="-285750">
+              <a:buFont typeface="Arial" panose="020B0604020202020204" pitchFamily="34" charset="0"/>
+              <a:buChar char="•"/>
+            </a:pPr>
+            <a:endParaRPr lang="en-US" dirty="0"/>
+          </a:p>
+          <a:p>
+            <a:pPr marL="285750" indent="-285750">
+              <a:buFont typeface="Arial" panose="020B0604020202020204" pitchFamily="34" charset="0"/>
+              <a:buChar char="•"/>
+            </a:pPr>
+            <a:r>
+              <a:rPr lang="en-US" dirty="0"/>
+              <a:t>We believe that Model 3 is the best model as it shows very high correlation between features and targets, while also reducing the complexity of model 2 by removing unnecessary features.</a:t>
+            </a:r>
+          </a:p>
+        </p:txBody>
+      </p:sp>
+    </p:spTree>
+    <p:extLst>
+      <p:ext uri="{BB962C8B-B14F-4D97-AF65-F5344CB8AC3E}">
+        <p14:creationId xmlns:p14="http://schemas.microsoft.com/office/powerpoint/2010/main" val="1159524689"/>
+      </p:ext>
+    </p:extLst>
+  </p:cSld>
+  <p:clrMapOvr>
+    <a:masterClrMapping/>
+  </p:clrMapOvr>
+</p:sld>
+</file>
+
+<file path=ppt/slides/slide8.xml><?xml version="1.0" encoding="utf-8"?>
+<p:sld xmlns:a="http://schemas.openxmlformats.org/drawingml/2006/main" xmlns:r="http://schemas.openxmlformats.org/officeDocument/2006/relationships" xmlns:p="http://schemas.openxmlformats.org/presentationml/2006/main">
+  <p:cSld>
+    <p:bg>
+      <p:bgPr>
+        <a:solidFill>
+          <a:schemeClr val="bg1"/>
+        </a:solidFill>
+        <a:effectLst/>
+      </p:bgPr>
+    </p:bg>
+    <p:spTree>
+      <p:nvGrpSpPr>
+        <p:cNvPr id="1" name=""/>
+        <p:cNvGrpSpPr/>
+        <p:nvPr/>
+      </p:nvGrpSpPr>
+      <p:grpSpPr>
+        <a:xfrm>
+          <a:off x="0" y="0"/>
+          <a:ext cx="0" cy="0"/>
+          <a:chOff x="0" y="0"/>
+          <a:chExt cx="0" cy="0"/>
+        </a:xfrm>
+      </p:grpSpPr>
+      <p:sp useBgFill="1">
+        <p:nvSpPr>
+          <p:cNvPr id="27" name="Rectangle 14">
+            <a:extLst>
+              <a:ext uri="{FF2B5EF4-FFF2-40B4-BE49-F238E27FC236}">
+                <a16:creationId xmlns:a16="http://schemas.microsoft.com/office/drawing/2014/main" id="{799709F6-819A-4A9B-B299-52B516DA202B}"/>
+              </a:ext>
+              <a:ext uri="{C183D7F6-B498-43B3-948B-1728B52AA6E4}">
+                <adec:decorative xmlns:adec="http://schemas.microsoft.com/office/drawing/2017/decorative" val="1"/>
+              </a:ext>
+            </a:extLst>
+          </p:cNvPr>
+          <p:cNvSpPr>
+            <a:spLocks noGrp="1" noRot="1" noChangeAspect="1" noMove="1" noResize="1" noEditPoints="1" noAdjustHandles="1" noChangeArrowheads="1" noChangeShapeType="1" noTextEdit="1"/>
+          </p:cNvSpPr>
+          <p:nvPr>
+            <p:extLst>
+              <p:ext uri="{386F3935-93C4-4BCD-93E2-E3B085C9AB24}">
+                <p16:designElem xmlns:p16="http://schemas.microsoft.com/office/powerpoint/2015/main" val="1"/>
+              </p:ext>
+            </p:extLst>
+          </p:nvPr>
+        </p:nvSpPr>
+        <p:spPr>
+          <a:xfrm>
+            <a:off x="0" y="0"/>
+            <a:ext cx="12188952" cy="6858000"/>
+          </a:xfrm>
+          <a:prstGeom prst="rect">
+            <a:avLst/>
+          </a:prstGeom>
+          <a:ln>
+            <a:noFill/>
+          </a:ln>
+        </p:spPr>
+        <p:style>
+          <a:lnRef idx="2">
+            <a:schemeClr val="accent1">
+              <a:shade val="50000"/>
+            </a:schemeClr>
+          </a:lnRef>
+          <a:fillRef idx="1">
+            <a:schemeClr val="accent1"/>
+          </a:fillRef>
+          <a:effectRef idx="0">
+            <a:schemeClr val="accent1"/>
+          </a:effectRef>
+          <a:fontRef idx="minor">
+            <a:schemeClr val="lt1"/>
+          </a:fontRef>
+        </p:style>
+        <p:txBody>
+          <a:bodyPr rtlCol="0" anchor="ctr"/>
+          <a:lstStyle/>
+          <a:p>
+            <a:pPr marL="0" marR="0" lvl="0" indent="0" algn="ctr" defTabSz="914400" rtl="0" eaLnBrk="1" fontAlgn="auto" latinLnBrk="0" hangingPunct="1">
+              <a:lnSpc>
+                <a:spcPct val="100000"/>
+              </a:lnSpc>
+              <a:spcBef>
+                <a:spcPts val="0"/>
+              </a:spcBef>
+              <a:spcAft>
+                <a:spcPts val="0"/>
+              </a:spcAft>
+              <a:buClrTx/>
+              <a:buSzTx/>
+              <a:buFontTx/>
+              <a:buNone/>
+              <a:tabLst/>
+              <a:defRPr/>
+            </a:pPr>
+            <a:endParaRPr kumimoji="0" lang="en-US" sz="1800" b="0" i="0" u="none" strike="noStrike" kern="1200" cap="none" spc="0" normalizeH="0" baseline="0" noProof="0">
+              <a:ln>
+                <a:noFill/>
+              </a:ln>
+              <a:solidFill>
+                <a:prstClr val="white"/>
+              </a:solidFill>
+              <a:effectLst/>
+              <a:uLnTx/>
+              <a:uFillTx/>
+              <a:latin typeface="Calibri" panose="020F0502020204030204"/>
+              <a:ea typeface="+mn-ea"/>
+              <a:cs typeface="+mn-cs"/>
+            </a:endParaRPr>
+          </a:p>
+        </p:txBody>
+      </p:sp>
+      <p:grpSp>
+        <p:nvGrpSpPr>
+          <p:cNvPr id="28" name="Group 16">
+            <a:extLst>
+              <a:ext uri="{FF2B5EF4-FFF2-40B4-BE49-F238E27FC236}">
+                <a16:creationId xmlns:a16="http://schemas.microsoft.com/office/drawing/2014/main" id="{DE956BBB-7B91-4BF1-8CC5-4F1F5C3E0947}"/>
+              </a:ext>
+              <a:ext uri="{C183D7F6-B498-43B3-948B-1728B52AA6E4}">
+                <adec:decorative xmlns:adec="http://schemas.microsoft.com/office/drawing/2017/decorative" val="1"/>
+              </a:ext>
+            </a:extLst>
+          </p:cNvPr>
+          <p:cNvGrpSpPr>
+            <a:grpSpLocks noGrp="1" noUngrp="1" noRot="1" noChangeAspect="1" noMove="1" noResize="1"/>
+          </p:cNvGrpSpPr>
+          <p:nvPr>
+            <p:extLst>
+              <p:ext uri="{386F3935-93C4-4BCD-93E2-E3B085C9AB24}">
+                <p16:designElem xmlns:p16="http://schemas.microsoft.com/office/powerpoint/2015/main" val="1"/>
+              </p:ext>
+            </p:extLst>
+          </p:nvPr>
+        </p:nvGrpSpPr>
+        <p:grpSpPr>
+          <a:xfrm>
+            <a:off x="409710" y="635715"/>
+            <a:ext cx="11142208" cy="2482136"/>
+            <a:chOff x="409710" y="635715"/>
+            <a:chExt cx="11142208" cy="2482136"/>
+          </a:xfrm>
+        </p:grpSpPr>
+        <p:sp>
+          <p:nvSpPr>
+            <p:cNvPr id="18" name="Freeform 44">
+              <a:extLst>
+                <a:ext uri="{FF2B5EF4-FFF2-40B4-BE49-F238E27FC236}">
+                  <a16:creationId xmlns:a16="http://schemas.microsoft.com/office/drawing/2014/main" id="{331C4F13-3AB4-4BD8-B1A2-76809863ED9D}"/>
+                </a:ext>
+                <a:ext uri="{C183D7F6-B498-43B3-948B-1728B52AA6E4}">
+                  <adec:decorative xmlns:adec="http://schemas.microsoft.com/office/drawing/2017/decorative" val="1"/>
+                </a:ext>
+              </a:extLst>
+            </p:cNvPr>
+            <p:cNvSpPr>
+              <a:spLocks/>
+            </p:cNvSpPr>
+            <p:nvPr>
+              <p:extLst>
+                <p:ext uri="{386F3935-93C4-4BCD-93E2-E3B085C9AB24}">
+                  <p16:designElem xmlns:p16="http://schemas.microsoft.com/office/powerpoint/2015/main" val="1"/>
+                </p:ext>
+              </p:extLst>
+            </p:nvPr>
+          </p:nvSpPr>
+          <p:spPr bwMode="auto">
+            <a:xfrm>
+              <a:off x="11223203" y="635716"/>
+              <a:ext cx="328612" cy="1742360"/>
+            </a:xfrm>
+            <a:custGeom>
+              <a:avLst/>
+              <a:gdLst>
+                <a:gd name="T0" fmla="*/ 207 w 207"/>
+                <a:gd name="T1" fmla="*/ 987 h 1114"/>
+                <a:gd name="T2" fmla="*/ 0 w 207"/>
+                <a:gd name="T3" fmla="*/ 1114 h 1114"/>
+                <a:gd name="T4" fmla="*/ 0 w 207"/>
+                <a:gd name="T5" fmla="*/ 127 h 1114"/>
+                <a:gd name="T6" fmla="*/ 207 w 207"/>
+                <a:gd name="T7" fmla="*/ 0 h 1114"/>
+                <a:gd name="T8" fmla="*/ 207 w 207"/>
+                <a:gd name="T9" fmla="*/ 987 h 1114"/>
+              </a:gdLst>
+              <a:ahLst/>
+              <a:cxnLst>
+                <a:cxn ang="0">
+                  <a:pos x="T0" y="T1"/>
+                </a:cxn>
+                <a:cxn ang="0">
+                  <a:pos x="T2" y="T3"/>
+                </a:cxn>
+                <a:cxn ang="0">
+                  <a:pos x="T4" y="T5"/>
+                </a:cxn>
+                <a:cxn ang="0">
+                  <a:pos x="T6" y="T7"/>
+                </a:cxn>
+                <a:cxn ang="0">
+                  <a:pos x="T8" y="T9"/>
+                </a:cxn>
+              </a:cxnLst>
+              <a:rect l="0" t="0" r="r" b="b"/>
+              <a:pathLst>
+                <a:path w="207" h="1114">
+                  <a:moveTo>
+                    <a:pt x="207" y="987"/>
+                  </a:moveTo>
+                  <a:lnTo>
+                    <a:pt x="0" y="1114"/>
+                  </a:lnTo>
+                  <a:lnTo>
+                    <a:pt x="0" y="127"/>
+                  </a:lnTo>
+                  <a:lnTo>
+                    <a:pt x="207" y="0"/>
+                  </a:lnTo>
+                  <a:lnTo>
+                    <a:pt x="207" y="987"/>
+                  </a:lnTo>
+                  <a:close/>
+                </a:path>
+              </a:pathLst>
+            </a:custGeom>
+            <a:solidFill>
+              <a:schemeClr val="accent1">
+                <a:lumMod val="50000"/>
+              </a:schemeClr>
+            </a:solidFill>
+            <a:ln>
+              <a:noFill/>
+            </a:ln>
+          </p:spPr>
+          <p:txBody>
+            <a:bodyPr vert="horz" wrap="square" lIns="91440" tIns="45720" rIns="91440" bIns="45720" numCol="1" anchor="t" anchorCtr="0" compatLnSpc="1">
+              <a:prstTxWarp prst="textNoShape">
+                <a:avLst/>
+              </a:prstTxWarp>
+            </a:bodyPr>
+            <a:lstStyle/>
+            <a:p>
+              <a:pPr marL="0" marR="0" lvl="0" indent="0" algn="l" defTabSz="914400" rtl="0" eaLnBrk="1" fontAlgn="auto" latinLnBrk="0" hangingPunct="1">
+                <a:lnSpc>
+                  <a:spcPct val="100000"/>
+                </a:lnSpc>
+                <a:spcBef>
+                  <a:spcPts val="0"/>
+                </a:spcBef>
+                <a:spcAft>
+                  <a:spcPts val="0"/>
+                </a:spcAft>
+                <a:buClrTx/>
+                <a:buSzTx/>
+                <a:buFontTx/>
+                <a:buNone/>
+                <a:tabLst/>
+                <a:defRPr/>
+              </a:pPr>
+              <a:endParaRPr kumimoji="0" lang="en-US" sz="1800" b="0" i="0" u="none" strike="noStrike" kern="1200" cap="none" spc="0" normalizeH="0" baseline="0" noProof="0">
+                <a:ln>
+                  <a:noFill/>
+                </a:ln>
+                <a:solidFill>
+                  <a:prstClr val="black"/>
+                </a:solidFill>
+                <a:effectLst/>
+                <a:uLnTx/>
+                <a:uFillTx/>
+                <a:latin typeface="Calibri" panose="020F0502020204030204"/>
+                <a:ea typeface="+mn-ea"/>
+                <a:cs typeface="+mn-cs"/>
+              </a:endParaRPr>
+            </a:p>
+          </p:txBody>
+        </p:sp>
+        <p:sp>
+          <p:nvSpPr>
+            <p:cNvPr id="29" name="Freeform 45">
+              <a:extLst>
+                <a:ext uri="{FF2B5EF4-FFF2-40B4-BE49-F238E27FC236}">
+                  <a16:creationId xmlns:a16="http://schemas.microsoft.com/office/drawing/2014/main" id="{52D8231F-00FF-4EE0-B405-28CC397CF071}"/>
+                </a:ext>
+                <a:ext uri="{C183D7F6-B498-43B3-948B-1728B52AA6E4}">
+                  <adec:decorative xmlns:adec="http://schemas.microsoft.com/office/drawing/2017/decorative" val="1"/>
+                </a:ext>
+              </a:extLst>
+            </p:cNvPr>
+            <p:cNvSpPr>
+              <a:spLocks/>
+            </p:cNvSpPr>
+            <p:nvPr>
+              <p:extLst>
+                <p:ext uri="{386F3935-93C4-4BCD-93E2-E3B085C9AB24}">
+                  <p16:designElem xmlns:p16="http://schemas.microsoft.com/office/powerpoint/2015/main" val="1"/>
+                </p:ext>
+              </p:extLst>
+            </p:nvPr>
+          </p:nvSpPr>
+          <p:spPr bwMode="auto">
+            <a:xfrm>
+              <a:off x="409710" y="1022350"/>
+              <a:ext cx="709612" cy="2095501"/>
+            </a:xfrm>
+            <a:custGeom>
+              <a:avLst/>
+              <a:gdLst>
+                <a:gd name="T0" fmla="*/ 447 w 447"/>
+                <a:gd name="T1" fmla="*/ 1363 h 1363"/>
+                <a:gd name="T2" fmla="*/ 0 w 447"/>
+                <a:gd name="T3" fmla="*/ 987 h 1363"/>
+                <a:gd name="T4" fmla="*/ 0 w 447"/>
+                <a:gd name="T5" fmla="*/ 0 h 1363"/>
+                <a:gd name="T6" fmla="*/ 447 w 447"/>
+                <a:gd name="T7" fmla="*/ 376 h 1363"/>
+                <a:gd name="T8" fmla="*/ 447 w 447"/>
+                <a:gd name="T9" fmla="*/ 1363 h 1363"/>
+              </a:gdLst>
+              <a:ahLst/>
+              <a:cxnLst>
+                <a:cxn ang="0">
+                  <a:pos x="T0" y="T1"/>
+                </a:cxn>
+                <a:cxn ang="0">
+                  <a:pos x="T2" y="T3"/>
+                </a:cxn>
+                <a:cxn ang="0">
+                  <a:pos x="T4" y="T5"/>
+                </a:cxn>
+                <a:cxn ang="0">
+                  <a:pos x="T6" y="T7"/>
+                </a:cxn>
+                <a:cxn ang="0">
+                  <a:pos x="T8" y="T9"/>
+                </a:cxn>
+              </a:cxnLst>
+              <a:rect l="0" t="0" r="r" b="b"/>
+              <a:pathLst>
+                <a:path w="447" h="1363">
+                  <a:moveTo>
+                    <a:pt x="447" y="1363"/>
+                  </a:moveTo>
+                  <a:lnTo>
+                    <a:pt x="0" y="987"/>
+                  </a:lnTo>
+                  <a:lnTo>
+                    <a:pt x="0" y="0"/>
+                  </a:lnTo>
+                  <a:lnTo>
+                    <a:pt x="447" y="376"/>
+                  </a:lnTo>
+                  <a:lnTo>
+                    <a:pt x="447" y="1363"/>
+                  </a:lnTo>
+                  <a:close/>
+                </a:path>
+              </a:pathLst>
+            </a:custGeom>
+            <a:solidFill>
+              <a:schemeClr val="accent1">
+                <a:lumMod val="50000"/>
+              </a:schemeClr>
+            </a:solidFill>
+            <a:ln>
+              <a:noFill/>
+            </a:ln>
+          </p:spPr>
+          <p:txBody>
+            <a:bodyPr vert="horz" wrap="square" lIns="91440" tIns="45720" rIns="91440" bIns="45720" numCol="1" anchor="t" anchorCtr="0" compatLnSpc="1">
+              <a:prstTxWarp prst="textNoShape">
+                <a:avLst/>
+              </a:prstTxWarp>
+            </a:bodyPr>
+            <a:lstStyle/>
+            <a:p>
+              <a:pPr marL="0" marR="0" lvl="0" indent="0" algn="l" defTabSz="914400" rtl="0" eaLnBrk="1" fontAlgn="auto" latinLnBrk="0" hangingPunct="1">
+                <a:lnSpc>
+                  <a:spcPct val="100000"/>
+                </a:lnSpc>
+                <a:spcBef>
+                  <a:spcPts val="0"/>
+                </a:spcBef>
+                <a:spcAft>
+                  <a:spcPts val="0"/>
+                </a:spcAft>
+                <a:buClrTx/>
+                <a:buSzTx/>
+                <a:buFontTx/>
+                <a:buNone/>
+                <a:tabLst/>
+                <a:defRPr/>
+              </a:pPr>
+              <a:endParaRPr kumimoji="0" lang="en-US" sz="1800" b="0" i="0" u="none" strike="noStrike" kern="1200" cap="none" spc="0" normalizeH="0" baseline="0" noProof="0">
+                <a:ln>
+                  <a:noFill/>
+                </a:ln>
+                <a:solidFill>
+                  <a:prstClr val="black"/>
+                </a:solidFill>
+                <a:effectLst/>
+                <a:uLnTx/>
+                <a:uFillTx/>
+                <a:latin typeface="Calibri" panose="020F0502020204030204"/>
+                <a:ea typeface="+mn-ea"/>
+                <a:cs typeface="+mn-cs"/>
+              </a:endParaRPr>
+            </a:p>
+          </p:txBody>
+        </p:sp>
+        <p:sp>
+          <p:nvSpPr>
+            <p:cNvPr id="20" name="Freeform 46">
+              <a:extLst>
+                <a:ext uri="{FF2B5EF4-FFF2-40B4-BE49-F238E27FC236}">
+                  <a16:creationId xmlns:a16="http://schemas.microsoft.com/office/drawing/2014/main" id="{C80BB271-C270-4FB5-B9F1-D81F239ED03F}"/>
+                </a:ext>
+                <a:ext uri="{C183D7F6-B498-43B3-948B-1728B52AA6E4}">
+                  <adec:decorative xmlns:adec="http://schemas.microsoft.com/office/drawing/2017/decorative" val="1"/>
+                </a:ext>
+              </a:extLst>
+            </p:cNvPr>
+            <p:cNvSpPr>
+              <a:spLocks/>
+            </p:cNvSpPr>
+            <p:nvPr>
+              <p:extLst>
+                <p:ext uri="{386F3935-93C4-4BCD-93E2-E3B085C9AB24}">
+                  <p16:designElem xmlns:p16="http://schemas.microsoft.com/office/powerpoint/2015/main" val="1"/>
+                </p:ext>
+              </p:extLst>
+            </p:nvPr>
+          </p:nvSpPr>
+          <p:spPr bwMode="auto">
+            <a:xfrm>
+              <a:off x="409710" y="837744"/>
+              <a:ext cx="403225" cy="1705431"/>
+            </a:xfrm>
+            <a:custGeom>
+              <a:avLst/>
+              <a:gdLst>
+                <a:gd name="T0" fmla="*/ 254 w 254"/>
+                <a:gd name="T1" fmla="*/ 987 h 1109"/>
+                <a:gd name="T2" fmla="*/ 0 w 254"/>
+                <a:gd name="T3" fmla="*/ 1109 h 1109"/>
+                <a:gd name="T4" fmla="*/ 0 w 254"/>
+                <a:gd name="T5" fmla="*/ 119 h 1109"/>
+                <a:gd name="T6" fmla="*/ 254 w 254"/>
+                <a:gd name="T7" fmla="*/ 0 h 1109"/>
+                <a:gd name="T8" fmla="*/ 254 w 254"/>
+                <a:gd name="T9" fmla="*/ 987 h 1109"/>
+              </a:gdLst>
+              <a:ahLst/>
+              <a:cxnLst>
+                <a:cxn ang="0">
+                  <a:pos x="T0" y="T1"/>
+                </a:cxn>
+                <a:cxn ang="0">
+                  <a:pos x="T2" y="T3"/>
+                </a:cxn>
+                <a:cxn ang="0">
+                  <a:pos x="T4" y="T5"/>
+                </a:cxn>
+                <a:cxn ang="0">
+                  <a:pos x="T6" y="T7"/>
+                </a:cxn>
+                <a:cxn ang="0">
+                  <a:pos x="T8" y="T9"/>
+                </a:cxn>
+              </a:cxnLst>
+              <a:rect l="0" t="0" r="r" b="b"/>
+              <a:pathLst>
+                <a:path w="254" h="1109">
+                  <a:moveTo>
+                    <a:pt x="254" y="987"/>
+                  </a:moveTo>
+                  <a:lnTo>
+                    <a:pt x="0" y="1109"/>
+                  </a:lnTo>
+                  <a:lnTo>
+                    <a:pt x="0" y="119"/>
+                  </a:lnTo>
+                  <a:lnTo>
+                    <a:pt x="254" y="0"/>
+                  </a:lnTo>
+                  <a:lnTo>
+                    <a:pt x="254" y="987"/>
+                  </a:lnTo>
+                  <a:close/>
+                </a:path>
+              </a:pathLst>
+            </a:custGeom>
+            <a:solidFill>
+              <a:schemeClr val="accent1">
+                <a:lumMod val="75000"/>
+              </a:schemeClr>
+            </a:solidFill>
+            <a:ln>
+              <a:noFill/>
+            </a:ln>
+          </p:spPr>
+          <p:txBody>
+            <a:bodyPr vert="horz" wrap="square" lIns="91440" tIns="45720" rIns="91440" bIns="45720" numCol="1" anchor="t" anchorCtr="0" compatLnSpc="1">
+              <a:prstTxWarp prst="textNoShape">
+                <a:avLst/>
+              </a:prstTxWarp>
+            </a:bodyPr>
+            <a:lstStyle/>
+            <a:p>
+              <a:pPr marL="0" marR="0" lvl="0" indent="0" algn="l" defTabSz="914400" rtl="0" eaLnBrk="1" fontAlgn="auto" latinLnBrk="0" hangingPunct="1">
+                <a:lnSpc>
+                  <a:spcPct val="100000"/>
+                </a:lnSpc>
+                <a:spcBef>
+                  <a:spcPts val="0"/>
+                </a:spcBef>
+                <a:spcAft>
+                  <a:spcPts val="0"/>
+                </a:spcAft>
+                <a:buClrTx/>
+                <a:buSzTx/>
+                <a:buFontTx/>
+                <a:buNone/>
+                <a:tabLst/>
+                <a:defRPr/>
+              </a:pPr>
+              <a:endParaRPr kumimoji="0" lang="en-US" sz="1800" b="0" i="0" u="none" strike="noStrike" kern="1200" cap="none" spc="0" normalizeH="0" baseline="0" noProof="0">
+                <a:ln>
+                  <a:noFill/>
+                </a:ln>
+                <a:solidFill>
+                  <a:prstClr val="black"/>
+                </a:solidFill>
+                <a:effectLst/>
+                <a:uLnTx/>
+                <a:uFillTx/>
+                <a:latin typeface="Calibri" panose="020F0502020204030204"/>
+                <a:ea typeface="+mn-ea"/>
+                <a:cs typeface="+mn-cs"/>
+              </a:endParaRPr>
+            </a:p>
+          </p:txBody>
+        </p:sp>
+        <p:sp>
+          <p:nvSpPr>
+            <p:cNvPr id="30" name="Freeform 47">
+              <a:extLst>
+                <a:ext uri="{FF2B5EF4-FFF2-40B4-BE49-F238E27FC236}">
+                  <a16:creationId xmlns:a16="http://schemas.microsoft.com/office/drawing/2014/main" id="{1BDA5F0C-5FEC-4DA5-A154-3EC7AA69004D}"/>
+                </a:ext>
+                <a:ext uri="{C183D7F6-B498-43B3-948B-1728B52AA6E4}">
+                  <adec:decorative xmlns:adec="http://schemas.microsoft.com/office/drawing/2017/decorative" val="1"/>
+                </a:ext>
+              </a:extLst>
+            </p:cNvPr>
+            <p:cNvSpPr>
+              <a:spLocks/>
+            </p:cNvSpPr>
+            <p:nvPr>
+              <p:extLst>
+                <p:ext uri="{386F3935-93C4-4BCD-93E2-E3B085C9AB24}">
+                  <p16:designElem xmlns:p16="http://schemas.microsoft.com/office/powerpoint/2015/main" val="1"/>
+                </p:ext>
+              </p:extLst>
+            </p:nvPr>
+          </p:nvSpPr>
+          <p:spPr bwMode="auto">
+            <a:xfrm>
+              <a:off x="644660" y="640894"/>
+              <a:ext cx="168275" cy="1713195"/>
+            </a:xfrm>
+            <a:custGeom>
+              <a:avLst/>
+              <a:gdLst>
+                <a:gd name="T0" fmla="*/ 106 w 106"/>
+                <a:gd name="T1" fmla="*/ 1114 h 1114"/>
+                <a:gd name="T2" fmla="*/ 0 w 106"/>
+                <a:gd name="T3" fmla="*/ 1005 h 1114"/>
+                <a:gd name="T4" fmla="*/ 0 w 106"/>
+                <a:gd name="T5" fmla="*/ 0 h 1114"/>
+                <a:gd name="T6" fmla="*/ 106 w 106"/>
+                <a:gd name="T7" fmla="*/ 110 h 1114"/>
+                <a:gd name="T8" fmla="*/ 106 w 106"/>
+                <a:gd name="T9" fmla="*/ 1114 h 1114"/>
+              </a:gdLst>
+              <a:ahLst/>
+              <a:cxnLst>
+                <a:cxn ang="0">
+                  <a:pos x="T0" y="T1"/>
+                </a:cxn>
+                <a:cxn ang="0">
+                  <a:pos x="T2" y="T3"/>
+                </a:cxn>
+                <a:cxn ang="0">
+                  <a:pos x="T4" y="T5"/>
+                </a:cxn>
+                <a:cxn ang="0">
+                  <a:pos x="T6" y="T7"/>
+                </a:cxn>
+                <a:cxn ang="0">
+                  <a:pos x="T8" y="T9"/>
+                </a:cxn>
+              </a:cxnLst>
+              <a:rect l="0" t="0" r="r" b="b"/>
+              <a:pathLst>
+                <a:path w="106" h="1114">
+                  <a:moveTo>
+                    <a:pt x="106" y="1114"/>
+                  </a:moveTo>
+                  <a:lnTo>
+                    <a:pt x="0" y="1005"/>
+                  </a:lnTo>
+                  <a:lnTo>
+                    <a:pt x="0" y="0"/>
+                  </a:lnTo>
+                  <a:lnTo>
+                    <a:pt x="106" y="110"/>
+                  </a:lnTo>
+                  <a:lnTo>
+                    <a:pt x="106" y="1114"/>
+                  </a:lnTo>
+                  <a:close/>
+                </a:path>
+              </a:pathLst>
+            </a:custGeom>
+            <a:solidFill>
+              <a:schemeClr val="accent1">
+                <a:lumMod val="50000"/>
+              </a:schemeClr>
+            </a:solidFill>
+            <a:ln>
+              <a:noFill/>
+            </a:ln>
+          </p:spPr>
+          <p:txBody>
+            <a:bodyPr vert="horz" wrap="square" lIns="91440" tIns="45720" rIns="91440" bIns="45720" numCol="1" anchor="t" anchorCtr="0" compatLnSpc="1">
+              <a:prstTxWarp prst="textNoShape">
+                <a:avLst/>
+              </a:prstTxWarp>
+            </a:bodyPr>
+            <a:lstStyle/>
+            <a:p>
+              <a:pPr marL="0" marR="0" lvl="0" indent="0" algn="l" defTabSz="914400" rtl="0" eaLnBrk="1" fontAlgn="auto" latinLnBrk="0" hangingPunct="1">
+                <a:lnSpc>
+                  <a:spcPct val="100000"/>
+                </a:lnSpc>
+                <a:spcBef>
+                  <a:spcPts val="0"/>
+                </a:spcBef>
+                <a:spcAft>
+                  <a:spcPts val="0"/>
+                </a:spcAft>
+                <a:buClrTx/>
+                <a:buSzTx/>
+                <a:buFontTx/>
+                <a:buNone/>
+                <a:tabLst/>
+                <a:defRPr/>
+              </a:pPr>
+              <a:endParaRPr kumimoji="0" lang="en-US" sz="1800" b="0" i="0" u="none" strike="noStrike" kern="1200" cap="none" spc="0" normalizeH="0" baseline="0" noProof="0">
+                <a:ln>
+                  <a:noFill/>
+                </a:ln>
+                <a:solidFill>
+                  <a:prstClr val="black"/>
+                </a:solidFill>
+                <a:effectLst/>
+                <a:uLnTx/>
+                <a:uFillTx/>
+                <a:latin typeface="Calibri" panose="020F0502020204030204"/>
+                <a:ea typeface="+mn-ea"/>
+                <a:cs typeface="+mn-cs"/>
+              </a:endParaRPr>
+            </a:p>
+          </p:txBody>
+        </p:sp>
+        <p:sp>
+          <p:nvSpPr>
+            <p:cNvPr id="22" name="Rectangle 21">
+              <a:extLst>
+                <a:ext uri="{FF2B5EF4-FFF2-40B4-BE49-F238E27FC236}">
+                  <a16:creationId xmlns:a16="http://schemas.microsoft.com/office/drawing/2014/main" id="{E342B9BC-62E1-4F01-AE2D-4143126BE045}"/>
+                </a:ext>
+                <a:ext uri="{C183D7F6-B498-43B3-948B-1728B52AA6E4}">
+                  <adec:decorative xmlns:adec="http://schemas.microsoft.com/office/drawing/2017/decorative" val="1"/>
+                </a:ext>
+              </a:extLst>
+            </p:cNvPr>
+            <p:cNvSpPr>
+              <a:spLocks noChangeArrowheads="1"/>
+            </p:cNvSpPr>
+            <p:nvPr>
+              <p:extLst>
+                <p:ext uri="{386F3935-93C4-4BCD-93E2-E3B085C9AB24}">
+                  <p16:designElem xmlns:p16="http://schemas.microsoft.com/office/powerpoint/2015/main" val="1"/>
+                </p:ext>
+              </p:extLst>
+            </p:nvPr>
+          </p:nvSpPr>
+          <p:spPr bwMode="auto">
+            <a:xfrm>
+              <a:off x="644055" y="635715"/>
+              <a:ext cx="10907863" cy="1541457"/>
+            </a:xfrm>
+            <a:prstGeom prst="rect">
+              <a:avLst/>
+            </a:prstGeom>
+            <a:solidFill>
+              <a:schemeClr val="accent1"/>
+            </a:solidFill>
+            <a:ln>
+              <a:noFill/>
+            </a:ln>
+          </p:spPr>
+          <p:txBody>
+            <a:bodyPr vert="horz" wrap="square" lIns="91440" tIns="45720" rIns="91440" bIns="45720" numCol="1" anchor="t" anchorCtr="0" compatLnSpc="1">
+              <a:prstTxWarp prst="textNoShape">
+                <a:avLst/>
+              </a:prstTxWarp>
+            </a:bodyPr>
+            <a:lstStyle/>
+            <a:p>
+              <a:pPr marL="0" marR="0" lvl="0" indent="0" algn="l" defTabSz="914400" rtl="0" eaLnBrk="1" fontAlgn="auto" latinLnBrk="0" hangingPunct="1">
+                <a:lnSpc>
+                  <a:spcPct val="100000"/>
+                </a:lnSpc>
+                <a:spcBef>
+                  <a:spcPts val="0"/>
+                </a:spcBef>
+                <a:spcAft>
+                  <a:spcPts val="0"/>
+                </a:spcAft>
+                <a:buClrTx/>
+                <a:buSzTx/>
+                <a:buFontTx/>
+                <a:buNone/>
+                <a:tabLst/>
+                <a:defRPr/>
+              </a:pPr>
+              <a:endParaRPr kumimoji="0" lang="en-US" sz="1800" b="0" i="0" u="none" strike="noStrike" kern="1200" cap="none" spc="0" normalizeH="0" baseline="0" noProof="0">
+                <a:ln>
+                  <a:noFill/>
+                </a:ln>
+                <a:solidFill>
+                  <a:prstClr val="black"/>
+                </a:solidFill>
+                <a:effectLst/>
+                <a:uLnTx/>
+                <a:uFillTx/>
+                <a:latin typeface="Calibri" panose="020F0502020204030204"/>
+                <a:ea typeface="+mn-ea"/>
+                <a:cs typeface="+mn-cs"/>
+              </a:endParaRPr>
+            </a:p>
+          </p:txBody>
+        </p:sp>
+      </p:grpSp>
+      <p:sp>
+        <p:nvSpPr>
+          <p:cNvPr id="2" name="Title 1">
+            <a:extLst>
+              <a:ext uri="{FF2B5EF4-FFF2-40B4-BE49-F238E27FC236}">
+                <a16:creationId xmlns:a16="http://schemas.microsoft.com/office/drawing/2014/main" id="{84AA6D8D-D4B7-49A8-8A14-3239A14CE9EB}"/>
+              </a:ext>
+            </a:extLst>
+          </p:cNvPr>
+          <p:cNvSpPr>
+            <a:spLocks noGrp="1"/>
+          </p:cNvSpPr>
+          <p:nvPr>
+            <p:ph type="title"/>
+          </p:nvPr>
+        </p:nvSpPr>
+        <p:spPr>
+          <a:xfrm>
+            <a:off x="1047280" y="759805"/>
+            <a:ext cx="10306520" cy="1325563"/>
+          </a:xfrm>
+        </p:spPr>
+        <p:txBody>
+          <a:bodyPr vert="horz" lIns="91440" tIns="45720" rIns="91440" bIns="45720" rtlCol="0" anchor="ctr">
+            <a:normAutofit/>
+          </a:bodyPr>
+          <a:lstStyle/>
+          <a:p>
+            <a:r>
+              <a:rPr lang="en-US" sz="4000" dirty="0">
+                <a:solidFill>
+                  <a:srgbClr val="FFFFFF"/>
+                </a:solidFill>
+              </a:rPr>
+              <a:t>Feature </a:t>
+            </a:r>
+            <a:r>
+              <a:rPr lang="en-US" sz="4000" dirty="0" err="1">
+                <a:solidFill>
+                  <a:srgbClr val="FFFFFF"/>
+                </a:solidFill>
+              </a:rPr>
+              <a:t>Importances</a:t>
+            </a:r>
+            <a:endParaRPr lang="en-US" sz="4000" dirty="0">
+              <a:solidFill>
+                <a:srgbClr val="FFFFFF"/>
+              </a:solidFill>
+            </a:endParaRPr>
+          </a:p>
+        </p:txBody>
+      </p:sp>
+      <p:sp>
+        <p:nvSpPr>
+          <p:cNvPr id="6" name="TextBox 5">
+            <a:extLst>
+              <a:ext uri="{FF2B5EF4-FFF2-40B4-BE49-F238E27FC236}">
+                <a16:creationId xmlns:a16="http://schemas.microsoft.com/office/drawing/2014/main" id="{3019DD8C-3F93-497D-BABE-DD51D56AD6FE}"/>
+              </a:ext>
+            </a:extLst>
+          </p:cNvPr>
+          <p:cNvSpPr txBox="1"/>
+          <p:nvPr/>
+        </p:nvSpPr>
+        <p:spPr>
+          <a:xfrm>
+            <a:off x="1306286" y="2543175"/>
+            <a:ext cx="3949472" cy="3693319"/>
+          </a:xfrm>
+          <a:prstGeom prst="rect">
+            <a:avLst/>
+          </a:prstGeom>
+          <a:noFill/>
+        </p:spPr>
+        <p:txBody>
+          <a:bodyPr wrap="square" rtlCol="0">
+            <a:spAutoFit/>
+          </a:bodyPr>
+          <a:lstStyle/>
+          <a:p>
+            <a:pPr marL="285750" marR="0" lvl="0" indent="-285750" algn="l" defTabSz="914400" rtl="0" eaLnBrk="1" fontAlgn="auto" latinLnBrk="0" hangingPunct="1">
+              <a:lnSpc>
+                <a:spcPct val="100000"/>
+              </a:lnSpc>
+              <a:spcBef>
+                <a:spcPts val="0"/>
+              </a:spcBef>
+              <a:spcAft>
+                <a:spcPts val="0"/>
+              </a:spcAft>
+              <a:buClrTx/>
+              <a:buSzTx/>
+              <a:buFont typeface="Arial" panose="020B0604020202020204" pitchFamily="34" charset="0"/>
+              <a:buChar char="•"/>
+              <a:tabLst/>
+              <a:defRPr/>
+            </a:pPr>
+            <a:r>
+              <a:rPr kumimoji="0" lang="en-US" sz="1800" b="0" i="0" u="none" strike="noStrike" kern="1200" cap="none" spc="0" normalizeH="0" baseline="0" noProof="0" dirty="0">
+                <a:ln>
+                  <a:noFill/>
+                </a:ln>
+                <a:solidFill>
+                  <a:prstClr val="black"/>
+                </a:solidFill>
+                <a:effectLst/>
+                <a:uLnTx/>
+                <a:uFillTx/>
+                <a:latin typeface="Calibri" panose="020F0502020204030204"/>
+                <a:ea typeface="+mn-ea"/>
+                <a:cs typeface="+mn-cs"/>
+              </a:rPr>
+              <a:t>The 3 models share many features they think are important.</a:t>
+            </a:r>
+          </a:p>
+          <a:p>
+            <a:pPr marL="285750" marR="0" lvl="0" indent="-285750" algn="l" defTabSz="914400" rtl="0" eaLnBrk="1" fontAlgn="auto" latinLnBrk="0" hangingPunct="1">
+              <a:lnSpc>
+                <a:spcPct val="100000"/>
+              </a:lnSpc>
+              <a:spcBef>
+                <a:spcPts val="0"/>
+              </a:spcBef>
+              <a:spcAft>
+                <a:spcPts val="0"/>
+              </a:spcAft>
+              <a:buClrTx/>
+              <a:buSzTx/>
+              <a:buFont typeface="Arial" panose="020B0604020202020204" pitchFamily="34" charset="0"/>
+              <a:buChar char="•"/>
+              <a:tabLst/>
+              <a:defRPr/>
+            </a:pPr>
+            <a:r>
+              <a:rPr lang="en-US" dirty="0">
+                <a:solidFill>
+                  <a:prstClr val="black"/>
+                </a:solidFill>
+                <a:latin typeface="Calibri" panose="020F0502020204030204"/>
+              </a:rPr>
+              <a:t>Clearly, the most important features for predicting emissions are fuel type, engine size, and fuel consumption.</a:t>
+            </a:r>
+          </a:p>
+          <a:p>
+            <a:pPr marL="285750" marR="0" lvl="0" indent="-285750" algn="l" defTabSz="914400" rtl="0" eaLnBrk="1" fontAlgn="auto" latinLnBrk="0" hangingPunct="1">
+              <a:lnSpc>
+                <a:spcPct val="100000"/>
+              </a:lnSpc>
+              <a:spcBef>
+                <a:spcPts val="0"/>
+              </a:spcBef>
+              <a:spcAft>
+                <a:spcPts val="0"/>
+              </a:spcAft>
+              <a:buClrTx/>
+              <a:buSzTx/>
+              <a:buFont typeface="Arial" panose="020B0604020202020204" pitchFamily="34" charset="0"/>
+              <a:buChar char="•"/>
+              <a:tabLst/>
+              <a:defRPr/>
+            </a:pPr>
+            <a:endParaRPr kumimoji="0" lang="en-US" sz="1800" b="0" i="0" u="none" strike="noStrike" kern="1200" cap="none" spc="0" normalizeH="0" baseline="0" noProof="0" dirty="0">
+              <a:ln>
+                <a:noFill/>
+              </a:ln>
+              <a:solidFill>
+                <a:prstClr val="black"/>
+              </a:solidFill>
+              <a:effectLst/>
+              <a:uLnTx/>
+              <a:uFillTx/>
+              <a:latin typeface="Calibri" panose="020F0502020204030204"/>
+              <a:ea typeface="+mn-ea"/>
+              <a:cs typeface="+mn-cs"/>
+            </a:endParaRPr>
+          </a:p>
+          <a:p>
+            <a:pPr marL="285750" marR="0" lvl="0" indent="-285750" algn="l" defTabSz="914400" rtl="0" eaLnBrk="1" fontAlgn="auto" latinLnBrk="0" hangingPunct="1">
+              <a:lnSpc>
+                <a:spcPct val="100000"/>
+              </a:lnSpc>
+              <a:spcBef>
+                <a:spcPts val="0"/>
+              </a:spcBef>
+              <a:spcAft>
+                <a:spcPts val="0"/>
+              </a:spcAft>
+              <a:buClrTx/>
+              <a:buSzTx/>
+              <a:buFont typeface="Arial" panose="020B0604020202020204" pitchFamily="34" charset="0"/>
+              <a:buChar char="•"/>
+              <a:tabLst/>
+              <a:defRPr/>
+            </a:pPr>
+            <a:r>
+              <a:rPr lang="en-US" dirty="0">
+                <a:solidFill>
+                  <a:prstClr val="black"/>
+                </a:solidFill>
+                <a:latin typeface="Calibri" panose="020F0502020204030204"/>
+              </a:rPr>
+              <a:t>According to our model coefficients, using ethanol or natural gas instead of gasoline greatly reduces emissions.</a:t>
+            </a:r>
+          </a:p>
+          <a:p>
+            <a:pPr marL="285750" marR="0" lvl="0" indent="-285750" algn="l" defTabSz="914400" rtl="0" eaLnBrk="1" fontAlgn="auto" latinLnBrk="0" hangingPunct="1">
+              <a:lnSpc>
+                <a:spcPct val="100000"/>
+              </a:lnSpc>
+              <a:spcBef>
+                <a:spcPts val="0"/>
+              </a:spcBef>
+              <a:spcAft>
+                <a:spcPts val="0"/>
+              </a:spcAft>
+              <a:buClrTx/>
+              <a:buSzTx/>
+              <a:buFont typeface="Arial" panose="020B0604020202020204" pitchFamily="34" charset="0"/>
+              <a:buChar char="•"/>
+              <a:tabLst/>
+              <a:defRPr/>
+            </a:pPr>
+            <a:r>
+              <a:rPr kumimoji="0" lang="en-US" sz="1800" b="0" i="0" u="none" strike="noStrike" kern="1200" cap="none" spc="0" normalizeH="0" baseline="0" noProof="0" dirty="0">
+                <a:ln>
+                  <a:noFill/>
+                </a:ln>
+                <a:solidFill>
+                  <a:prstClr val="black"/>
+                </a:solidFill>
+                <a:effectLst/>
+                <a:uLnTx/>
+                <a:uFillTx/>
+                <a:latin typeface="Calibri" panose="020F0502020204030204"/>
+                <a:ea typeface="+mn-ea"/>
+                <a:cs typeface="+mn-cs"/>
+              </a:rPr>
+              <a:t>Smaller engine size tends to reduce emissions </a:t>
+            </a:r>
+            <a:r>
+              <a:rPr kumimoji="0" lang="en-US" sz="1800" b="0" i="0" u="none" strike="noStrike" kern="1200" cap="none" spc="0" normalizeH="0" baseline="0" noProof="0">
+                <a:ln>
+                  <a:noFill/>
+                </a:ln>
+                <a:solidFill>
+                  <a:prstClr val="black"/>
+                </a:solidFill>
+                <a:effectLst/>
+                <a:uLnTx/>
+                <a:uFillTx/>
+                <a:latin typeface="Calibri" panose="020F0502020204030204"/>
+                <a:ea typeface="+mn-ea"/>
+                <a:cs typeface="+mn-cs"/>
+              </a:rPr>
+              <a:t>as well.</a:t>
+            </a:r>
+            <a:endParaRPr kumimoji="0" lang="en-US" sz="1800" b="0" i="0" u="none" strike="noStrike" kern="1200" cap="none" spc="0" normalizeH="0" baseline="0" noProof="0" dirty="0">
+              <a:ln>
+                <a:noFill/>
+              </a:ln>
+              <a:solidFill>
+                <a:prstClr val="black"/>
+              </a:solidFill>
+              <a:effectLst/>
+              <a:uLnTx/>
+              <a:uFillTx/>
+              <a:latin typeface="Calibri" panose="020F0502020204030204"/>
+              <a:ea typeface="+mn-ea"/>
+              <a:cs typeface="+mn-cs"/>
+            </a:endParaRPr>
+          </a:p>
+        </p:txBody>
+      </p:sp>
+      <p:pic>
+        <p:nvPicPr>
+          <p:cNvPr id="7" name="Picture 6">
+            <a:extLst>
+              <a:ext uri="{FF2B5EF4-FFF2-40B4-BE49-F238E27FC236}">
+                <a16:creationId xmlns:a16="http://schemas.microsoft.com/office/drawing/2014/main" id="{8156BC18-4807-4916-8848-A9881B08B92C}"/>
+              </a:ext>
+            </a:extLst>
+          </p:cNvPr>
+          <p:cNvPicPr>
+            <a:picLocks noChangeAspect="1"/>
+          </p:cNvPicPr>
+          <p:nvPr/>
+        </p:nvPicPr>
+        <p:blipFill>
+          <a:blip r:embed="rId2"/>
+          <a:stretch>
+            <a:fillRect/>
+          </a:stretch>
+        </p:blipFill>
+        <p:spPr>
+          <a:xfrm>
+            <a:off x="5146323" y="2451617"/>
+            <a:ext cx="6635967" cy="4056616"/>
+          </a:xfrm>
+          <a:prstGeom prst="rect">
+            <a:avLst/>
+          </a:prstGeom>
+        </p:spPr>
+      </p:pic>
+    </p:spTree>
+    <p:extLst>
+      <p:ext uri="{BB962C8B-B14F-4D97-AF65-F5344CB8AC3E}">
+        <p14:creationId xmlns:p14="http://schemas.microsoft.com/office/powerpoint/2010/main" val="3057741815"/>
+      </p:ext>
+    </p:extLst>
+  </p:cSld>
+  <p:clrMapOvr>
+    <a:masterClrMapping/>
+  </p:clrMapOvr>
+</p:sld>
+</file>
+
+<file path=ppt/slides/slide9.xml><?xml version="1.0" encoding="utf-8"?>
+<p:sld xmlns:a="http://schemas.openxmlformats.org/drawingml/2006/main" xmlns:r="http://schemas.openxmlformats.org/officeDocument/2006/relationships" xmlns:p="http://schemas.openxmlformats.org/presentationml/2006/main">
+  <p:cSld>
     <p:spTree>
       <p:nvGrpSpPr>
         <p:cNvPr id="1" name=""/>

--- a/Final Project/Group_3_FinalProject.pptx
+++ b/Final Project/Group_3_FinalProject.pptx
@@ -10331,21 +10331,8 @@
                   <a:srgbClr val="FFFFFF"/>
                 </a:solidFill>
               </a:rPr>
-              <a:t>Feature </a:t>
-            </a:r>
-            <a:r>
-              <a:rPr lang="en-US" sz="4000" dirty="0" err="1">
-                <a:solidFill>
-                  <a:srgbClr val="FFFFFF"/>
-                </a:solidFill>
-              </a:rPr>
-              <a:t>Importances</a:t>
-            </a:r>
-            <a:endParaRPr lang="en-US" sz="4000" dirty="0">
-              <a:solidFill>
-                <a:srgbClr val="FFFFFF"/>
-              </a:solidFill>
-            </a:endParaRPr>
+              <a:t>Discussion and Conclusions</a:t>
+            </a:r>
           </a:p>
         </p:txBody>
       </p:sp>
@@ -10364,7 +10351,7 @@
         <p:spPr>
           <a:xfrm>
             <a:off x="1306286" y="2543175"/>
-            <a:ext cx="3949472" cy="3693319"/>
+            <a:ext cx="3949472" cy="3970318"/>
           </a:xfrm>
           <a:prstGeom prst="rect">
             <a:avLst/>
@@ -10502,6 +10489,29 @@
             </a:r>
           </a:p>
           <a:p>
+            <a:pPr marR="0" lvl="0" algn="l" defTabSz="914400" rtl="0" eaLnBrk="1" fontAlgn="auto" latinLnBrk="0" hangingPunct="1">
+              <a:lnSpc>
+                <a:spcPct val="100000"/>
+              </a:lnSpc>
+              <a:spcBef>
+                <a:spcPts val="0"/>
+              </a:spcBef>
+              <a:spcAft>
+                <a:spcPts val="0"/>
+              </a:spcAft>
+              <a:buClrTx/>
+              <a:buSzTx/>
+              <a:tabLst/>
+              <a:defRPr/>
+            </a:pPr>
+            <a:endParaRPr lang="en-US" dirty="0">
+              <a:solidFill>
+                <a:prstClr val="black"/>
+              </a:solidFill>
+              <a:latin typeface="Calibri" panose="020F0502020204030204"/>
+            </a:endParaRPr>
+          </a:p>
+          <a:p>
             <a:pPr marL="285750" marR="0" lvl="0" indent="-285750" algn="l" defTabSz="914400" rtl="0" eaLnBrk="1" fontAlgn="auto" latinLnBrk="0" hangingPunct="1">
               <a:lnSpc>
                 <a:spcPct val="100000"/>
@@ -10534,39 +10544,8 @@
                 <a:ea typeface="+mn-ea"/>
                 <a:cs typeface="+mn-cs"/>
               </a:rPr>
-              <a:t>Smaller engine size tends to reduce emissions </a:t>
-            </a:r>
-            <a:r>
-              <a:rPr kumimoji="0" lang="en-US" sz="1800" b="0" i="0" u="none" strike="noStrike" kern="1200" cap="none" spc="0" normalizeH="0" baseline="0" noProof="0">
-                <a:ln>
-                  <a:noFill/>
-                </a:ln>
-                <a:solidFill>
-                  <a:prstClr val="black"/>
-                </a:solidFill>
-                <a:effectLst/>
-                <a:uLnTx/>
-                <a:uFillTx/>
-                <a:latin typeface="Calibri" panose="020F0502020204030204"/>
-                <a:ea typeface="+mn-ea"/>
-                <a:cs typeface="+mn-cs"/>
-              </a:rPr>
-              <a:t>as well.</a:t>
-            </a:r>
-            <a:endParaRPr kumimoji="0" lang="en-US" sz="1800" b="0" i="0" u="none" strike="noStrike" kern="1200" cap="none" spc="0" normalizeH="0" baseline="0" noProof="0" dirty="0">
-              <a:ln>
-                <a:noFill/>
-              </a:ln>
-              <a:solidFill>
-                <a:prstClr val="black"/>
-              </a:solidFill>
-              <a:effectLst/>
-              <a:uLnTx/>
-              <a:uFillTx/>
-              <a:latin typeface="Calibri" panose="020F0502020204030204"/>
-              <a:ea typeface="+mn-ea"/>
-              <a:cs typeface="+mn-cs"/>
-            </a:endParaRPr>
+              <a:t>Smaller engine size tends to reduce emissions as well.</a:t>
+            </a:r>
           </a:p>
         </p:txBody>
       </p:sp>
